--- a/doc/image/img-usProbeSettings.pptx
+++ b/doc/image/img-usProbeSettings.pptx
@@ -7,8 +7,11 @@
   <p:sldIdLst>
     <p:sldId id="258" r:id="rId2"/>
     <p:sldId id="259" r:id="rId3"/>
-    <p:sldId id="260" r:id="rId4"/>
-    <p:sldId id="261" r:id="rId5"/>
+    <p:sldId id="266" r:id="rId4"/>
+    <p:sldId id="260" r:id="rId5"/>
+    <p:sldId id="261" r:id="rId6"/>
+    <p:sldId id="262" r:id="rId7"/>
+    <p:sldId id="265" r:id="rId8"/>
   </p:sldIdLst>
   <p:sldSz cx="9144000" cy="6858000" type="screen4x3"/>
   <p:notesSz cx="6858000" cy="9144000"/>
@@ -8700,8 +8703,8 @@
             <a:solidFill>
               <a:schemeClr val="tx1"/>
             </a:solidFill>
-            <a:headEnd type="stealth"/>
-            <a:tailEnd type="stealth"/>
+            <a:headEnd type="triangle"/>
+            <a:tailEnd type="triangle"/>
           </a:ln>
           <a:effectLst/>
         </p:spPr>
@@ -8776,8 +8779,8 @@
             <a:solidFill>
               <a:schemeClr val="tx1"/>
             </a:solidFill>
-            <a:headEnd type="stealth"/>
-            <a:tailEnd type="stealth"/>
+            <a:headEnd type="triangle"/>
+            <a:tailEnd type="triangle"/>
           </a:ln>
           <a:effectLst/>
         </p:spPr>
@@ -8985,6 +8988,875 @@
 </file>
 
 <file path=ppt/slides/slide3.xml><?xml version="1.0" encoding="utf-8"?>
+<p:sld xmlns:a="http://schemas.openxmlformats.org/drawingml/2006/main" xmlns:r="http://schemas.openxmlformats.org/officeDocument/2006/relationships" xmlns:p="http://schemas.openxmlformats.org/presentationml/2006/main">
+  <p:cSld>
+    <p:spTree>
+      <p:nvGrpSpPr>
+        <p:cNvPr id="1" name=""/>
+        <p:cNvGrpSpPr/>
+        <p:nvPr/>
+      </p:nvGrpSpPr>
+      <p:grpSpPr>
+        <a:xfrm>
+          <a:off x="0" y="0"/>
+          <a:ext cx="0" cy="0"/>
+          <a:chOff x="0" y="0"/>
+          <a:chExt cx="0" cy="0"/>
+        </a:xfrm>
+      </p:grpSpPr>
+      <p:sp>
+        <p:nvSpPr>
+          <p:cNvPr id="101" name="Ellipse 100"/>
+          <p:cNvSpPr>
+            <a:spLocks noChangeAspect="1"/>
+          </p:cNvSpPr>
+          <p:nvPr/>
+        </p:nvSpPr>
+        <p:spPr>
+          <a:xfrm>
+            <a:off x="4010167" y="4801833"/>
+            <a:ext cx="72000" cy="72000"/>
+          </a:xfrm>
+          <a:prstGeom prst="ellipse">
+            <a:avLst/>
+          </a:prstGeom>
+          <a:effectLst/>
+        </p:spPr>
+        <p:style>
+          <a:lnRef idx="1">
+            <a:schemeClr val="accent1"/>
+          </a:lnRef>
+          <a:fillRef idx="3">
+            <a:schemeClr val="accent1"/>
+          </a:fillRef>
+          <a:effectRef idx="2">
+            <a:schemeClr val="accent1"/>
+          </a:effectRef>
+          <a:fontRef idx="minor">
+            <a:schemeClr val="lt1"/>
+          </a:fontRef>
+        </p:style>
+        <p:txBody>
+          <a:bodyPr rtlCol="0" anchor="ctr"/>
+          <a:lstStyle/>
+          <a:p>
+            <a:pPr algn="ctr"/>
+            <a:endParaRPr lang="en-GB"/>
+          </a:p>
+        </p:txBody>
+      </p:sp>
+      <p:sp>
+        <p:nvSpPr>
+          <p:cNvPr id="102" name="Ellipse 101"/>
+          <p:cNvSpPr>
+            <a:spLocks noChangeAspect="1"/>
+          </p:cNvSpPr>
+          <p:nvPr/>
+        </p:nvSpPr>
+        <p:spPr>
+          <a:xfrm>
+            <a:off x="4010167" y="4981833"/>
+            <a:ext cx="72000" cy="72000"/>
+          </a:xfrm>
+          <a:prstGeom prst="ellipse">
+            <a:avLst/>
+          </a:prstGeom>
+          <a:effectLst/>
+        </p:spPr>
+        <p:style>
+          <a:lnRef idx="1">
+            <a:schemeClr val="accent1"/>
+          </a:lnRef>
+          <a:fillRef idx="3">
+            <a:schemeClr val="accent1"/>
+          </a:fillRef>
+          <a:effectRef idx="2">
+            <a:schemeClr val="accent1"/>
+          </a:effectRef>
+          <a:fontRef idx="minor">
+            <a:schemeClr val="lt1"/>
+          </a:fontRef>
+        </p:style>
+        <p:txBody>
+          <a:bodyPr rtlCol="0" anchor="ctr"/>
+          <a:lstStyle/>
+          <a:p>
+            <a:pPr algn="ctr"/>
+            <a:endParaRPr lang="en-GB"/>
+          </a:p>
+        </p:txBody>
+      </p:sp>
+      <p:sp>
+        <p:nvSpPr>
+          <p:cNvPr id="103" name="Ellipse 102"/>
+          <p:cNvSpPr>
+            <a:spLocks noChangeAspect="1"/>
+          </p:cNvSpPr>
+          <p:nvPr/>
+        </p:nvSpPr>
+        <p:spPr>
+          <a:xfrm>
+            <a:off x="4010167" y="5161833"/>
+            <a:ext cx="72000" cy="72000"/>
+          </a:xfrm>
+          <a:prstGeom prst="ellipse">
+            <a:avLst/>
+          </a:prstGeom>
+          <a:effectLst/>
+        </p:spPr>
+        <p:style>
+          <a:lnRef idx="1">
+            <a:schemeClr val="accent1"/>
+          </a:lnRef>
+          <a:fillRef idx="3">
+            <a:schemeClr val="accent1"/>
+          </a:fillRef>
+          <a:effectRef idx="2">
+            <a:schemeClr val="accent1"/>
+          </a:effectRef>
+          <a:fontRef idx="minor">
+            <a:schemeClr val="lt1"/>
+          </a:fontRef>
+        </p:style>
+        <p:txBody>
+          <a:bodyPr rtlCol="0" anchor="ctr"/>
+          <a:lstStyle/>
+          <a:p>
+            <a:pPr algn="ctr"/>
+            <a:endParaRPr lang="en-GB"/>
+          </a:p>
+        </p:txBody>
+      </p:sp>
+      <p:sp>
+        <p:nvSpPr>
+          <p:cNvPr id="104" name="Ellipse 103"/>
+          <p:cNvSpPr>
+            <a:spLocks noChangeAspect="1"/>
+          </p:cNvSpPr>
+          <p:nvPr/>
+        </p:nvSpPr>
+        <p:spPr>
+          <a:xfrm>
+            <a:off x="4010167" y="5341833"/>
+            <a:ext cx="72000" cy="72000"/>
+          </a:xfrm>
+          <a:prstGeom prst="ellipse">
+            <a:avLst/>
+          </a:prstGeom>
+          <a:effectLst/>
+        </p:spPr>
+        <p:style>
+          <a:lnRef idx="1">
+            <a:schemeClr val="accent1"/>
+          </a:lnRef>
+          <a:fillRef idx="3">
+            <a:schemeClr val="accent1"/>
+          </a:fillRef>
+          <a:effectRef idx="2">
+            <a:schemeClr val="accent1"/>
+          </a:effectRef>
+          <a:fontRef idx="minor">
+            <a:schemeClr val="lt1"/>
+          </a:fontRef>
+        </p:style>
+        <p:txBody>
+          <a:bodyPr rtlCol="0" anchor="ctr"/>
+          <a:lstStyle/>
+          <a:p>
+            <a:pPr algn="ctr"/>
+            <a:endParaRPr lang="en-GB"/>
+          </a:p>
+        </p:txBody>
+      </p:sp>
+      <p:sp>
+        <p:nvSpPr>
+          <p:cNvPr id="105" name="Ellipse 104"/>
+          <p:cNvSpPr>
+            <a:spLocks noChangeAspect="1"/>
+          </p:cNvSpPr>
+          <p:nvPr/>
+        </p:nvSpPr>
+        <p:spPr>
+          <a:xfrm>
+            <a:off x="4010167" y="5521551"/>
+            <a:ext cx="72000" cy="72000"/>
+          </a:xfrm>
+          <a:prstGeom prst="ellipse">
+            <a:avLst/>
+          </a:prstGeom>
+          <a:effectLst/>
+        </p:spPr>
+        <p:style>
+          <a:lnRef idx="1">
+            <a:schemeClr val="accent1"/>
+          </a:lnRef>
+          <a:fillRef idx="3">
+            <a:schemeClr val="accent1"/>
+          </a:fillRef>
+          <a:effectRef idx="2">
+            <a:schemeClr val="accent1"/>
+          </a:effectRef>
+          <a:fontRef idx="minor">
+            <a:schemeClr val="lt1"/>
+          </a:fontRef>
+        </p:style>
+        <p:txBody>
+          <a:bodyPr rtlCol="0" anchor="ctr"/>
+          <a:lstStyle/>
+          <a:p>
+            <a:pPr algn="ctr"/>
+            <a:endParaRPr lang="en-GB"/>
+          </a:p>
+        </p:txBody>
+      </p:sp>
+      <p:sp>
+        <p:nvSpPr>
+          <p:cNvPr id="106" name="Ellipse 105"/>
+          <p:cNvSpPr>
+            <a:spLocks noChangeAspect="1"/>
+          </p:cNvSpPr>
+          <p:nvPr/>
+        </p:nvSpPr>
+        <p:spPr>
+          <a:xfrm>
+            <a:off x="4009701" y="5701833"/>
+            <a:ext cx="72000" cy="72000"/>
+          </a:xfrm>
+          <a:prstGeom prst="ellipse">
+            <a:avLst/>
+          </a:prstGeom>
+          <a:effectLst/>
+        </p:spPr>
+        <p:style>
+          <a:lnRef idx="1">
+            <a:schemeClr val="accent1"/>
+          </a:lnRef>
+          <a:fillRef idx="3">
+            <a:schemeClr val="accent1"/>
+          </a:fillRef>
+          <a:effectRef idx="2">
+            <a:schemeClr val="accent1"/>
+          </a:effectRef>
+          <a:fontRef idx="minor">
+            <a:schemeClr val="lt1"/>
+          </a:fontRef>
+        </p:style>
+        <p:txBody>
+          <a:bodyPr rtlCol="0" anchor="ctr"/>
+          <a:lstStyle/>
+          <a:p>
+            <a:pPr algn="ctr"/>
+            <a:endParaRPr lang="en-GB"/>
+          </a:p>
+        </p:txBody>
+      </p:sp>
+      <p:sp>
+        <p:nvSpPr>
+          <p:cNvPr id="107" name="Ellipse 106"/>
+          <p:cNvSpPr>
+            <a:spLocks noChangeAspect="1"/>
+          </p:cNvSpPr>
+          <p:nvPr/>
+        </p:nvSpPr>
+        <p:spPr>
+          <a:xfrm>
+            <a:off x="4010167" y="5881833"/>
+            <a:ext cx="72000" cy="72000"/>
+          </a:xfrm>
+          <a:prstGeom prst="ellipse">
+            <a:avLst/>
+          </a:prstGeom>
+          <a:effectLst/>
+        </p:spPr>
+        <p:style>
+          <a:lnRef idx="1">
+            <a:schemeClr val="accent1"/>
+          </a:lnRef>
+          <a:fillRef idx="3">
+            <a:schemeClr val="accent1"/>
+          </a:fillRef>
+          <a:effectRef idx="2">
+            <a:schemeClr val="accent1"/>
+          </a:effectRef>
+          <a:fontRef idx="minor">
+            <a:schemeClr val="lt1"/>
+          </a:fontRef>
+        </p:style>
+        <p:txBody>
+          <a:bodyPr rtlCol="0" anchor="ctr"/>
+          <a:lstStyle/>
+          <a:p>
+            <a:pPr algn="ctr"/>
+            <a:endParaRPr lang="en-GB"/>
+          </a:p>
+        </p:txBody>
+      </p:sp>
+      <p:cxnSp>
+        <p:nvCxnSpPr>
+          <p:cNvPr id="108" name="Connecteur droit 107"/>
+          <p:cNvCxnSpPr/>
+          <p:nvPr/>
+        </p:nvCxnSpPr>
+        <p:spPr>
+          <a:xfrm>
+            <a:off x="4224025" y="4819026"/>
+            <a:ext cx="0" cy="1116000"/>
+          </a:xfrm>
+          <a:prstGeom prst="line">
+            <a:avLst/>
+          </a:prstGeom>
+          <a:effectLst/>
+        </p:spPr>
+        <p:style>
+          <a:lnRef idx="2">
+            <a:schemeClr val="accent1"/>
+          </a:lnRef>
+          <a:fillRef idx="0">
+            <a:schemeClr val="accent1"/>
+          </a:fillRef>
+          <a:effectRef idx="1">
+            <a:schemeClr val="accent1"/>
+          </a:effectRef>
+          <a:fontRef idx="minor">
+            <a:schemeClr val="tx1"/>
+          </a:fontRef>
+        </p:style>
+      </p:cxnSp>
+      <p:cxnSp>
+        <p:nvCxnSpPr>
+          <p:cNvPr id="110" name="Connecteur droit 109"/>
+          <p:cNvCxnSpPr/>
+          <p:nvPr/>
+        </p:nvCxnSpPr>
+        <p:spPr>
+          <a:xfrm>
+            <a:off x="4404025" y="4819026"/>
+            <a:ext cx="0" cy="1116000"/>
+          </a:xfrm>
+          <a:prstGeom prst="line">
+            <a:avLst/>
+          </a:prstGeom>
+          <a:effectLst/>
+        </p:spPr>
+        <p:style>
+          <a:lnRef idx="2">
+            <a:schemeClr val="accent1"/>
+          </a:lnRef>
+          <a:fillRef idx="0">
+            <a:schemeClr val="accent1"/>
+          </a:fillRef>
+          <a:effectRef idx="1">
+            <a:schemeClr val="accent1"/>
+          </a:effectRef>
+          <a:fontRef idx="minor">
+            <a:schemeClr val="tx1"/>
+          </a:fontRef>
+        </p:style>
+      </p:cxnSp>
+      <p:cxnSp>
+        <p:nvCxnSpPr>
+          <p:cNvPr id="113" name="Connecteur droit 112"/>
+          <p:cNvCxnSpPr/>
+          <p:nvPr/>
+        </p:nvCxnSpPr>
+        <p:spPr>
+          <a:xfrm>
+            <a:off x="4584025" y="4819026"/>
+            <a:ext cx="0" cy="1116000"/>
+          </a:xfrm>
+          <a:prstGeom prst="line">
+            <a:avLst/>
+          </a:prstGeom>
+          <a:effectLst/>
+        </p:spPr>
+        <p:style>
+          <a:lnRef idx="2">
+            <a:schemeClr val="accent1"/>
+          </a:lnRef>
+          <a:fillRef idx="0">
+            <a:schemeClr val="accent1"/>
+          </a:fillRef>
+          <a:effectRef idx="1">
+            <a:schemeClr val="accent1"/>
+          </a:effectRef>
+          <a:fontRef idx="minor">
+            <a:schemeClr val="tx1"/>
+          </a:fontRef>
+        </p:style>
+      </p:cxnSp>
+      <p:cxnSp>
+        <p:nvCxnSpPr>
+          <p:cNvPr id="114" name="Connecteur droit 113"/>
+          <p:cNvCxnSpPr/>
+          <p:nvPr/>
+        </p:nvCxnSpPr>
+        <p:spPr>
+          <a:xfrm>
+            <a:off x="4764025" y="4819026"/>
+            <a:ext cx="0" cy="1116000"/>
+          </a:xfrm>
+          <a:prstGeom prst="line">
+            <a:avLst/>
+          </a:prstGeom>
+          <a:effectLst/>
+        </p:spPr>
+        <p:style>
+          <a:lnRef idx="2">
+            <a:schemeClr val="accent1"/>
+          </a:lnRef>
+          <a:fillRef idx="0">
+            <a:schemeClr val="accent1"/>
+          </a:fillRef>
+          <a:effectRef idx="1">
+            <a:schemeClr val="accent1"/>
+          </a:effectRef>
+          <a:fontRef idx="minor">
+            <a:schemeClr val="tx1"/>
+          </a:fontRef>
+        </p:style>
+      </p:cxnSp>
+      <p:cxnSp>
+        <p:nvCxnSpPr>
+          <p:cNvPr id="115" name="Connecteur droit 114"/>
+          <p:cNvCxnSpPr/>
+          <p:nvPr/>
+        </p:nvCxnSpPr>
+        <p:spPr>
+          <a:xfrm>
+            <a:off x="4944025" y="4818972"/>
+            <a:ext cx="0" cy="1116000"/>
+          </a:xfrm>
+          <a:prstGeom prst="line">
+            <a:avLst/>
+          </a:prstGeom>
+          <a:effectLst/>
+        </p:spPr>
+        <p:style>
+          <a:lnRef idx="2">
+            <a:schemeClr val="accent1"/>
+          </a:lnRef>
+          <a:fillRef idx="0">
+            <a:schemeClr val="accent1"/>
+          </a:fillRef>
+          <a:effectRef idx="1">
+            <a:schemeClr val="accent1"/>
+          </a:effectRef>
+          <a:fontRef idx="minor">
+            <a:schemeClr val="tx1"/>
+          </a:fontRef>
+        </p:style>
+      </p:cxnSp>
+      <p:cxnSp>
+        <p:nvCxnSpPr>
+          <p:cNvPr id="116" name="Connecteur droit 115"/>
+          <p:cNvCxnSpPr/>
+          <p:nvPr/>
+        </p:nvCxnSpPr>
+        <p:spPr>
+          <a:xfrm>
+            <a:off x="5124025" y="4818972"/>
+            <a:ext cx="0" cy="1116000"/>
+          </a:xfrm>
+          <a:prstGeom prst="line">
+            <a:avLst/>
+          </a:prstGeom>
+          <a:effectLst/>
+        </p:spPr>
+        <p:style>
+          <a:lnRef idx="2">
+            <a:schemeClr val="accent1"/>
+          </a:lnRef>
+          <a:fillRef idx="0">
+            <a:schemeClr val="accent1"/>
+          </a:fillRef>
+          <a:effectRef idx="1">
+            <a:schemeClr val="accent1"/>
+          </a:effectRef>
+          <a:fontRef idx="minor">
+            <a:schemeClr val="tx1"/>
+          </a:fontRef>
+        </p:style>
+      </p:cxnSp>
+      <p:cxnSp>
+        <p:nvCxnSpPr>
+          <p:cNvPr id="117" name="Connecteur droit 116"/>
+          <p:cNvCxnSpPr/>
+          <p:nvPr/>
+        </p:nvCxnSpPr>
+        <p:spPr>
+          <a:xfrm>
+            <a:off x="5304025" y="4818972"/>
+            <a:ext cx="0" cy="1116000"/>
+          </a:xfrm>
+          <a:prstGeom prst="line">
+            <a:avLst/>
+          </a:prstGeom>
+          <a:effectLst/>
+        </p:spPr>
+        <p:style>
+          <a:lnRef idx="2">
+            <a:schemeClr val="accent1"/>
+          </a:lnRef>
+          <a:fillRef idx="0">
+            <a:schemeClr val="accent1"/>
+          </a:fillRef>
+          <a:effectRef idx="1">
+            <a:schemeClr val="accent1"/>
+          </a:effectRef>
+          <a:fontRef idx="minor">
+            <a:schemeClr val="tx1"/>
+          </a:fontRef>
+        </p:style>
+      </p:cxnSp>
+      <p:cxnSp>
+        <p:nvCxnSpPr>
+          <p:cNvPr id="125" name="Connecteur droit 124"/>
+          <p:cNvCxnSpPr/>
+          <p:nvPr/>
+        </p:nvCxnSpPr>
+        <p:spPr>
+          <a:xfrm>
+            <a:off x="5482885" y="4817295"/>
+            <a:ext cx="0" cy="1116000"/>
+          </a:xfrm>
+          <a:prstGeom prst="line">
+            <a:avLst/>
+          </a:prstGeom>
+          <a:effectLst/>
+        </p:spPr>
+        <p:style>
+          <a:lnRef idx="2">
+            <a:schemeClr val="accent1"/>
+          </a:lnRef>
+          <a:fillRef idx="0">
+            <a:schemeClr val="accent1"/>
+          </a:fillRef>
+          <a:effectRef idx="1">
+            <a:schemeClr val="accent1"/>
+          </a:effectRef>
+          <a:fontRef idx="minor">
+            <a:schemeClr val="tx1"/>
+          </a:fontRef>
+        </p:style>
+      </p:cxnSp>
+      <p:cxnSp>
+        <p:nvCxnSpPr>
+          <p:cNvPr id="126" name="Connecteur droit 125"/>
+          <p:cNvCxnSpPr/>
+          <p:nvPr/>
+        </p:nvCxnSpPr>
+        <p:spPr>
+          <a:xfrm>
+            <a:off x="4048321" y="4817295"/>
+            <a:ext cx="0" cy="1116000"/>
+          </a:xfrm>
+          <a:prstGeom prst="line">
+            <a:avLst/>
+          </a:prstGeom>
+          <a:effectLst/>
+        </p:spPr>
+        <p:style>
+          <a:lnRef idx="2">
+            <a:schemeClr val="accent1"/>
+          </a:lnRef>
+          <a:fillRef idx="0">
+            <a:schemeClr val="accent1"/>
+          </a:fillRef>
+          <a:effectRef idx="1">
+            <a:schemeClr val="accent1"/>
+          </a:effectRef>
+          <a:fontRef idx="minor">
+            <a:schemeClr val="tx1"/>
+          </a:fontRef>
+        </p:style>
+      </p:cxnSp>
+      <p:cxnSp>
+        <p:nvCxnSpPr>
+          <p:cNvPr id="229" name="Connecteur droit 228"/>
+          <p:cNvCxnSpPr/>
+          <p:nvPr/>
+        </p:nvCxnSpPr>
+        <p:spPr>
+          <a:xfrm>
+            <a:off x="4046167" y="4823001"/>
+            <a:ext cx="1436718" cy="0"/>
+          </a:xfrm>
+          <a:prstGeom prst="line">
+            <a:avLst/>
+          </a:prstGeom>
+          <a:ln w="9525">
+            <a:solidFill>
+              <a:schemeClr val="tx1"/>
+            </a:solidFill>
+          </a:ln>
+          <a:effectLst/>
+        </p:spPr>
+        <p:style>
+          <a:lnRef idx="2">
+            <a:schemeClr val="accent1"/>
+          </a:lnRef>
+          <a:fillRef idx="0">
+            <a:schemeClr val="accent1"/>
+          </a:fillRef>
+          <a:effectRef idx="1">
+            <a:schemeClr val="accent1"/>
+          </a:effectRef>
+          <a:fontRef idx="minor">
+            <a:schemeClr val="tx1"/>
+          </a:fontRef>
+        </p:style>
+      </p:cxnSp>
+      <p:cxnSp>
+        <p:nvCxnSpPr>
+          <p:cNvPr id="131" name="Connecteur droit 130"/>
+          <p:cNvCxnSpPr/>
+          <p:nvPr/>
+        </p:nvCxnSpPr>
+        <p:spPr>
+          <a:xfrm>
+            <a:off x="4050391" y="5933253"/>
+            <a:ext cx="1436718" cy="0"/>
+          </a:xfrm>
+          <a:prstGeom prst="line">
+            <a:avLst/>
+          </a:prstGeom>
+          <a:ln w="9525">
+            <a:solidFill>
+              <a:schemeClr val="tx1"/>
+            </a:solidFill>
+          </a:ln>
+          <a:effectLst/>
+        </p:spPr>
+        <p:style>
+          <a:lnRef idx="2">
+            <a:schemeClr val="accent1"/>
+          </a:lnRef>
+          <a:fillRef idx="0">
+            <a:schemeClr val="accent1"/>
+          </a:fillRef>
+          <a:effectRef idx="1">
+            <a:schemeClr val="accent1"/>
+          </a:effectRef>
+          <a:fontRef idx="minor">
+            <a:schemeClr val="tx1"/>
+          </a:fontRef>
+        </p:style>
+      </p:cxnSp>
+      <p:sp>
+        <p:nvSpPr>
+          <p:cNvPr id="142" name="ZoneTexte 141"/>
+          <p:cNvSpPr txBox="1"/>
+          <p:nvPr/>
+        </p:nvSpPr>
+        <p:spPr>
+          <a:xfrm>
+            <a:off x="4106038" y="4494056"/>
+            <a:ext cx="1315973" cy="307777"/>
+          </a:xfrm>
+          <a:prstGeom prst="rect">
+            <a:avLst/>
+          </a:prstGeom>
+          <a:noFill/>
+        </p:spPr>
+        <p:txBody>
+          <a:bodyPr wrap="none" rtlCol="0">
+            <a:spAutoFit/>
+          </a:bodyPr>
+          <a:lstStyle/>
+          <a:p>
+            <a:r>
+              <a:rPr lang="en-GB" sz="1400" b="1" dirty="0" smtClean="0"/>
+              <a:t>Pre-scan</a:t>
+            </a:r>
+            <a:r>
+              <a:rPr lang="en-GB" sz="1400" b="1" dirty="0" smtClean="0"/>
+              <a:t> image</a:t>
+            </a:r>
+            <a:endParaRPr lang="en-GB" sz="1400" b="1" dirty="0"/>
+          </a:p>
+        </p:txBody>
+      </p:sp>
+      <p:sp>
+        <p:nvSpPr>
+          <p:cNvPr id="163" name="ZoneTexte 162"/>
+          <p:cNvSpPr txBox="1"/>
+          <p:nvPr/>
+        </p:nvSpPr>
+        <p:spPr>
+          <a:xfrm>
+            <a:off x="2409168" y="5115798"/>
+            <a:ext cx="1326004" cy="523220"/>
+          </a:xfrm>
+          <a:prstGeom prst="rect">
+            <a:avLst/>
+          </a:prstGeom>
+          <a:noFill/>
+        </p:spPr>
+        <p:txBody>
+          <a:bodyPr wrap="none" rtlCol="0">
+            <a:spAutoFit/>
+          </a:bodyPr>
+          <a:lstStyle/>
+          <a:p>
+            <a:pPr algn="ctr"/>
+            <a:r>
+              <a:rPr lang="en-GB" sz="1400" dirty="0"/>
+              <a:t>b</a:t>
+            </a:r>
+            <a:r>
+              <a:rPr lang="en-GB" sz="1400" dirty="0" smtClean="0"/>
+              <a:t>-mode</a:t>
+            </a:r>
+            <a:r>
+              <a:rPr lang="en-GB" sz="1400" dirty="0" smtClean="0"/>
+              <a:t> sample</a:t>
+            </a:r>
+          </a:p>
+          <a:p>
+            <a:pPr algn="ctr"/>
+            <a:r>
+              <a:rPr lang="en-GB" sz="1400" dirty="0" smtClean="0"/>
+              <a:t>number</a:t>
+            </a:r>
+            <a:endParaRPr lang="en-GB" sz="1400" dirty="0"/>
+          </a:p>
+        </p:txBody>
+      </p:sp>
+      <p:cxnSp>
+        <p:nvCxnSpPr>
+          <p:cNvPr id="164" name="Connecteur droit avec flèche 163"/>
+          <p:cNvCxnSpPr/>
+          <p:nvPr/>
+        </p:nvCxnSpPr>
+        <p:spPr>
+          <a:xfrm flipV="1">
+            <a:off x="3781258" y="4829847"/>
+            <a:ext cx="0" cy="1123986"/>
+          </a:xfrm>
+          <a:prstGeom prst="straightConnector1">
+            <a:avLst/>
+          </a:prstGeom>
+          <a:ln w="9525">
+            <a:solidFill>
+              <a:schemeClr val="tx1"/>
+            </a:solidFill>
+            <a:headEnd type="triangle"/>
+            <a:tailEnd type="triangle"/>
+          </a:ln>
+          <a:effectLst/>
+        </p:spPr>
+        <p:style>
+          <a:lnRef idx="2">
+            <a:schemeClr val="accent1"/>
+          </a:lnRef>
+          <a:fillRef idx="0">
+            <a:schemeClr val="accent1"/>
+          </a:fillRef>
+          <a:effectRef idx="1">
+            <a:schemeClr val="accent1"/>
+          </a:effectRef>
+          <a:fontRef idx="minor">
+            <a:schemeClr val="tx1"/>
+          </a:fontRef>
+        </p:style>
+      </p:cxnSp>
+      <p:sp>
+        <p:nvSpPr>
+          <p:cNvPr id="165" name="ZoneTexte 164"/>
+          <p:cNvSpPr txBox="1"/>
+          <p:nvPr/>
+        </p:nvSpPr>
+        <p:spPr>
+          <a:xfrm>
+            <a:off x="4360231" y="6209725"/>
+            <a:ext cx="830050" cy="523220"/>
+          </a:xfrm>
+          <a:prstGeom prst="rect">
+            <a:avLst/>
+          </a:prstGeom>
+          <a:noFill/>
+        </p:spPr>
+        <p:txBody>
+          <a:bodyPr wrap="none" rtlCol="0">
+            <a:spAutoFit/>
+          </a:bodyPr>
+          <a:lstStyle/>
+          <a:p>
+            <a:pPr algn="ctr"/>
+            <a:r>
+              <a:rPr lang="en-GB" sz="1400" dirty="0" smtClean="0"/>
+              <a:t>Scan line</a:t>
+            </a:r>
+          </a:p>
+          <a:p>
+            <a:pPr algn="ctr"/>
+            <a:r>
+              <a:rPr lang="en-GB" sz="1400" dirty="0" smtClean="0"/>
+              <a:t>number</a:t>
+            </a:r>
+            <a:endParaRPr lang="en-GB" sz="1400" dirty="0"/>
+          </a:p>
+        </p:txBody>
+      </p:sp>
+      <p:cxnSp>
+        <p:nvCxnSpPr>
+          <p:cNvPr id="167" name="Connecteur droit avec flèche 166"/>
+          <p:cNvCxnSpPr/>
+          <p:nvPr/>
+        </p:nvCxnSpPr>
+        <p:spPr>
+          <a:xfrm>
+            <a:off x="4046167" y="6193821"/>
+            <a:ext cx="1440942" cy="0"/>
+          </a:xfrm>
+          <a:prstGeom prst="straightConnector1">
+            <a:avLst/>
+          </a:prstGeom>
+          <a:ln w="9525">
+            <a:solidFill>
+              <a:schemeClr val="tx1"/>
+            </a:solidFill>
+            <a:headEnd type="triangle"/>
+            <a:tailEnd type="triangle"/>
+          </a:ln>
+          <a:effectLst/>
+        </p:spPr>
+        <p:style>
+          <a:lnRef idx="2">
+            <a:schemeClr val="accent1"/>
+          </a:lnRef>
+          <a:fillRef idx="0">
+            <a:schemeClr val="accent1"/>
+          </a:fillRef>
+          <a:effectRef idx="1">
+            <a:schemeClr val="accent1"/>
+          </a:effectRef>
+          <a:fontRef idx="minor">
+            <a:schemeClr val="tx1"/>
+          </a:fontRef>
+        </p:style>
+      </p:cxnSp>
+    </p:spTree>
+    <p:extLst>
+      <p:ext uri="{BB962C8B-B14F-4D97-AF65-F5344CB8AC3E}">
+        <p14:creationId xmlns:p14="http://schemas.microsoft.com/office/powerpoint/2010/main" val="1364759729"/>
+      </p:ext>
+    </p:extLst>
+  </p:cSld>
+  <p:clrMapOvr>
+    <a:masterClrMapping/>
+  </p:clrMapOvr>
+  <p:timing>
+    <p:tnLst>
+      <p:par>
+        <p:cTn xmlns:p14="http://schemas.microsoft.com/office/powerpoint/2010/main" id="1" dur="indefinite" restart="never" nodeType="tmRoot"/>
+      </p:par>
+    </p:tnLst>
+  </p:timing>
+</p:sld>
+</file>
+
+<file path=ppt/slides/slide4.xml><?xml version="1.0" encoding="utf-8"?>
 <p:sld xmlns:a="http://schemas.openxmlformats.org/drawingml/2006/main" xmlns:r="http://schemas.openxmlformats.org/officeDocument/2006/relationships" xmlns:p="http://schemas.openxmlformats.org/presentationml/2006/main">
   <p:cSld>
     <p:spTree>
@@ -11286,7 +12158,7 @@
 </p:sld>
 </file>
 
-<file path=ppt/slides/slide4.xml><?xml version="1.0" encoding="utf-8"?>
+<file path=ppt/slides/slide5.xml><?xml version="1.0" encoding="utf-8"?>
 <p:sld xmlns:a="http://schemas.openxmlformats.org/drawingml/2006/main" xmlns:r="http://schemas.openxmlformats.org/officeDocument/2006/relationships" xmlns:p="http://schemas.openxmlformats.org/presentationml/2006/main">
   <p:cSld>
     <p:spTree>
@@ -11303,36 +12175,6 @@
           <a:chExt cx="0" cy="0"/>
         </a:xfrm>
       </p:grpSpPr>
-      <p:pic>
-        <p:nvPicPr>
-          <p:cNvPr id="2" name="Image 1" descr="sonde 3D lineaire.png"/>
-          <p:cNvPicPr>
-            <a:picLocks noChangeAspect="1"/>
-          </p:cNvPicPr>
-          <p:nvPr/>
-        </p:nvPicPr>
-        <p:blipFill>
-          <a:blip r:embed="rId2">
-            <a:extLst>
-              <a:ext uri="{28A0092B-C50C-407E-A947-70E740481C1C}">
-                <a14:useLocalDpi xmlns:a14="http://schemas.microsoft.com/office/drawing/2010/main" val="0"/>
-              </a:ext>
-            </a:extLst>
-          </a:blip>
-          <a:stretch>
-            <a:fillRect/>
-          </a:stretch>
-        </p:blipFill>
-        <p:spPr>
-          <a:xfrm>
-            <a:off x="7627596" y="1609617"/>
-            <a:ext cx="2328333" cy="3184046"/>
-          </a:xfrm>
-          <a:prstGeom prst="rect">
-            <a:avLst/>
-          </a:prstGeom>
-        </p:spPr>
-      </p:pic>
       <p:grpSp>
         <p:nvGrpSpPr>
           <p:cNvPr id="78" name="Grouper 77"/>
@@ -12551,6 +13393,728 @@
           </p:style>
         </p:cxnSp>
       </p:grpSp>
+      <p:cxnSp>
+        <p:nvCxnSpPr>
+          <p:cNvPr id="131" name="Connecteur droit avec flèche 130"/>
+          <p:cNvCxnSpPr/>
+          <p:nvPr/>
+        </p:nvCxnSpPr>
+        <p:spPr>
+          <a:xfrm flipV="1">
+            <a:off x="6856660" y="4822852"/>
+            <a:ext cx="239228" cy="4416"/>
+          </a:xfrm>
+          <a:prstGeom prst="straightConnector1">
+            <a:avLst/>
+          </a:prstGeom>
+          <a:ln w="9525">
+            <a:solidFill>
+              <a:schemeClr val="tx1"/>
+            </a:solidFill>
+            <a:headEnd type="triangle"/>
+            <a:tailEnd type="none"/>
+          </a:ln>
+          <a:effectLst/>
+        </p:spPr>
+        <p:style>
+          <a:lnRef idx="2">
+            <a:schemeClr val="accent1"/>
+          </a:lnRef>
+          <a:fillRef idx="0">
+            <a:schemeClr val="accent1"/>
+          </a:fillRef>
+          <a:effectRef idx="1">
+            <a:schemeClr val="accent1"/>
+          </a:effectRef>
+          <a:fontRef idx="minor">
+            <a:schemeClr val="tx1"/>
+          </a:fontRef>
+        </p:style>
+      </p:cxnSp>
+      <p:cxnSp>
+        <p:nvCxnSpPr>
+          <p:cNvPr id="133" name="Connecteur droit avec flèche 132"/>
+          <p:cNvCxnSpPr/>
+          <p:nvPr/>
+        </p:nvCxnSpPr>
+        <p:spPr>
+          <a:xfrm flipH="1">
+            <a:off x="6683493" y="4826160"/>
+            <a:ext cx="103595" cy="0"/>
+          </a:xfrm>
+          <a:prstGeom prst="straightConnector1">
+            <a:avLst/>
+          </a:prstGeom>
+          <a:ln w="9525">
+            <a:solidFill>
+              <a:schemeClr val="tx1"/>
+            </a:solidFill>
+            <a:headEnd type="triangle"/>
+            <a:tailEnd type="none"/>
+          </a:ln>
+          <a:effectLst/>
+        </p:spPr>
+        <p:style>
+          <a:lnRef idx="2">
+            <a:schemeClr val="accent1"/>
+          </a:lnRef>
+          <a:fillRef idx="0">
+            <a:schemeClr val="accent1"/>
+          </a:fillRef>
+          <a:effectRef idx="1">
+            <a:schemeClr val="accent1"/>
+          </a:effectRef>
+          <a:fontRef idx="minor">
+            <a:schemeClr val="tx1"/>
+          </a:fontRef>
+        </p:style>
+      </p:cxnSp>
+      <p:cxnSp>
+        <p:nvCxnSpPr>
+          <p:cNvPr id="134" name="Connecteur droit 133"/>
+          <p:cNvCxnSpPr/>
+          <p:nvPr/>
+        </p:nvCxnSpPr>
+        <p:spPr>
+          <a:xfrm>
+            <a:off x="6723255" y="4826177"/>
+            <a:ext cx="176315" cy="0"/>
+          </a:xfrm>
+          <a:prstGeom prst="line">
+            <a:avLst/>
+          </a:prstGeom>
+          <a:ln w="9525">
+            <a:solidFill>
+              <a:schemeClr val="tx1"/>
+            </a:solidFill>
+          </a:ln>
+          <a:effectLst/>
+        </p:spPr>
+        <p:style>
+          <a:lnRef idx="2">
+            <a:schemeClr val="accent1"/>
+          </a:lnRef>
+          <a:fillRef idx="0">
+            <a:schemeClr val="accent1"/>
+          </a:fillRef>
+          <a:effectRef idx="1">
+            <a:schemeClr val="accent1"/>
+          </a:effectRef>
+          <a:fontRef idx="minor">
+            <a:schemeClr val="tx1"/>
+          </a:fontRef>
+        </p:style>
+      </p:cxnSp>
+      <p:pic>
+        <p:nvPicPr>
+          <p:cNvPr id="135" name="Image 134" descr="latex-image-1.pdf"/>
+          <p:cNvPicPr>
+            <a:picLocks noChangeAspect="1"/>
+          </p:cNvPicPr>
+          <p:nvPr/>
+        </p:nvPicPr>
+        <p:blipFill>
+          <a:blip r:embed="rId2">
+            <a:extLst>
+              <a:ext uri="{28A0092B-C50C-407E-A947-70E740481C1C}">
+                <a14:useLocalDpi xmlns:a14="http://schemas.microsoft.com/office/drawing/2010/main" val="0"/>
+              </a:ext>
+            </a:extLst>
+          </a:blip>
+          <a:stretch>
+            <a:fillRect/>
+          </a:stretch>
+        </p:blipFill>
+        <p:spPr>
+          <a:xfrm>
+            <a:off x="7014607" y="4640820"/>
+            <a:ext cx="114300" cy="139700"/>
+          </a:xfrm>
+          <a:prstGeom prst="rect">
+            <a:avLst/>
+          </a:prstGeom>
+        </p:spPr>
+      </p:pic>
+      <p:cxnSp>
+        <p:nvCxnSpPr>
+          <p:cNvPr id="136" name="Connecteur droit 135"/>
+          <p:cNvCxnSpPr/>
+          <p:nvPr/>
+        </p:nvCxnSpPr>
+        <p:spPr>
+          <a:xfrm flipV="1">
+            <a:off x="6851838" y="4642161"/>
+            <a:ext cx="0" cy="289563"/>
+          </a:xfrm>
+          <a:prstGeom prst="line">
+            <a:avLst/>
+          </a:prstGeom>
+          <a:ln w="6350">
+            <a:solidFill>
+              <a:schemeClr val="tx1"/>
+            </a:solidFill>
+            <a:prstDash val="dash"/>
+          </a:ln>
+          <a:effectLst/>
+        </p:spPr>
+        <p:style>
+          <a:lnRef idx="2">
+            <a:schemeClr val="accent1"/>
+          </a:lnRef>
+          <a:fillRef idx="0">
+            <a:schemeClr val="accent1"/>
+          </a:fillRef>
+          <a:effectRef idx="1">
+            <a:schemeClr val="accent1"/>
+          </a:effectRef>
+          <a:fontRef idx="minor">
+            <a:schemeClr val="tx1"/>
+          </a:fontRef>
+        </p:style>
+      </p:cxnSp>
+      <p:cxnSp>
+        <p:nvCxnSpPr>
+          <p:cNvPr id="138" name="Connecteur droit 137"/>
+          <p:cNvCxnSpPr/>
+          <p:nvPr/>
+        </p:nvCxnSpPr>
+        <p:spPr>
+          <a:xfrm flipV="1">
+            <a:off x="6787752" y="4640820"/>
+            <a:ext cx="0" cy="289563"/>
+          </a:xfrm>
+          <a:prstGeom prst="line">
+            <a:avLst/>
+          </a:prstGeom>
+          <a:ln w="6350">
+            <a:solidFill>
+              <a:schemeClr val="tx1"/>
+            </a:solidFill>
+            <a:prstDash val="dash"/>
+          </a:ln>
+          <a:effectLst/>
+        </p:spPr>
+        <p:style>
+          <a:lnRef idx="2">
+            <a:schemeClr val="accent1"/>
+          </a:lnRef>
+          <a:fillRef idx="0">
+            <a:schemeClr val="accent1"/>
+          </a:fillRef>
+          <a:effectRef idx="1">
+            <a:schemeClr val="accent1"/>
+          </a:effectRef>
+          <a:fontRef idx="minor">
+            <a:schemeClr val="tx1"/>
+          </a:fontRef>
+        </p:style>
+      </p:cxnSp>
+      <p:grpSp>
+        <p:nvGrpSpPr>
+          <p:cNvPr id="143" name="Grouper 142"/>
+          <p:cNvGrpSpPr/>
+          <p:nvPr/>
+        </p:nvGrpSpPr>
+        <p:grpSpPr>
+          <a:xfrm>
+            <a:off x="5429191" y="2989588"/>
+            <a:ext cx="902811" cy="523220"/>
+            <a:chOff x="1320291" y="1547671"/>
+            <a:chExt cx="902811" cy="523220"/>
+          </a:xfrm>
+        </p:grpSpPr>
+        <p:sp>
+          <p:nvSpPr>
+            <p:cNvPr id="140" name="ZoneTexte 139"/>
+            <p:cNvSpPr txBox="1"/>
+            <p:nvPr/>
+          </p:nvSpPr>
+          <p:spPr>
+            <a:xfrm>
+              <a:off x="1320291" y="1547671"/>
+              <a:ext cx="902811" cy="523220"/>
+            </a:xfrm>
+            <a:prstGeom prst="rect">
+              <a:avLst/>
+            </a:prstGeom>
+            <a:noFill/>
+          </p:spPr>
+          <p:txBody>
+            <a:bodyPr wrap="none" rtlCol="0">
+              <a:spAutoFit/>
+            </a:bodyPr>
+            <a:lstStyle/>
+            <a:p>
+              <a:r>
+                <a:rPr lang="en-GB" sz="1400" dirty="0" smtClean="0"/>
+                <a:t>    : Frame</a:t>
+              </a:r>
+            </a:p>
+            <a:p>
+              <a:r>
+                <a:rPr lang="en-GB" sz="1400" dirty="0" smtClean="0"/>
+                <a:t>pitch (m)</a:t>
+              </a:r>
+              <a:endParaRPr lang="en-GB" sz="1400" dirty="0"/>
+            </a:p>
+          </p:txBody>
+        </p:sp>
+        <p:pic>
+          <p:nvPicPr>
+            <p:cNvPr id="142" name="Image 141" descr="latex-image-1.pdf"/>
+            <p:cNvPicPr>
+              <a:picLocks noChangeAspect="1"/>
+            </p:cNvPicPr>
+            <p:nvPr/>
+          </p:nvPicPr>
+          <p:blipFill>
+            <a:blip r:embed="rId2">
+              <a:extLst>
+                <a:ext uri="{28A0092B-C50C-407E-A947-70E740481C1C}">
+                  <a14:useLocalDpi xmlns:a14="http://schemas.microsoft.com/office/drawing/2010/main" val="0"/>
+                </a:ext>
+              </a:extLst>
+            </a:blip>
+            <a:stretch>
+              <a:fillRect/>
+            </a:stretch>
+          </p:blipFill>
+          <p:spPr>
+            <a:xfrm>
+              <a:off x="1410136" y="1685300"/>
+              <a:ext cx="114300" cy="139700"/>
+            </a:xfrm>
+            <a:prstGeom prst="rect">
+              <a:avLst/>
+            </a:prstGeom>
+          </p:spPr>
+        </p:pic>
+      </p:grpSp>
+      <p:sp>
+        <p:nvSpPr>
+          <p:cNvPr id="144" name="ZoneTexte 143"/>
+          <p:cNvSpPr txBox="1"/>
+          <p:nvPr/>
+        </p:nvSpPr>
+        <p:spPr>
+          <a:xfrm>
+            <a:off x="5865286" y="1232715"/>
+            <a:ext cx="1973104" cy="523220"/>
+          </a:xfrm>
+          <a:prstGeom prst="rect">
+            <a:avLst/>
+          </a:prstGeom>
+          <a:noFill/>
+        </p:spPr>
+        <p:txBody>
+          <a:bodyPr wrap="none" rtlCol="0">
+            <a:spAutoFit/>
+          </a:bodyPr>
+          <a:lstStyle/>
+          <a:p>
+            <a:pPr algn="ctr"/>
+            <a:r>
+              <a:rPr lang="en-GB" sz="1400" b="1" dirty="0" smtClean="0"/>
+              <a:t>Linear probe motor</a:t>
+            </a:r>
+          </a:p>
+          <a:p>
+            <a:pPr algn="ctr"/>
+            <a:r>
+              <a:rPr lang="en-GB" sz="1400" b="1" dirty="0" smtClean="0"/>
+              <a:t>Linear probe </a:t>
+            </a:r>
+            <a:r>
+              <a:rPr lang="en-GB" sz="1400" b="1" dirty="0"/>
+              <a:t>transducer</a:t>
+            </a:r>
+            <a:r>
+              <a:rPr lang="en-GB" sz="1400" b="1" dirty="0" smtClean="0"/>
+              <a:t> </a:t>
+            </a:r>
+            <a:endParaRPr lang="en-GB" sz="1400" b="1" dirty="0"/>
+          </a:p>
+        </p:txBody>
+      </p:sp>
+      <p:cxnSp>
+        <p:nvCxnSpPr>
+          <p:cNvPr id="145" name="Connecteur droit 144"/>
+          <p:cNvCxnSpPr/>
+          <p:nvPr/>
+        </p:nvCxnSpPr>
+        <p:spPr>
+          <a:xfrm flipV="1">
+            <a:off x="3039589" y="3571945"/>
+            <a:ext cx="0" cy="1060230"/>
+          </a:xfrm>
+          <a:prstGeom prst="line">
+            <a:avLst/>
+          </a:prstGeom>
+          <a:ln w="6350">
+            <a:solidFill>
+              <a:schemeClr val="tx1"/>
+            </a:solidFill>
+          </a:ln>
+          <a:effectLst/>
+        </p:spPr>
+        <p:style>
+          <a:lnRef idx="2">
+            <a:schemeClr val="accent1"/>
+          </a:lnRef>
+          <a:fillRef idx="0">
+            <a:schemeClr val="accent1"/>
+          </a:fillRef>
+          <a:effectRef idx="1">
+            <a:schemeClr val="accent1"/>
+          </a:effectRef>
+          <a:fontRef idx="minor">
+            <a:schemeClr val="tx1"/>
+          </a:fontRef>
+        </p:style>
+      </p:cxnSp>
+      <p:cxnSp>
+        <p:nvCxnSpPr>
+          <p:cNvPr id="146" name="Connecteur droit 145"/>
+          <p:cNvCxnSpPr/>
+          <p:nvPr/>
+        </p:nvCxnSpPr>
+        <p:spPr>
+          <a:xfrm flipV="1">
+            <a:off x="3040892" y="2886967"/>
+            <a:ext cx="0" cy="2250017"/>
+          </a:xfrm>
+          <a:prstGeom prst="line">
+            <a:avLst/>
+          </a:prstGeom>
+          <a:ln w="6350">
+            <a:solidFill>
+              <a:schemeClr val="tx1"/>
+            </a:solidFill>
+            <a:prstDash val="dash"/>
+          </a:ln>
+          <a:effectLst/>
+        </p:spPr>
+        <p:style>
+          <a:lnRef idx="2">
+            <a:schemeClr val="accent1"/>
+          </a:lnRef>
+          <a:fillRef idx="0">
+            <a:schemeClr val="accent1"/>
+          </a:fillRef>
+          <a:effectRef idx="1">
+            <a:schemeClr val="accent1"/>
+          </a:effectRef>
+          <a:fontRef idx="minor">
+            <a:schemeClr val="tx1"/>
+          </a:fontRef>
+        </p:style>
+      </p:cxnSp>
+      <p:cxnSp>
+        <p:nvCxnSpPr>
+          <p:cNvPr id="151" name="Connecteur droit 150"/>
+          <p:cNvCxnSpPr/>
+          <p:nvPr/>
+        </p:nvCxnSpPr>
+        <p:spPr>
+          <a:xfrm flipV="1">
+            <a:off x="1620063" y="4680000"/>
+            <a:ext cx="3421852" cy="1"/>
+          </a:xfrm>
+          <a:prstGeom prst="line">
+            <a:avLst/>
+          </a:prstGeom>
+          <a:ln w="6350">
+            <a:solidFill>
+              <a:schemeClr val="tx1"/>
+            </a:solidFill>
+            <a:prstDash val="dash"/>
+          </a:ln>
+          <a:effectLst/>
+        </p:spPr>
+        <p:style>
+          <a:lnRef idx="2">
+            <a:schemeClr val="accent1"/>
+          </a:lnRef>
+          <a:fillRef idx="0">
+            <a:schemeClr val="accent1"/>
+          </a:fillRef>
+          <a:effectRef idx="1">
+            <a:schemeClr val="accent1"/>
+          </a:effectRef>
+          <a:fontRef idx="minor">
+            <a:schemeClr val="tx1"/>
+          </a:fontRef>
+        </p:style>
+      </p:cxnSp>
+      <p:cxnSp>
+        <p:nvCxnSpPr>
+          <p:cNvPr id="154" name="Connecteur droit 153"/>
+          <p:cNvCxnSpPr/>
+          <p:nvPr/>
+        </p:nvCxnSpPr>
+        <p:spPr>
+          <a:xfrm flipV="1">
+            <a:off x="1513417" y="3240000"/>
+            <a:ext cx="3421852" cy="1"/>
+          </a:xfrm>
+          <a:prstGeom prst="line">
+            <a:avLst/>
+          </a:prstGeom>
+          <a:ln w="6350">
+            <a:solidFill>
+              <a:schemeClr val="tx1"/>
+            </a:solidFill>
+            <a:prstDash val="dash"/>
+          </a:ln>
+          <a:effectLst/>
+        </p:spPr>
+        <p:style>
+          <a:lnRef idx="2">
+            <a:schemeClr val="accent1"/>
+          </a:lnRef>
+          <a:fillRef idx="0">
+            <a:schemeClr val="accent1"/>
+          </a:fillRef>
+          <a:effectRef idx="1">
+            <a:schemeClr val="accent1"/>
+          </a:effectRef>
+          <a:fontRef idx="minor">
+            <a:schemeClr val="tx1"/>
+          </a:fontRef>
+        </p:style>
+      </p:cxnSp>
+      <p:sp>
+        <p:nvSpPr>
+          <p:cNvPr id="155" name="Ellipse 154"/>
+          <p:cNvSpPr>
+            <a:spLocks noChangeAspect="1"/>
+          </p:cNvSpPr>
+          <p:nvPr/>
+        </p:nvSpPr>
+        <p:spPr>
+          <a:xfrm>
+            <a:off x="1595551" y="1800000"/>
+            <a:ext cx="2880000" cy="2880000"/>
+          </a:xfrm>
+          <a:prstGeom prst="ellipse">
+            <a:avLst/>
+          </a:prstGeom>
+          <a:noFill/>
+          <a:ln w="6350">
+            <a:solidFill>
+              <a:schemeClr val="tx1"/>
+            </a:solidFill>
+          </a:ln>
+          <a:effectLst/>
+        </p:spPr>
+        <p:style>
+          <a:lnRef idx="1">
+            <a:schemeClr val="accent1"/>
+          </a:lnRef>
+          <a:fillRef idx="3">
+            <a:schemeClr val="accent1"/>
+          </a:fillRef>
+          <a:effectRef idx="2">
+            <a:schemeClr val="accent1"/>
+          </a:effectRef>
+          <a:fontRef idx="minor">
+            <a:schemeClr val="lt1"/>
+          </a:fontRef>
+        </p:style>
+        <p:txBody>
+          <a:bodyPr rtlCol="0" anchor="ctr"/>
+          <a:lstStyle/>
+          <a:p>
+            <a:pPr algn="ctr"/>
+            <a:endParaRPr lang="fr-FR"/>
+          </a:p>
+        </p:txBody>
+      </p:sp>
+      <p:cxnSp>
+        <p:nvCxnSpPr>
+          <p:cNvPr id="156" name="Connecteur droit 155"/>
+          <p:cNvCxnSpPr/>
+          <p:nvPr/>
+        </p:nvCxnSpPr>
+        <p:spPr>
+          <a:xfrm flipH="1" flipV="1">
+            <a:off x="3040892" y="3240002"/>
+            <a:ext cx="288000" cy="1999604"/>
+          </a:xfrm>
+          <a:prstGeom prst="line">
+            <a:avLst/>
+          </a:prstGeom>
+          <a:ln w="6350">
+            <a:solidFill>
+              <a:schemeClr val="tx1"/>
+            </a:solidFill>
+            <a:prstDash val="dash"/>
+          </a:ln>
+          <a:effectLst/>
+        </p:spPr>
+        <p:style>
+          <a:lnRef idx="2">
+            <a:schemeClr val="accent1"/>
+          </a:lnRef>
+          <a:fillRef idx="0">
+            <a:schemeClr val="accent1"/>
+          </a:fillRef>
+          <a:effectRef idx="1">
+            <a:schemeClr val="accent1"/>
+          </a:effectRef>
+          <a:fontRef idx="minor">
+            <a:schemeClr val="tx1"/>
+          </a:fontRef>
+        </p:style>
+      </p:cxnSp>
+      <p:cxnSp>
+        <p:nvCxnSpPr>
+          <p:cNvPr id="159" name="Connecteur droit 158"/>
+          <p:cNvCxnSpPr/>
+          <p:nvPr/>
+        </p:nvCxnSpPr>
+        <p:spPr>
+          <a:xfrm flipV="1">
+            <a:off x="2751555" y="3240000"/>
+            <a:ext cx="288000" cy="2080222"/>
+          </a:xfrm>
+          <a:prstGeom prst="line">
+            <a:avLst/>
+          </a:prstGeom>
+          <a:ln w="6350">
+            <a:solidFill>
+              <a:schemeClr val="tx1"/>
+            </a:solidFill>
+            <a:prstDash val="dash"/>
+          </a:ln>
+          <a:effectLst/>
+        </p:spPr>
+        <p:style>
+          <a:lnRef idx="2">
+            <a:schemeClr val="accent1"/>
+          </a:lnRef>
+          <a:fillRef idx="0">
+            <a:schemeClr val="accent1"/>
+          </a:fillRef>
+          <a:effectRef idx="1">
+            <a:schemeClr val="accent1"/>
+          </a:effectRef>
+          <a:fontRef idx="minor">
+            <a:schemeClr val="tx1"/>
+          </a:fontRef>
+        </p:style>
+      </p:cxnSp>
+      <p:cxnSp>
+        <p:nvCxnSpPr>
+          <p:cNvPr id="163" name="Connecteur droit 162"/>
+          <p:cNvCxnSpPr/>
+          <p:nvPr/>
+        </p:nvCxnSpPr>
+        <p:spPr>
+          <a:xfrm flipH="1" flipV="1">
+            <a:off x="3040892" y="3240000"/>
+            <a:ext cx="612000" cy="2080222"/>
+          </a:xfrm>
+          <a:prstGeom prst="line">
+            <a:avLst/>
+          </a:prstGeom>
+          <a:ln w="6350">
+            <a:solidFill>
+              <a:schemeClr val="tx1"/>
+            </a:solidFill>
+            <a:prstDash val="dash"/>
+          </a:ln>
+          <a:effectLst/>
+        </p:spPr>
+        <p:style>
+          <a:lnRef idx="2">
+            <a:schemeClr val="accent1"/>
+          </a:lnRef>
+          <a:fillRef idx="0">
+            <a:schemeClr val="accent1"/>
+          </a:fillRef>
+          <a:effectRef idx="1">
+            <a:schemeClr val="accent1"/>
+          </a:effectRef>
+          <a:fontRef idx="minor">
+            <a:schemeClr val="tx1"/>
+          </a:fontRef>
+        </p:style>
+      </p:cxnSp>
+      <p:cxnSp>
+        <p:nvCxnSpPr>
+          <p:cNvPr id="166" name="Connecteur droit 165"/>
+          <p:cNvCxnSpPr/>
+          <p:nvPr/>
+        </p:nvCxnSpPr>
+        <p:spPr>
+          <a:xfrm flipV="1">
+            <a:off x="2425066" y="3240000"/>
+            <a:ext cx="612000" cy="2034905"/>
+          </a:xfrm>
+          <a:prstGeom prst="line">
+            <a:avLst/>
+          </a:prstGeom>
+          <a:ln w="6350">
+            <a:solidFill>
+              <a:schemeClr val="tx1"/>
+            </a:solidFill>
+            <a:prstDash val="dash"/>
+          </a:ln>
+          <a:effectLst/>
+        </p:spPr>
+        <p:style>
+          <a:lnRef idx="2">
+            <a:schemeClr val="accent1"/>
+          </a:lnRef>
+          <a:fillRef idx="0">
+            <a:schemeClr val="accent1"/>
+          </a:fillRef>
+          <a:effectRef idx="1">
+            <a:schemeClr val="accent1"/>
+          </a:effectRef>
+          <a:fontRef idx="minor">
+            <a:schemeClr val="tx1"/>
+          </a:fontRef>
+        </p:style>
+      </p:cxnSp>
+    </p:spTree>
+    <p:extLst>
+      <p:ext uri="{BB962C8B-B14F-4D97-AF65-F5344CB8AC3E}">
+        <p14:creationId xmlns:p14="http://schemas.microsoft.com/office/powerpoint/2010/main" val="2470635882"/>
+      </p:ext>
+    </p:extLst>
+  </p:cSld>
+  <p:clrMapOvr>
+    <a:masterClrMapping/>
+  </p:clrMapOvr>
+  <p:timing>
+    <p:tnLst>
+      <p:par>
+        <p:cTn xmlns:p14="http://schemas.microsoft.com/office/powerpoint/2010/main" id="1" dur="indefinite" restart="never" nodeType="tmRoot"/>
+      </p:par>
+    </p:tnLst>
+  </p:timing>
+</p:sld>
+</file>
+
+<file path=ppt/slides/slide6.xml><?xml version="1.0" encoding="utf-8"?>
+<p:sld xmlns:a="http://schemas.openxmlformats.org/drawingml/2006/main" xmlns:r="http://schemas.openxmlformats.org/officeDocument/2006/relationships" xmlns:p="http://schemas.openxmlformats.org/presentationml/2006/main">
+  <p:cSld>
+    <p:spTree>
+      <p:nvGrpSpPr>
+        <p:cNvPr id="1" name=""/>
+        <p:cNvGrpSpPr/>
+        <p:nvPr/>
+      </p:nvGrpSpPr>
+      <p:grpSpPr>
+        <a:xfrm>
+          <a:off x="0" y="0"/>
+          <a:ext cx="0" cy="0"/>
+          <a:chOff x="0" y="0"/>
+          <a:chExt cx="0" cy="0"/>
+        </a:xfrm>
+      </p:grpSpPr>
       <p:grpSp>
         <p:nvGrpSpPr>
           <p:cNvPr id="101" name="Grouper 100"/>
@@ -13142,16 +14706,2023 @@
           </p:style>
         </p:cxnSp>
       </p:grpSp>
+      <p:sp>
+        <p:nvSpPr>
+          <p:cNvPr id="144" name="ZoneTexte 143"/>
+          <p:cNvSpPr txBox="1"/>
+          <p:nvPr/>
+        </p:nvSpPr>
+        <p:spPr>
+          <a:xfrm>
+            <a:off x="6438118" y="2017851"/>
+            <a:ext cx="1973104" cy="738664"/>
+          </a:xfrm>
+          <a:prstGeom prst="rect">
+            <a:avLst/>
+          </a:prstGeom>
+          <a:noFill/>
+        </p:spPr>
+        <p:txBody>
+          <a:bodyPr wrap="none" rtlCol="0">
+            <a:spAutoFit/>
+          </a:bodyPr>
+          <a:lstStyle/>
+          <a:p>
+            <a:pPr algn="ctr"/>
+            <a:r>
+              <a:rPr lang="en-GB" sz="1400" b="1" dirty="0"/>
+              <a:t>RF image 3D </a:t>
+            </a:r>
+          </a:p>
+          <a:p>
+            <a:pPr algn="ctr"/>
+            <a:r>
+              <a:rPr lang="en-GB" sz="1400" b="1" dirty="0" smtClean="0"/>
+              <a:t>Linear probe motor</a:t>
+            </a:r>
+          </a:p>
+          <a:p>
+            <a:pPr algn="ctr"/>
+            <a:r>
+              <a:rPr lang="en-GB" sz="1400" b="1" dirty="0" smtClean="0"/>
+              <a:t>Linear probe transducer</a:t>
+            </a:r>
+          </a:p>
+        </p:txBody>
+      </p:sp>
+      <p:sp>
+        <p:nvSpPr>
+          <p:cNvPr id="65" name="ZoneTexte 64"/>
+          <p:cNvSpPr txBox="1"/>
+          <p:nvPr/>
+        </p:nvSpPr>
+        <p:spPr>
+          <a:xfrm>
+            <a:off x="6299699" y="3838943"/>
+            <a:ext cx="929724" cy="523220"/>
+          </a:xfrm>
+          <a:prstGeom prst="rect">
+            <a:avLst/>
+          </a:prstGeom>
+          <a:noFill/>
+        </p:spPr>
+        <p:txBody>
+          <a:bodyPr wrap="none" rtlCol="0">
+            <a:spAutoFit/>
+          </a:bodyPr>
+          <a:lstStyle/>
+          <a:p>
+            <a:pPr algn="ctr"/>
+            <a:r>
+              <a:rPr lang="en-GB" sz="1400" dirty="0" smtClean="0"/>
+              <a:t>RF sample</a:t>
+            </a:r>
+          </a:p>
+          <a:p>
+            <a:pPr algn="ctr"/>
+            <a:r>
+              <a:rPr lang="en-GB" sz="1400" dirty="0" smtClean="0"/>
+              <a:t>number</a:t>
+            </a:r>
+            <a:endParaRPr lang="en-GB" sz="1400" dirty="0"/>
+          </a:p>
+        </p:txBody>
+      </p:sp>
+      <p:cxnSp>
+        <p:nvCxnSpPr>
+          <p:cNvPr id="69" name="Connecteur droit avec flèche 68"/>
+          <p:cNvCxnSpPr/>
+          <p:nvPr/>
+        </p:nvCxnSpPr>
+        <p:spPr>
+          <a:xfrm flipV="1">
+            <a:off x="7236700" y="3552992"/>
+            <a:ext cx="0" cy="1062359"/>
+          </a:xfrm>
+          <a:prstGeom prst="straightConnector1">
+            <a:avLst/>
+          </a:prstGeom>
+          <a:ln w="9525">
+            <a:solidFill>
+              <a:schemeClr val="tx1"/>
+            </a:solidFill>
+            <a:headEnd type="triangle"/>
+            <a:tailEnd type="triangle"/>
+          </a:ln>
+          <a:effectLst/>
+        </p:spPr>
+        <p:style>
+          <a:lnRef idx="2">
+            <a:schemeClr val="accent1"/>
+          </a:lnRef>
+          <a:fillRef idx="0">
+            <a:schemeClr val="accent1"/>
+          </a:fillRef>
+          <a:effectRef idx="1">
+            <a:schemeClr val="accent1"/>
+          </a:effectRef>
+          <a:fontRef idx="minor">
+            <a:schemeClr val="tx1"/>
+          </a:fontRef>
+        </p:style>
+      </p:cxnSp>
+      <p:sp>
+        <p:nvSpPr>
+          <p:cNvPr id="73" name="ZoneTexte 72"/>
+          <p:cNvSpPr txBox="1"/>
+          <p:nvPr/>
+        </p:nvSpPr>
+        <p:spPr>
+          <a:xfrm>
+            <a:off x="6438977" y="3039791"/>
+            <a:ext cx="830050" cy="523220"/>
+          </a:xfrm>
+          <a:prstGeom prst="rect">
+            <a:avLst/>
+          </a:prstGeom>
+          <a:noFill/>
+        </p:spPr>
+        <p:txBody>
+          <a:bodyPr wrap="none" rtlCol="0">
+            <a:spAutoFit/>
+          </a:bodyPr>
+          <a:lstStyle/>
+          <a:p>
+            <a:pPr algn="ctr"/>
+            <a:r>
+              <a:rPr lang="en-GB" sz="1400" dirty="0" smtClean="0"/>
+              <a:t>Scan line</a:t>
+            </a:r>
+          </a:p>
+          <a:p>
+            <a:pPr algn="ctr"/>
+            <a:r>
+              <a:rPr lang="en-GB" sz="1400" dirty="0" smtClean="0"/>
+              <a:t>number</a:t>
+            </a:r>
+            <a:endParaRPr lang="en-GB" sz="1400" dirty="0"/>
+          </a:p>
+        </p:txBody>
+      </p:sp>
+      <p:sp>
+        <p:nvSpPr>
+          <p:cNvPr id="79" name="ZoneTexte 78"/>
+          <p:cNvSpPr txBox="1"/>
+          <p:nvPr/>
+        </p:nvSpPr>
+        <p:spPr>
+          <a:xfrm>
+            <a:off x="7184133" y="4937300"/>
+            <a:ext cx="762987" cy="523220"/>
+          </a:xfrm>
+          <a:prstGeom prst="rect">
+            <a:avLst/>
+          </a:prstGeom>
+          <a:noFill/>
+        </p:spPr>
+        <p:txBody>
+          <a:bodyPr wrap="none" rtlCol="0">
+            <a:spAutoFit/>
+          </a:bodyPr>
+          <a:lstStyle/>
+          <a:p>
+            <a:pPr algn="ctr"/>
+            <a:r>
+              <a:rPr lang="en-GB" sz="1400" dirty="0" smtClean="0"/>
+              <a:t>Frame</a:t>
+            </a:r>
+          </a:p>
+          <a:p>
+            <a:pPr algn="ctr"/>
+            <a:r>
+              <a:rPr lang="en-GB" sz="1400" dirty="0" smtClean="0"/>
+              <a:t>number</a:t>
+            </a:r>
+            <a:endParaRPr lang="en-GB" sz="1400" dirty="0"/>
+          </a:p>
+        </p:txBody>
+      </p:sp>
+      <p:cxnSp>
+        <p:nvCxnSpPr>
+          <p:cNvPr id="80" name="Connecteur droit avec flèche 79"/>
+          <p:cNvCxnSpPr/>
+          <p:nvPr/>
+        </p:nvCxnSpPr>
+        <p:spPr>
+          <a:xfrm flipV="1">
+            <a:off x="7430705" y="4877881"/>
+            <a:ext cx="199008" cy="1"/>
+          </a:xfrm>
+          <a:prstGeom prst="straightConnector1">
+            <a:avLst/>
+          </a:prstGeom>
+          <a:ln w="9525">
+            <a:solidFill>
+              <a:schemeClr val="tx1"/>
+            </a:solidFill>
+            <a:headEnd type="triangle"/>
+            <a:tailEnd type="triangle"/>
+          </a:ln>
+          <a:effectLst/>
+        </p:spPr>
+        <p:style>
+          <a:lnRef idx="2">
+            <a:schemeClr val="accent1"/>
+          </a:lnRef>
+          <a:fillRef idx="0">
+            <a:schemeClr val="accent1"/>
+          </a:fillRef>
+          <a:effectRef idx="1">
+            <a:schemeClr val="accent1"/>
+          </a:effectRef>
+          <a:fontRef idx="minor">
+            <a:schemeClr val="tx1"/>
+          </a:fontRef>
+        </p:style>
+      </p:cxnSp>
+      <p:cxnSp>
+        <p:nvCxnSpPr>
+          <p:cNvPr id="81" name="Connecteur droit 80"/>
+          <p:cNvCxnSpPr/>
+          <p:nvPr/>
+        </p:nvCxnSpPr>
+        <p:spPr>
+          <a:xfrm flipV="1">
+            <a:off x="7430705" y="4615351"/>
+            <a:ext cx="0" cy="321949"/>
+          </a:xfrm>
+          <a:prstGeom prst="line">
+            <a:avLst/>
+          </a:prstGeom>
+          <a:ln w="6350">
+            <a:solidFill>
+              <a:schemeClr val="tx1"/>
+            </a:solidFill>
+            <a:prstDash val="dash"/>
+          </a:ln>
+          <a:effectLst/>
+        </p:spPr>
+        <p:style>
+          <a:lnRef idx="2">
+            <a:schemeClr val="accent1"/>
+          </a:lnRef>
+          <a:fillRef idx="0">
+            <a:schemeClr val="accent1"/>
+          </a:fillRef>
+          <a:effectRef idx="1">
+            <a:schemeClr val="accent1"/>
+          </a:effectRef>
+          <a:fontRef idx="minor">
+            <a:schemeClr val="tx1"/>
+          </a:fontRef>
+        </p:style>
+      </p:cxnSp>
+      <p:cxnSp>
+        <p:nvCxnSpPr>
+          <p:cNvPr id="82" name="Connecteur droit 81"/>
+          <p:cNvCxnSpPr/>
+          <p:nvPr/>
+        </p:nvCxnSpPr>
+        <p:spPr>
+          <a:xfrm flipV="1">
+            <a:off x="7629713" y="4627951"/>
+            <a:ext cx="0" cy="321949"/>
+          </a:xfrm>
+          <a:prstGeom prst="line">
+            <a:avLst/>
+          </a:prstGeom>
+          <a:ln w="6350">
+            <a:solidFill>
+              <a:schemeClr val="tx1"/>
+            </a:solidFill>
+            <a:prstDash val="dash"/>
+          </a:ln>
+          <a:effectLst/>
+        </p:spPr>
+        <p:style>
+          <a:lnRef idx="2">
+            <a:schemeClr val="accent1"/>
+          </a:lnRef>
+          <a:fillRef idx="0">
+            <a:schemeClr val="accent1"/>
+          </a:fillRef>
+          <a:effectRef idx="1">
+            <a:schemeClr val="accent1"/>
+          </a:effectRef>
+          <a:fontRef idx="minor">
+            <a:schemeClr val="tx1"/>
+          </a:fontRef>
+        </p:style>
+      </p:cxnSp>
+      <p:cxnSp>
+        <p:nvCxnSpPr>
+          <p:cNvPr id="85" name="Connecteur droit 84"/>
+          <p:cNvCxnSpPr/>
+          <p:nvPr/>
+        </p:nvCxnSpPr>
+        <p:spPr>
+          <a:xfrm flipH="1">
+            <a:off x="7109767" y="4627283"/>
+            <a:ext cx="314903" cy="1"/>
+          </a:xfrm>
+          <a:prstGeom prst="line">
+            <a:avLst/>
+          </a:prstGeom>
+          <a:ln w="6350">
+            <a:solidFill>
+              <a:schemeClr val="tx1"/>
+            </a:solidFill>
+            <a:prstDash val="dash"/>
+          </a:ln>
+          <a:effectLst/>
+        </p:spPr>
+        <p:style>
+          <a:lnRef idx="2">
+            <a:schemeClr val="accent1"/>
+          </a:lnRef>
+          <a:fillRef idx="0">
+            <a:schemeClr val="accent1"/>
+          </a:fillRef>
+          <a:effectRef idx="1">
+            <a:schemeClr val="accent1"/>
+          </a:effectRef>
+          <a:fontRef idx="minor">
+            <a:schemeClr val="tx1"/>
+          </a:fontRef>
+        </p:style>
+      </p:cxnSp>
+      <p:cxnSp>
+        <p:nvCxnSpPr>
+          <p:cNvPr id="86" name="Connecteur droit 85"/>
+          <p:cNvCxnSpPr/>
+          <p:nvPr/>
+        </p:nvCxnSpPr>
+        <p:spPr>
+          <a:xfrm flipH="1">
+            <a:off x="7113127" y="3556918"/>
+            <a:ext cx="314903" cy="1"/>
+          </a:xfrm>
+          <a:prstGeom prst="line">
+            <a:avLst/>
+          </a:prstGeom>
+          <a:ln w="6350">
+            <a:solidFill>
+              <a:schemeClr val="tx1"/>
+            </a:solidFill>
+            <a:prstDash val="dash"/>
+          </a:ln>
+          <a:effectLst/>
+        </p:spPr>
+        <p:style>
+          <a:lnRef idx="2">
+            <a:schemeClr val="accent1"/>
+          </a:lnRef>
+          <a:fillRef idx="0">
+            <a:schemeClr val="accent1"/>
+          </a:fillRef>
+          <a:effectRef idx="1">
+            <a:schemeClr val="accent1"/>
+          </a:effectRef>
+          <a:fontRef idx="minor">
+            <a:schemeClr val="tx1"/>
+          </a:fontRef>
+        </p:style>
+      </p:cxnSp>
+      <p:cxnSp>
+        <p:nvCxnSpPr>
+          <p:cNvPr id="89" name="Connecteur droit 88"/>
+          <p:cNvCxnSpPr/>
+          <p:nvPr/>
+        </p:nvCxnSpPr>
+        <p:spPr>
+          <a:xfrm flipH="1">
+            <a:off x="7436210" y="3097990"/>
+            <a:ext cx="314903" cy="1"/>
+          </a:xfrm>
+          <a:prstGeom prst="line">
+            <a:avLst/>
+          </a:prstGeom>
+          <a:ln w="6350">
+            <a:solidFill>
+              <a:schemeClr val="tx1"/>
+            </a:solidFill>
+            <a:prstDash val="dash"/>
+          </a:ln>
+          <a:effectLst/>
+        </p:spPr>
+        <p:style>
+          <a:lnRef idx="2">
+            <a:schemeClr val="accent1"/>
+          </a:lnRef>
+          <a:fillRef idx="0">
+            <a:schemeClr val="accent1"/>
+          </a:fillRef>
+          <a:effectRef idx="1">
+            <a:schemeClr val="accent1"/>
+          </a:effectRef>
+          <a:fontRef idx="minor">
+            <a:schemeClr val="tx1"/>
+          </a:fontRef>
+        </p:style>
+      </p:cxnSp>
+      <p:cxnSp>
+        <p:nvCxnSpPr>
+          <p:cNvPr id="91" name="Connecteur droit 90"/>
+          <p:cNvCxnSpPr/>
+          <p:nvPr/>
+        </p:nvCxnSpPr>
+        <p:spPr>
+          <a:xfrm flipH="1">
+            <a:off x="7235292" y="3095862"/>
+            <a:ext cx="320408" cy="457130"/>
+          </a:xfrm>
+          <a:prstGeom prst="line">
+            <a:avLst/>
+          </a:prstGeom>
+          <a:ln w="9525">
+            <a:solidFill>
+              <a:schemeClr val="tx1"/>
+            </a:solidFill>
+            <a:headEnd type="triangle"/>
+            <a:tailEnd type="triangle"/>
+          </a:ln>
+          <a:effectLst/>
+        </p:spPr>
+        <p:style>
+          <a:lnRef idx="2">
+            <a:schemeClr val="accent1"/>
+          </a:lnRef>
+          <a:fillRef idx="0">
+            <a:schemeClr val="accent1"/>
+          </a:fillRef>
+          <a:effectRef idx="1">
+            <a:schemeClr val="accent1"/>
+          </a:effectRef>
+          <a:fontRef idx="minor">
+            <a:schemeClr val="tx1"/>
+          </a:fontRef>
+        </p:style>
+      </p:cxnSp>
     </p:spTree>
     <p:extLst>
       <p:ext uri="{BB962C8B-B14F-4D97-AF65-F5344CB8AC3E}">
-        <p14:creationId xmlns:p14="http://schemas.microsoft.com/office/powerpoint/2010/main" val="2470635882"/>
+        <p14:creationId xmlns:p14="http://schemas.microsoft.com/office/powerpoint/2010/main" val="3448788503"/>
       </p:ext>
     </p:extLst>
   </p:cSld>
   <p:clrMapOvr>
     <a:masterClrMapping/>
   </p:clrMapOvr>
+  <p:timing>
+    <p:tnLst>
+      <p:par>
+        <p:cTn xmlns:p14="http://schemas.microsoft.com/office/powerpoint/2010/main" id="1" dur="indefinite" restart="never" nodeType="tmRoot"/>
+      </p:par>
+    </p:tnLst>
+  </p:timing>
+</p:sld>
+</file>
+
+<file path=ppt/slides/slide7.xml><?xml version="1.0" encoding="utf-8"?>
+<p:sld xmlns:a="http://schemas.openxmlformats.org/drawingml/2006/main" xmlns:r="http://schemas.openxmlformats.org/officeDocument/2006/relationships" xmlns:p="http://schemas.openxmlformats.org/presentationml/2006/main">
+  <p:cSld>
+    <p:spTree>
+      <p:nvGrpSpPr>
+        <p:cNvPr id="1" name=""/>
+        <p:cNvGrpSpPr/>
+        <p:nvPr/>
+      </p:nvGrpSpPr>
+      <p:grpSpPr>
+        <a:xfrm>
+          <a:off x="0" y="0"/>
+          <a:ext cx="0" cy="0"/>
+          <a:chOff x="0" y="0"/>
+          <a:chExt cx="0" cy="0"/>
+        </a:xfrm>
+      </p:grpSpPr>
+      <p:cxnSp>
+        <p:nvCxnSpPr>
+          <p:cNvPr id="102" name="Connecteur droit 101"/>
+          <p:cNvCxnSpPr/>
+          <p:nvPr/>
+        </p:nvCxnSpPr>
+        <p:spPr>
+          <a:xfrm flipH="1">
+            <a:off x="7430705" y="3097991"/>
+            <a:ext cx="320408" cy="457130"/>
+          </a:xfrm>
+          <a:prstGeom prst="line">
+            <a:avLst/>
+          </a:prstGeom>
+          <a:ln w="9525">
+            <a:solidFill>
+              <a:schemeClr val="tx1"/>
+            </a:solidFill>
+          </a:ln>
+          <a:effectLst/>
+        </p:spPr>
+        <p:style>
+          <a:lnRef idx="2">
+            <a:schemeClr val="accent1"/>
+          </a:lnRef>
+          <a:fillRef idx="0">
+            <a:schemeClr val="accent1"/>
+          </a:fillRef>
+          <a:effectRef idx="1">
+            <a:schemeClr val="accent1"/>
+          </a:effectRef>
+          <a:fontRef idx="minor">
+            <a:schemeClr val="tx1"/>
+          </a:fontRef>
+        </p:style>
+      </p:cxnSp>
+      <p:cxnSp>
+        <p:nvCxnSpPr>
+          <p:cNvPr id="103" name="Connecteur droit 102"/>
+          <p:cNvCxnSpPr/>
+          <p:nvPr/>
+        </p:nvCxnSpPr>
+        <p:spPr>
+          <a:xfrm flipV="1">
+            <a:off x="7430705" y="3555121"/>
+            <a:ext cx="0" cy="1060230"/>
+          </a:xfrm>
+          <a:prstGeom prst="line">
+            <a:avLst/>
+          </a:prstGeom>
+          <a:ln w="9525">
+            <a:solidFill>
+              <a:schemeClr val="tx1"/>
+            </a:solidFill>
+          </a:ln>
+          <a:effectLst/>
+        </p:spPr>
+        <p:style>
+          <a:lnRef idx="2">
+            <a:schemeClr val="accent1"/>
+          </a:lnRef>
+          <a:fillRef idx="0">
+            <a:schemeClr val="accent1"/>
+          </a:fillRef>
+          <a:effectRef idx="1">
+            <a:schemeClr val="accent1"/>
+          </a:effectRef>
+          <a:fontRef idx="minor">
+            <a:schemeClr val="tx1"/>
+          </a:fontRef>
+        </p:style>
+      </p:cxnSp>
+      <p:cxnSp>
+        <p:nvCxnSpPr>
+          <p:cNvPr id="104" name="Connecteur droit 103"/>
+          <p:cNvCxnSpPr/>
+          <p:nvPr/>
+        </p:nvCxnSpPr>
+        <p:spPr>
+          <a:xfrm flipH="1">
+            <a:off x="7427089" y="4259733"/>
+            <a:ext cx="258640" cy="359236"/>
+          </a:xfrm>
+          <a:prstGeom prst="line">
+            <a:avLst/>
+          </a:prstGeom>
+          <a:ln w="9525">
+            <a:solidFill>
+              <a:schemeClr val="tx1"/>
+            </a:solidFill>
+          </a:ln>
+          <a:effectLst/>
+        </p:spPr>
+        <p:style>
+          <a:lnRef idx="2">
+            <a:schemeClr val="accent1"/>
+          </a:lnRef>
+          <a:fillRef idx="0">
+            <a:schemeClr val="accent1"/>
+          </a:fillRef>
+          <a:effectRef idx="1">
+            <a:schemeClr val="accent1"/>
+          </a:effectRef>
+          <a:fontRef idx="minor">
+            <a:schemeClr val="tx1"/>
+          </a:fontRef>
+        </p:style>
+      </p:cxnSp>
+      <p:cxnSp>
+        <p:nvCxnSpPr>
+          <p:cNvPr id="105" name="Connecteur droit 104"/>
+          <p:cNvCxnSpPr/>
+          <p:nvPr/>
+        </p:nvCxnSpPr>
+        <p:spPr>
+          <a:xfrm>
+            <a:off x="7751113" y="3097991"/>
+            <a:ext cx="8265" cy="360000"/>
+          </a:xfrm>
+          <a:prstGeom prst="line">
+            <a:avLst/>
+          </a:prstGeom>
+          <a:ln w="9525">
+            <a:solidFill>
+              <a:schemeClr val="tx1"/>
+            </a:solidFill>
+          </a:ln>
+          <a:effectLst/>
+        </p:spPr>
+        <p:style>
+          <a:lnRef idx="2">
+            <a:schemeClr val="accent1"/>
+          </a:lnRef>
+          <a:fillRef idx="0">
+            <a:schemeClr val="accent1"/>
+          </a:fillRef>
+          <a:effectRef idx="1">
+            <a:schemeClr val="accent1"/>
+          </a:effectRef>
+          <a:fontRef idx="minor">
+            <a:schemeClr val="tx1"/>
+          </a:fontRef>
+        </p:style>
+      </p:cxnSp>
+      <p:cxnSp>
+        <p:nvCxnSpPr>
+          <p:cNvPr id="106" name="Connecteur droit 105"/>
+          <p:cNvCxnSpPr/>
+          <p:nvPr/>
+        </p:nvCxnSpPr>
+        <p:spPr>
+          <a:xfrm flipH="1">
+            <a:off x="7683650" y="3104766"/>
+            <a:ext cx="320408" cy="457130"/>
+          </a:xfrm>
+          <a:prstGeom prst="line">
+            <a:avLst/>
+          </a:prstGeom>
+          <a:ln w="9525">
+            <a:solidFill>
+              <a:schemeClr val="tx1"/>
+            </a:solidFill>
+          </a:ln>
+          <a:effectLst/>
+        </p:spPr>
+        <p:style>
+          <a:lnRef idx="2">
+            <a:schemeClr val="accent1"/>
+          </a:lnRef>
+          <a:fillRef idx="0">
+            <a:schemeClr val="accent1"/>
+          </a:fillRef>
+          <a:effectRef idx="1">
+            <a:schemeClr val="accent1"/>
+          </a:effectRef>
+          <a:fontRef idx="minor">
+            <a:schemeClr val="tx1"/>
+          </a:fontRef>
+        </p:style>
+      </p:cxnSp>
+      <p:cxnSp>
+        <p:nvCxnSpPr>
+          <p:cNvPr id="107" name="Connecteur droit 106"/>
+          <p:cNvCxnSpPr/>
+          <p:nvPr/>
+        </p:nvCxnSpPr>
+        <p:spPr>
+          <a:xfrm flipV="1">
+            <a:off x="7683650" y="3561896"/>
+            <a:ext cx="0" cy="1060230"/>
+          </a:xfrm>
+          <a:prstGeom prst="line">
+            <a:avLst/>
+          </a:prstGeom>
+          <a:ln w="9525">
+            <a:solidFill>
+              <a:schemeClr val="tx1"/>
+            </a:solidFill>
+          </a:ln>
+          <a:effectLst/>
+        </p:spPr>
+        <p:style>
+          <a:lnRef idx="2">
+            <a:schemeClr val="accent1"/>
+          </a:lnRef>
+          <a:fillRef idx="0">
+            <a:schemeClr val="accent1"/>
+          </a:fillRef>
+          <a:effectRef idx="1">
+            <a:schemeClr val="accent1"/>
+          </a:effectRef>
+          <a:fontRef idx="minor">
+            <a:schemeClr val="tx1"/>
+          </a:fontRef>
+        </p:style>
+      </p:cxnSp>
+      <p:cxnSp>
+        <p:nvCxnSpPr>
+          <p:cNvPr id="108" name="Connecteur droit 107"/>
+          <p:cNvCxnSpPr/>
+          <p:nvPr/>
+        </p:nvCxnSpPr>
+        <p:spPr>
+          <a:xfrm flipH="1">
+            <a:off x="7685729" y="4259733"/>
+            <a:ext cx="238683" cy="362393"/>
+          </a:xfrm>
+          <a:prstGeom prst="line">
+            <a:avLst/>
+          </a:prstGeom>
+          <a:ln w="9525">
+            <a:solidFill>
+              <a:schemeClr val="tx1"/>
+            </a:solidFill>
+          </a:ln>
+          <a:effectLst/>
+        </p:spPr>
+        <p:style>
+          <a:lnRef idx="2">
+            <a:schemeClr val="accent1"/>
+          </a:lnRef>
+          <a:fillRef idx="0">
+            <a:schemeClr val="accent1"/>
+          </a:fillRef>
+          <a:effectRef idx="1">
+            <a:schemeClr val="accent1"/>
+          </a:effectRef>
+          <a:fontRef idx="minor">
+            <a:schemeClr val="tx1"/>
+          </a:fontRef>
+        </p:style>
+      </p:cxnSp>
+      <p:cxnSp>
+        <p:nvCxnSpPr>
+          <p:cNvPr id="109" name="Connecteur droit 108"/>
+          <p:cNvCxnSpPr/>
+          <p:nvPr/>
+        </p:nvCxnSpPr>
+        <p:spPr>
+          <a:xfrm flipH="1">
+            <a:off x="7930107" y="3110591"/>
+            <a:ext cx="320408" cy="457130"/>
+          </a:xfrm>
+          <a:prstGeom prst="line">
+            <a:avLst/>
+          </a:prstGeom>
+          <a:ln w="9525">
+            <a:solidFill>
+              <a:schemeClr val="tx1"/>
+            </a:solidFill>
+          </a:ln>
+          <a:effectLst/>
+        </p:spPr>
+        <p:style>
+          <a:lnRef idx="2">
+            <a:schemeClr val="accent1"/>
+          </a:lnRef>
+          <a:fillRef idx="0">
+            <a:schemeClr val="accent1"/>
+          </a:fillRef>
+          <a:effectRef idx="1">
+            <a:schemeClr val="accent1"/>
+          </a:effectRef>
+          <a:fontRef idx="minor">
+            <a:schemeClr val="tx1"/>
+          </a:fontRef>
+        </p:style>
+      </p:cxnSp>
+      <p:cxnSp>
+        <p:nvCxnSpPr>
+          <p:cNvPr id="110" name="Connecteur droit 109"/>
+          <p:cNvCxnSpPr/>
+          <p:nvPr/>
+        </p:nvCxnSpPr>
+        <p:spPr>
+          <a:xfrm flipV="1">
+            <a:off x="7930107" y="3567721"/>
+            <a:ext cx="0" cy="1060230"/>
+          </a:xfrm>
+          <a:prstGeom prst="line">
+            <a:avLst/>
+          </a:prstGeom>
+          <a:ln w="9525">
+            <a:solidFill>
+              <a:schemeClr val="tx1"/>
+            </a:solidFill>
+          </a:ln>
+          <a:effectLst/>
+        </p:spPr>
+        <p:style>
+          <a:lnRef idx="2">
+            <a:schemeClr val="accent1"/>
+          </a:lnRef>
+          <a:fillRef idx="0">
+            <a:schemeClr val="accent1"/>
+          </a:fillRef>
+          <a:effectRef idx="1">
+            <a:schemeClr val="accent1"/>
+          </a:effectRef>
+          <a:fontRef idx="minor">
+            <a:schemeClr val="tx1"/>
+          </a:fontRef>
+        </p:style>
+      </p:cxnSp>
+      <p:cxnSp>
+        <p:nvCxnSpPr>
+          <p:cNvPr id="111" name="Connecteur droit 110"/>
+          <p:cNvCxnSpPr/>
+          <p:nvPr/>
+        </p:nvCxnSpPr>
+        <p:spPr>
+          <a:xfrm flipH="1">
+            <a:off x="7930108" y="4259733"/>
+            <a:ext cx="257715" cy="368218"/>
+          </a:xfrm>
+          <a:prstGeom prst="line">
+            <a:avLst/>
+          </a:prstGeom>
+          <a:ln w="9525">
+            <a:solidFill>
+              <a:schemeClr val="tx1"/>
+            </a:solidFill>
+          </a:ln>
+          <a:effectLst/>
+        </p:spPr>
+        <p:style>
+          <a:lnRef idx="2">
+            <a:schemeClr val="accent1"/>
+          </a:lnRef>
+          <a:fillRef idx="0">
+            <a:schemeClr val="accent1"/>
+          </a:fillRef>
+          <a:effectRef idx="1">
+            <a:schemeClr val="accent1"/>
+          </a:effectRef>
+          <a:fontRef idx="minor">
+            <a:schemeClr val="tx1"/>
+          </a:fontRef>
+        </p:style>
+      </p:cxnSp>
+      <p:cxnSp>
+        <p:nvCxnSpPr>
+          <p:cNvPr id="112" name="Connecteur droit 111"/>
+          <p:cNvCxnSpPr/>
+          <p:nvPr/>
+        </p:nvCxnSpPr>
+        <p:spPr>
+          <a:xfrm flipH="1">
+            <a:off x="8187823" y="3110591"/>
+            <a:ext cx="320408" cy="457130"/>
+          </a:xfrm>
+          <a:prstGeom prst="line">
+            <a:avLst/>
+          </a:prstGeom>
+          <a:ln w="9525">
+            <a:solidFill>
+              <a:schemeClr val="tx1"/>
+            </a:solidFill>
+          </a:ln>
+          <a:effectLst/>
+        </p:spPr>
+        <p:style>
+          <a:lnRef idx="2">
+            <a:schemeClr val="accent1"/>
+          </a:lnRef>
+          <a:fillRef idx="0">
+            <a:schemeClr val="accent1"/>
+          </a:fillRef>
+          <a:effectRef idx="1">
+            <a:schemeClr val="accent1"/>
+          </a:effectRef>
+          <a:fontRef idx="minor">
+            <a:schemeClr val="tx1"/>
+          </a:fontRef>
+        </p:style>
+      </p:cxnSp>
+      <p:cxnSp>
+        <p:nvCxnSpPr>
+          <p:cNvPr id="113" name="Connecteur droit 112"/>
+          <p:cNvCxnSpPr/>
+          <p:nvPr/>
+        </p:nvCxnSpPr>
+        <p:spPr>
+          <a:xfrm flipV="1">
+            <a:off x="8187823" y="3567721"/>
+            <a:ext cx="0" cy="1060230"/>
+          </a:xfrm>
+          <a:prstGeom prst="line">
+            <a:avLst/>
+          </a:prstGeom>
+          <a:ln w="9525">
+            <a:solidFill>
+              <a:schemeClr val="tx1"/>
+            </a:solidFill>
+          </a:ln>
+          <a:effectLst/>
+        </p:spPr>
+        <p:style>
+          <a:lnRef idx="2">
+            <a:schemeClr val="accent1"/>
+          </a:lnRef>
+          <a:fillRef idx="0">
+            <a:schemeClr val="accent1"/>
+          </a:fillRef>
+          <a:effectRef idx="1">
+            <a:schemeClr val="accent1"/>
+          </a:effectRef>
+          <a:fontRef idx="minor">
+            <a:schemeClr val="tx1"/>
+          </a:fontRef>
+        </p:style>
+      </p:cxnSp>
+      <p:cxnSp>
+        <p:nvCxnSpPr>
+          <p:cNvPr id="114" name="Connecteur droit 113"/>
+          <p:cNvCxnSpPr/>
+          <p:nvPr/>
+        </p:nvCxnSpPr>
+        <p:spPr>
+          <a:xfrm>
+            <a:off x="8508231" y="3110591"/>
+            <a:ext cx="0" cy="1063050"/>
+          </a:xfrm>
+          <a:prstGeom prst="line">
+            <a:avLst/>
+          </a:prstGeom>
+          <a:ln w="9525">
+            <a:solidFill>
+              <a:schemeClr val="tx1"/>
+            </a:solidFill>
+          </a:ln>
+          <a:effectLst/>
+        </p:spPr>
+        <p:style>
+          <a:lnRef idx="2">
+            <a:schemeClr val="accent1"/>
+          </a:lnRef>
+          <a:fillRef idx="0">
+            <a:schemeClr val="accent1"/>
+          </a:fillRef>
+          <a:effectRef idx="1">
+            <a:schemeClr val="accent1"/>
+          </a:effectRef>
+          <a:fontRef idx="minor">
+            <a:schemeClr val="tx1"/>
+          </a:fontRef>
+        </p:style>
+      </p:cxnSp>
+      <p:cxnSp>
+        <p:nvCxnSpPr>
+          <p:cNvPr id="115" name="Connecteur droit 114"/>
+          <p:cNvCxnSpPr/>
+          <p:nvPr/>
+        </p:nvCxnSpPr>
+        <p:spPr>
+          <a:xfrm>
+            <a:off x="8004058" y="3104766"/>
+            <a:ext cx="0" cy="360000"/>
+          </a:xfrm>
+          <a:prstGeom prst="line">
+            <a:avLst/>
+          </a:prstGeom>
+          <a:ln w="9525">
+            <a:solidFill>
+              <a:schemeClr val="tx1"/>
+            </a:solidFill>
+          </a:ln>
+          <a:effectLst/>
+        </p:spPr>
+        <p:style>
+          <a:lnRef idx="2">
+            <a:schemeClr val="accent1"/>
+          </a:lnRef>
+          <a:fillRef idx="0">
+            <a:schemeClr val="accent1"/>
+          </a:fillRef>
+          <a:effectRef idx="1">
+            <a:schemeClr val="accent1"/>
+          </a:effectRef>
+          <a:fontRef idx="minor">
+            <a:schemeClr val="tx1"/>
+          </a:fontRef>
+        </p:style>
+      </p:cxnSp>
+      <p:cxnSp>
+        <p:nvCxnSpPr>
+          <p:cNvPr id="116" name="Connecteur droit 115"/>
+          <p:cNvCxnSpPr/>
+          <p:nvPr/>
+        </p:nvCxnSpPr>
+        <p:spPr>
+          <a:xfrm>
+            <a:off x="8248278" y="3110591"/>
+            <a:ext cx="2237" cy="360000"/>
+          </a:xfrm>
+          <a:prstGeom prst="line">
+            <a:avLst/>
+          </a:prstGeom>
+          <a:ln w="9525">
+            <a:solidFill>
+              <a:schemeClr val="tx1"/>
+            </a:solidFill>
+          </a:ln>
+          <a:effectLst/>
+        </p:spPr>
+        <p:style>
+          <a:lnRef idx="2">
+            <a:schemeClr val="accent1"/>
+          </a:lnRef>
+          <a:fillRef idx="0">
+            <a:schemeClr val="accent1"/>
+          </a:fillRef>
+          <a:effectRef idx="1">
+            <a:schemeClr val="accent1"/>
+          </a:effectRef>
+          <a:fontRef idx="minor">
+            <a:schemeClr val="tx1"/>
+          </a:fontRef>
+        </p:style>
+      </p:cxnSp>
+      <p:cxnSp>
+        <p:nvCxnSpPr>
+          <p:cNvPr id="117" name="Connecteur droit 116"/>
+          <p:cNvCxnSpPr/>
+          <p:nvPr/>
+        </p:nvCxnSpPr>
+        <p:spPr>
+          <a:xfrm flipH="1">
+            <a:off x="8187823" y="4173641"/>
+            <a:ext cx="320408" cy="457130"/>
+          </a:xfrm>
+          <a:prstGeom prst="line">
+            <a:avLst/>
+          </a:prstGeom>
+          <a:ln w="9525">
+            <a:solidFill>
+              <a:schemeClr val="tx1"/>
+            </a:solidFill>
+          </a:ln>
+          <a:effectLst/>
+        </p:spPr>
+        <p:style>
+          <a:lnRef idx="2">
+            <a:schemeClr val="accent1"/>
+          </a:lnRef>
+          <a:fillRef idx="0">
+            <a:schemeClr val="accent1"/>
+          </a:fillRef>
+          <a:effectRef idx="1">
+            <a:schemeClr val="accent1"/>
+          </a:effectRef>
+          <a:fontRef idx="minor">
+            <a:schemeClr val="tx1"/>
+          </a:fontRef>
+        </p:style>
+      </p:cxnSp>
+      <p:sp>
+        <p:nvSpPr>
+          <p:cNvPr id="144" name="ZoneTexte 143"/>
+          <p:cNvSpPr txBox="1"/>
+          <p:nvPr/>
+        </p:nvSpPr>
+        <p:spPr>
+          <a:xfrm>
+            <a:off x="6438118" y="2017851"/>
+            <a:ext cx="1973104" cy="738664"/>
+          </a:xfrm>
+          <a:prstGeom prst="rect">
+            <a:avLst/>
+          </a:prstGeom>
+          <a:noFill/>
+        </p:spPr>
+        <p:txBody>
+          <a:bodyPr wrap="none" rtlCol="0">
+            <a:spAutoFit/>
+          </a:bodyPr>
+          <a:lstStyle/>
+          <a:p>
+            <a:pPr algn="ctr"/>
+            <a:r>
+              <a:rPr lang="en-GB" sz="1400" b="1" dirty="0" smtClean="0"/>
+              <a:t>Post-scan </a:t>
+            </a:r>
+            <a:r>
+              <a:rPr lang="en-GB" sz="1400" b="1" dirty="0"/>
+              <a:t>image 3D </a:t>
+            </a:r>
+          </a:p>
+          <a:p>
+            <a:pPr algn="ctr"/>
+            <a:r>
+              <a:rPr lang="en-GB" sz="1400" b="1" dirty="0" smtClean="0"/>
+              <a:t>Linear probe motor</a:t>
+            </a:r>
+          </a:p>
+          <a:p>
+            <a:pPr algn="ctr"/>
+            <a:r>
+              <a:rPr lang="en-GB" sz="1400" b="1" dirty="0" smtClean="0"/>
+              <a:t>Linear probe transducer</a:t>
+            </a:r>
+          </a:p>
+        </p:txBody>
+      </p:sp>
+      <p:sp>
+        <p:nvSpPr>
+          <p:cNvPr id="65" name="ZoneTexte 64"/>
+          <p:cNvSpPr txBox="1"/>
+          <p:nvPr/>
+        </p:nvSpPr>
+        <p:spPr>
+          <a:xfrm>
+            <a:off x="6239037" y="3877863"/>
+            <a:ext cx="595035" cy="307777"/>
+          </a:xfrm>
+          <a:prstGeom prst="rect">
+            <a:avLst/>
+          </a:prstGeom>
+          <a:noFill/>
+        </p:spPr>
+        <p:txBody>
+          <a:bodyPr wrap="none" rtlCol="0">
+            <a:spAutoFit/>
+          </a:bodyPr>
+          <a:lstStyle/>
+          <a:p>
+            <a:pPr algn="ctr"/>
+            <a:r>
+              <a:rPr lang="en-GB" sz="1400" dirty="0"/>
+              <a:t>d</a:t>
+            </a:r>
+            <a:r>
+              <a:rPr lang="en-GB" sz="1400" dirty="0" smtClean="0"/>
+              <a:t>im Y</a:t>
+            </a:r>
+            <a:endParaRPr lang="en-GB" sz="1400" dirty="0"/>
+          </a:p>
+        </p:txBody>
+      </p:sp>
+      <p:cxnSp>
+        <p:nvCxnSpPr>
+          <p:cNvPr id="69" name="Connecteur droit avec flèche 68"/>
+          <p:cNvCxnSpPr/>
+          <p:nvPr/>
+        </p:nvCxnSpPr>
+        <p:spPr>
+          <a:xfrm flipV="1">
+            <a:off x="6775405" y="3552992"/>
+            <a:ext cx="0" cy="1062359"/>
+          </a:xfrm>
+          <a:prstGeom prst="straightConnector1">
+            <a:avLst/>
+          </a:prstGeom>
+          <a:ln w="9525">
+            <a:solidFill>
+              <a:schemeClr val="tx1"/>
+            </a:solidFill>
+            <a:headEnd type="triangle"/>
+            <a:tailEnd type="triangle"/>
+          </a:ln>
+          <a:effectLst/>
+        </p:spPr>
+        <p:style>
+          <a:lnRef idx="2">
+            <a:schemeClr val="accent1"/>
+          </a:lnRef>
+          <a:fillRef idx="0">
+            <a:schemeClr val="accent1"/>
+          </a:fillRef>
+          <a:effectRef idx="1">
+            <a:schemeClr val="accent1"/>
+          </a:effectRef>
+          <a:fontRef idx="minor">
+            <a:schemeClr val="tx1"/>
+          </a:fontRef>
+        </p:style>
+      </p:cxnSp>
+      <p:sp>
+        <p:nvSpPr>
+          <p:cNvPr id="73" name="ZoneTexte 72"/>
+          <p:cNvSpPr txBox="1"/>
+          <p:nvPr/>
+        </p:nvSpPr>
+        <p:spPr>
+          <a:xfrm>
+            <a:off x="6393386" y="3104766"/>
+            <a:ext cx="597389" cy="307777"/>
+          </a:xfrm>
+          <a:prstGeom prst="rect">
+            <a:avLst/>
+          </a:prstGeom>
+          <a:noFill/>
+        </p:spPr>
+        <p:txBody>
+          <a:bodyPr wrap="none" rtlCol="0">
+            <a:spAutoFit/>
+          </a:bodyPr>
+          <a:lstStyle/>
+          <a:p>
+            <a:pPr algn="ctr"/>
+            <a:r>
+              <a:rPr lang="en-GB" sz="1400" dirty="0"/>
+              <a:t>d</a:t>
+            </a:r>
+            <a:r>
+              <a:rPr lang="en-GB" sz="1400" dirty="0" smtClean="0"/>
+              <a:t>im X</a:t>
+            </a:r>
+          </a:p>
+        </p:txBody>
+      </p:sp>
+      <p:sp>
+        <p:nvSpPr>
+          <p:cNvPr id="79" name="ZoneTexte 78"/>
+          <p:cNvSpPr txBox="1"/>
+          <p:nvPr/>
+        </p:nvSpPr>
+        <p:spPr>
+          <a:xfrm>
+            <a:off x="7552922" y="5069999"/>
+            <a:ext cx="595035" cy="307777"/>
+          </a:xfrm>
+          <a:prstGeom prst="rect">
+            <a:avLst/>
+          </a:prstGeom>
+          <a:noFill/>
+        </p:spPr>
+        <p:txBody>
+          <a:bodyPr wrap="none" rtlCol="0">
+            <a:spAutoFit/>
+          </a:bodyPr>
+          <a:lstStyle/>
+          <a:p>
+            <a:pPr algn="ctr"/>
+            <a:r>
+              <a:rPr lang="en-GB" sz="1400" dirty="0"/>
+              <a:t>d</a:t>
+            </a:r>
+            <a:r>
+              <a:rPr lang="en-GB" sz="1400" dirty="0" smtClean="0"/>
+              <a:t>im Z</a:t>
+            </a:r>
+            <a:endParaRPr lang="en-GB" sz="1400" dirty="0"/>
+          </a:p>
+        </p:txBody>
+      </p:sp>
+      <p:cxnSp>
+        <p:nvCxnSpPr>
+          <p:cNvPr id="80" name="Connecteur droit avec flèche 79"/>
+          <p:cNvCxnSpPr/>
+          <p:nvPr/>
+        </p:nvCxnSpPr>
+        <p:spPr>
+          <a:xfrm flipV="1">
+            <a:off x="7430705" y="5010580"/>
+            <a:ext cx="757118" cy="2"/>
+          </a:xfrm>
+          <a:prstGeom prst="straightConnector1">
+            <a:avLst/>
+          </a:prstGeom>
+          <a:ln w="9525">
+            <a:solidFill>
+              <a:schemeClr val="tx1"/>
+            </a:solidFill>
+            <a:headEnd type="triangle"/>
+            <a:tailEnd type="triangle"/>
+          </a:ln>
+          <a:effectLst/>
+        </p:spPr>
+        <p:style>
+          <a:lnRef idx="2">
+            <a:schemeClr val="accent1"/>
+          </a:lnRef>
+          <a:fillRef idx="0">
+            <a:schemeClr val="accent1"/>
+          </a:fillRef>
+          <a:effectRef idx="1">
+            <a:schemeClr val="accent1"/>
+          </a:effectRef>
+          <a:fontRef idx="minor">
+            <a:schemeClr val="tx1"/>
+          </a:fontRef>
+        </p:style>
+      </p:cxnSp>
+      <p:cxnSp>
+        <p:nvCxnSpPr>
+          <p:cNvPr id="91" name="Connecteur droit 90"/>
+          <p:cNvCxnSpPr/>
+          <p:nvPr/>
+        </p:nvCxnSpPr>
+        <p:spPr>
+          <a:xfrm flipH="1">
+            <a:off x="6773997" y="3095862"/>
+            <a:ext cx="320408" cy="457130"/>
+          </a:xfrm>
+          <a:prstGeom prst="line">
+            <a:avLst/>
+          </a:prstGeom>
+          <a:ln w="9525">
+            <a:solidFill>
+              <a:schemeClr val="tx1"/>
+            </a:solidFill>
+            <a:headEnd type="triangle"/>
+            <a:tailEnd type="triangle"/>
+          </a:ln>
+          <a:effectLst/>
+        </p:spPr>
+        <p:style>
+          <a:lnRef idx="2">
+            <a:schemeClr val="accent1"/>
+          </a:lnRef>
+          <a:fillRef idx="0">
+            <a:schemeClr val="accent1"/>
+          </a:fillRef>
+          <a:effectRef idx="1">
+            <a:schemeClr val="accent1"/>
+          </a:effectRef>
+          <a:fontRef idx="minor">
+            <a:schemeClr val="tx1"/>
+          </a:fontRef>
+        </p:style>
+      </p:cxnSp>
+      <p:cxnSp>
+        <p:nvCxnSpPr>
+          <p:cNvPr id="31" name="Connecteur droit avec flèche 30"/>
+          <p:cNvCxnSpPr/>
+          <p:nvPr/>
+        </p:nvCxnSpPr>
+        <p:spPr>
+          <a:xfrm>
+            <a:off x="7148210" y="3562026"/>
+            <a:ext cx="288000" cy="0"/>
+          </a:xfrm>
+          <a:prstGeom prst="straightConnector1">
+            <a:avLst/>
+          </a:prstGeom>
+          <a:ln w="22225">
+            <a:solidFill>
+              <a:schemeClr val="tx1"/>
+            </a:solidFill>
+            <a:headEnd type="triangle"/>
+            <a:tailEnd type="none"/>
+          </a:ln>
+          <a:effectLst/>
+        </p:spPr>
+        <p:style>
+          <a:lnRef idx="2">
+            <a:schemeClr val="accent1"/>
+          </a:lnRef>
+          <a:fillRef idx="0">
+            <a:schemeClr val="accent1"/>
+          </a:fillRef>
+          <a:effectRef idx="1">
+            <a:schemeClr val="accent1"/>
+          </a:effectRef>
+          <a:fontRef idx="minor">
+            <a:schemeClr val="tx1"/>
+          </a:fontRef>
+        </p:style>
+      </p:cxnSp>
+      <p:cxnSp>
+        <p:nvCxnSpPr>
+          <p:cNvPr id="32" name="Connecteur droit avec flèche 31"/>
+          <p:cNvCxnSpPr/>
+          <p:nvPr/>
+        </p:nvCxnSpPr>
+        <p:spPr>
+          <a:xfrm flipV="1">
+            <a:off x="7424670" y="3412543"/>
+            <a:ext cx="108000" cy="155178"/>
+          </a:xfrm>
+          <a:prstGeom prst="straightConnector1">
+            <a:avLst/>
+          </a:prstGeom>
+          <a:ln w="22225">
+            <a:solidFill>
+              <a:schemeClr val="tx1"/>
+            </a:solidFill>
+            <a:tailEnd type="triangle"/>
+          </a:ln>
+          <a:effectLst/>
+        </p:spPr>
+        <p:style>
+          <a:lnRef idx="2">
+            <a:schemeClr val="accent1"/>
+          </a:lnRef>
+          <a:fillRef idx="0">
+            <a:schemeClr val="accent1"/>
+          </a:fillRef>
+          <a:effectRef idx="1">
+            <a:schemeClr val="accent1"/>
+          </a:effectRef>
+          <a:fontRef idx="minor">
+            <a:schemeClr val="tx1"/>
+          </a:fontRef>
+        </p:style>
+      </p:cxnSp>
+      <p:cxnSp>
+        <p:nvCxnSpPr>
+          <p:cNvPr id="34" name="Connecteur droit avec flèche 33"/>
+          <p:cNvCxnSpPr/>
+          <p:nvPr/>
+        </p:nvCxnSpPr>
+        <p:spPr>
+          <a:xfrm>
+            <a:off x="7432592" y="3561896"/>
+            <a:ext cx="0" cy="289040"/>
+          </a:xfrm>
+          <a:prstGeom prst="straightConnector1">
+            <a:avLst/>
+          </a:prstGeom>
+          <a:ln w="22225">
+            <a:solidFill>
+              <a:schemeClr val="tx1"/>
+            </a:solidFill>
+            <a:tailEnd type="triangle"/>
+          </a:ln>
+          <a:effectLst/>
+        </p:spPr>
+        <p:style>
+          <a:lnRef idx="2">
+            <a:schemeClr val="accent1"/>
+          </a:lnRef>
+          <a:fillRef idx="0">
+            <a:schemeClr val="accent1"/>
+          </a:fillRef>
+          <a:effectRef idx="1">
+            <a:schemeClr val="accent1"/>
+          </a:effectRef>
+          <a:fontRef idx="minor">
+            <a:schemeClr val="tx1"/>
+          </a:fontRef>
+        </p:style>
+      </p:cxnSp>
+      <p:pic>
+        <p:nvPicPr>
+          <p:cNvPr id="4" name="Image 3" descr="latex-image-1.pdf"/>
+          <p:cNvPicPr>
+            <a:picLocks noChangeAspect="1"/>
+          </p:cNvPicPr>
+          <p:nvPr/>
+        </p:nvPicPr>
+        <p:blipFill>
+          <a:blip r:embed="rId2">
+            <a:extLst>
+              <a:ext uri="{28A0092B-C50C-407E-A947-70E740481C1C}">
+                <a14:useLocalDpi xmlns:a14="http://schemas.microsoft.com/office/drawing/2010/main" val="0"/>
+              </a:ext>
+            </a:extLst>
+          </a:blip>
+          <a:stretch>
+            <a:fillRect/>
+          </a:stretch>
+        </p:blipFill>
+        <p:spPr>
+          <a:xfrm>
+            <a:off x="7337413" y="3368991"/>
+            <a:ext cx="114300" cy="101600"/>
+          </a:xfrm>
+          <a:prstGeom prst="rect">
+            <a:avLst/>
+          </a:prstGeom>
+        </p:spPr>
+      </p:pic>
+      <p:pic>
+        <p:nvPicPr>
+          <p:cNvPr id="5" name="Image 4" descr="latex-image-1.pdf"/>
+          <p:cNvPicPr>
+            <a:picLocks noChangeAspect="1"/>
+          </p:cNvPicPr>
+          <p:nvPr/>
+        </p:nvPicPr>
+        <p:blipFill>
+          <a:blip r:embed="rId3">
+            <a:extLst>
+              <a:ext uri="{28A0092B-C50C-407E-A947-70E740481C1C}">
+                <a14:useLocalDpi xmlns:a14="http://schemas.microsoft.com/office/drawing/2010/main" val="0"/>
+              </a:ext>
+            </a:extLst>
+          </a:blip>
+          <a:stretch>
+            <a:fillRect/>
+          </a:stretch>
+        </p:blipFill>
+        <p:spPr>
+          <a:xfrm>
+            <a:off x="7279815" y="3749336"/>
+            <a:ext cx="101600" cy="101600"/>
+          </a:xfrm>
+          <a:prstGeom prst="rect">
+            <a:avLst/>
+          </a:prstGeom>
+        </p:spPr>
+      </p:pic>
+      <p:pic>
+        <p:nvPicPr>
+          <p:cNvPr id="6" name="Image 5" descr="latex-image-1.pdf"/>
+          <p:cNvPicPr>
+            <a:picLocks noChangeAspect="1"/>
+          </p:cNvPicPr>
+          <p:nvPr/>
+        </p:nvPicPr>
+        <p:blipFill>
+          <a:blip r:embed="rId4">
+            <a:extLst>
+              <a:ext uri="{28A0092B-C50C-407E-A947-70E740481C1C}">
+                <a14:useLocalDpi xmlns:a14="http://schemas.microsoft.com/office/drawing/2010/main" val="0"/>
+              </a:ext>
+            </a:extLst>
+          </a:blip>
+          <a:stretch>
+            <a:fillRect/>
+          </a:stretch>
+        </p:blipFill>
+        <p:spPr>
+          <a:xfrm>
+            <a:off x="7087228" y="3419791"/>
+            <a:ext cx="139700" cy="101600"/>
+          </a:xfrm>
+          <a:prstGeom prst="rect">
+            <a:avLst/>
+          </a:prstGeom>
+        </p:spPr>
+      </p:pic>
+      <p:cxnSp>
+        <p:nvCxnSpPr>
+          <p:cNvPr id="37" name="Connecteur droit avec flèche 36"/>
+          <p:cNvCxnSpPr/>
+          <p:nvPr/>
+        </p:nvCxnSpPr>
+        <p:spPr>
+          <a:xfrm>
+            <a:off x="7658324" y="3354768"/>
+            <a:ext cx="288000" cy="0"/>
+          </a:xfrm>
+          <a:prstGeom prst="straightConnector1">
+            <a:avLst/>
+          </a:prstGeom>
+          <a:ln w="22225">
+            <a:solidFill>
+              <a:schemeClr val="tx2"/>
+            </a:solidFill>
+            <a:headEnd type="triangle"/>
+            <a:tailEnd type="none"/>
+          </a:ln>
+          <a:effectLst/>
+        </p:spPr>
+        <p:style>
+          <a:lnRef idx="2">
+            <a:schemeClr val="accent1"/>
+          </a:lnRef>
+          <a:fillRef idx="0">
+            <a:schemeClr val="accent1"/>
+          </a:fillRef>
+          <a:effectRef idx="1">
+            <a:schemeClr val="accent1"/>
+          </a:effectRef>
+          <a:fontRef idx="minor">
+            <a:schemeClr val="tx1"/>
+          </a:fontRef>
+        </p:style>
+      </p:cxnSp>
+      <p:cxnSp>
+        <p:nvCxnSpPr>
+          <p:cNvPr id="47" name="Connecteur droit avec flèche 46"/>
+          <p:cNvCxnSpPr/>
+          <p:nvPr/>
+        </p:nvCxnSpPr>
+        <p:spPr>
+          <a:xfrm flipV="1">
+            <a:off x="7947313" y="3199590"/>
+            <a:ext cx="108000" cy="155178"/>
+          </a:xfrm>
+          <a:prstGeom prst="straightConnector1">
+            <a:avLst/>
+          </a:prstGeom>
+          <a:ln w="22225">
+            <a:solidFill>
+              <a:srgbClr val="FF0000"/>
+            </a:solidFill>
+            <a:tailEnd type="triangle"/>
+          </a:ln>
+          <a:effectLst/>
+        </p:spPr>
+        <p:style>
+          <a:lnRef idx="2">
+            <a:schemeClr val="accent1"/>
+          </a:lnRef>
+          <a:fillRef idx="0">
+            <a:schemeClr val="accent1"/>
+          </a:fillRef>
+          <a:effectRef idx="1">
+            <a:schemeClr val="accent1"/>
+          </a:effectRef>
+          <a:fontRef idx="minor">
+            <a:schemeClr val="tx1"/>
+          </a:fontRef>
+        </p:style>
+      </p:cxnSp>
+      <p:cxnSp>
+        <p:nvCxnSpPr>
+          <p:cNvPr id="48" name="Connecteur droit avec flèche 47"/>
+          <p:cNvCxnSpPr/>
+          <p:nvPr/>
+        </p:nvCxnSpPr>
+        <p:spPr>
+          <a:xfrm>
+            <a:off x="7947313" y="3354768"/>
+            <a:ext cx="0" cy="289040"/>
+          </a:xfrm>
+          <a:prstGeom prst="straightConnector1">
+            <a:avLst/>
+          </a:prstGeom>
+          <a:ln w="22225">
+            <a:solidFill>
+              <a:srgbClr val="008000"/>
+            </a:solidFill>
+            <a:tailEnd type="triangle"/>
+          </a:ln>
+          <a:effectLst/>
+        </p:spPr>
+        <p:style>
+          <a:lnRef idx="2">
+            <a:schemeClr val="accent1"/>
+          </a:lnRef>
+          <a:fillRef idx="0">
+            <a:schemeClr val="accent1"/>
+          </a:fillRef>
+          <a:effectRef idx="1">
+            <a:schemeClr val="accent1"/>
+          </a:effectRef>
+          <a:fontRef idx="minor">
+            <a:schemeClr val="tx1"/>
+          </a:fontRef>
+        </p:style>
+      </p:cxnSp>
+      <p:pic>
+        <p:nvPicPr>
+          <p:cNvPr id="28" name="Image 27" descr="latex-image-1.pdf"/>
+          <p:cNvPicPr>
+            <a:picLocks noChangeAspect="1"/>
+          </p:cNvPicPr>
+          <p:nvPr/>
+        </p:nvPicPr>
+        <p:blipFill>
+          <a:blip r:embed="rId5">
+            <a:extLst>
+              <a:ext uri="{28A0092B-C50C-407E-A947-70E740481C1C}">
+                <a14:useLocalDpi xmlns:a14="http://schemas.microsoft.com/office/drawing/2010/main" val="0"/>
+              </a:ext>
+            </a:extLst>
+          </a:blip>
+          <a:stretch>
+            <a:fillRect/>
+          </a:stretch>
+        </p:blipFill>
+        <p:spPr>
+          <a:xfrm>
+            <a:off x="8026838" y="3004742"/>
+            <a:ext cx="114300" cy="101600"/>
+          </a:xfrm>
+          <a:prstGeom prst="rect">
+            <a:avLst/>
+          </a:prstGeom>
+        </p:spPr>
+      </p:pic>
+      <p:pic>
+        <p:nvPicPr>
+          <p:cNvPr id="29" name="Image 28" descr="latex-image-1.pdf"/>
+          <p:cNvPicPr>
+            <a:picLocks noChangeAspect="1"/>
+          </p:cNvPicPr>
+          <p:nvPr/>
+        </p:nvPicPr>
+        <p:blipFill>
+          <a:blip r:embed="rId6">
+            <a:extLst>
+              <a:ext uri="{28A0092B-C50C-407E-A947-70E740481C1C}">
+                <a14:useLocalDpi xmlns:a14="http://schemas.microsoft.com/office/drawing/2010/main" val="0"/>
+              </a:ext>
+            </a:extLst>
+          </a:blip>
+          <a:stretch>
+            <a:fillRect/>
+          </a:stretch>
+        </p:blipFill>
+        <p:spPr>
+          <a:xfrm>
+            <a:off x="8004058" y="3643808"/>
+            <a:ext cx="101600" cy="139700"/>
+          </a:xfrm>
+          <a:prstGeom prst="rect">
+            <a:avLst/>
+          </a:prstGeom>
+        </p:spPr>
+      </p:pic>
+      <p:pic>
+        <p:nvPicPr>
+          <p:cNvPr id="30" name="Image 29" descr="latex-image-1.pdf"/>
+          <p:cNvPicPr>
+            <a:picLocks noChangeAspect="1"/>
+          </p:cNvPicPr>
+          <p:nvPr/>
+        </p:nvPicPr>
+        <p:blipFill>
+          <a:blip r:embed="rId7">
+            <a:extLst>
+              <a:ext uri="{28A0092B-C50C-407E-A947-70E740481C1C}">
+                <a14:useLocalDpi xmlns:a14="http://schemas.microsoft.com/office/drawing/2010/main" val="0"/>
+              </a:ext>
+            </a:extLst>
+          </a:blip>
+          <a:stretch>
+            <a:fillRect/>
+          </a:stretch>
+        </p:blipFill>
+        <p:spPr>
+          <a:xfrm>
+            <a:off x="7584129" y="3388213"/>
+            <a:ext cx="101600" cy="101600"/>
+          </a:xfrm>
+          <a:prstGeom prst="rect">
+            <a:avLst/>
+          </a:prstGeom>
+        </p:spPr>
+      </p:pic>
+      <p:cxnSp>
+        <p:nvCxnSpPr>
+          <p:cNvPr id="67" name="Connecteur droit 66"/>
+          <p:cNvCxnSpPr/>
+          <p:nvPr/>
+        </p:nvCxnSpPr>
+        <p:spPr>
+          <a:xfrm flipH="1">
+            <a:off x="7803452" y="3103531"/>
+            <a:ext cx="320408" cy="457130"/>
+          </a:xfrm>
+          <a:prstGeom prst="line">
+            <a:avLst/>
+          </a:prstGeom>
+          <a:ln w="3175">
+            <a:solidFill>
+              <a:schemeClr val="tx1"/>
+            </a:solidFill>
+            <a:prstDash val="dashDot"/>
+          </a:ln>
+          <a:effectLst/>
+        </p:spPr>
+        <p:style>
+          <a:lnRef idx="2">
+            <a:schemeClr val="accent1"/>
+          </a:lnRef>
+          <a:fillRef idx="0">
+            <a:schemeClr val="accent1"/>
+          </a:fillRef>
+          <a:effectRef idx="1">
+            <a:schemeClr val="accent1"/>
+          </a:effectRef>
+          <a:fontRef idx="minor">
+            <a:schemeClr val="tx1"/>
+          </a:fontRef>
+        </p:style>
+      </p:cxnSp>
+      <p:cxnSp>
+        <p:nvCxnSpPr>
+          <p:cNvPr id="68" name="Connecteur droit 67"/>
+          <p:cNvCxnSpPr/>
+          <p:nvPr/>
+        </p:nvCxnSpPr>
+        <p:spPr>
+          <a:xfrm flipV="1">
+            <a:off x="7803452" y="3560661"/>
+            <a:ext cx="0" cy="1060230"/>
+          </a:xfrm>
+          <a:prstGeom prst="line">
+            <a:avLst/>
+          </a:prstGeom>
+          <a:ln w="3175">
+            <a:solidFill>
+              <a:schemeClr val="tx1"/>
+            </a:solidFill>
+            <a:prstDash val="dashDot"/>
+          </a:ln>
+          <a:effectLst/>
+        </p:spPr>
+        <p:style>
+          <a:lnRef idx="2">
+            <a:schemeClr val="accent1"/>
+          </a:lnRef>
+          <a:fillRef idx="0">
+            <a:schemeClr val="accent1"/>
+          </a:fillRef>
+          <a:effectRef idx="1">
+            <a:schemeClr val="accent1"/>
+          </a:effectRef>
+          <a:fontRef idx="minor">
+            <a:schemeClr val="tx1"/>
+          </a:fontRef>
+        </p:style>
+      </p:cxnSp>
+      <p:cxnSp>
+        <p:nvCxnSpPr>
+          <p:cNvPr id="70" name="Connecteur droit 69"/>
+          <p:cNvCxnSpPr/>
+          <p:nvPr/>
+        </p:nvCxnSpPr>
+        <p:spPr>
+          <a:xfrm flipH="1">
+            <a:off x="7803454" y="4430578"/>
+            <a:ext cx="126653" cy="190313"/>
+          </a:xfrm>
+          <a:prstGeom prst="line">
+            <a:avLst/>
+          </a:prstGeom>
+          <a:ln w="3175">
+            <a:solidFill>
+              <a:schemeClr val="tx1"/>
+            </a:solidFill>
+            <a:prstDash val="dashDot"/>
+          </a:ln>
+          <a:effectLst/>
+        </p:spPr>
+        <p:style>
+          <a:lnRef idx="2">
+            <a:schemeClr val="accent1"/>
+          </a:lnRef>
+          <a:fillRef idx="0">
+            <a:schemeClr val="accent1"/>
+          </a:fillRef>
+          <a:effectRef idx="1">
+            <a:schemeClr val="accent1"/>
+          </a:effectRef>
+          <a:fontRef idx="minor">
+            <a:schemeClr val="tx1"/>
+          </a:fontRef>
+        </p:style>
+      </p:cxnSp>
+      <p:cxnSp>
+        <p:nvCxnSpPr>
+          <p:cNvPr id="71" name="Connecteur droit 70"/>
+          <p:cNvCxnSpPr/>
+          <p:nvPr/>
+        </p:nvCxnSpPr>
+        <p:spPr>
+          <a:xfrm>
+            <a:off x="8121623" y="3103531"/>
+            <a:ext cx="0" cy="193776"/>
+          </a:xfrm>
+          <a:prstGeom prst="line">
+            <a:avLst/>
+          </a:prstGeom>
+          <a:ln w="3175">
+            <a:solidFill>
+              <a:schemeClr val="tx1"/>
+            </a:solidFill>
+            <a:prstDash val="dashDot"/>
+          </a:ln>
+          <a:effectLst/>
+        </p:spPr>
+        <p:style>
+          <a:lnRef idx="2">
+            <a:schemeClr val="accent1"/>
+          </a:lnRef>
+          <a:fillRef idx="0">
+            <a:schemeClr val="accent1"/>
+          </a:fillRef>
+          <a:effectRef idx="1">
+            <a:schemeClr val="accent1"/>
+          </a:effectRef>
+          <a:fontRef idx="minor">
+            <a:schemeClr val="tx1"/>
+          </a:fontRef>
+        </p:style>
+      </p:cxnSp>
+      <p:cxnSp>
+        <p:nvCxnSpPr>
+          <p:cNvPr id="75" name="Connecteur droit 74"/>
+          <p:cNvCxnSpPr/>
+          <p:nvPr/>
+        </p:nvCxnSpPr>
+        <p:spPr>
+          <a:xfrm>
+            <a:off x="7565431" y="3354768"/>
+            <a:ext cx="768261" cy="0"/>
+          </a:xfrm>
+          <a:prstGeom prst="line">
+            <a:avLst/>
+          </a:prstGeom>
+          <a:ln w="3175">
+            <a:solidFill>
+              <a:schemeClr val="tx1"/>
+            </a:solidFill>
+            <a:prstDash val="dashDot"/>
+          </a:ln>
+          <a:effectLst/>
+        </p:spPr>
+        <p:style>
+          <a:lnRef idx="2">
+            <a:schemeClr val="accent1"/>
+          </a:lnRef>
+          <a:fillRef idx="0">
+            <a:schemeClr val="accent1"/>
+          </a:fillRef>
+          <a:effectRef idx="1">
+            <a:schemeClr val="accent1"/>
+          </a:effectRef>
+          <a:fontRef idx="minor">
+            <a:schemeClr val="tx1"/>
+          </a:fontRef>
+        </p:style>
+      </p:cxnSp>
+      <p:sp>
+        <p:nvSpPr>
+          <p:cNvPr id="51" name="ZoneTexte 50"/>
+          <p:cNvSpPr txBox="1"/>
+          <p:nvPr/>
+        </p:nvSpPr>
+        <p:spPr>
+          <a:xfrm>
+            <a:off x="5998489" y="4783411"/>
+            <a:ext cx="1096987" cy="307777"/>
+          </a:xfrm>
+          <a:prstGeom prst="rect">
+            <a:avLst/>
+          </a:prstGeom>
+          <a:noFill/>
+        </p:spPr>
+        <p:txBody>
+          <a:bodyPr wrap="none" rtlCol="0">
+            <a:spAutoFit/>
+          </a:bodyPr>
+          <a:lstStyle/>
+          <a:p>
+            <a:pPr algn="ctr"/>
+            <a:r>
+              <a:rPr lang="en-GB" sz="1400" dirty="0"/>
+              <a:t>v</a:t>
+            </a:r>
+            <a:r>
+              <a:rPr lang="en-GB" sz="1400" dirty="0" smtClean="0"/>
+              <a:t>irtual plane</a:t>
+            </a:r>
+            <a:endParaRPr lang="en-GB" sz="1400" dirty="0"/>
+          </a:p>
+        </p:txBody>
+      </p:sp>
+      <p:cxnSp>
+        <p:nvCxnSpPr>
+          <p:cNvPr id="52" name="Connecteur droit avec flèche 51"/>
+          <p:cNvCxnSpPr>
+            <a:stCxn id="51" idx="3"/>
+          </p:cNvCxnSpPr>
+          <p:nvPr/>
+        </p:nvCxnSpPr>
+        <p:spPr>
+          <a:xfrm flipV="1">
+            <a:off x="7095476" y="4630772"/>
+            <a:ext cx="707978" cy="306528"/>
+          </a:xfrm>
+          <a:prstGeom prst="straightConnector1">
+            <a:avLst/>
+          </a:prstGeom>
+          <a:ln w="9525">
+            <a:solidFill>
+              <a:schemeClr val="tx1"/>
+            </a:solidFill>
+            <a:headEnd type="none"/>
+            <a:tailEnd type="stealth"/>
+          </a:ln>
+          <a:effectLst/>
+        </p:spPr>
+        <p:style>
+          <a:lnRef idx="2">
+            <a:schemeClr val="accent1"/>
+          </a:lnRef>
+          <a:fillRef idx="0">
+            <a:schemeClr val="accent1"/>
+          </a:fillRef>
+          <a:effectRef idx="1">
+            <a:schemeClr val="accent1"/>
+          </a:effectRef>
+          <a:fontRef idx="minor">
+            <a:schemeClr val="tx1"/>
+          </a:fontRef>
+        </p:style>
+      </p:cxnSp>
+    </p:spTree>
+    <p:extLst>
+      <p:ext uri="{BB962C8B-B14F-4D97-AF65-F5344CB8AC3E}">
+        <p14:creationId xmlns:p14="http://schemas.microsoft.com/office/powerpoint/2010/main" val="2363675820"/>
+      </p:ext>
+    </p:extLst>
+  </p:cSld>
+  <p:clrMapOvr>
+    <a:masterClrMapping/>
+  </p:clrMapOvr>
+  <p:timing>
+    <p:tnLst>
+      <p:par>
+        <p:cTn xmlns:p14="http://schemas.microsoft.com/office/powerpoint/2010/main" id="1" dur="indefinite" restart="never" nodeType="tmRoot"/>
+      </p:par>
+    </p:tnLst>
+  </p:timing>
 </p:sld>
 </file>
 
@@ -13452,7 +17023,15 @@
       </a:style>
     </a:spDef>
     <a:lnDef>
-      <a:spPr/>
+      <a:spPr>
+        <a:ln w="22225">
+          <a:solidFill>
+            <a:schemeClr val="tx1"/>
+          </a:solidFill>
+          <a:tailEnd type="triangle"/>
+        </a:ln>
+        <a:effectLst/>
+      </a:spPr>
       <a:bodyPr/>
       <a:lstStyle/>
       <a:style>

--- a/doc/image/img-usProbeSettings.pptx
+++ b/doc/image/img-usProbeSettings.pptx
@@ -296,7 +296,7 @@
           <a:p>
             <a:fld id="{49D103BC-6271-874A-98DE-6B966EAA6738}" type="datetimeFigureOut">
               <a:rPr lang="fr-FR" smtClean="0"/>
-              <a:t>14/11/16</a:t>
+              <a:t>13/02/17</a:t>
             </a:fld>
             <a:endParaRPr lang="fr-FR"/>
           </a:p>
@@ -466,7 +466,7 @@
           <a:p>
             <a:fld id="{49D103BC-6271-874A-98DE-6B966EAA6738}" type="datetimeFigureOut">
               <a:rPr lang="fr-FR" smtClean="0"/>
-              <a:t>14/11/16</a:t>
+              <a:t>13/02/17</a:t>
             </a:fld>
             <a:endParaRPr lang="fr-FR"/>
           </a:p>
@@ -646,7 +646,7 @@
           <a:p>
             <a:fld id="{49D103BC-6271-874A-98DE-6B966EAA6738}" type="datetimeFigureOut">
               <a:rPr lang="fr-FR" smtClean="0"/>
-              <a:t>14/11/16</a:t>
+              <a:t>13/02/17</a:t>
             </a:fld>
             <a:endParaRPr lang="fr-FR"/>
           </a:p>
@@ -816,7 +816,7 @@
           <a:p>
             <a:fld id="{49D103BC-6271-874A-98DE-6B966EAA6738}" type="datetimeFigureOut">
               <a:rPr lang="fr-FR" smtClean="0"/>
-              <a:t>14/11/16</a:t>
+              <a:t>13/02/17</a:t>
             </a:fld>
             <a:endParaRPr lang="fr-FR"/>
           </a:p>
@@ -1062,7 +1062,7 @@
           <a:p>
             <a:fld id="{49D103BC-6271-874A-98DE-6B966EAA6738}" type="datetimeFigureOut">
               <a:rPr lang="fr-FR" smtClean="0"/>
-              <a:t>14/11/16</a:t>
+              <a:t>13/02/17</a:t>
             </a:fld>
             <a:endParaRPr lang="fr-FR"/>
           </a:p>
@@ -1350,7 +1350,7 @@
           <a:p>
             <a:fld id="{49D103BC-6271-874A-98DE-6B966EAA6738}" type="datetimeFigureOut">
               <a:rPr lang="fr-FR" smtClean="0"/>
-              <a:t>14/11/16</a:t>
+              <a:t>13/02/17</a:t>
             </a:fld>
             <a:endParaRPr lang="fr-FR"/>
           </a:p>
@@ -1772,7 +1772,7 @@
           <a:p>
             <a:fld id="{49D103BC-6271-874A-98DE-6B966EAA6738}" type="datetimeFigureOut">
               <a:rPr lang="fr-FR" smtClean="0"/>
-              <a:t>14/11/16</a:t>
+              <a:t>13/02/17</a:t>
             </a:fld>
             <a:endParaRPr lang="fr-FR"/>
           </a:p>
@@ -1890,7 +1890,7 @@
           <a:p>
             <a:fld id="{49D103BC-6271-874A-98DE-6B966EAA6738}" type="datetimeFigureOut">
               <a:rPr lang="fr-FR" smtClean="0"/>
-              <a:t>14/11/16</a:t>
+              <a:t>13/02/17</a:t>
             </a:fld>
             <a:endParaRPr lang="fr-FR"/>
           </a:p>
@@ -1985,7 +1985,7 @@
           <a:p>
             <a:fld id="{49D103BC-6271-874A-98DE-6B966EAA6738}" type="datetimeFigureOut">
               <a:rPr lang="fr-FR" smtClean="0"/>
-              <a:t>14/11/16</a:t>
+              <a:t>13/02/17</a:t>
             </a:fld>
             <a:endParaRPr lang="fr-FR"/>
           </a:p>
@@ -2262,7 +2262,7 @@
           <a:p>
             <a:fld id="{49D103BC-6271-874A-98DE-6B966EAA6738}" type="datetimeFigureOut">
               <a:rPr lang="fr-FR" smtClean="0"/>
-              <a:t>14/11/16</a:t>
+              <a:t>13/02/17</a:t>
             </a:fld>
             <a:endParaRPr lang="fr-FR"/>
           </a:p>
@@ -2515,7 +2515,7 @@
           <a:p>
             <a:fld id="{49D103BC-6271-874A-98DE-6B966EAA6738}" type="datetimeFigureOut">
               <a:rPr lang="fr-FR" smtClean="0"/>
-              <a:t>14/11/16</a:t>
+              <a:t>13/02/17</a:t>
             </a:fld>
             <a:endParaRPr lang="fr-FR"/>
           </a:p>
@@ -2728,7 +2728,7 @@
           <a:p>
             <a:fld id="{49D103BC-6271-874A-98DE-6B966EAA6738}" type="datetimeFigureOut">
               <a:rPr lang="fr-FR" smtClean="0"/>
-              <a:t>14/11/16</a:t>
+              <a:t>13/02/17</a:t>
             </a:fld>
             <a:endParaRPr lang="fr-FR"/>
           </a:p>
@@ -5548,11 +5548,7 @@
               <a:p>
                 <a:r>
                   <a:rPr lang="en-GB" sz="1400" dirty="0" smtClean="0"/>
-                  <a:t>       </a:t>
-                </a:r>
-                <a:r>
-                  <a:rPr lang="en-GB" sz="1400" dirty="0" smtClean="0"/>
-                  <a:t>: Transducer radius (m) </a:t>
+                  <a:t>       : Transducer radius (m) </a:t>
                 </a:r>
               </a:p>
             </p:txBody>
@@ -7533,11 +7529,7 @@
             <a:p>
               <a:r>
                 <a:rPr lang="en-GB" sz="1400" dirty="0" smtClean="0"/>
-                <a:t> : Axial resolution (m</a:t>
-              </a:r>
-              <a:r>
-                <a:rPr lang="en-GB" sz="1400" dirty="0" smtClean="0"/>
-                <a:t>) between two RF samples</a:t>
+                <a:t> : Axial resolution (m) between two RF samples</a:t>
               </a:r>
               <a:endParaRPr lang="en-GB" sz="1400" dirty="0"/>
             </a:p>
@@ -13344,11 +13336,7 @@
             <a:p>
               <a:r>
                 <a:rPr lang="en-GB" sz="1400" dirty="0" smtClean="0"/>
-                <a:t> : Axial resolution (m</a:t>
-              </a:r>
-              <a:r>
-                <a:rPr lang="en-GB" sz="1400" dirty="0" smtClean="0"/>
-                <a:t>) between two B-Mode samples</a:t>
+                <a:t> : Axial resolution (m) between two B-Mode samples</a:t>
               </a:r>
               <a:endParaRPr lang="en-GB" sz="1400" dirty="0"/>
             </a:p>
@@ -18404,21 +18392,8 @@
               <a:pPr algn="ctr"/>
               <a:r>
                 <a:rPr lang="en-GB" sz="1400" b="1" dirty="0" smtClean="0"/>
-                <a:t>Linear</a:t>
+                <a:t>Linear probe motor</a:t>
               </a:r>
-              <a:r>
-                <a:rPr lang="en-GB" sz="1400" b="1" dirty="0" smtClean="0"/>
-                <a:t> </a:t>
-              </a:r>
-              <a:r>
-                <a:rPr lang="en-GB" sz="1400" b="1" dirty="0" smtClean="0"/>
-                <a:t>probe </a:t>
-              </a:r>
-              <a:r>
-                <a:rPr lang="en-GB" sz="1400" b="1" dirty="0" smtClean="0"/>
-                <a:t>motor</a:t>
-              </a:r>
-              <a:endParaRPr lang="en-GB" sz="1400" b="1" dirty="0" smtClean="0"/>
             </a:p>
           </p:txBody>
         </p:sp>
@@ -18446,11 +18421,7 @@
             <a:p>
               <a:r>
                 <a:rPr lang="en-GB" sz="1400" dirty="0" smtClean="0"/>
-                <a:t>: Frame pitch </a:t>
-              </a:r>
-              <a:r>
-                <a:rPr lang="en-GB" sz="1400" dirty="0" smtClean="0"/>
-                <a:t>(m)</a:t>
+                <a:t>: Frame pitch (m)</a:t>
               </a:r>
               <a:endParaRPr lang="en-GB" sz="1400" dirty="0"/>
             </a:p>
@@ -20073,13 +20044,8 @@
               <a:pPr algn="ctr"/>
               <a:r>
                 <a:rPr lang="en-GB" sz="1400" b="1" dirty="0" smtClean="0"/>
-                <a:t>Tilting probe </a:t>
+                <a:t>Tilting probe motor</a:t>
               </a:r>
-              <a:r>
-                <a:rPr lang="en-GB" sz="1400" b="1" dirty="0" smtClean="0"/>
-                <a:t>motor</a:t>
-              </a:r>
-              <a:endParaRPr lang="en-GB" sz="1400" b="1" dirty="0" smtClean="0"/>
             </a:p>
           </p:txBody>
         </p:sp>
@@ -20137,19 +20103,7 @@
             <a:p>
               <a:r>
                 <a:rPr lang="en-GB" sz="1400" dirty="0" smtClean="0"/>
-                <a:t>: </a:t>
-              </a:r>
-              <a:r>
-                <a:rPr lang="en-GB" sz="1400" dirty="0" smtClean="0"/>
-                <a:t>Motor</a:t>
-              </a:r>
-              <a:r>
-                <a:rPr lang="en-GB" sz="1400" dirty="0" smtClean="0"/>
-                <a:t> </a:t>
-              </a:r>
-              <a:r>
-                <a:rPr lang="en-GB" sz="1400" dirty="0" smtClean="0"/>
-                <a:t>radius (m) </a:t>
+                <a:t>: Motor radius (m) </a:t>
               </a:r>
             </a:p>
           </p:txBody>
@@ -24196,7 +24150,6 @@
                 <a:rPr lang="en-GB" sz="1400" dirty="0" smtClean="0"/>
                 <a:t>im Y</a:t>
               </a:r>
-              <a:endParaRPr lang="en-GB" sz="1400" dirty="0" smtClean="0"/>
             </a:p>
           </p:txBody>
         </p:sp>
@@ -24928,15 +24881,7 @@
                 <a:pPr algn="ctr"/>
                 <a:r>
                   <a:rPr lang="en-GB" sz="1400" dirty="0" smtClean="0"/>
-                  <a:t>Frame </a:t>
-                </a:r>
-                <a:r>
-                  <a:rPr lang="en-GB" sz="1400" dirty="0" smtClean="0"/>
-                  <a:t>n</a:t>
-                </a:r>
-                <a:r>
-                  <a:rPr lang="en-GB" sz="1400" dirty="0" smtClean="0"/>
-                  <a:t>umber</a:t>
+                  <a:t>Frame number</a:t>
                 </a:r>
               </a:p>
               <a:p>
@@ -28048,7 +27993,6 @@
                 <a:rPr lang="en-GB" sz="1400" dirty="0" smtClean="0"/>
                 <a:t>im Y</a:t>
               </a:r>
-              <a:endParaRPr lang="en-GB" sz="1400" dirty="0" smtClean="0"/>
             </a:p>
           </p:txBody>
         </p:sp>
@@ -28098,10 +28042,10 @@
         </p:nvGrpSpPr>
         <p:grpSpPr>
           <a:xfrm>
-            <a:off x="4609570" y="2254527"/>
-            <a:ext cx="4452406" cy="4169057"/>
-            <a:chOff x="4609570" y="2254527"/>
-            <a:chExt cx="4452406" cy="4169057"/>
+            <a:off x="4610747" y="2254527"/>
+            <a:ext cx="4451229" cy="4169057"/>
+            <a:chOff x="4610747" y="2254527"/>
+            <a:chExt cx="4451229" cy="4169057"/>
           </a:xfrm>
         </p:grpSpPr>
         <p:grpSp>
@@ -28112,10 +28056,10 @@
           </p:nvGrpSpPr>
           <p:grpSpPr>
             <a:xfrm>
-              <a:off x="4609570" y="2254527"/>
-              <a:ext cx="4452406" cy="4169057"/>
-              <a:chOff x="4417135" y="2254527"/>
-              <a:chExt cx="4452406" cy="4169057"/>
+              <a:off x="4610747" y="2254527"/>
+              <a:ext cx="4451229" cy="4169057"/>
+              <a:chOff x="4418312" y="2254527"/>
+              <a:chExt cx="4451229" cy="4169057"/>
             </a:xfrm>
           </p:grpSpPr>
           <p:cxnSp>
@@ -29532,8 +29476,8 @@
             </p:nvSpPr>
             <p:spPr>
               <a:xfrm>
-                <a:off x="4417135" y="4723013"/>
-                <a:ext cx="597389" cy="307777"/>
+                <a:off x="4418312" y="4723013"/>
+                <a:ext cx="595035" cy="307777"/>
               </a:xfrm>
               <a:prstGeom prst="rect">
                 <a:avLst/>
@@ -29553,7 +29497,7 @@
                 </a:r>
                 <a:r>
                   <a:rPr lang="en-GB" sz="1400" dirty="0" smtClean="0"/>
-                  <a:t>im X</a:t>
+                  <a:t>im Y</a:t>
                 </a:r>
                 <a:endParaRPr lang="en-GB" sz="1400" dirty="0"/>
               </a:p>
@@ -29678,8 +29622,8 @@
             </p:nvSpPr>
             <p:spPr>
               <a:xfrm>
-                <a:off x="6366122" y="5569049"/>
-                <a:ext cx="595035" cy="307777"/>
+                <a:off x="6364945" y="5569049"/>
+                <a:ext cx="597389" cy="307777"/>
               </a:xfrm>
               <a:prstGeom prst="rect">
                 <a:avLst/>
@@ -29699,7 +29643,7 @@
                 </a:r>
                 <a:r>
                   <a:rPr lang="en-GB" sz="1400" dirty="0" smtClean="0"/>
-                  <a:t>im Y</a:t>
+                  <a:t>im X</a:t>
                 </a:r>
                 <a:endParaRPr lang="en-GB" sz="1400" dirty="0" smtClean="0"/>
               </a:p>
@@ -29821,10 +29765,10 @@
         </p:nvGrpSpPr>
         <p:grpSpPr>
           <a:xfrm>
-            <a:off x="-37358" y="1320439"/>
-            <a:ext cx="4941540" cy="5105137"/>
-            <a:chOff x="-37358" y="1320439"/>
-            <a:chExt cx="4941540" cy="5105137"/>
+            <a:off x="-36181" y="1320439"/>
+            <a:ext cx="4940363" cy="5105137"/>
+            <a:chOff x="-36181" y="1320439"/>
+            <a:chExt cx="4940363" cy="5105137"/>
           </a:xfrm>
         </p:grpSpPr>
         <p:grpSp>
@@ -32521,10 +32465,10 @@
           </p:nvGrpSpPr>
           <p:grpSpPr>
             <a:xfrm>
-              <a:off x="-37358" y="3740884"/>
-              <a:ext cx="4472674" cy="2684692"/>
-              <a:chOff x="-37358" y="3740884"/>
-              <a:chExt cx="4472674" cy="2684692"/>
+              <a:off x="-36181" y="3740884"/>
+              <a:ext cx="4471497" cy="2684692"/>
+              <a:chOff x="-36181" y="3740884"/>
+              <a:chExt cx="4471497" cy="2684692"/>
             </a:xfrm>
           </p:grpSpPr>
           <p:cxnSp>
@@ -32573,8 +32517,8 @@
             </p:nvSpPr>
             <p:spPr>
               <a:xfrm>
-                <a:off x="-37358" y="4721477"/>
-                <a:ext cx="597389" cy="307777"/>
+                <a:off x="-36181" y="4721477"/>
+                <a:ext cx="595035" cy="307777"/>
               </a:xfrm>
               <a:prstGeom prst="rect">
                 <a:avLst/>
@@ -32594,7 +32538,7 @@
                 </a:r>
                 <a:r>
                   <a:rPr lang="en-GB" sz="1400" dirty="0" smtClean="0"/>
-                  <a:t>im X</a:t>
+                  <a:t>im Y</a:t>
                 </a:r>
                 <a:endParaRPr lang="en-GB" sz="1400" dirty="0"/>
               </a:p>
@@ -32719,8 +32663,8 @@
             </p:nvSpPr>
             <p:spPr>
               <a:xfrm>
-                <a:off x="1931897" y="5571041"/>
-                <a:ext cx="595035" cy="307777"/>
+                <a:off x="1930720" y="5571041"/>
+                <a:ext cx="597389" cy="307777"/>
               </a:xfrm>
               <a:prstGeom prst="rect">
                 <a:avLst/>
@@ -32740,7 +32684,7 @@
                 </a:r>
                 <a:r>
                   <a:rPr lang="en-GB" sz="1400" dirty="0" smtClean="0"/>
-                  <a:t>im Y</a:t>
+                  <a:t>im X</a:t>
                 </a:r>
                 <a:endParaRPr lang="en-GB" sz="1400" dirty="0" smtClean="0"/>
               </a:p>
@@ -32899,10 +32843,10 @@
         </p:nvGrpSpPr>
         <p:grpSpPr>
           <a:xfrm>
-            <a:off x="775526" y="1368000"/>
-            <a:ext cx="3939248" cy="4096704"/>
-            <a:chOff x="2884504" y="1388732"/>
-            <a:chExt cx="3939248" cy="4096704"/>
+            <a:off x="776703" y="1368000"/>
+            <a:ext cx="3938071" cy="4096704"/>
+            <a:chOff x="2885681" y="1388732"/>
+            <a:chExt cx="3938071" cy="4096704"/>
           </a:xfrm>
         </p:grpSpPr>
         <p:sp>
@@ -34898,8 +34842,8 @@
           </p:nvSpPr>
           <p:spPr>
             <a:xfrm rot="2149157">
-              <a:off x="3947767" y="4771123"/>
-              <a:ext cx="595035" cy="307777"/>
+              <a:off x="3946590" y="4771123"/>
+              <a:ext cx="597389" cy="307777"/>
             </a:xfrm>
             <a:prstGeom prst="rect">
               <a:avLst/>
@@ -34919,7 +34863,11 @@
               </a:r>
               <a:r>
                 <a:rPr lang="en-GB" sz="1400" dirty="0" smtClean="0"/>
-                <a:t>im Y</a:t>
+                <a:t>im </a:t>
+              </a:r>
+              <a:r>
+                <a:rPr lang="en-GB" sz="1400" dirty="0" smtClean="0"/>
+                <a:t>X</a:t>
               </a:r>
               <a:endParaRPr lang="en-GB" sz="1400" dirty="0"/>
             </a:p>
@@ -35081,8 +35029,8 @@
           </p:nvSpPr>
           <p:spPr>
             <a:xfrm>
-              <a:off x="2884504" y="3434972"/>
-              <a:ext cx="597389" cy="307777"/>
+              <a:off x="2885681" y="3434972"/>
+              <a:ext cx="595035" cy="307777"/>
             </a:xfrm>
             <a:prstGeom prst="rect">
               <a:avLst/>
@@ -35102,7 +35050,11 @@
               </a:r>
               <a:r>
                 <a:rPr lang="en-GB" sz="1400" dirty="0" smtClean="0"/>
-                <a:t>im X</a:t>
+                <a:t>im </a:t>
+              </a:r>
+              <a:r>
+                <a:rPr lang="en-GB" sz="1400" dirty="0" smtClean="0"/>
+                <a:t>Y</a:t>
               </a:r>
               <a:endParaRPr lang="en-GB" sz="1400" dirty="0"/>
             </a:p>
@@ -35181,15 +35133,7 @@
               <a:pPr algn="ctr"/>
               <a:r>
                 <a:rPr lang="en-GB" sz="1400" b="1" dirty="0" smtClean="0"/>
-                <a:t>Convex</a:t>
-              </a:r>
-              <a:r>
-                <a:rPr lang="en-GB" sz="1400" b="1" dirty="0" smtClean="0"/>
-                <a:t> </a:t>
-              </a:r>
-              <a:r>
-                <a:rPr lang="en-GB" sz="1400" b="1" dirty="0" smtClean="0"/>
-                <a:t>probe motor</a:t>
+                <a:t>Convex probe motor</a:t>
               </a:r>
             </a:p>
             <a:p>
@@ -35241,10 +35185,10 @@
         </p:nvGrpSpPr>
         <p:grpSpPr>
           <a:xfrm>
-            <a:off x="4821974" y="1368000"/>
-            <a:ext cx="3381907" cy="4096704"/>
-            <a:chOff x="2884504" y="1388732"/>
-            <a:chExt cx="3381907" cy="4096704"/>
+            <a:off x="4823151" y="1368000"/>
+            <a:ext cx="3380730" cy="4096704"/>
+            <a:chOff x="2885681" y="1388732"/>
+            <a:chExt cx="3380730" cy="4096704"/>
           </a:xfrm>
         </p:grpSpPr>
         <p:sp>
@@ -36932,8 +36876,8 @@
           </p:nvSpPr>
           <p:spPr>
             <a:xfrm rot="2149157">
-              <a:off x="3947767" y="4771123"/>
-              <a:ext cx="595035" cy="307777"/>
+              <a:off x="3946590" y="4771123"/>
+              <a:ext cx="597389" cy="307777"/>
             </a:xfrm>
             <a:prstGeom prst="rect">
               <a:avLst/>
@@ -36953,7 +36897,11 @@
               </a:r>
               <a:r>
                 <a:rPr lang="en-GB" sz="1400" dirty="0" smtClean="0"/>
-                <a:t>im Y</a:t>
+                <a:t>im </a:t>
+              </a:r>
+              <a:r>
+                <a:rPr lang="en-GB" sz="1400" dirty="0" smtClean="0"/>
+                <a:t>X</a:t>
               </a:r>
               <a:endParaRPr lang="en-GB" sz="1400" dirty="0"/>
             </a:p>
@@ -37115,8 +37063,8 @@
           </p:nvSpPr>
           <p:spPr>
             <a:xfrm>
-              <a:off x="2884504" y="3434972"/>
-              <a:ext cx="597389" cy="307777"/>
+              <a:off x="2885681" y="3434972"/>
+              <a:ext cx="595035" cy="307777"/>
             </a:xfrm>
             <a:prstGeom prst="rect">
               <a:avLst/>
@@ -37131,12 +37079,16 @@
             <a:p>
               <a:pPr algn="ctr"/>
               <a:r>
-                <a:rPr lang="en-GB" sz="1400" dirty="0"/>
+                <a:rPr lang="en-GB" sz="1400"/>
                 <a:t>d</a:t>
               </a:r>
               <a:r>
-                <a:rPr lang="en-GB" sz="1400" dirty="0" smtClean="0"/>
-                <a:t>im X</a:t>
+                <a:rPr lang="en-GB" sz="1400" smtClean="0"/>
+                <a:t>im </a:t>
+              </a:r>
+              <a:r>
+                <a:rPr lang="en-GB" sz="1400" smtClean="0"/>
+                <a:t>Y</a:t>
               </a:r>
               <a:endParaRPr lang="en-GB" sz="1400" dirty="0"/>
             </a:p>
@@ -37215,30 +37167,14 @@
               <a:pPr algn="ctr"/>
               <a:r>
                 <a:rPr lang="en-GB" sz="1400" b="1" dirty="0" smtClean="0"/>
-                <a:t>Convex</a:t>
-              </a:r>
-              <a:r>
-                <a:rPr lang="en-GB" sz="1400" b="1" dirty="0" smtClean="0"/>
-                <a:t> </a:t>
-              </a:r>
-              <a:r>
-                <a:rPr lang="en-GB" sz="1400" b="1" dirty="0" smtClean="0"/>
-                <a:t>probe motor</a:t>
+                <a:t>Convex probe motor</a:t>
               </a:r>
             </a:p>
             <a:p>
               <a:pPr algn="ctr"/>
               <a:r>
                 <a:rPr lang="en-GB" sz="1400" b="1" dirty="0" smtClean="0"/>
-                <a:t>Linear</a:t>
-              </a:r>
-              <a:r>
-                <a:rPr lang="en-GB" sz="1400" b="1" dirty="0" smtClean="0"/>
-                <a:t> </a:t>
-              </a:r>
-              <a:r>
-                <a:rPr lang="en-GB" sz="1400" b="1" dirty="0" smtClean="0"/>
-                <a:t>probe transducer</a:t>
+                <a:t>Linear probe transducer</a:t>
               </a:r>
             </a:p>
           </p:txBody>

--- a/doc/image/img-usProbeSettings.pptx
+++ b/doc/image/img-usProbeSettings.pptx
@@ -112,6 +112,22 @@
       </a:defRPr>
     </a:lvl9pPr>
   </p:defaultTextStyle>
+  <p:extLst>
+    <p:ext uri="{EFAFB233-063F-42B5-8137-9DF3F51BA10A}">
+      <p15:sldGuideLst xmlns:p15="http://schemas.microsoft.com/office/powerpoint/2012/main">
+        <p15:guide id="1" orient="horz" pos="2160">
+          <p15:clr>
+            <a:srgbClr val="A4A3A4"/>
+          </p15:clr>
+        </p15:guide>
+        <p15:guide id="2" pos="2880">
+          <p15:clr>
+            <a:srgbClr val="A4A3A4"/>
+          </p15:clr>
+        </p15:guide>
+      </p15:sldGuideLst>
+    </p:ext>
+  </p:extLst>
 </p:presentation>
 </file>
 
@@ -296,7 +312,7 @@
           <a:p>
             <a:fld id="{49D103BC-6271-874A-98DE-6B966EAA6738}" type="datetimeFigureOut">
               <a:rPr lang="fr-FR" smtClean="0"/>
-              <a:t>13/02/17</a:t>
+              <a:t>05/02/2018</a:t>
             </a:fld>
             <a:endParaRPr lang="fr-FR"/>
           </a:p>
@@ -338,7 +354,7 @@
           <a:p>
             <a:fld id="{7923CF4F-F405-0F4A-BAD1-0DCEE4E53FD2}" type="slidenum">
               <a:rPr lang="fr-FR" smtClean="0"/>
-              <a:t>‹#›</a:t>
+              <a:t>‹N°›</a:t>
             </a:fld>
             <a:endParaRPr lang="fr-FR"/>
           </a:p>
@@ -466,7 +482,7 @@
           <a:p>
             <a:fld id="{49D103BC-6271-874A-98DE-6B966EAA6738}" type="datetimeFigureOut">
               <a:rPr lang="fr-FR" smtClean="0"/>
-              <a:t>13/02/17</a:t>
+              <a:t>05/02/2018</a:t>
             </a:fld>
             <a:endParaRPr lang="fr-FR"/>
           </a:p>
@@ -508,7 +524,7 @@
           <a:p>
             <a:fld id="{7923CF4F-F405-0F4A-BAD1-0DCEE4E53FD2}" type="slidenum">
               <a:rPr lang="fr-FR" smtClean="0"/>
-              <a:t>‹#›</a:t>
+              <a:t>‹N°›</a:t>
             </a:fld>
             <a:endParaRPr lang="fr-FR"/>
           </a:p>
@@ -646,7 +662,7 @@
           <a:p>
             <a:fld id="{49D103BC-6271-874A-98DE-6B966EAA6738}" type="datetimeFigureOut">
               <a:rPr lang="fr-FR" smtClean="0"/>
-              <a:t>13/02/17</a:t>
+              <a:t>05/02/2018</a:t>
             </a:fld>
             <a:endParaRPr lang="fr-FR"/>
           </a:p>
@@ -688,7 +704,7 @@
           <a:p>
             <a:fld id="{7923CF4F-F405-0F4A-BAD1-0DCEE4E53FD2}" type="slidenum">
               <a:rPr lang="fr-FR" smtClean="0"/>
-              <a:t>‹#›</a:t>
+              <a:t>‹N°›</a:t>
             </a:fld>
             <a:endParaRPr lang="fr-FR"/>
           </a:p>
@@ -816,7 +832,7 @@
           <a:p>
             <a:fld id="{49D103BC-6271-874A-98DE-6B966EAA6738}" type="datetimeFigureOut">
               <a:rPr lang="fr-FR" smtClean="0"/>
-              <a:t>13/02/17</a:t>
+              <a:t>05/02/2018</a:t>
             </a:fld>
             <a:endParaRPr lang="fr-FR"/>
           </a:p>
@@ -858,7 +874,7 @@
           <a:p>
             <a:fld id="{7923CF4F-F405-0F4A-BAD1-0DCEE4E53FD2}" type="slidenum">
               <a:rPr lang="fr-FR" smtClean="0"/>
-              <a:t>‹#›</a:t>
+              <a:t>‹N°›</a:t>
             </a:fld>
             <a:endParaRPr lang="fr-FR"/>
           </a:p>
@@ -1062,7 +1078,7 @@
           <a:p>
             <a:fld id="{49D103BC-6271-874A-98DE-6B966EAA6738}" type="datetimeFigureOut">
               <a:rPr lang="fr-FR" smtClean="0"/>
-              <a:t>13/02/17</a:t>
+              <a:t>05/02/2018</a:t>
             </a:fld>
             <a:endParaRPr lang="fr-FR"/>
           </a:p>
@@ -1104,7 +1120,7 @@
           <a:p>
             <a:fld id="{7923CF4F-F405-0F4A-BAD1-0DCEE4E53FD2}" type="slidenum">
               <a:rPr lang="fr-FR" smtClean="0"/>
-              <a:t>‹#›</a:t>
+              <a:t>‹N°›</a:t>
             </a:fld>
             <a:endParaRPr lang="fr-FR"/>
           </a:p>
@@ -1350,7 +1366,7 @@
           <a:p>
             <a:fld id="{49D103BC-6271-874A-98DE-6B966EAA6738}" type="datetimeFigureOut">
               <a:rPr lang="fr-FR" smtClean="0"/>
-              <a:t>13/02/17</a:t>
+              <a:t>05/02/2018</a:t>
             </a:fld>
             <a:endParaRPr lang="fr-FR"/>
           </a:p>
@@ -1392,7 +1408,7 @@
           <a:p>
             <a:fld id="{7923CF4F-F405-0F4A-BAD1-0DCEE4E53FD2}" type="slidenum">
               <a:rPr lang="fr-FR" smtClean="0"/>
-              <a:t>‹#›</a:t>
+              <a:t>‹N°›</a:t>
             </a:fld>
             <a:endParaRPr lang="fr-FR"/>
           </a:p>
@@ -1772,7 +1788,7 @@
           <a:p>
             <a:fld id="{49D103BC-6271-874A-98DE-6B966EAA6738}" type="datetimeFigureOut">
               <a:rPr lang="fr-FR" smtClean="0"/>
-              <a:t>13/02/17</a:t>
+              <a:t>05/02/2018</a:t>
             </a:fld>
             <a:endParaRPr lang="fr-FR"/>
           </a:p>
@@ -1814,7 +1830,7 @@
           <a:p>
             <a:fld id="{7923CF4F-F405-0F4A-BAD1-0DCEE4E53FD2}" type="slidenum">
               <a:rPr lang="fr-FR" smtClean="0"/>
-              <a:t>‹#›</a:t>
+              <a:t>‹N°›</a:t>
             </a:fld>
             <a:endParaRPr lang="fr-FR"/>
           </a:p>
@@ -1890,7 +1906,7 @@
           <a:p>
             <a:fld id="{49D103BC-6271-874A-98DE-6B966EAA6738}" type="datetimeFigureOut">
               <a:rPr lang="fr-FR" smtClean="0"/>
-              <a:t>13/02/17</a:t>
+              <a:t>05/02/2018</a:t>
             </a:fld>
             <a:endParaRPr lang="fr-FR"/>
           </a:p>
@@ -1932,7 +1948,7 @@
           <a:p>
             <a:fld id="{7923CF4F-F405-0F4A-BAD1-0DCEE4E53FD2}" type="slidenum">
               <a:rPr lang="fr-FR" smtClean="0"/>
-              <a:t>‹#›</a:t>
+              <a:t>‹N°›</a:t>
             </a:fld>
             <a:endParaRPr lang="fr-FR"/>
           </a:p>
@@ -1985,7 +2001,7 @@
           <a:p>
             <a:fld id="{49D103BC-6271-874A-98DE-6B966EAA6738}" type="datetimeFigureOut">
               <a:rPr lang="fr-FR" smtClean="0"/>
-              <a:t>13/02/17</a:t>
+              <a:t>05/02/2018</a:t>
             </a:fld>
             <a:endParaRPr lang="fr-FR"/>
           </a:p>
@@ -2027,7 +2043,7 @@
           <a:p>
             <a:fld id="{7923CF4F-F405-0F4A-BAD1-0DCEE4E53FD2}" type="slidenum">
               <a:rPr lang="fr-FR" smtClean="0"/>
-              <a:t>‹#›</a:t>
+              <a:t>‹N°›</a:t>
             </a:fld>
             <a:endParaRPr lang="fr-FR"/>
           </a:p>
@@ -2262,7 +2278,7 @@
           <a:p>
             <a:fld id="{49D103BC-6271-874A-98DE-6B966EAA6738}" type="datetimeFigureOut">
               <a:rPr lang="fr-FR" smtClean="0"/>
-              <a:t>13/02/17</a:t>
+              <a:t>05/02/2018</a:t>
             </a:fld>
             <a:endParaRPr lang="fr-FR"/>
           </a:p>
@@ -2304,7 +2320,7 @@
           <a:p>
             <a:fld id="{7923CF4F-F405-0F4A-BAD1-0DCEE4E53FD2}" type="slidenum">
               <a:rPr lang="fr-FR" smtClean="0"/>
-              <a:t>‹#›</a:t>
+              <a:t>‹N°›</a:t>
             </a:fld>
             <a:endParaRPr lang="fr-FR"/>
           </a:p>
@@ -2515,7 +2531,7 @@
           <a:p>
             <a:fld id="{49D103BC-6271-874A-98DE-6B966EAA6738}" type="datetimeFigureOut">
               <a:rPr lang="fr-FR" smtClean="0"/>
-              <a:t>13/02/17</a:t>
+              <a:t>05/02/2018</a:t>
             </a:fld>
             <a:endParaRPr lang="fr-FR"/>
           </a:p>
@@ -2557,7 +2573,7 @@
           <a:p>
             <a:fld id="{7923CF4F-F405-0F4A-BAD1-0DCEE4E53FD2}" type="slidenum">
               <a:rPr lang="fr-FR" smtClean="0"/>
-              <a:t>‹#›</a:t>
+              <a:t>‹N°›</a:t>
             </a:fld>
             <a:endParaRPr lang="fr-FR"/>
           </a:p>
@@ -2728,7 +2744,7 @@
           <a:p>
             <a:fld id="{49D103BC-6271-874A-98DE-6B966EAA6738}" type="datetimeFigureOut">
               <a:rPr lang="fr-FR" smtClean="0"/>
-              <a:t>13/02/17</a:t>
+              <a:t>05/02/2018</a:t>
             </a:fld>
             <a:endParaRPr lang="fr-FR"/>
           </a:p>
@@ -2806,7 +2822,7 @@
           <a:p>
             <a:fld id="{7923CF4F-F405-0F4A-BAD1-0DCEE4E53FD2}" type="slidenum">
               <a:rPr lang="fr-FR" smtClean="0"/>
-              <a:t>‹#›</a:t>
+              <a:t>‹N°›</a:t>
             </a:fld>
             <a:endParaRPr lang="fr-FR"/>
           </a:p>
@@ -5838,7 +5854,7 @@
   <p:timing>
     <p:tnLst>
       <p:par>
-        <p:cTn xmlns:p14="http://schemas.microsoft.com/office/powerpoint/2010/main" id="1" dur="indefinite" restart="never" nodeType="tmRoot"/>
+        <p:cTn id="1" dur="indefinite" restart="never" nodeType="tmRoot"/>
       </p:par>
     </p:tnLst>
   </p:timing>
@@ -7724,10 +7740,10 @@
         </p:nvGrpSpPr>
         <p:grpSpPr>
           <a:xfrm>
-            <a:off x="1800521" y="4335937"/>
-            <a:ext cx="2041514" cy="1736879"/>
-            <a:chOff x="1800521" y="4335937"/>
-            <a:chExt cx="2041514" cy="1736879"/>
+            <a:off x="1782021" y="4335937"/>
+            <a:ext cx="2063194" cy="1736879"/>
+            <a:chOff x="1782021" y="4335937"/>
+            <a:chExt cx="2063194" cy="1736879"/>
           </a:xfrm>
         </p:grpSpPr>
         <p:grpSp>
@@ -7739,9 +7755,9 @@
           <p:grpSpPr>
             <a:xfrm>
               <a:off x="2136184" y="4335937"/>
-              <a:ext cx="1705851" cy="1736879"/>
+              <a:ext cx="1709031" cy="1736879"/>
               <a:chOff x="2136184" y="4335937"/>
-              <a:chExt cx="1705851" cy="1736879"/>
+              <a:chExt cx="1709031" cy="1736879"/>
             </a:xfrm>
           </p:grpSpPr>
           <p:grpSp>
@@ -7752,10 +7768,10 @@
             </p:nvGrpSpPr>
             <p:grpSpPr>
               <a:xfrm>
-                <a:off x="2364627" y="4615700"/>
-                <a:ext cx="1477408" cy="1152000"/>
-                <a:chOff x="3385676" y="4765338"/>
-                <a:chExt cx="1477408" cy="1152000"/>
+                <a:off x="2401093" y="4636868"/>
+                <a:ext cx="1444122" cy="1116000"/>
+                <a:chOff x="3422142" y="4786506"/>
+                <a:chExt cx="1444122" cy="1116000"/>
               </a:xfrm>
             </p:grpSpPr>
             <p:sp>
@@ -7768,7 +7784,7 @@
               </p:nvSpPr>
               <p:spPr>
                 <a:xfrm>
-                  <a:off x="3386142" y="4765338"/>
+                  <a:off x="3472296" y="4790535"/>
                   <a:ext cx="72000" cy="72000"/>
                 </a:xfrm>
                 <a:prstGeom prst="ellipse">
@@ -7809,7 +7825,7 @@
               </p:nvSpPr>
               <p:spPr>
                 <a:xfrm>
-                  <a:off x="3386142" y="4945338"/>
+                  <a:off x="3472296" y="4945338"/>
                   <a:ext cx="72000" cy="72000"/>
                 </a:xfrm>
                 <a:prstGeom prst="ellipse">
@@ -7850,7 +7866,7 @@
               </p:nvSpPr>
               <p:spPr>
                 <a:xfrm>
-                  <a:off x="3386142" y="5125338"/>
+                  <a:off x="3472296" y="5125338"/>
                   <a:ext cx="72000" cy="72000"/>
                 </a:xfrm>
                 <a:prstGeom prst="ellipse">
@@ -7891,7 +7907,7 @@
               </p:nvSpPr>
               <p:spPr>
                 <a:xfrm>
-                  <a:off x="3386142" y="5305338"/>
+                  <a:off x="3472296" y="5305338"/>
                   <a:ext cx="72000" cy="72000"/>
                 </a:xfrm>
                 <a:prstGeom prst="ellipse">
@@ -7932,7 +7948,7 @@
               </p:nvSpPr>
               <p:spPr>
                 <a:xfrm>
-                  <a:off x="3386142" y="5485056"/>
+                  <a:off x="3472296" y="5485056"/>
                   <a:ext cx="72000" cy="72000"/>
                 </a:xfrm>
                 <a:prstGeom prst="ellipse">
@@ -7973,7 +7989,7 @@
               </p:nvSpPr>
               <p:spPr>
                 <a:xfrm>
-                  <a:off x="3385676" y="5665338"/>
+                  <a:off x="3471830" y="5665338"/>
                   <a:ext cx="72000" cy="72000"/>
                 </a:xfrm>
                 <a:prstGeom prst="ellipse">
@@ -8014,7 +8030,7 @@
               </p:nvSpPr>
               <p:spPr>
                 <a:xfrm>
-                  <a:off x="3386142" y="5845338"/>
+                  <a:off x="3472296" y="5826477"/>
                   <a:ext cx="72000" cy="72000"/>
                 </a:xfrm>
                 <a:prstGeom prst="ellipse">
@@ -8053,256 +8069,8 @@
               </p:nvCxnSpPr>
               <p:spPr>
                 <a:xfrm>
-                  <a:off x="3600000" y="4782531"/>
-                  <a:ext cx="0" cy="1116000"/>
-                </a:xfrm>
-                <a:prstGeom prst="line">
-                  <a:avLst/>
-                </a:prstGeom>
-                <a:effectLst/>
-              </p:spPr>
-              <p:style>
-                <a:lnRef idx="2">
-                  <a:schemeClr val="accent1"/>
-                </a:lnRef>
-                <a:fillRef idx="0">
-                  <a:schemeClr val="accent1"/>
-                </a:fillRef>
-                <a:effectRef idx="1">
-                  <a:schemeClr val="accent1"/>
-                </a:effectRef>
-                <a:fontRef idx="minor">
-                  <a:schemeClr val="tx1"/>
-                </a:fontRef>
-              </p:style>
-            </p:cxnSp>
-            <p:cxnSp>
-              <p:nvCxnSpPr>
-                <p:cNvPr id="110" name="Connecteur droit 109"/>
-                <p:cNvCxnSpPr/>
-                <p:nvPr/>
-              </p:nvCxnSpPr>
-              <p:spPr>
-                <a:xfrm>
-                  <a:off x="3780000" y="4782531"/>
-                  <a:ext cx="0" cy="1116000"/>
-                </a:xfrm>
-                <a:prstGeom prst="line">
-                  <a:avLst/>
-                </a:prstGeom>
-                <a:effectLst/>
-              </p:spPr>
-              <p:style>
-                <a:lnRef idx="2">
-                  <a:schemeClr val="accent1"/>
-                </a:lnRef>
-                <a:fillRef idx="0">
-                  <a:schemeClr val="accent1"/>
-                </a:fillRef>
-                <a:effectRef idx="1">
-                  <a:schemeClr val="accent1"/>
-                </a:effectRef>
-                <a:fontRef idx="minor">
-                  <a:schemeClr val="tx1"/>
-                </a:fontRef>
-              </p:style>
-            </p:cxnSp>
-            <p:cxnSp>
-              <p:nvCxnSpPr>
-                <p:cNvPr id="113" name="Connecteur droit 112"/>
-                <p:cNvCxnSpPr/>
-                <p:nvPr/>
-              </p:nvCxnSpPr>
-              <p:spPr>
-                <a:xfrm>
-                  <a:off x="3960000" y="4782531"/>
-                  <a:ext cx="0" cy="1116000"/>
-                </a:xfrm>
-                <a:prstGeom prst="line">
-                  <a:avLst/>
-                </a:prstGeom>
-                <a:effectLst/>
-              </p:spPr>
-              <p:style>
-                <a:lnRef idx="2">
-                  <a:schemeClr val="accent1"/>
-                </a:lnRef>
-                <a:fillRef idx="0">
-                  <a:schemeClr val="accent1"/>
-                </a:fillRef>
-                <a:effectRef idx="1">
-                  <a:schemeClr val="accent1"/>
-                </a:effectRef>
-                <a:fontRef idx="minor">
-                  <a:schemeClr val="tx1"/>
-                </a:fontRef>
-              </p:style>
-            </p:cxnSp>
-            <p:cxnSp>
-              <p:nvCxnSpPr>
-                <p:cNvPr id="114" name="Connecteur droit 113"/>
-                <p:cNvCxnSpPr/>
-                <p:nvPr/>
-              </p:nvCxnSpPr>
-              <p:spPr>
-                <a:xfrm>
-                  <a:off x="4140000" y="4782531"/>
-                  <a:ext cx="0" cy="1116000"/>
-                </a:xfrm>
-                <a:prstGeom prst="line">
-                  <a:avLst/>
-                </a:prstGeom>
-                <a:effectLst/>
-              </p:spPr>
-              <p:style>
-                <a:lnRef idx="2">
-                  <a:schemeClr val="accent1"/>
-                </a:lnRef>
-                <a:fillRef idx="0">
-                  <a:schemeClr val="accent1"/>
-                </a:fillRef>
-                <a:effectRef idx="1">
-                  <a:schemeClr val="accent1"/>
-                </a:effectRef>
-                <a:fontRef idx="minor">
-                  <a:schemeClr val="tx1"/>
-                </a:fontRef>
-              </p:style>
-            </p:cxnSp>
-            <p:cxnSp>
-              <p:nvCxnSpPr>
-                <p:cNvPr id="115" name="Connecteur droit 114"/>
-                <p:cNvCxnSpPr/>
-                <p:nvPr/>
-              </p:nvCxnSpPr>
-              <p:spPr>
-                <a:xfrm>
-                  <a:off x="4320000" y="4782477"/>
-                  <a:ext cx="0" cy="1116000"/>
-                </a:xfrm>
-                <a:prstGeom prst="line">
-                  <a:avLst/>
-                </a:prstGeom>
-                <a:effectLst/>
-              </p:spPr>
-              <p:style>
-                <a:lnRef idx="2">
-                  <a:schemeClr val="accent1"/>
-                </a:lnRef>
-                <a:fillRef idx="0">
-                  <a:schemeClr val="accent1"/>
-                </a:fillRef>
-                <a:effectRef idx="1">
-                  <a:schemeClr val="accent1"/>
-                </a:effectRef>
-                <a:fontRef idx="minor">
-                  <a:schemeClr val="tx1"/>
-                </a:fontRef>
-              </p:style>
-            </p:cxnSp>
-            <p:cxnSp>
-              <p:nvCxnSpPr>
-                <p:cNvPr id="116" name="Connecteur droit 115"/>
-                <p:cNvCxnSpPr/>
-                <p:nvPr/>
-              </p:nvCxnSpPr>
-              <p:spPr>
-                <a:xfrm>
-                  <a:off x="4500000" y="4782477"/>
-                  <a:ext cx="0" cy="1116000"/>
-                </a:xfrm>
-                <a:prstGeom prst="line">
-                  <a:avLst/>
-                </a:prstGeom>
-                <a:effectLst/>
-              </p:spPr>
-              <p:style>
-                <a:lnRef idx="2">
-                  <a:schemeClr val="accent1"/>
-                </a:lnRef>
-                <a:fillRef idx="0">
-                  <a:schemeClr val="accent1"/>
-                </a:fillRef>
-                <a:effectRef idx="1">
-                  <a:schemeClr val="accent1"/>
-                </a:effectRef>
-                <a:fontRef idx="minor">
-                  <a:schemeClr val="tx1"/>
-                </a:fontRef>
-              </p:style>
-            </p:cxnSp>
-            <p:cxnSp>
-              <p:nvCxnSpPr>
-                <p:cNvPr id="117" name="Connecteur droit 116"/>
-                <p:cNvCxnSpPr/>
-                <p:nvPr/>
-              </p:nvCxnSpPr>
-              <p:spPr>
-                <a:xfrm>
-                  <a:off x="4680000" y="4782477"/>
-                  <a:ext cx="0" cy="1116000"/>
-                </a:xfrm>
-                <a:prstGeom prst="line">
-                  <a:avLst/>
-                </a:prstGeom>
-                <a:effectLst/>
-              </p:spPr>
-              <p:style>
-                <a:lnRef idx="2">
-                  <a:schemeClr val="accent1"/>
-                </a:lnRef>
-                <a:fillRef idx="0">
-                  <a:schemeClr val="accent1"/>
-                </a:fillRef>
-                <a:effectRef idx="1">
-                  <a:schemeClr val="accent1"/>
-                </a:effectRef>
-                <a:fontRef idx="minor">
-                  <a:schemeClr val="tx1"/>
-                </a:fontRef>
-              </p:style>
-            </p:cxnSp>
-            <p:cxnSp>
-              <p:nvCxnSpPr>
-                <p:cNvPr id="125" name="Connecteur droit 124"/>
-                <p:cNvCxnSpPr/>
-                <p:nvPr/>
-              </p:nvCxnSpPr>
-              <p:spPr>
-                <a:xfrm>
-                  <a:off x="4858860" y="4780800"/>
-                  <a:ext cx="0" cy="1116000"/>
-                </a:xfrm>
-                <a:prstGeom prst="line">
-                  <a:avLst/>
-                </a:prstGeom>
-                <a:effectLst/>
-              </p:spPr>
-              <p:style>
-                <a:lnRef idx="2">
-                  <a:schemeClr val="accent1"/>
-                </a:lnRef>
-                <a:fillRef idx="0">
-                  <a:schemeClr val="accent1"/>
-                </a:fillRef>
-                <a:effectRef idx="1">
-                  <a:schemeClr val="accent1"/>
-                </a:effectRef>
-                <a:fontRef idx="minor">
-                  <a:schemeClr val="tx1"/>
-                </a:fontRef>
-              </p:style>
-            </p:cxnSp>
-            <p:cxnSp>
-              <p:nvCxnSpPr>
-                <p:cNvPr id="126" name="Connecteur droit 125"/>
-                <p:cNvCxnSpPr/>
-                <p:nvPr/>
-              </p:nvCxnSpPr>
-              <p:spPr>
-                <a:xfrm>
-                  <a:off x="3424296" y="4780800"/>
-                  <a:ext cx="0" cy="1116000"/>
+                  <a:off x="3508296" y="4790535"/>
+                  <a:ext cx="0" cy="1111971"/>
                 </a:xfrm>
                 <a:prstGeom prst="line">
                   <a:avLst/>
@@ -8368,7 +8136,7 @@
               </p:nvCxnSpPr>
               <p:spPr>
                 <a:xfrm>
-                  <a:off x="3426366" y="5896758"/>
+                  <a:off x="3429546" y="5902506"/>
                   <a:ext cx="1436718" cy="0"/>
                 </a:xfrm>
                 <a:prstGeom prst="line">
@@ -8556,7 +8324,7 @@
           </p:blipFill>
           <p:spPr>
             <a:xfrm>
-              <a:off x="1800521" y="5102774"/>
+              <a:off x="1782021" y="4994052"/>
               <a:ext cx="292100" cy="139700"/>
             </a:xfrm>
             <a:prstGeom prst="rect">
@@ -10207,6 +9975,791 @@
           </p:spPr>
         </p:pic>
       </p:grpSp>
+      <p:sp>
+        <p:nvSpPr>
+          <p:cNvPr id="5" name="ZoneTexte 4"/>
+          <p:cNvSpPr txBox="1"/>
+          <p:nvPr/>
+        </p:nvSpPr>
+        <p:spPr>
+          <a:xfrm>
+            <a:off x="1669287" y="5142134"/>
+            <a:ext cx="451027" cy="338554"/>
+          </a:xfrm>
+          <a:prstGeom prst="rect">
+            <a:avLst/>
+          </a:prstGeom>
+          <a:noFill/>
+        </p:spPr>
+        <p:txBody>
+          <a:bodyPr wrap="square" rtlCol="0">
+            <a:spAutoFit/>
+          </a:bodyPr>
+          <a:lstStyle/>
+          <a:p>
+            <a:pPr algn="ctr"/>
+            <a:r>
+              <a:rPr lang="fr-FR" sz="800" dirty="0" smtClean="0"/>
+              <a:t>=</a:t>
+            </a:r>
+            <a:br>
+              <a:rPr lang="fr-FR" sz="800" dirty="0" smtClean="0"/>
+            </a:br>
+            <a:r>
+              <a:rPr lang="fr-FR" sz="800" dirty="0" err="1" smtClean="0"/>
+              <a:t>height</a:t>
+            </a:r>
+            <a:endParaRPr lang="fr-FR" sz="800" dirty="0"/>
+          </a:p>
+        </p:txBody>
+      </p:sp>
+      <p:sp>
+        <p:nvSpPr>
+          <p:cNvPr id="158" name="ZoneTexte 157"/>
+          <p:cNvSpPr txBox="1"/>
+          <p:nvPr/>
+        </p:nvSpPr>
+        <p:spPr>
+          <a:xfrm>
+            <a:off x="2832407" y="6060966"/>
+            <a:ext cx="525354" cy="215444"/>
+          </a:xfrm>
+          <a:prstGeom prst="rect">
+            <a:avLst/>
+          </a:prstGeom>
+          <a:noFill/>
+        </p:spPr>
+        <p:txBody>
+          <a:bodyPr wrap="square" rtlCol="0">
+            <a:spAutoFit/>
+          </a:bodyPr>
+          <a:lstStyle/>
+          <a:p>
+            <a:pPr algn="ctr"/>
+            <a:r>
+              <a:rPr lang="fr-FR" sz="800" dirty="0" smtClean="0"/>
+              <a:t>= </a:t>
+            </a:r>
+            <a:r>
+              <a:rPr lang="fr-FR" sz="800" dirty="0" err="1" smtClean="0"/>
+              <a:t>width</a:t>
+            </a:r>
+            <a:endParaRPr lang="fr-FR" sz="800" dirty="0"/>
+          </a:p>
+        </p:txBody>
+      </p:sp>
+      <p:cxnSp>
+        <p:nvCxnSpPr>
+          <p:cNvPr id="159" name="Connecteur droit 158"/>
+          <p:cNvCxnSpPr/>
+          <p:nvPr/>
+        </p:nvCxnSpPr>
+        <p:spPr>
+          <a:xfrm>
+            <a:off x="2399221" y="4636868"/>
+            <a:ext cx="6096" cy="1111971"/>
+          </a:xfrm>
+          <a:prstGeom prst="line">
+            <a:avLst/>
+          </a:prstGeom>
+          <a:ln w="9525">
+            <a:solidFill>
+              <a:schemeClr val="tx1"/>
+            </a:solidFill>
+          </a:ln>
+          <a:effectLst/>
+        </p:spPr>
+        <p:style>
+          <a:lnRef idx="2">
+            <a:schemeClr val="accent1"/>
+          </a:lnRef>
+          <a:fillRef idx="0">
+            <a:schemeClr val="accent1"/>
+          </a:fillRef>
+          <a:effectRef idx="1">
+            <a:schemeClr val="accent1"/>
+          </a:effectRef>
+          <a:fontRef idx="minor">
+            <a:schemeClr val="tx1"/>
+          </a:fontRef>
+        </p:style>
+      </p:cxnSp>
+      <p:cxnSp>
+        <p:nvCxnSpPr>
+          <p:cNvPr id="163" name="Connecteur droit 162"/>
+          <p:cNvCxnSpPr/>
+          <p:nvPr/>
+        </p:nvCxnSpPr>
+        <p:spPr>
+          <a:xfrm>
+            <a:off x="2564446" y="4636868"/>
+            <a:ext cx="6096" cy="1111971"/>
+          </a:xfrm>
+          <a:prstGeom prst="line">
+            <a:avLst/>
+          </a:prstGeom>
+          <a:ln w="9525">
+            <a:solidFill>
+              <a:schemeClr val="tx1"/>
+            </a:solidFill>
+          </a:ln>
+          <a:effectLst/>
+        </p:spPr>
+        <p:style>
+          <a:lnRef idx="2">
+            <a:schemeClr val="accent1"/>
+          </a:lnRef>
+          <a:fillRef idx="0">
+            <a:schemeClr val="accent1"/>
+          </a:fillRef>
+          <a:effectRef idx="1">
+            <a:schemeClr val="accent1"/>
+          </a:effectRef>
+          <a:fontRef idx="minor">
+            <a:schemeClr val="tx1"/>
+          </a:fontRef>
+        </p:style>
+      </p:cxnSp>
+      <p:cxnSp>
+        <p:nvCxnSpPr>
+          <p:cNvPr id="165" name="Connecteur droit 164"/>
+          <p:cNvCxnSpPr/>
+          <p:nvPr/>
+        </p:nvCxnSpPr>
+        <p:spPr>
+          <a:xfrm>
+            <a:off x="2727305" y="4635149"/>
+            <a:ext cx="6096" cy="1111971"/>
+          </a:xfrm>
+          <a:prstGeom prst="line">
+            <a:avLst/>
+          </a:prstGeom>
+          <a:ln w="9525">
+            <a:solidFill>
+              <a:schemeClr val="tx1"/>
+            </a:solidFill>
+          </a:ln>
+          <a:effectLst/>
+        </p:spPr>
+        <p:style>
+          <a:lnRef idx="2">
+            <a:schemeClr val="accent1"/>
+          </a:lnRef>
+          <a:fillRef idx="0">
+            <a:schemeClr val="accent1"/>
+          </a:fillRef>
+          <a:effectRef idx="1">
+            <a:schemeClr val="accent1"/>
+          </a:effectRef>
+          <a:fontRef idx="minor">
+            <a:schemeClr val="tx1"/>
+          </a:fontRef>
+        </p:style>
+      </p:cxnSp>
+      <p:cxnSp>
+        <p:nvCxnSpPr>
+          <p:cNvPr id="168" name="Connecteur droit 167"/>
+          <p:cNvCxnSpPr/>
+          <p:nvPr/>
+        </p:nvCxnSpPr>
+        <p:spPr>
+          <a:xfrm>
+            <a:off x="2894521" y="4635149"/>
+            <a:ext cx="6096" cy="1111971"/>
+          </a:xfrm>
+          <a:prstGeom prst="line">
+            <a:avLst/>
+          </a:prstGeom>
+          <a:ln w="9525">
+            <a:solidFill>
+              <a:schemeClr val="tx1"/>
+            </a:solidFill>
+          </a:ln>
+          <a:effectLst/>
+        </p:spPr>
+        <p:style>
+          <a:lnRef idx="2">
+            <a:schemeClr val="accent1"/>
+          </a:lnRef>
+          <a:fillRef idx="0">
+            <a:schemeClr val="accent1"/>
+          </a:fillRef>
+          <a:effectRef idx="1">
+            <a:schemeClr val="accent1"/>
+          </a:effectRef>
+          <a:fontRef idx="minor">
+            <a:schemeClr val="tx1"/>
+          </a:fontRef>
+        </p:style>
+      </p:cxnSp>
+      <p:cxnSp>
+        <p:nvCxnSpPr>
+          <p:cNvPr id="171" name="Connecteur droit 170"/>
+          <p:cNvCxnSpPr/>
+          <p:nvPr/>
+        </p:nvCxnSpPr>
+        <p:spPr>
+          <a:xfrm>
+            <a:off x="3055663" y="4635149"/>
+            <a:ext cx="6096" cy="1111971"/>
+          </a:xfrm>
+          <a:prstGeom prst="line">
+            <a:avLst/>
+          </a:prstGeom>
+          <a:ln w="9525">
+            <a:solidFill>
+              <a:schemeClr val="tx1"/>
+            </a:solidFill>
+          </a:ln>
+          <a:effectLst/>
+        </p:spPr>
+        <p:style>
+          <a:lnRef idx="2">
+            <a:schemeClr val="accent1"/>
+          </a:lnRef>
+          <a:fillRef idx="0">
+            <a:schemeClr val="accent1"/>
+          </a:fillRef>
+          <a:effectRef idx="1">
+            <a:schemeClr val="accent1"/>
+          </a:effectRef>
+          <a:fontRef idx="minor">
+            <a:schemeClr val="tx1"/>
+          </a:fontRef>
+        </p:style>
+      </p:cxnSp>
+      <p:cxnSp>
+        <p:nvCxnSpPr>
+          <p:cNvPr id="173" name="Connecteur droit 172"/>
+          <p:cNvCxnSpPr/>
+          <p:nvPr/>
+        </p:nvCxnSpPr>
+        <p:spPr>
+          <a:xfrm>
+            <a:off x="3218810" y="4632431"/>
+            <a:ext cx="6096" cy="1111971"/>
+          </a:xfrm>
+          <a:prstGeom prst="line">
+            <a:avLst/>
+          </a:prstGeom>
+          <a:ln w="9525">
+            <a:solidFill>
+              <a:schemeClr val="tx1"/>
+            </a:solidFill>
+          </a:ln>
+          <a:effectLst/>
+        </p:spPr>
+        <p:style>
+          <a:lnRef idx="2">
+            <a:schemeClr val="accent1"/>
+          </a:lnRef>
+          <a:fillRef idx="0">
+            <a:schemeClr val="accent1"/>
+          </a:fillRef>
+          <a:effectRef idx="1">
+            <a:schemeClr val="accent1"/>
+          </a:effectRef>
+          <a:fontRef idx="minor">
+            <a:schemeClr val="tx1"/>
+          </a:fontRef>
+        </p:style>
+      </p:cxnSp>
+      <p:cxnSp>
+        <p:nvCxnSpPr>
+          <p:cNvPr id="174" name="Connecteur droit 173"/>
+          <p:cNvCxnSpPr/>
+          <p:nvPr/>
+        </p:nvCxnSpPr>
+        <p:spPr>
+          <a:xfrm>
+            <a:off x="3372655" y="4636868"/>
+            <a:ext cx="6096" cy="1111971"/>
+          </a:xfrm>
+          <a:prstGeom prst="line">
+            <a:avLst/>
+          </a:prstGeom>
+          <a:ln w="9525">
+            <a:solidFill>
+              <a:schemeClr val="tx1"/>
+            </a:solidFill>
+          </a:ln>
+          <a:effectLst/>
+        </p:spPr>
+        <p:style>
+          <a:lnRef idx="2">
+            <a:schemeClr val="accent1"/>
+          </a:lnRef>
+          <a:fillRef idx="0">
+            <a:schemeClr val="accent1"/>
+          </a:fillRef>
+          <a:effectRef idx="1">
+            <a:schemeClr val="accent1"/>
+          </a:effectRef>
+          <a:fontRef idx="minor">
+            <a:schemeClr val="tx1"/>
+          </a:fontRef>
+        </p:style>
+      </p:cxnSp>
+      <p:cxnSp>
+        <p:nvCxnSpPr>
+          <p:cNvPr id="176" name="Connecteur droit 175"/>
+          <p:cNvCxnSpPr/>
+          <p:nvPr/>
+        </p:nvCxnSpPr>
+        <p:spPr>
+          <a:xfrm>
+            <a:off x="3526622" y="4640897"/>
+            <a:ext cx="6096" cy="1111971"/>
+          </a:xfrm>
+          <a:prstGeom prst="line">
+            <a:avLst/>
+          </a:prstGeom>
+          <a:ln w="9525">
+            <a:solidFill>
+              <a:schemeClr val="tx1"/>
+            </a:solidFill>
+          </a:ln>
+          <a:effectLst/>
+        </p:spPr>
+        <p:style>
+          <a:lnRef idx="2">
+            <a:schemeClr val="accent1"/>
+          </a:lnRef>
+          <a:fillRef idx="0">
+            <a:schemeClr val="accent1"/>
+          </a:fillRef>
+          <a:effectRef idx="1">
+            <a:schemeClr val="accent1"/>
+          </a:effectRef>
+          <a:fontRef idx="minor">
+            <a:schemeClr val="tx1"/>
+          </a:fontRef>
+        </p:style>
+      </p:cxnSp>
+      <p:cxnSp>
+        <p:nvCxnSpPr>
+          <p:cNvPr id="177" name="Connecteur droit 176"/>
+          <p:cNvCxnSpPr/>
+          <p:nvPr/>
+        </p:nvCxnSpPr>
+        <p:spPr>
+          <a:xfrm>
+            <a:off x="3679022" y="4632431"/>
+            <a:ext cx="6096" cy="1111971"/>
+          </a:xfrm>
+          <a:prstGeom prst="line">
+            <a:avLst/>
+          </a:prstGeom>
+          <a:ln w="9525">
+            <a:solidFill>
+              <a:schemeClr val="tx1"/>
+            </a:solidFill>
+          </a:ln>
+          <a:effectLst/>
+        </p:spPr>
+        <p:style>
+          <a:lnRef idx="2">
+            <a:schemeClr val="accent1"/>
+          </a:lnRef>
+          <a:fillRef idx="0">
+            <a:schemeClr val="accent1"/>
+          </a:fillRef>
+          <a:effectRef idx="1">
+            <a:schemeClr val="accent1"/>
+          </a:effectRef>
+          <a:fontRef idx="minor">
+            <a:schemeClr val="tx1"/>
+          </a:fontRef>
+        </p:style>
+      </p:cxnSp>
+      <p:cxnSp>
+        <p:nvCxnSpPr>
+          <p:cNvPr id="178" name="Connecteur droit 177"/>
+          <p:cNvCxnSpPr/>
+          <p:nvPr/>
+        </p:nvCxnSpPr>
+        <p:spPr>
+          <a:xfrm>
+            <a:off x="3831422" y="4636868"/>
+            <a:ext cx="6096" cy="1111971"/>
+          </a:xfrm>
+          <a:prstGeom prst="line">
+            <a:avLst/>
+          </a:prstGeom>
+          <a:ln w="9525">
+            <a:solidFill>
+              <a:schemeClr val="tx1"/>
+            </a:solidFill>
+          </a:ln>
+          <a:effectLst/>
+        </p:spPr>
+        <p:style>
+          <a:lnRef idx="2">
+            <a:schemeClr val="accent1"/>
+          </a:lnRef>
+          <a:fillRef idx="0">
+            <a:schemeClr val="accent1"/>
+          </a:fillRef>
+          <a:effectRef idx="1">
+            <a:schemeClr val="accent1"/>
+          </a:effectRef>
+          <a:fontRef idx="minor">
+            <a:schemeClr val="tx1"/>
+          </a:fontRef>
+        </p:style>
+      </p:cxnSp>
+      <p:cxnSp>
+        <p:nvCxnSpPr>
+          <p:cNvPr id="179" name="Connecteur droit 178"/>
+          <p:cNvCxnSpPr/>
+          <p:nvPr/>
+        </p:nvCxnSpPr>
+        <p:spPr>
+          <a:xfrm>
+            <a:off x="2394704" y="4768251"/>
+            <a:ext cx="1436718" cy="0"/>
+          </a:xfrm>
+          <a:prstGeom prst="line">
+            <a:avLst/>
+          </a:prstGeom>
+          <a:ln w="9525">
+            <a:solidFill>
+              <a:schemeClr val="tx1"/>
+            </a:solidFill>
+          </a:ln>
+          <a:effectLst/>
+        </p:spPr>
+        <p:style>
+          <a:lnRef idx="2">
+            <a:schemeClr val="accent1"/>
+          </a:lnRef>
+          <a:fillRef idx="0">
+            <a:schemeClr val="accent1"/>
+          </a:fillRef>
+          <a:effectRef idx="1">
+            <a:schemeClr val="accent1"/>
+          </a:effectRef>
+          <a:fontRef idx="minor">
+            <a:schemeClr val="tx1"/>
+          </a:fontRef>
+        </p:style>
+      </p:cxnSp>
+      <p:cxnSp>
+        <p:nvCxnSpPr>
+          <p:cNvPr id="180" name="Connecteur droit 179"/>
+          <p:cNvCxnSpPr/>
+          <p:nvPr/>
+        </p:nvCxnSpPr>
+        <p:spPr>
+          <a:xfrm>
+            <a:off x="2401093" y="4920501"/>
+            <a:ext cx="1436718" cy="0"/>
+          </a:xfrm>
+          <a:prstGeom prst="line">
+            <a:avLst/>
+          </a:prstGeom>
+          <a:ln w="9525">
+            <a:solidFill>
+              <a:schemeClr val="tx1"/>
+            </a:solidFill>
+          </a:ln>
+          <a:effectLst/>
+        </p:spPr>
+        <p:style>
+          <a:lnRef idx="2">
+            <a:schemeClr val="accent1"/>
+          </a:lnRef>
+          <a:fillRef idx="0">
+            <a:schemeClr val="accent1"/>
+          </a:fillRef>
+          <a:effectRef idx="1">
+            <a:schemeClr val="accent1"/>
+          </a:effectRef>
+          <a:fontRef idx="minor">
+            <a:schemeClr val="tx1"/>
+          </a:fontRef>
+        </p:style>
+      </p:cxnSp>
+      <p:cxnSp>
+        <p:nvCxnSpPr>
+          <p:cNvPr id="182" name="Connecteur droit 181"/>
+          <p:cNvCxnSpPr/>
+          <p:nvPr/>
+        </p:nvCxnSpPr>
+        <p:spPr>
+          <a:xfrm>
+            <a:off x="2401093" y="5094068"/>
+            <a:ext cx="1436718" cy="0"/>
+          </a:xfrm>
+          <a:prstGeom prst="line">
+            <a:avLst/>
+          </a:prstGeom>
+          <a:ln w="9525">
+            <a:solidFill>
+              <a:schemeClr val="tx1"/>
+            </a:solidFill>
+          </a:ln>
+          <a:effectLst/>
+        </p:spPr>
+        <p:style>
+          <a:lnRef idx="2">
+            <a:schemeClr val="accent1"/>
+          </a:lnRef>
+          <a:fillRef idx="0">
+            <a:schemeClr val="accent1"/>
+          </a:fillRef>
+          <a:effectRef idx="1">
+            <a:schemeClr val="accent1"/>
+          </a:effectRef>
+          <a:fontRef idx="minor">
+            <a:schemeClr val="tx1"/>
+          </a:fontRef>
+        </p:style>
+      </p:cxnSp>
+      <p:cxnSp>
+        <p:nvCxnSpPr>
+          <p:cNvPr id="183" name="Connecteur droit 182"/>
+          <p:cNvCxnSpPr/>
+          <p:nvPr/>
+        </p:nvCxnSpPr>
+        <p:spPr>
+          <a:xfrm>
+            <a:off x="2405317" y="5282451"/>
+            <a:ext cx="1436718" cy="0"/>
+          </a:xfrm>
+          <a:prstGeom prst="line">
+            <a:avLst/>
+          </a:prstGeom>
+          <a:ln w="9525">
+            <a:solidFill>
+              <a:schemeClr val="tx1"/>
+            </a:solidFill>
+          </a:ln>
+          <a:effectLst/>
+        </p:spPr>
+        <p:style>
+          <a:lnRef idx="2">
+            <a:schemeClr val="accent1"/>
+          </a:lnRef>
+          <a:fillRef idx="0">
+            <a:schemeClr val="accent1"/>
+          </a:fillRef>
+          <a:effectRef idx="1">
+            <a:schemeClr val="accent1"/>
+          </a:effectRef>
+          <a:fontRef idx="minor">
+            <a:schemeClr val="tx1"/>
+          </a:fontRef>
+        </p:style>
+      </p:cxnSp>
+      <p:cxnSp>
+        <p:nvCxnSpPr>
+          <p:cNvPr id="184" name="Connecteur droit 183"/>
+          <p:cNvCxnSpPr/>
+          <p:nvPr/>
+        </p:nvCxnSpPr>
+        <p:spPr>
+          <a:xfrm>
+            <a:off x="2408497" y="5449911"/>
+            <a:ext cx="1436718" cy="0"/>
+          </a:xfrm>
+          <a:prstGeom prst="line">
+            <a:avLst/>
+          </a:prstGeom>
+          <a:ln w="9525">
+            <a:solidFill>
+              <a:schemeClr val="tx1"/>
+            </a:solidFill>
+          </a:ln>
+          <a:effectLst/>
+        </p:spPr>
+        <p:style>
+          <a:lnRef idx="2">
+            <a:schemeClr val="accent1"/>
+          </a:lnRef>
+          <a:fillRef idx="0">
+            <a:schemeClr val="accent1"/>
+          </a:fillRef>
+          <a:effectRef idx="1">
+            <a:schemeClr val="accent1"/>
+          </a:effectRef>
+          <a:fontRef idx="minor">
+            <a:schemeClr val="tx1"/>
+          </a:fontRef>
+        </p:style>
+      </p:cxnSp>
+      <p:cxnSp>
+        <p:nvCxnSpPr>
+          <p:cNvPr id="185" name="Connecteur droit 184"/>
+          <p:cNvCxnSpPr/>
+          <p:nvPr/>
+        </p:nvCxnSpPr>
+        <p:spPr>
+          <a:xfrm>
+            <a:off x="2405317" y="5619348"/>
+            <a:ext cx="1436718" cy="0"/>
+          </a:xfrm>
+          <a:prstGeom prst="line">
+            <a:avLst/>
+          </a:prstGeom>
+          <a:ln w="9525">
+            <a:solidFill>
+              <a:schemeClr val="tx1"/>
+            </a:solidFill>
+          </a:ln>
+          <a:effectLst/>
+        </p:spPr>
+        <p:style>
+          <a:lnRef idx="2">
+            <a:schemeClr val="accent1"/>
+          </a:lnRef>
+          <a:fillRef idx="0">
+            <a:schemeClr val="accent1"/>
+          </a:fillRef>
+          <a:effectRef idx="1">
+            <a:schemeClr val="accent1"/>
+          </a:effectRef>
+          <a:fontRef idx="minor">
+            <a:schemeClr val="tx1"/>
+          </a:fontRef>
+        </p:style>
+      </p:cxnSp>
+      <p:cxnSp>
+        <p:nvCxnSpPr>
+          <p:cNvPr id="33" name="Connecteur droit avec flèche 32"/>
+          <p:cNvCxnSpPr/>
+          <p:nvPr/>
+        </p:nvCxnSpPr>
+        <p:spPr>
+          <a:xfrm>
+            <a:off x="2394704" y="4572000"/>
+            <a:ext cx="169742" cy="0"/>
+          </a:xfrm>
+          <a:prstGeom prst="straightConnector1">
+            <a:avLst/>
+          </a:prstGeom>
+          <a:ln w="22225">
+            <a:solidFill>
+              <a:schemeClr val="tx1"/>
+            </a:solidFill>
+            <a:tailEnd type="triangle"/>
+          </a:ln>
+          <a:effectLst/>
+        </p:spPr>
+        <p:style>
+          <a:lnRef idx="2">
+            <a:schemeClr val="accent1"/>
+          </a:lnRef>
+          <a:fillRef idx="0">
+            <a:schemeClr val="accent1"/>
+          </a:fillRef>
+          <a:effectRef idx="1">
+            <a:schemeClr val="accent1"/>
+          </a:effectRef>
+          <a:fontRef idx="minor">
+            <a:schemeClr val="tx1"/>
+          </a:fontRef>
+        </p:style>
+      </p:cxnSp>
+      <p:cxnSp>
+        <p:nvCxnSpPr>
+          <p:cNvPr id="187" name="Connecteur droit avec flèche 186"/>
+          <p:cNvCxnSpPr/>
+          <p:nvPr/>
+        </p:nvCxnSpPr>
+        <p:spPr>
+          <a:xfrm>
+            <a:off x="2305050" y="4636868"/>
+            <a:ext cx="0" cy="117924"/>
+          </a:xfrm>
+          <a:prstGeom prst="straightConnector1">
+            <a:avLst/>
+          </a:prstGeom>
+          <a:ln w="22225">
+            <a:solidFill>
+              <a:schemeClr val="tx1"/>
+            </a:solidFill>
+            <a:tailEnd type="triangle"/>
+          </a:ln>
+          <a:effectLst/>
+        </p:spPr>
+        <p:style>
+          <a:lnRef idx="2">
+            <a:schemeClr val="accent1"/>
+          </a:lnRef>
+          <a:fillRef idx="0">
+            <a:schemeClr val="accent1"/>
+          </a:fillRef>
+          <a:effectRef idx="1">
+            <a:schemeClr val="accent1"/>
+          </a:effectRef>
+          <a:fontRef idx="minor">
+            <a:schemeClr val="tx1"/>
+          </a:fontRef>
+        </p:style>
+      </p:cxnSp>
+      <p:sp>
+        <p:nvSpPr>
+          <p:cNvPr id="189" name="ZoneTexte 188"/>
+          <p:cNvSpPr txBox="1"/>
+          <p:nvPr/>
+        </p:nvSpPr>
+        <p:spPr>
+          <a:xfrm>
+            <a:off x="2522407" y="4379498"/>
+            <a:ext cx="121688" cy="215444"/>
+          </a:xfrm>
+          <a:prstGeom prst="rect">
+            <a:avLst/>
+          </a:prstGeom>
+          <a:noFill/>
+        </p:spPr>
+        <p:txBody>
+          <a:bodyPr wrap="square" rtlCol="0">
+            <a:spAutoFit/>
+          </a:bodyPr>
+          <a:lstStyle/>
+          <a:p>
+            <a:pPr algn="ctr"/>
+            <a:r>
+              <a:rPr lang="fr-FR" sz="800" dirty="0" smtClean="0"/>
+              <a:t>j</a:t>
+            </a:r>
+            <a:endParaRPr lang="fr-FR" sz="800" dirty="0"/>
+          </a:p>
+        </p:txBody>
+      </p:sp>
+      <p:sp>
+        <p:nvSpPr>
+          <p:cNvPr id="190" name="ZoneTexte 189"/>
+          <p:cNvSpPr txBox="1"/>
+          <p:nvPr/>
+        </p:nvSpPr>
+        <p:spPr>
+          <a:xfrm>
+            <a:off x="2193623" y="4695416"/>
+            <a:ext cx="121688" cy="215444"/>
+          </a:xfrm>
+          <a:prstGeom prst="rect">
+            <a:avLst/>
+          </a:prstGeom>
+          <a:noFill/>
+        </p:spPr>
+        <p:txBody>
+          <a:bodyPr wrap="square" rtlCol="0">
+            <a:spAutoFit/>
+          </a:bodyPr>
+          <a:lstStyle/>
+          <a:p>
+            <a:pPr algn="ctr"/>
+            <a:r>
+              <a:rPr lang="fr-FR" sz="800" dirty="0" smtClean="0"/>
+              <a:t>i</a:t>
+            </a:r>
+            <a:endParaRPr lang="fr-FR" sz="800" dirty="0"/>
+          </a:p>
+        </p:txBody>
+      </p:sp>
     </p:spTree>
     <p:extLst>
       <p:ext uri="{BB962C8B-B14F-4D97-AF65-F5344CB8AC3E}">
@@ -10220,7 +10773,7 @@
   <p:timing>
     <p:tnLst>
       <p:par>
-        <p:cTn xmlns:p14="http://schemas.microsoft.com/office/powerpoint/2010/main" id="1" dur="indefinite" restart="never" nodeType="tmRoot"/>
+        <p:cTn id="1" dur="indefinite" restart="never" nodeType="tmRoot"/>
       </p:par>
     </p:tnLst>
   </p:timing>
@@ -10252,10 +10805,10 @@
         </p:nvGrpSpPr>
         <p:grpSpPr>
           <a:xfrm>
-            <a:off x="5623609" y="539953"/>
-            <a:ext cx="2655742" cy="3620634"/>
-            <a:chOff x="5623609" y="539953"/>
-            <a:chExt cx="2655742" cy="3620634"/>
+            <a:off x="5373417" y="539953"/>
+            <a:ext cx="2905934" cy="3620634"/>
+            <a:chOff x="5373417" y="539953"/>
+            <a:chExt cx="2905934" cy="3620634"/>
           </a:xfrm>
         </p:grpSpPr>
         <p:grpSp>
@@ -10266,10 +10819,10 @@
           </p:nvGrpSpPr>
           <p:grpSpPr>
             <a:xfrm>
-              <a:off x="5623609" y="539953"/>
-              <a:ext cx="2655742" cy="3620634"/>
-              <a:chOff x="5623609" y="539953"/>
-              <a:chExt cx="2655742" cy="3620634"/>
+              <a:off x="5373417" y="539953"/>
+              <a:ext cx="2905934" cy="3620634"/>
+              <a:chOff x="5373417" y="539953"/>
+              <a:chExt cx="2905934" cy="3620634"/>
             </a:xfrm>
           </p:grpSpPr>
           <p:cxnSp>
@@ -10877,301 +11430,14 @@
           </p:cxnSp>
           <p:sp>
             <p:nvSpPr>
-              <p:cNvPr id="150" name="Ellipse 149"/>
-              <p:cNvSpPr>
-                <a:spLocks noChangeAspect="1"/>
-              </p:cNvSpPr>
-              <p:nvPr/>
-            </p:nvSpPr>
-            <p:spPr>
-              <a:xfrm>
-                <a:off x="6637039" y="2612154"/>
-                <a:ext cx="72000" cy="72000"/>
-              </a:xfrm>
-              <a:prstGeom prst="ellipse">
-                <a:avLst/>
-              </a:prstGeom>
-              <a:effectLst/>
-            </p:spPr>
-            <p:style>
-              <a:lnRef idx="1">
-                <a:schemeClr val="accent1"/>
-              </a:lnRef>
-              <a:fillRef idx="3">
-                <a:schemeClr val="accent1"/>
-              </a:fillRef>
-              <a:effectRef idx="2">
-                <a:schemeClr val="accent1"/>
-              </a:effectRef>
-              <a:fontRef idx="minor">
-                <a:schemeClr val="lt1"/>
-              </a:fontRef>
-            </p:style>
-            <p:txBody>
-              <a:bodyPr rtlCol="0" anchor="ctr"/>
-              <a:lstStyle/>
-              <a:p>
-                <a:pPr algn="ctr"/>
-                <a:endParaRPr lang="en-GB"/>
-              </a:p>
-            </p:txBody>
-          </p:sp>
-          <p:sp>
-            <p:nvSpPr>
-              <p:cNvPr id="151" name="Ellipse 150"/>
-              <p:cNvSpPr>
-                <a:spLocks noChangeAspect="1"/>
-              </p:cNvSpPr>
-              <p:nvPr/>
-            </p:nvSpPr>
-            <p:spPr>
-              <a:xfrm>
-                <a:off x="6637039" y="2792154"/>
-                <a:ext cx="72000" cy="72000"/>
-              </a:xfrm>
-              <a:prstGeom prst="ellipse">
-                <a:avLst/>
-              </a:prstGeom>
-              <a:effectLst/>
-            </p:spPr>
-            <p:style>
-              <a:lnRef idx="1">
-                <a:schemeClr val="accent1"/>
-              </a:lnRef>
-              <a:fillRef idx="3">
-                <a:schemeClr val="accent1"/>
-              </a:fillRef>
-              <a:effectRef idx="2">
-                <a:schemeClr val="accent1"/>
-              </a:effectRef>
-              <a:fontRef idx="minor">
-                <a:schemeClr val="lt1"/>
-              </a:fontRef>
-            </p:style>
-            <p:txBody>
-              <a:bodyPr rtlCol="0" anchor="ctr"/>
-              <a:lstStyle/>
-              <a:p>
-                <a:pPr algn="ctr"/>
-                <a:endParaRPr lang="en-GB"/>
-              </a:p>
-            </p:txBody>
-          </p:sp>
-          <p:sp>
-            <p:nvSpPr>
-              <p:cNvPr id="152" name="Ellipse 151"/>
-              <p:cNvSpPr>
-                <a:spLocks noChangeAspect="1"/>
-              </p:cNvSpPr>
-              <p:nvPr/>
-            </p:nvSpPr>
-            <p:spPr>
-              <a:xfrm>
-                <a:off x="6637039" y="2972154"/>
-                <a:ext cx="72000" cy="72000"/>
-              </a:xfrm>
-              <a:prstGeom prst="ellipse">
-                <a:avLst/>
-              </a:prstGeom>
-              <a:effectLst/>
-            </p:spPr>
-            <p:style>
-              <a:lnRef idx="1">
-                <a:schemeClr val="accent1"/>
-              </a:lnRef>
-              <a:fillRef idx="3">
-                <a:schemeClr val="accent1"/>
-              </a:fillRef>
-              <a:effectRef idx="2">
-                <a:schemeClr val="accent1"/>
-              </a:effectRef>
-              <a:fontRef idx="minor">
-                <a:schemeClr val="lt1"/>
-              </a:fontRef>
-            </p:style>
-            <p:txBody>
-              <a:bodyPr rtlCol="0" anchor="ctr"/>
-              <a:lstStyle/>
-              <a:p>
-                <a:pPr algn="ctr"/>
-                <a:endParaRPr lang="en-GB"/>
-              </a:p>
-            </p:txBody>
-          </p:sp>
-          <p:sp>
-            <p:nvSpPr>
-              <p:cNvPr id="163" name="Ellipse 162"/>
-              <p:cNvSpPr>
-                <a:spLocks noChangeAspect="1"/>
-              </p:cNvSpPr>
-              <p:nvPr/>
-            </p:nvSpPr>
-            <p:spPr>
-              <a:xfrm>
-                <a:off x="6637039" y="3152154"/>
-                <a:ext cx="72000" cy="72000"/>
-              </a:xfrm>
-              <a:prstGeom prst="ellipse">
-                <a:avLst/>
-              </a:prstGeom>
-              <a:effectLst/>
-            </p:spPr>
-            <p:style>
-              <a:lnRef idx="1">
-                <a:schemeClr val="accent1"/>
-              </a:lnRef>
-              <a:fillRef idx="3">
-                <a:schemeClr val="accent1"/>
-              </a:fillRef>
-              <a:effectRef idx="2">
-                <a:schemeClr val="accent1"/>
-              </a:effectRef>
-              <a:fontRef idx="minor">
-                <a:schemeClr val="lt1"/>
-              </a:fontRef>
-            </p:style>
-            <p:txBody>
-              <a:bodyPr rtlCol="0" anchor="ctr"/>
-              <a:lstStyle/>
-              <a:p>
-                <a:pPr algn="ctr"/>
-                <a:endParaRPr lang="en-GB"/>
-              </a:p>
-            </p:txBody>
-          </p:sp>
-          <p:sp>
-            <p:nvSpPr>
-              <p:cNvPr id="165" name="Ellipse 164"/>
-              <p:cNvSpPr>
-                <a:spLocks noChangeAspect="1"/>
-              </p:cNvSpPr>
-              <p:nvPr/>
-            </p:nvSpPr>
-            <p:spPr>
-              <a:xfrm>
-                <a:off x="6637039" y="3331872"/>
-                <a:ext cx="72000" cy="72000"/>
-              </a:xfrm>
-              <a:prstGeom prst="ellipse">
-                <a:avLst/>
-              </a:prstGeom>
-              <a:effectLst/>
-            </p:spPr>
-            <p:style>
-              <a:lnRef idx="1">
-                <a:schemeClr val="accent1"/>
-              </a:lnRef>
-              <a:fillRef idx="3">
-                <a:schemeClr val="accent1"/>
-              </a:fillRef>
-              <a:effectRef idx="2">
-                <a:schemeClr val="accent1"/>
-              </a:effectRef>
-              <a:fontRef idx="minor">
-                <a:schemeClr val="lt1"/>
-              </a:fontRef>
-            </p:style>
-            <p:txBody>
-              <a:bodyPr rtlCol="0" anchor="ctr"/>
-              <a:lstStyle/>
-              <a:p>
-                <a:pPr algn="ctr"/>
-                <a:endParaRPr lang="en-GB"/>
-              </a:p>
-            </p:txBody>
-          </p:sp>
-          <p:sp>
-            <p:nvSpPr>
-              <p:cNvPr id="245" name="Ellipse 244"/>
-              <p:cNvSpPr>
-                <a:spLocks noChangeAspect="1"/>
-              </p:cNvSpPr>
-              <p:nvPr/>
-            </p:nvSpPr>
-            <p:spPr>
-              <a:xfrm>
-                <a:off x="6636573" y="3512154"/>
-                <a:ext cx="72000" cy="72000"/>
-              </a:xfrm>
-              <a:prstGeom prst="ellipse">
-                <a:avLst/>
-              </a:prstGeom>
-              <a:effectLst/>
-            </p:spPr>
-            <p:style>
-              <a:lnRef idx="1">
-                <a:schemeClr val="accent1"/>
-              </a:lnRef>
-              <a:fillRef idx="3">
-                <a:schemeClr val="accent1"/>
-              </a:fillRef>
-              <a:effectRef idx="2">
-                <a:schemeClr val="accent1"/>
-              </a:effectRef>
-              <a:fontRef idx="minor">
-                <a:schemeClr val="lt1"/>
-              </a:fontRef>
-            </p:style>
-            <p:txBody>
-              <a:bodyPr rtlCol="0" anchor="ctr"/>
-              <a:lstStyle/>
-              <a:p>
-                <a:pPr algn="ctr"/>
-                <a:endParaRPr lang="en-GB"/>
-              </a:p>
-            </p:txBody>
-          </p:sp>
-          <p:sp>
-            <p:nvSpPr>
-              <p:cNvPr id="246" name="Ellipse 245"/>
-              <p:cNvSpPr>
-                <a:spLocks noChangeAspect="1"/>
-              </p:cNvSpPr>
-              <p:nvPr/>
-            </p:nvSpPr>
-            <p:spPr>
-              <a:xfrm>
-                <a:off x="6637039" y="3692154"/>
-                <a:ext cx="72000" cy="72000"/>
-              </a:xfrm>
-              <a:prstGeom prst="ellipse">
-                <a:avLst/>
-              </a:prstGeom>
-              <a:effectLst/>
-            </p:spPr>
-            <p:style>
-              <a:lnRef idx="1">
-                <a:schemeClr val="accent1"/>
-              </a:lnRef>
-              <a:fillRef idx="3">
-                <a:schemeClr val="accent1"/>
-              </a:fillRef>
-              <a:effectRef idx="2">
-                <a:schemeClr val="accent1"/>
-              </a:effectRef>
-              <a:fontRef idx="minor">
-                <a:schemeClr val="lt1"/>
-              </a:fontRef>
-            </p:style>
-            <p:txBody>
-              <a:bodyPr rtlCol="0" anchor="ctr"/>
-              <a:lstStyle/>
-              <a:p>
-                <a:pPr algn="ctr"/>
-                <a:endParaRPr lang="en-GB"/>
-              </a:p>
-            </p:txBody>
-          </p:sp>
-          <p:sp>
-            <p:nvSpPr>
               <p:cNvPr id="247" name="ZoneTexte 246"/>
               <p:cNvSpPr txBox="1"/>
               <p:nvPr/>
             </p:nvSpPr>
             <p:spPr>
               <a:xfrm>
-                <a:off x="5623609" y="2134523"/>
-                <a:ext cx="929724" cy="307777"/>
+                <a:off x="5373417" y="1980634"/>
+                <a:ext cx="1335622" cy="307777"/>
               </a:xfrm>
               <a:prstGeom prst="rect">
                 <a:avLst/>
@@ -11185,8 +11451,12 @@
               <a:lstStyle/>
               <a:p>
                 <a:r>
+                  <a:rPr lang="en-GB" sz="1400" dirty="0"/>
+                  <a:t>B-Mode </a:t>
+                </a:r>
+                <a:r>
                   <a:rPr lang="en-GB" sz="1400" dirty="0" smtClean="0"/>
-                  <a:t>RF sample</a:t>
+                  <a:t>sample</a:t>
                 </a:r>
                 <a:endParaRPr lang="en-GB" sz="1400" dirty="0"/>
               </a:p>
@@ -11197,14 +11467,13 @@
               <p:cNvPr id="248" name="Connecteur droit avec flèche 247"/>
               <p:cNvCxnSpPr>
                 <a:stCxn id="247" idx="2"/>
-                <a:endCxn id="151" idx="1"/>
               </p:cNvCxnSpPr>
               <p:nvPr/>
             </p:nvCxnSpPr>
             <p:spPr>
               <a:xfrm>
-                <a:off x="6088471" y="2442300"/>
-                <a:ext cx="559112" cy="360398"/>
+                <a:off x="6041228" y="2288411"/>
+                <a:ext cx="606355" cy="514287"/>
               </a:xfrm>
               <a:prstGeom prst="straightConnector1">
                 <a:avLst/>
@@ -11440,9 +11709,7 @@
           <p:cxnSp>
             <p:nvCxnSpPr>
               <p:cNvPr id="255" name="Connecteur droit 254"/>
-              <p:cNvCxnSpPr>
-                <a:stCxn id="246" idx="4"/>
-              </p:cNvCxnSpPr>
+              <p:cNvCxnSpPr/>
               <p:nvPr/>
             </p:nvCxnSpPr>
             <p:spPr>
@@ -12514,299 +12781,10 @@
                 </a:fontRef>
               </p:style>
             </p:cxnSp>
-            <p:sp>
-              <p:nvSpPr>
-                <p:cNvPr id="293" name="Ellipse 292"/>
-                <p:cNvSpPr>
-                  <a:spLocks noChangeAspect="1"/>
-                </p:cNvSpPr>
-                <p:nvPr/>
-              </p:nvSpPr>
-              <p:spPr>
-                <a:xfrm>
-                  <a:off x="1932099" y="3143725"/>
-                  <a:ext cx="72000" cy="72000"/>
-                </a:xfrm>
-                <a:prstGeom prst="ellipse">
-                  <a:avLst/>
-                </a:prstGeom>
-                <a:effectLst/>
-              </p:spPr>
-              <p:style>
-                <a:lnRef idx="1">
-                  <a:schemeClr val="accent1"/>
-                </a:lnRef>
-                <a:fillRef idx="3">
-                  <a:schemeClr val="accent1"/>
-                </a:fillRef>
-                <a:effectRef idx="2">
-                  <a:schemeClr val="accent1"/>
-                </a:effectRef>
-                <a:fontRef idx="minor">
-                  <a:schemeClr val="lt1"/>
-                </a:fontRef>
-              </p:style>
-              <p:txBody>
-                <a:bodyPr rtlCol="0" anchor="ctr"/>
-                <a:lstStyle/>
-                <a:p>
-                  <a:pPr algn="ctr"/>
-                  <a:endParaRPr lang="en-GB"/>
-                </a:p>
-              </p:txBody>
-            </p:sp>
-            <p:sp>
-              <p:nvSpPr>
-                <p:cNvPr id="294" name="Ellipse 293"/>
-                <p:cNvSpPr>
-                  <a:spLocks noChangeAspect="1"/>
-                </p:cNvSpPr>
-                <p:nvPr/>
-              </p:nvSpPr>
-              <p:spPr>
-                <a:xfrm>
-                  <a:off x="2048313" y="3028464"/>
-                  <a:ext cx="72000" cy="72000"/>
-                </a:xfrm>
-                <a:prstGeom prst="ellipse">
-                  <a:avLst/>
-                </a:prstGeom>
-                <a:effectLst/>
-              </p:spPr>
-              <p:style>
-                <a:lnRef idx="1">
-                  <a:schemeClr val="accent1"/>
-                </a:lnRef>
-                <a:fillRef idx="3">
-                  <a:schemeClr val="accent1"/>
-                </a:fillRef>
-                <a:effectRef idx="2">
-                  <a:schemeClr val="accent1"/>
-                </a:effectRef>
-                <a:fontRef idx="minor">
-                  <a:schemeClr val="lt1"/>
-                </a:fontRef>
-              </p:style>
-              <p:txBody>
-                <a:bodyPr rtlCol="0" anchor="ctr"/>
-                <a:lstStyle/>
-                <a:p>
-                  <a:pPr algn="ctr"/>
-                  <a:endParaRPr lang="en-GB"/>
-                </a:p>
-              </p:txBody>
-            </p:sp>
-            <p:sp>
-              <p:nvSpPr>
-                <p:cNvPr id="295" name="Ellipse 294"/>
-                <p:cNvSpPr>
-                  <a:spLocks noChangeAspect="1"/>
-                </p:cNvSpPr>
-                <p:nvPr/>
-              </p:nvSpPr>
-              <p:spPr>
-                <a:xfrm>
-                  <a:off x="2156961" y="2922122"/>
-                  <a:ext cx="72000" cy="72000"/>
-                </a:xfrm>
-                <a:prstGeom prst="ellipse">
-                  <a:avLst/>
-                </a:prstGeom>
-                <a:effectLst/>
-              </p:spPr>
-              <p:style>
-                <a:lnRef idx="1">
-                  <a:schemeClr val="accent1"/>
-                </a:lnRef>
-                <a:fillRef idx="3">
-                  <a:schemeClr val="accent1"/>
-                </a:fillRef>
-                <a:effectRef idx="2">
-                  <a:schemeClr val="accent1"/>
-                </a:effectRef>
-                <a:fontRef idx="minor">
-                  <a:schemeClr val="lt1"/>
-                </a:fontRef>
-              </p:style>
-              <p:txBody>
-                <a:bodyPr rtlCol="0" anchor="ctr"/>
-                <a:lstStyle/>
-                <a:p>
-                  <a:pPr algn="ctr"/>
-                  <a:endParaRPr lang="en-GB"/>
-                </a:p>
-              </p:txBody>
-            </p:sp>
-            <p:sp>
-              <p:nvSpPr>
-                <p:cNvPr id="296" name="Ellipse 295"/>
-                <p:cNvSpPr>
-                  <a:spLocks noChangeAspect="1"/>
-                </p:cNvSpPr>
-                <p:nvPr/>
-              </p:nvSpPr>
-              <p:spPr>
-                <a:xfrm>
-                  <a:off x="2266436" y="2813771"/>
-                  <a:ext cx="72000" cy="72000"/>
-                </a:xfrm>
-                <a:prstGeom prst="ellipse">
-                  <a:avLst/>
-                </a:prstGeom>
-                <a:effectLst/>
-              </p:spPr>
-              <p:style>
-                <a:lnRef idx="1">
-                  <a:schemeClr val="accent1"/>
-                </a:lnRef>
-                <a:fillRef idx="3">
-                  <a:schemeClr val="accent1"/>
-                </a:fillRef>
-                <a:effectRef idx="2">
-                  <a:schemeClr val="accent1"/>
-                </a:effectRef>
-                <a:fontRef idx="minor">
-                  <a:schemeClr val="lt1"/>
-                </a:fontRef>
-              </p:style>
-              <p:txBody>
-                <a:bodyPr rtlCol="0" anchor="ctr"/>
-                <a:lstStyle/>
-                <a:p>
-                  <a:pPr algn="ctr"/>
-                  <a:endParaRPr lang="en-GB"/>
-                </a:p>
-              </p:txBody>
-            </p:sp>
-            <p:sp>
-              <p:nvSpPr>
-                <p:cNvPr id="297" name="Ellipse 296"/>
-                <p:cNvSpPr>
-                  <a:spLocks noChangeAspect="1"/>
-                </p:cNvSpPr>
-                <p:nvPr/>
-              </p:nvSpPr>
-              <p:spPr>
-                <a:xfrm>
-                  <a:off x="2376428" y="2706590"/>
-                  <a:ext cx="72000" cy="72000"/>
-                </a:xfrm>
-                <a:prstGeom prst="ellipse">
-                  <a:avLst/>
-                </a:prstGeom>
-                <a:effectLst/>
-              </p:spPr>
-              <p:style>
-                <a:lnRef idx="1">
-                  <a:schemeClr val="accent1"/>
-                </a:lnRef>
-                <a:fillRef idx="3">
-                  <a:schemeClr val="accent1"/>
-                </a:fillRef>
-                <a:effectRef idx="2">
-                  <a:schemeClr val="accent1"/>
-                </a:effectRef>
-                <a:fontRef idx="minor">
-                  <a:schemeClr val="lt1"/>
-                </a:fontRef>
-              </p:style>
-              <p:txBody>
-                <a:bodyPr rtlCol="0" anchor="ctr"/>
-                <a:lstStyle/>
-                <a:p>
-                  <a:pPr algn="ctr"/>
-                  <a:endParaRPr lang="en-GB"/>
-                </a:p>
-              </p:txBody>
-            </p:sp>
-            <p:sp>
-              <p:nvSpPr>
-                <p:cNvPr id="298" name="Ellipse 297"/>
-                <p:cNvSpPr>
-                  <a:spLocks noChangeAspect="1"/>
-                </p:cNvSpPr>
-                <p:nvPr/>
-              </p:nvSpPr>
-              <p:spPr>
-                <a:xfrm>
-                  <a:off x="2487247" y="2602665"/>
-                  <a:ext cx="72000" cy="72000"/>
-                </a:xfrm>
-                <a:prstGeom prst="ellipse">
-                  <a:avLst/>
-                </a:prstGeom>
-                <a:effectLst/>
-              </p:spPr>
-              <p:style>
-                <a:lnRef idx="1">
-                  <a:schemeClr val="accent1"/>
-                </a:lnRef>
-                <a:fillRef idx="3">
-                  <a:schemeClr val="accent1"/>
-                </a:fillRef>
-                <a:effectRef idx="2">
-                  <a:schemeClr val="accent1"/>
-                </a:effectRef>
-                <a:fontRef idx="minor">
-                  <a:schemeClr val="lt1"/>
-                </a:fontRef>
-              </p:style>
-              <p:txBody>
-                <a:bodyPr rtlCol="0" anchor="ctr"/>
-                <a:lstStyle/>
-                <a:p>
-                  <a:pPr algn="ctr"/>
-                  <a:endParaRPr lang="en-GB"/>
-                </a:p>
-              </p:txBody>
-            </p:sp>
-            <p:sp>
-              <p:nvSpPr>
-                <p:cNvPr id="299" name="Ellipse 298"/>
-                <p:cNvSpPr>
-                  <a:spLocks noChangeAspect="1"/>
-                </p:cNvSpPr>
-                <p:nvPr/>
-              </p:nvSpPr>
-              <p:spPr>
-                <a:xfrm>
-                  <a:off x="2586869" y="2504151"/>
-                  <a:ext cx="72000" cy="72000"/>
-                </a:xfrm>
-                <a:prstGeom prst="ellipse">
-                  <a:avLst/>
-                </a:prstGeom>
-                <a:effectLst/>
-              </p:spPr>
-              <p:style>
-                <a:lnRef idx="1">
-                  <a:schemeClr val="accent1"/>
-                </a:lnRef>
-                <a:fillRef idx="3">
-                  <a:schemeClr val="accent1"/>
-                </a:fillRef>
-                <a:effectRef idx="2">
-                  <a:schemeClr val="accent1"/>
-                </a:effectRef>
-                <a:fontRef idx="minor">
-                  <a:schemeClr val="lt1"/>
-                </a:fontRef>
-              </p:style>
-              <p:txBody>
-                <a:bodyPr rtlCol="0" anchor="ctr"/>
-                <a:lstStyle/>
-                <a:p>
-                  <a:pPr algn="ctr"/>
-                  <a:endParaRPr lang="en-GB"/>
-                </a:p>
-              </p:txBody>
-            </p:sp>
             <p:cxnSp>
               <p:nvCxnSpPr>
                 <p:cNvPr id="300" name="Connecteur droit avec flèche 299"/>
-                <p:cNvCxnSpPr>
-                  <a:endCxn id="296" idx="1"/>
-                </p:cNvCxnSpPr>
+                <p:cNvCxnSpPr/>
                 <p:nvPr/>
               </p:nvCxnSpPr>
               <p:spPr>
@@ -12849,7 +12827,7 @@
               <p:spPr>
                 <a:xfrm>
                   <a:off x="1227682" y="2127943"/>
-                  <a:ext cx="929724" cy="307777"/>
+                  <a:ext cx="1335622" cy="307777"/>
                 </a:xfrm>
                 <a:prstGeom prst="rect">
                   <a:avLst/>
@@ -12864,7 +12842,11 @@
                 <a:p>
                   <a:r>
                     <a:rPr lang="en-GB" sz="1400" dirty="0" smtClean="0"/>
-                    <a:t>RF sample</a:t>
+                    <a:t>B-Mode </a:t>
+                  </a:r>
+                  <a:r>
+                    <a:rPr lang="en-GB" sz="1400" dirty="0" smtClean="0"/>
+                    <a:t>sample</a:t>
                   </a:r>
                   <a:endParaRPr lang="en-GB" sz="1400" dirty="0"/>
                 </a:p>
@@ -13532,9 +13514,9 @@
         <p:grpSpPr>
           <a:xfrm>
             <a:off x="797750" y="4494056"/>
-            <a:ext cx="2592741" cy="1789316"/>
+            <a:ext cx="2606845" cy="1789316"/>
             <a:chOff x="797750" y="4494056"/>
-            <a:chExt cx="2592741" cy="1789316"/>
+            <a:chExt cx="2606845" cy="1789316"/>
           </a:xfrm>
         </p:grpSpPr>
         <p:grpSp>
@@ -13546,290 +13528,11 @@
           <p:grpSpPr>
             <a:xfrm>
               <a:off x="1188039" y="4494056"/>
-              <a:ext cx="2202452" cy="1789316"/>
+              <a:ext cx="2216556" cy="1789316"/>
               <a:chOff x="1811739" y="4494056"/>
-              <a:chExt cx="2202452" cy="1789316"/>
+              <a:chExt cx="2216556" cy="1789316"/>
             </a:xfrm>
           </p:grpSpPr>
-          <p:cxnSp>
-            <p:nvCxnSpPr>
-              <p:cNvPr id="108" name="Connecteur droit 107"/>
-              <p:cNvCxnSpPr/>
-              <p:nvPr/>
-            </p:nvCxnSpPr>
-            <p:spPr>
-              <a:xfrm>
-                <a:off x="2751107" y="4819026"/>
-                <a:ext cx="0" cy="1116000"/>
-              </a:xfrm>
-              <a:prstGeom prst="line">
-                <a:avLst/>
-              </a:prstGeom>
-              <a:effectLst/>
-            </p:spPr>
-            <p:style>
-              <a:lnRef idx="2">
-                <a:schemeClr val="accent1"/>
-              </a:lnRef>
-              <a:fillRef idx="0">
-                <a:schemeClr val="accent1"/>
-              </a:fillRef>
-              <a:effectRef idx="1">
-                <a:schemeClr val="accent1"/>
-              </a:effectRef>
-              <a:fontRef idx="minor">
-                <a:schemeClr val="tx1"/>
-              </a:fontRef>
-            </p:style>
-          </p:cxnSp>
-          <p:cxnSp>
-            <p:nvCxnSpPr>
-              <p:cNvPr id="110" name="Connecteur droit 109"/>
-              <p:cNvCxnSpPr/>
-              <p:nvPr/>
-            </p:nvCxnSpPr>
-            <p:spPr>
-              <a:xfrm>
-                <a:off x="2931107" y="4819026"/>
-                <a:ext cx="0" cy="1116000"/>
-              </a:xfrm>
-              <a:prstGeom prst="line">
-                <a:avLst/>
-              </a:prstGeom>
-              <a:effectLst/>
-            </p:spPr>
-            <p:style>
-              <a:lnRef idx="2">
-                <a:schemeClr val="accent1"/>
-              </a:lnRef>
-              <a:fillRef idx="0">
-                <a:schemeClr val="accent1"/>
-              </a:fillRef>
-              <a:effectRef idx="1">
-                <a:schemeClr val="accent1"/>
-              </a:effectRef>
-              <a:fontRef idx="minor">
-                <a:schemeClr val="tx1"/>
-              </a:fontRef>
-            </p:style>
-          </p:cxnSp>
-          <p:cxnSp>
-            <p:nvCxnSpPr>
-              <p:cNvPr id="113" name="Connecteur droit 112"/>
-              <p:cNvCxnSpPr/>
-              <p:nvPr/>
-            </p:nvCxnSpPr>
-            <p:spPr>
-              <a:xfrm>
-                <a:off x="3111107" y="4819026"/>
-                <a:ext cx="0" cy="1116000"/>
-              </a:xfrm>
-              <a:prstGeom prst="line">
-                <a:avLst/>
-              </a:prstGeom>
-              <a:effectLst/>
-            </p:spPr>
-            <p:style>
-              <a:lnRef idx="2">
-                <a:schemeClr val="accent1"/>
-              </a:lnRef>
-              <a:fillRef idx="0">
-                <a:schemeClr val="accent1"/>
-              </a:fillRef>
-              <a:effectRef idx="1">
-                <a:schemeClr val="accent1"/>
-              </a:effectRef>
-              <a:fontRef idx="minor">
-                <a:schemeClr val="tx1"/>
-              </a:fontRef>
-            </p:style>
-          </p:cxnSp>
-          <p:cxnSp>
-            <p:nvCxnSpPr>
-              <p:cNvPr id="114" name="Connecteur droit 113"/>
-              <p:cNvCxnSpPr/>
-              <p:nvPr/>
-            </p:nvCxnSpPr>
-            <p:spPr>
-              <a:xfrm>
-                <a:off x="3291107" y="4819026"/>
-                <a:ext cx="0" cy="1116000"/>
-              </a:xfrm>
-              <a:prstGeom prst="line">
-                <a:avLst/>
-              </a:prstGeom>
-              <a:effectLst/>
-            </p:spPr>
-            <p:style>
-              <a:lnRef idx="2">
-                <a:schemeClr val="accent1"/>
-              </a:lnRef>
-              <a:fillRef idx="0">
-                <a:schemeClr val="accent1"/>
-              </a:fillRef>
-              <a:effectRef idx="1">
-                <a:schemeClr val="accent1"/>
-              </a:effectRef>
-              <a:fontRef idx="minor">
-                <a:schemeClr val="tx1"/>
-              </a:fontRef>
-            </p:style>
-          </p:cxnSp>
-          <p:cxnSp>
-            <p:nvCxnSpPr>
-              <p:cNvPr id="115" name="Connecteur droit 114"/>
-              <p:cNvCxnSpPr/>
-              <p:nvPr/>
-            </p:nvCxnSpPr>
-            <p:spPr>
-              <a:xfrm>
-                <a:off x="3471107" y="4818972"/>
-                <a:ext cx="0" cy="1116000"/>
-              </a:xfrm>
-              <a:prstGeom prst="line">
-                <a:avLst/>
-              </a:prstGeom>
-              <a:effectLst/>
-            </p:spPr>
-            <p:style>
-              <a:lnRef idx="2">
-                <a:schemeClr val="accent1"/>
-              </a:lnRef>
-              <a:fillRef idx="0">
-                <a:schemeClr val="accent1"/>
-              </a:fillRef>
-              <a:effectRef idx="1">
-                <a:schemeClr val="accent1"/>
-              </a:effectRef>
-              <a:fontRef idx="minor">
-                <a:schemeClr val="tx1"/>
-              </a:fontRef>
-            </p:style>
-          </p:cxnSp>
-          <p:cxnSp>
-            <p:nvCxnSpPr>
-              <p:cNvPr id="116" name="Connecteur droit 115"/>
-              <p:cNvCxnSpPr/>
-              <p:nvPr/>
-            </p:nvCxnSpPr>
-            <p:spPr>
-              <a:xfrm>
-                <a:off x="3651107" y="4818972"/>
-                <a:ext cx="0" cy="1116000"/>
-              </a:xfrm>
-              <a:prstGeom prst="line">
-                <a:avLst/>
-              </a:prstGeom>
-              <a:effectLst/>
-            </p:spPr>
-            <p:style>
-              <a:lnRef idx="2">
-                <a:schemeClr val="accent1"/>
-              </a:lnRef>
-              <a:fillRef idx="0">
-                <a:schemeClr val="accent1"/>
-              </a:fillRef>
-              <a:effectRef idx="1">
-                <a:schemeClr val="accent1"/>
-              </a:effectRef>
-              <a:fontRef idx="minor">
-                <a:schemeClr val="tx1"/>
-              </a:fontRef>
-            </p:style>
-          </p:cxnSp>
-          <p:cxnSp>
-            <p:nvCxnSpPr>
-              <p:cNvPr id="117" name="Connecteur droit 116"/>
-              <p:cNvCxnSpPr/>
-              <p:nvPr/>
-            </p:nvCxnSpPr>
-            <p:spPr>
-              <a:xfrm>
-                <a:off x="3831107" y="4818972"/>
-                <a:ext cx="0" cy="1116000"/>
-              </a:xfrm>
-              <a:prstGeom prst="line">
-                <a:avLst/>
-              </a:prstGeom>
-              <a:effectLst/>
-            </p:spPr>
-            <p:style>
-              <a:lnRef idx="2">
-                <a:schemeClr val="accent1"/>
-              </a:lnRef>
-              <a:fillRef idx="0">
-                <a:schemeClr val="accent1"/>
-              </a:fillRef>
-              <a:effectRef idx="1">
-                <a:schemeClr val="accent1"/>
-              </a:effectRef>
-              <a:fontRef idx="minor">
-                <a:schemeClr val="tx1"/>
-              </a:fontRef>
-            </p:style>
-          </p:cxnSp>
-          <p:cxnSp>
-            <p:nvCxnSpPr>
-              <p:cNvPr id="125" name="Connecteur droit 124"/>
-              <p:cNvCxnSpPr/>
-              <p:nvPr/>
-            </p:nvCxnSpPr>
-            <p:spPr>
-              <a:xfrm>
-                <a:off x="4009967" y="4817295"/>
-                <a:ext cx="0" cy="1116000"/>
-              </a:xfrm>
-              <a:prstGeom prst="line">
-                <a:avLst/>
-              </a:prstGeom>
-              <a:effectLst/>
-            </p:spPr>
-            <p:style>
-              <a:lnRef idx="2">
-                <a:schemeClr val="accent1"/>
-              </a:lnRef>
-              <a:fillRef idx="0">
-                <a:schemeClr val="accent1"/>
-              </a:fillRef>
-              <a:effectRef idx="1">
-                <a:schemeClr val="accent1"/>
-              </a:effectRef>
-              <a:fontRef idx="minor">
-                <a:schemeClr val="tx1"/>
-              </a:fontRef>
-            </p:style>
-          </p:cxnSp>
-          <p:cxnSp>
-            <p:nvCxnSpPr>
-              <p:cNvPr id="126" name="Connecteur droit 125"/>
-              <p:cNvCxnSpPr/>
-              <p:nvPr/>
-            </p:nvCxnSpPr>
-            <p:spPr>
-              <a:xfrm>
-                <a:off x="2575403" y="4817295"/>
-                <a:ext cx="0" cy="1116000"/>
-              </a:xfrm>
-              <a:prstGeom prst="line">
-                <a:avLst/>
-              </a:prstGeom>
-              <a:effectLst/>
-            </p:spPr>
-            <p:style>
-              <a:lnRef idx="2">
-                <a:schemeClr val="accent1"/>
-              </a:lnRef>
-              <a:fillRef idx="0">
-                <a:schemeClr val="accent1"/>
-              </a:fillRef>
-              <a:effectRef idx="1">
-                <a:schemeClr val="accent1"/>
-              </a:effectRef>
-              <a:fontRef idx="minor">
-                <a:schemeClr val="tx1"/>
-              </a:fontRef>
-            </p:style>
-          </p:cxnSp>
           <p:cxnSp>
             <p:nvCxnSpPr>
               <p:cNvPr id="229" name="Connecteur droit 228"/>
@@ -13874,7 +13577,7 @@
             </p:nvCxnSpPr>
             <p:spPr>
               <a:xfrm>
-                <a:off x="2577473" y="5933253"/>
+                <a:off x="2574297" y="5933253"/>
                 <a:ext cx="1436718" cy="0"/>
               </a:xfrm>
               <a:prstGeom prst="line">
@@ -13910,7 +13613,7 @@
             </p:nvSpPr>
             <p:spPr>
               <a:xfrm>
-                <a:off x="2633120" y="4494056"/>
+                <a:off x="2712322" y="4494056"/>
                 <a:ext cx="1315973" cy="307777"/>
               </a:xfrm>
               <a:prstGeom prst="rect">
@@ -14018,7 +13721,7 @@
             </p:nvSpPr>
             <p:spPr>
               <a:xfrm>
-                <a:off x="2537249" y="4783026"/>
+                <a:off x="2633120" y="4860127"/>
                 <a:ext cx="72000" cy="72000"/>
               </a:xfrm>
               <a:prstGeom prst="rect">
@@ -14059,7 +13762,7 @@
             </p:nvSpPr>
             <p:spPr>
               <a:xfrm>
-                <a:off x="2537249" y="4980950"/>
+                <a:off x="2633592" y="5022675"/>
                 <a:ext cx="72000" cy="72000"/>
               </a:xfrm>
               <a:prstGeom prst="rect">
@@ -14100,7 +13803,7 @@
             </p:nvSpPr>
             <p:spPr>
               <a:xfrm>
-                <a:off x="2537249" y="5161833"/>
+                <a:off x="2632680" y="5191370"/>
                 <a:ext cx="72000" cy="72000"/>
               </a:xfrm>
               <a:prstGeom prst="rect">
@@ -14141,7 +13844,7 @@
             </p:nvSpPr>
             <p:spPr>
               <a:xfrm>
-                <a:off x="2537249" y="5341833"/>
+                <a:off x="2632680" y="5347558"/>
                 <a:ext cx="72000" cy="72000"/>
               </a:xfrm>
               <a:prstGeom prst="rect">
@@ -14182,7 +13885,7 @@
             </p:nvSpPr>
             <p:spPr>
               <a:xfrm>
-                <a:off x="2537249" y="5529410"/>
+                <a:off x="2631204" y="5516085"/>
                 <a:ext cx="72000" cy="72000"/>
               </a:xfrm>
               <a:prstGeom prst="rect">
@@ -14223,7 +13926,7 @@
             </p:nvSpPr>
             <p:spPr>
               <a:xfrm>
-                <a:off x="2537249" y="5705008"/>
+                <a:off x="2634806" y="5674733"/>
                 <a:ext cx="72000" cy="72000"/>
               </a:xfrm>
               <a:prstGeom prst="rect">
@@ -14264,7 +13967,7 @@
             </p:nvSpPr>
             <p:spPr>
               <a:xfrm>
-                <a:off x="2537249" y="5888226"/>
+                <a:off x="2640322" y="5821951"/>
                 <a:ext cx="72000" cy="72000"/>
               </a:xfrm>
               <a:prstGeom prst="rect">
@@ -14356,223 +14059,1577 @@
             </a:prstGeom>
           </p:spPr>
         </p:pic>
-        <p:cxnSp>
-          <p:nvCxnSpPr>
-            <p:cNvPr id="315" name="Connecteur droit 314"/>
-            <p:cNvCxnSpPr/>
-            <p:nvPr/>
-          </p:nvCxnSpPr>
-          <p:spPr>
-            <a:xfrm flipH="1" flipV="1">
-              <a:off x="1581349" y="5390954"/>
-              <a:ext cx="330792" cy="1820"/>
-            </a:xfrm>
-            <a:prstGeom prst="line">
-              <a:avLst/>
-            </a:prstGeom>
-            <a:ln w="9525">
-              <a:solidFill>
-                <a:schemeClr val="tx1"/>
-              </a:solidFill>
-              <a:prstDash val="dashDot"/>
-            </a:ln>
-            <a:effectLst/>
-          </p:spPr>
-          <p:style>
-            <a:lnRef idx="2">
-              <a:schemeClr val="accent1"/>
-            </a:lnRef>
-            <a:fillRef idx="0">
-              <a:schemeClr val="accent1"/>
-            </a:fillRef>
-            <a:effectRef idx="1">
-              <a:schemeClr val="accent1"/>
-            </a:effectRef>
-            <a:fontRef idx="minor">
+      </p:grpSp>
+      <p:cxnSp>
+        <p:nvCxnSpPr>
+          <p:cNvPr id="129" name="Connecteur droit 128"/>
+          <p:cNvCxnSpPr/>
+          <p:nvPr/>
+        </p:nvCxnSpPr>
+        <p:spPr>
+          <a:xfrm flipH="1" flipV="1">
+            <a:off x="6267649" y="3179978"/>
+            <a:ext cx="330792" cy="1820"/>
+          </a:xfrm>
+          <a:prstGeom prst="line">
+            <a:avLst/>
+          </a:prstGeom>
+          <a:ln w="9525">
+            <a:solidFill>
               <a:schemeClr val="tx1"/>
-            </a:fontRef>
-          </p:style>
-        </p:cxnSp>
-        <p:cxnSp>
-          <p:nvCxnSpPr>
-            <p:cNvPr id="316" name="Connecteur droit 315"/>
-            <p:cNvCxnSpPr/>
-            <p:nvPr/>
-          </p:nvCxnSpPr>
-          <p:spPr>
-            <a:xfrm flipH="1">
-              <a:off x="1581349" y="5573777"/>
-              <a:ext cx="335821" cy="0"/>
-            </a:xfrm>
-            <a:prstGeom prst="line">
-              <a:avLst/>
-            </a:prstGeom>
-            <a:ln w="9525">
-              <a:solidFill>
-                <a:schemeClr val="tx1"/>
-              </a:solidFill>
-              <a:prstDash val="dashDot"/>
-            </a:ln>
-            <a:effectLst/>
-          </p:spPr>
-          <p:style>
-            <a:lnRef idx="2">
-              <a:schemeClr val="accent1"/>
-            </a:lnRef>
-            <a:fillRef idx="0">
-              <a:schemeClr val="accent1"/>
-            </a:fillRef>
-            <a:effectRef idx="1">
-              <a:schemeClr val="accent1"/>
-            </a:effectRef>
-            <a:fontRef idx="minor">
+            </a:solidFill>
+            <a:prstDash val="dashDot"/>
+          </a:ln>
+          <a:effectLst/>
+        </p:spPr>
+        <p:style>
+          <a:lnRef idx="2">
+            <a:schemeClr val="accent1"/>
+          </a:lnRef>
+          <a:fillRef idx="0">
+            <a:schemeClr val="accent1"/>
+          </a:fillRef>
+          <a:effectRef idx="1">
+            <a:schemeClr val="accent1"/>
+          </a:effectRef>
+          <a:fontRef idx="minor">
+            <a:schemeClr val="tx1"/>
+          </a:fontRef>
+        </p:style>
+      </p:cxnSp>
+      <p:cxnSp>
+        <p:nvCxnSpPr>
+          <p:cNvPr id="153" name="Connecteur droit 152"/>
+          <p:cNvCxnSpPr/>
+          <p:nvPr/>
+        </p:nvCxnSpPr>
+        <p:spPr>
+          <a:xfrm flipH="1">
+            <a:off x="6267649" y="3362801"/>
+            <a:ext cx="335821" cy="0"/>
+          </a:xfrm>
+          <a:prstGeom prst="line">
+            <a:avLst/>
+          </a:prstGeom>
+          <a:ln w="9525">
+            <a:solidFill>
               <a:schemeClr val="tx1"/>
-            </a:fontRef>
-          </p:style>
-        </p:cxnSp>
-        <p:cxnSp>
-          <p:nvCxnSpPr>
-            <p:cNvPr id="317" name="Connecteur droit avec flèche 316"/>
-            <p:cNvCxnSpPr/>
-            <p:nvPr/>
-          </p:nvCxnSpPr>
-          <p:spPr>
-            <a:xfrm flipH="1" flipV="1">
-              <a:off x="1697358" y="5138026"/>
-              <a:ext cx="1" cy="252928"/>
-            </a:xfrm>
-            <a:prstGeom prst="straightConnector1">
-              <a:avLst/>
-            </a:prstGeom>
-            <a:ln w="9525">
-              <a:solidFill>
-                <a:schemeClr val="tx1"/>
-              </a:solidFill>
-              <a:headEnd type="triangle"/>
-              <a:tailEnd type="none"/>
-            </a:ln>
-            <a:effectLst/>
-          </p:spPr>
-          <p:style>
-            <a:lnRef idx="2">
-              <a:schemeClr val="accent1"/>
-            </a:lnRef>
-            <a:fillRef idx="0">
-              <a:schemeClr val="accent1"/>
-            </a:fillRef>
-            <a:effectRef idx="1">
-              <a:schemeClr val="accent1"/>
-            </a:effectRef>
-            <a:fontRef idx="minor">
+            </a:solidFill>
+            <a:prstDash val="dashDot"/>
+          </a:ln>
+          <a:effectLst/>
+        </p:spPr>
+        <p:style>
+          <a:lnRef idx="2">
+            <a:schemeClr val="accent1"/>
+          </a:lnRef>
+          <a:fillRef idx="0">
+            <a:schemeClr val="accent1"/>
+          </a:fillRef>
+          <a:effectRef idx="1">
+            <a:schemeClr val="accent1"/>
+          </a:effectRef>
+          <a:fontRef idx="minor">
+            <a:schemeClr val="tx1"/>
+          </a:fontRef>
+        </p:style>
+      </p:cxnSp>
+      <p:cxnSp>
+        <p:nvCxnSpPr>
+          <p:cNvPr id="154" name="Connecteur droit avec flèche 153"/>
+          <p:cNvCxnSpPr/>
+          <p:nvPr/>
+        </p:nvCxnSpPr>
+        <p:spPr>
+          <a:xfrm flipH="1" flipV="1">
+            <a:off x="6383658" y="2927050"/>
+            <a:ext cx="1" cy="252928"/>
+          </a:xfrm>
+          <a:prstGeom prst="straightConnector1">
+            <a:avLst/>
+          </a:prstGeom>
+          <a:ln w="9525">
+            <a:solidFill>
               <a:schemeClr val="tx1"/>
-            </a:fontRef>
-          </p:style>
-        </p:cxnSp>
-        <p:cxnSp>
-          <p:nvCxnSpPr>
-            <p:cNvPr id="318" name="Connecteur droit avec flèche 317"/>
-            <p:cNvCxnSpPr/>
-            <p:nvPr/>
-          </p:nvCxnSpPr>
-          <p:spPr>
-            <a:xfrm>
-              <a:off x="1697358" y="5573777"/>
-              <a:ext cx="0" cy="142997"/>
-            </a:xfrm>
-            <a:prstGeom prst="straightConnector1">
-              <a:avLst/>
-            </a:prstGeom>
-            <a:ln w="9525">
-              <a:solidFill>
-                <a:schemeClr val="tx1"/>
-              </a:solidFill>
-              <a:headEnd type="triangle"/>
-              <a:tailEnd type="none"/>
-            </a:ln>
-            <a:effectLst/>
-          </p:spPr>
-          <p:style>
-            <a:lnRef idx="2">
-              <a:schemeClr val="accent1"/>
-            </a:lnRef>
-            <a:fillRef idx="0">
-              <a:schemeClr val="accent1"/>
-            </a:fillRef>
-            <a:effectRef idx="1">
-              <a:schemeClr val="accent1"/>
-            </a:effectRef>
-            <a:fontRef idx="minor">
+            </a:solidFill>
+            <a:headEnd type="triangle"/>
+            <a:tailEnd type="none"/>
+          </a:ln>
+          <a:effectLst/>
+        </p:spPr>
+        <p:style>
+          <a:lnRef idx="2">
+            <a:schemeClr val="accent1"/>
+          </a:lnRef>
+          <a:fillRef idx="0">
+            <a:schemeClr val="accent1"/>
+          </a:fillRef>
+          <a:effectRef idx="1">
+            <a:schemeClr val="accent1"/>
+          </a:effectRef>
+          <a:fontRef idx="minor">
+            <a:schemeClr val="tx1"/>
+          </a:fontRef>
+        </p:style>
+      </p:cxnSp>
+      <p:cxnSp>
+        <p:nvCxnSpPr>
+          <p:cNvPr id="155" name="Connecteur droit avec flèche 154"/>
+          <p:cNvCxnSpPr/>
+          <p:nvPr/>
+        </p:nvCxnSpPr>
+        <p:spPr>
+          <a:xfrm>
+            <a:off x="6383658" y="3362801"/>
+            <a:ext cx="0" cy="142997"/>
+          </a:xfrm>
+          <a:prstGeom prst="straightConnector1">
+            <a:avLst/>
+          </a:prstGeom>
+          <a:ln w="9525">
+            <a:solidFill>
               <a:schemeClr val="tx1"/>
-            </a:fontRef>
-          </p:style>
-        </p:cxnSp>
-        <p:cxnSp>
-          <p:nvCxnSpPr>
-            <p:cNvPr id="319" name="Connecteur droit 318"/>
-            <p:cNvCxnSpPr/>
-            <p:nvPr/>
-          </p:nvCxnSpPr>
-          <p:spPr>
-            <a:xfrm flipV="1">
-              <a:off x="1697359" y="5392775"/>
-              <a:ext cx="0" cy="181002"/>
-            </a:xfrm>
-            <a:prstGeom prst="line">
-              <a:avLst/>
-            </a:prstGeom>
-            <a:ln w="9525">
-              <a:solidFill>
-                <a:schemeClr val="tx1"/>
-              </a:solidFill>
-            </a:ln>
-            <a:effectLst/>
-          </p:spPr>
-          <p:style>
-            <a:lnRef idx="2">
-              <a:schemeClr val="accent1"/>
-            </a:lnRef>
-            <a:fillRef idx="0">
-              <a:schemeClr val="accent1"/>
-            </a:fillRef>
-            <a:effectRef idx="1">
-              <a:schemeClr val="accent1"/>
-            </a:effectRef>
-            <a:fontRef idx="minor">
+            </a:solidFill>
+            <a:headEnd type="triangle"/>
+            <a:tailEnd type="none"/>
+          </a:ln>
+          <a:effectLst/>
+        </p:spPr>
+        <p:style>
+          <a:lnRef idx="2">
+            <a:schemeClr val="accent1"/>
+          </a:lnRef>
+          <a:fillRef idx="0">
+            <a:schemeClr val="accent1"/>
+          </a:fillRef>
+          <a:effectRef idx="1">
+            <a:schemeClr val="accent1"/>
+          </a:effectRef>
+          <a:fontRef idx="minor">
+            <a:schemeClr val="tx1"/>
+          </a:fontRef>
+        </p:style>
+      </p:cxnSp>
+      <p:cxnSp>
+        <p:nvCxnSpPr>
+          <p:cNvPr id="156" name="Connecteur droit 155"/>
+          <p:cNvCxnSpPr/>
+          <p:nvPr/>
+        </p:nvCxnSpPr>
+        <p:spPr>
+          <a:xfrm flipV="1">
+            <a:off x="6383659" y="3181799"/>
+            <a:ext cx="0" cy="181002"/>
+          </a:xfrm>
+          <a:prstGeom prst="line">
+            <a:avLst/>
+          </a:prstGeom>
+          <a:ln w="9525">
+            <a:solidFill>
               <a:schemeClr val="tx1"/>
-            </a:fontRef>
-          </p:style>
-        </p:cxnSp>
-        <p:pic>
-          <p:nvPicPr>
-            <p:cNvPr id="320" name="Image 319" descr="latex-image-1.pdf"/>
-            <p:cNvPicPr>
-              <a:picLocks noChangeAspect="1"/>
-            </p:cNvPicPr>
-            <p:nvPr/>
-          </p:nvPicPr>
-          <p:blipFill>
-            <a:blip r:embed="rId5">
-              <a:extLst>
-                <a:ext uri="{28A0092B-C50C-407E-A947-70E740481C1C}">
-                  <a14:useLocalDpi xmlns:a14="http://schemas.microsoft.com/office/drawing/2010/main" val="0"/>
-                </a:ext>
-              </a:extLst>
-            </a:blip>
-            <a:stretch>
-              <a:fillRect/>
-            </a:stretch>
-          </p:blipFill>
-          <p:spPr>
-            <a:xfrm>
-              <a:off x="1447836" y="5153531"/>
-              <a:ext cx="190500" cy="139700"/>
-            </a:xfrm>
-            <a:prstGeom prst="rect">
-              <a:avLst/>
-            </a:prstGeom>
-          </p:spPr>
-        </p:pic>
-      </p:grpSp>
+            </a:solidFill>
+          </a:ln>
+          <a:effectLst/>
+        </p:spPr>
+        <p:style>
+          <a:lnRef idx="2">
+            <a:schemeClr val="accent1"/>
+          </a:lnRef>
+          <a:fillRef idx="0">
+            <a:schemeClr val="accent1"/>
+          </a:fillRef>
+          <a:effectRef idx="1">
+            <a:schemeClr val="accent1"/>
+          </a:effectRef>
+          <a:fontRef idx="minor">
+            <a:schemeClr val="tx1"/>
+          </a:fontRef>
+        </p:style>
+      </p:cxnSp>
+      <p:pic>
+        <p:nvPicPr>
+          <p:cNvPr id="157" name="Image 156" descr="latex-image-1.pdf"/>
+          <p:cNvPicPr>
+            <a:picLocks noChangeAspect="1"/>
+          </p:cNvPicPr>
+          <p:nvPr/>
+        </p:nvPicPr>
+        <p:blipFill>
+          <a:blip r:embed="rId5">
+            <a:extLst>
+              <a:ext uri="{28A0092B-C50C-407E-A947-70E740481C1C}">
+                <a14:useLocalDpi xmlns:a14="http://schemas.microsoft.com/office/drawing/2010/main" val="0"/>
+              </a:ext>
+            </a:extLst>
+          </a:blip>
+          <a:stretch>
+            <a:fillRect/>
+          </a:stretch>
+        </p:blipFill>
+        <p:spPr>
+          <a:xfrm>
+            <a:off x="6134136" y="2942555"/>
+            <a:ext cx="190500" cy="139700"/>
+          </a:xfrm>
+          <a:prstGeom prst="rect">
+            <a:avLst/>
+          </a:prstGeom>
+        </p:spPr>
+      </p:pic>
+      <p:sp>
+        <p:nvSpPr>
+          <p:cNvPr id="159" name="Rectangle 158"/>
+          <p:cNvSpPr>
+            <a:spLocks noChangeAspect="1"/>
+          </p:cNvSpPr>
+          <p:nvPr/>
+        </p:nvSpPr>
+        <p:spPr>
+          <a:xfrm rot="2728495">
+            <a:off x="2591402" y="2495344"/>
+            <a:ext cx="72000" cy="72000"/>
+          </a:xfrm>
+          <a:prstGeom prst="rect">
+            <a:avLst/>
+          </a:prstGeom>
+          <a:effectLst/>
+        </p:spPr>
+        <p:style>
+          <a:lnRef idx="1">
+            <a:schemeClr val="accent1"/>
+          </a:lnRef>
+          <a:fillRef idx="3">
+            <a:schemeClr val="accent1"/>
+          </a:fillRef>
+          <a:effectRef idx="2">
+            <a:schemeClr val="accent1"/>
+          </a:effectRef>
+          <a:fontRef idx="minor">
+            <a:schemeClr val="lt1"/>
+          </a:fontRef>
+        </p:style>
+        <p:txBody>
+          <a:bodyPr rtlCol="0" anchor="ctr"/>
+          <a:lstStyle/>
+          <a:p>
+            <a:pPr algn="ctr"/>
+            <a:endParaRPr lang="fr-FR"/>
+          </a:p>
+        </p:txBody>
+      </p:sp>
+      <p:sp>
+        <p:nvSpPr>
+          <p:cNvPr id="160" name="Rectangle 159"/>
+          <p:cNvSpPr>
+            <a:spLocks noChangeAspect="1"/>
+          </p:cNvSpPr>
+          <p:nvPr/>
+        </p:nvSpPr>
+        <p:spPr>
+          <a:xfrm rot="2728495">
+            <a:off x="2479548" y="2603256"/>
+            <a:ext cx="72000" cy="72000"/>
+          </a:xfrm>
+          <a:prstGeom prst="rect">
+            <a:avLst/>
+          </a:prstGeom>
+          <a:effectLst/>
+        </p:spPr>
+        <p:style>
+          <a:lnRef idx="1">
+            <a:schemeClr val="accent1"/>
+          </a:lnRef>
+          <a:fillRef idx="3">
+            <a:schemeClr val="accent1"/>
+          </a:fillRef>
+          <a:effectRef idx="2">
+            <a:schemeClr val="accent1"/>
+          </a:effectRef>
+          <a:fontRef idx="minor">
+            <a:schemeClr val="lt1"/>
+          </a:fontRef>
+        </p:style>
+        <p:txBody>
+          <a:bodyPr rtlCol="0" anchor="ctr"/>
+          <a:lstStyle/>
+          <a:p>
+            <a:pPr algn="ctr"/>
+            <a:endParaRPr lang="fr-FR"/>
+          </a:p>
+        </p:txBody>
+      </p:sp>
+      <p:sp>
+        <p:nvSpPr>
+          <p:cNvPr id="161" name="Rectangle 160"/>
+          <p:cNvSpPr>
+            <a:spLocks noChangeAspect="1"/>
+          </p:cNvSpPr>
+          <p:nvPr/>
+        </p:nvSpPr>
+        <p:spPr>
+          <a:xfrm rot="2728495">
+            <a:off x="2369341" y="2709505"/>
+            <a:ext cx="72000" cy="72000"/>
+          </a:xfrm>
+          <a:prstGeom prst="rect">
+            <a:avLst/>
+          </a:prstGeom>
+          <a:effectLst/>
+        </p:spPr>
+        <p:style>
+          <a:lnRef idx="1">
+            <a:schemeClr val="accent1"/>
+          </a:lnRef>
+          <a:fillRef idx="3">
+            <a:schemeClr val="accent1"/>
+          </a:fillRef>
+          <a:effectRef idx="2">
+            <a:schemeClr val="accent1"/>
+          </a:effectRef>
+          <a:fontRef idx="minor">
+            <a:schemeClr val="lt1"/>
+          </a:fontRef>
+        </p:style>
+        <p:txBody>
+          <a:bodyPr rtlCol="0" anchor="ctr"/>
+          <a:lstStyle/>
+          <a:p>
+            <a:pPr algn="ctr"/>
+            <a:endParaRPr lang="fr-FR"/>
+          </a:p>
+        </p:txBody>
+      </p:sp>
+      <p:sp>
+        <p:nvSpPr>
+          <p:cNvPr id="162" name="Rectangle 161"/>
+          <p:cNvSpPr>
+            <a:spLocks noChangeAspect="1"/>
+          </p:cNvSpPr>
+          <p:nvPr/>
+        </p:nvSpPr>
+        <p:spPr>
+          <a:xfrm rot="2728495">
+            <a:off x="2267520" y="2811324"/>
+            <a:ext cx="72000" cy="72000"/>
+          </a:xfrm>
+          <a:prstGeom prst="rect">
+            <a:avLst/>
+          </a:prstGeom>
+          <a:effectLst/>
+        </p:spPr>
+        <p:style>
+          <a:lnRef idx="1">
+            <a:schemeClr val="accent1"/>
+          </a:lnRef>
+          <a:fillRef idx="3">
+            <a:schemeClr val="accent1"/>
+          </a:fillRef>
+          <a:effectRef idx="2">
+            <a:schemeClr val="accent1"/>
+          </a:effectRef>
+          <a:fontRef idx="minor">
+            <a:schemeClr val="lt1"/>
+          </a:fontRef>
+        </p:style>
+        <p:txBody>
+          <a:bodyPr rtlCol="0" anchor="ctr"/>
+          <a:lstStyle/>
+          <a:p>
+            <a:pPr algn="ctr"/>
+            <a:endParaRPr lang="fr-FR"/>
+          </a:p>
+        </p:txBody>
+      </p:sp>
+      <p:sp>
+        <p:nvSpPr>
+          <p:cNvPr id="166" name="Rectangle 165"/>
+          <p:cNvSpPr>
+            <a:spLocks noChangeAspect="1"/>
+          </p:cNvSpPr>
+          <p:nvPr/>
+        </p:nvSpPr>
+        <p:spPr>
+          <a:xfrm rot="2728495">
+            <a:off x="2152256" y="2921029"/>
+            <a:ext cx="72000" cy="72000"/>
+          </a:xfrm>
+          <a:prstGeom prst="rect">
+            <a:avLst/>
+          </a:prstGeom>
+          <a:effectLst/>
+        </p:spPr>
+        <p:style>
+          <a:lnRef idx="1">
+            <a:schemeClr val="accent1"/>
+          </a:lnRef>
+          <a:fillRef idx="3">
+            <a:schemeClr val="accent1"/>
+          </a:fillRef>
+          <a:effectRef idx="2">
+            <a:schemeClr val="accent1"/>
+          </a:effectRef>
+          <a:fontRef idx="minor">
+            <a:schemeClr val="lt1"/>
+          </a:fontRef>
+        </p:style>
+        <p:txBody>
+          <a:bodyPr rtlCol="0" anchor="ctr"/>
+          <a:lstStyle/>
+          <a:p>
+            <a:pPr algn="ctr"/>
+            <a:endParaRPr lang="fr-FR"/>
+          </a:p>
+        </p:txBody>
+      </p:sp>
+      <p:sp>
+        <p:nvSpPr>
+          <p:cNvPr id="168" name="Rectangle 167"/>
+          <p:cNvSpPr>
+            <a:spLocks noChangeAspect="1"/>
+          </p:cNvSpPr>
+          <p:nvPr/>
+        </p:nvSpPr>
+        <p:spPr>
+          <a:xfrm rot="2728495">
+            <a:off x="2040498" y="3033291"/>
+            <a:ext cx="72000" cy="72000"/>
+          </a:xfrm>
+          <a:prstGeom prst="rect">
+            <a:avLst/>
+          </a:prstGeom>
+          <a:effectLst/>
+        </p:spPr>
+        <p:style>
+          <a:lnRef idx="1">
+            <a:schemeClr val="accent1"/>
+          </a:lnRef>
+          <a:fillRef idx="3">
+            <a:schemeClr val="accent1"/>
+          </a:fillRef>
+          <a:effectRef idx="2">
+            <a:schemeClr val="accent1"/>
+          </a:effectRef>
+          <a:fontRef idx="minor">
+            <a:schemeClr val="lt1"/>
+          </a:fontRef>
+        </p:style>
+        <p:txBody>
+          <a:bodyPr rtlCol="0" anchor="ctr"/>
+          <a:lstStyle/>
+          <a:p>
+            <a:pPr algn="ctr"/>
+            <a:endParaRPr lang="fr-FR"/>
+          </a:p>
+        </p:txBody>
+      </p:sp>
+      <p:sp>
+        <p:nvSpPr>
+          <p:cNvPr id="169" name="Rectangle 168"/>
+          <p:cNvSpPr>
+            <a:spLocks noChangeAspect="1"/>
+          </p:cNvSpPr>
+          <p:nvPr/>
+        </p:nvSpPr>
+        <p:spPr>
+          <a:xfrm rot="2728495">
+            <a:off x="1935562" y="3145798"/>
+            <a:ext cx="72000" cy="72000"/>
+          </a:xfrm>
+          <a:prstGeom prst="rect">
+            <a:avLst/>
+          </a:prstGeom>
+          <a:effectLst/>
+        </p:spPr>
+        <p:style>
+          <a:lnRef idx="1">
+            <a:schemeClr val="accent1"/>
+          </a:lnRef>
+          <a:fillRef idx="3">
+            <a:schemeClr val="accent1"/>
+          </a:fillRef>
+          <a:effectRef idx="2">
+            <a:schemeClr val="accent1"/>
+          </a:effectRef>
+          <a:fontRef idx="minor">
+            <a:schemeClr val="lt1"/>
+          </a:fontRef>
+        </p:style>
+        <p:txBody>
+          <a:bodyPr rtlCol="0" anchor="ctr"/>
+          <a:lstStyle/>
+          <a:p>
+            <a:pPr algn="ctr"/>
+            <a:endParaRPr lang="fr-FR"/>
+          </a:p>
+        </p:txBody>
+      </p:sp>
+      <p:sp>
+        <p:nvSpPr>
+          <p:cNvPr id="171" name="Rectangle 170"/>
+          <p:cNvSpPr>
+            <a:spLocks noChangeAspect="1"/>
+          </p:cNvSpPr>
+          <p:nvPr/>
+        </p:nvSpPr>
+        <p:spPr>
+          <a:xfrm>
+            <a:off x="6641602" y="2608076"/>
+            <a:ext cx="72000" cy="72000"/>
+          </a:xfrm>
+          <a:prstGeom prst="rect">
+            <a:avLst/>
+          </a:prstGeom>
+          <a:effectLst/>
+        </p:spPr>
+        <p:style>
+          <a:lnRef idx="1">
+            <a:schemeClr val="accent1"/>
+          </a:lnRef>
+          <a:fillRef idx="3">
+            <a:schemeClr val="accent1"/>
+          </a:fillRef>
+          <a:effectRef idx="2">
+            <a:schemeClr val="accent1"/>
+          </a:effectRef>
+          <a:fontRef idx="minor">
+            <a:schemeClr val="lt1"/>
+          </a:fontRef>
+        </p:style>
+        <p:txBody>
+          <a:bodyPr rtlCol="0" anchor="ctr"/>
+          <a:lstStyle/>
+          <a:p>
+            <a:pPr algn="ctr"/>
+            <a:endParaRPr lang="fr-FR"/>
+          </a:p>
+        </p:txBody>
+      </p:sp>
+      <p:sp>
+        <p:nvSpPr>
+          <p:cNvPr id="172" name="Rectangle 171"/>
+          <p:cNvSpPr>
+            <a:spLocks noChangeAspect="1"/>
+          </p:cNvSpPr>
+          <p:nvPr/>
+        </p:nvSpPr>
+        <p:spPr>
+          <a:xfrm>
+            <a:off x="6637039" y="2788315"/>
+            <a:ext cx="72000" cy="72000"/>
+          </a:xfrm>
+          <a:prstGeom prst="rect">
+            <a:avLst/>
+          </a:prstGeom>
+          <a:effectLst/>
+        </p:spPr>
+        <p:style>
+          <a:lnRef idx="1">
+            <a:schemeClr val="accent1"/>
+          </a:lnRef>
+          <a:fillRef idx="3">
+            <a:schemeClr val="accent1"/>
+          </a:fillRef>
+          <a:effectRef idx="2">
+            <a:schemeClr val="accent1"/>
+          </a:effectRef>
+          <a:fontRef idx="minor">
+            <a:schemeClr val="lt1"/>
+          </a:fontRef>
+        </p:style>
+        <p:txBody>
+          <a:bodyPr rtlCol="0" anchor="ctr"/>
+          <a:lstStyle/>
+          <a:p>
+            <a:pPr algn="ctr"/>
+            <a:endParaRPr lang="fr-FR"/>
+          </a:p>
+        </p:txBody>
+      </p:sp>
+      <p:sp>
+        <p:nvSpPr>
+          <p:cNvPr id="173" name="Rectangle 172"/>
+          <p:cNvSpPr>
+            <a:spLocks noChangeAspect="1"/>
+          </p:cNvSpPr>
+          <p:nvPr/>
+        </p:nvSpPr>
+        <p:spPr>
+          <a:xfrm>
+            <a:off x="6637039" y="2972154"/>
+            <a:ext cx="72000" cy="72000"/>
+          </a:xfrm>
+          <a:prstGeom prst="rect">
+            <a:avLst/>
+          </a:prstGeom>
+          <a:effectLst/>
+        </p:spPr>
+        <p:style>
+          <a:lnRef idx="1">
+            <a:schemeClr val="accent1"/>
+          </a:lnRef>
+          <a:fillRef idx="3">
+            <a:schemeClr val="accent1"/>
+          </a:fillRef>
+          <a:effectRef idx="2">
+            <a:schemeClr val="accent1"/>
+          </a:effectRef>
+          <a:fontRef idx="minor">
+            <a:schemeClr val="lt1"/>
+          </a:fontRef>
+        </p:style>
+        <p:txBody>
+          <a:bodyPr rtlCol="0" anchor="ctr"/>
+          <a:lstStyle/>
+          <a:p>
+            <a:pPr algn="ctr"/>
+            <a:endParaRPr lang="fr-FR"/>
+          </a:p>
+        </p:txBody>
+      </p:sp>
+      <p:sp>
+        <p:nvSpPr>
+          <p:cNvPr id="174" name="Rectangle 173"/>
+          <p:cNvSpPr>
+            <a:spLocks noChangeAspect="1"/>
+          </p:cNvSpPr>
+          <p:nvPr/>
+        </p:nvSpPr>
+        <p:spPr>
+          <a:xfrm>
+            <a:off x="6637039" y="3147450"/>
+            <a:ext cx="72000" cy="72000"/>
+          </a:xfrm>
+          <a:prstGeom prst="rect">
+            <a:avLst/>
+          </a:prstGeom>
+          <a:effectLst/>
+        </p:spPr>
+        <p:style>
+          <a:lnRef idx="1">
+            <a:schemeClr val="accent1"/>
+          </a:lnRef>
+          <a:fillRef idx="3">
+            <a:schemeClr val="accent1"/>
+          </a:fillRef>
+          <a:effectRef idx="2">
+            <a:schemeClr val="accent1"/>
+          </a:effectRef>
+          <a:fontRef idx="minor">
+            <a:schemeClr val="lt1"/>
+          </a:fontRef>
+        </p:style>
+        <p:txBody>
+          <a:bodyPr rtlCol="0" anchor="ctr"/>
+          <a:lstStyle/>
+          <a:p>
+            <a:pPr algn="ctr"/>
+            <a:endParaRPr lang="fr-FR"/>
+          </a:p>
+        </p:txBody>
+      </p:sp>
+      <p:sp>
+        <p:nvSpPr>
+          <p:cNvPr id="175" name="Rectangle 174"/>
+          <p:cNvSpPr>
+            <a:spLocks noChangeAspect="1"/>
+          </p:cNvSpPr>
+          <p:nvPr/>
+        </p:nvSpPr>
+        <p:spPr>
+          <a:xfrm>
+            <a:off x="6637039" y="3331872"/>
+            <a:ext cx="72000" cy="72000"/>
+          </a:xfrm>
+          <a:prstGeom prst="rect">
+            <a:avLst/>
+          </a:prstGeom>
+          <a:effectLst/>
+        </p:spPr>
+        <p:style>
+          <a:lnRef idx="1">
+            <a:schemeClr val="accent1"/>
+          </a:lnRef>
+          <a:fillRef idx="3">
+            <a:schemeClr val="accent1"/>
+          </a:fillRef>
+          <a:effectRef idx="2">
+            <a:schemeClr val="accent1"/>
+          </a:effectRef>
+          <a:fontRef idx="minor">
+            <a:schemeClr val="lt1"/>
+          </a:fontRef>
+        </p:style>
+        <p:txBody>
+          <a:bodyPr rtlCol="0" anchor="ctr"/>
+          <a:lstStyle/>
+          <a:p>
+            <a:pPr algn="ctr"/>
+            <a:endParaRPr lang="fr-FR"/>
+          </a:p>
+        </p:txBody>
+      </p:sp>
+      <p:sp>
+        <p:nvSpPr>
+          <p:cNvPr id="176" name="Rectangle 175"/>
+          <p:cNvSpPr>
+            <a:spLocks noChangeAspect="1"/>
+          </p:cNvSpPr>
+          <p:nvPr/>
+        </p:nvSpPr>
+        <p:spPr>
+          <a:xfrm>
+            <a:off x="6637039" y="3512154"/>
+            <a:ext cx="72000" cy="72000"/>
+          </a:xfrm>
+          <a:prstGeom prst="rect">
+            <a:avLst/>
+          </a:prstGeom>
+          <a:effectLst/>
+        </p:spPr>
+        <p:style>
+          <a:lnRef idx="1">
+            <a:schemeClr val="accent1"/>
+          </a:lnRef>
+          <a:fillRef idx="3">
+            <a:schemeClr val="accent1"/>
+          </a:fillRef>
+          <a:effectRef idx="2">
+            <a:schemeClr val="accent1"/>
+          </a:effectRef>
+          <a:fontRef idx="minor">
+            <a:schemeClr val="lt1"/>
+          </a:fontRef>
+        </p:style>
+        <p:txBody>
+          <a:bodyPr rtlCol="0" anchor="ctr"/>
+          <a:lstStyle/>
+          <a:p>
+            <a:pPr algn="ctr"/>
+            <a:endParaRPr lang="fr-FR"/>
+          </a:p>
+        </p:txBody>
+      </p:sp>
+      <p:sp>
+        <p:nvSpPr>
+          <p:cNvPr id="177" name="Rectangle 176"/>
+          <p:cNvSpPr>
+            <a:spLocks noChangeAspect="1"/>
+          </p:cNvSpPr>
+          <p:nvPr/>
+        </p:nvSpPr>
+        <p:spPr>
+          <a:xfrm>
+            <a:off x="6632158" y="3691405"/>
+            <a:ext cx="72000" cy="72000"/>
+          </a:xfrm>
+          <a:prstGeom prst="rect">
+            <a:avLst/>
+          </a:prstGeom>
+          <a:effectLst/>
+        </p:spPr>
+        <p:style>
+          <a:lnRef idx="1">
+            <a:schemeClr val="accent1"/>
+          </a:lnRef>
+          <a:fillRef idx="3">
+            <a:schemeClr val="accent1"/>
+          </a:fillRef>
+          <a:effectRef idx="2">
+            <a:schemeClr val="accent1"/>
+          </a:effectRef>
+          <a:fontRef idx="minor">
+            <a:schemeClr val="lt1"/>
+          </a:fontRef>
+        </p:style>
+        <p:txBody>
+          <a:bodyPr rtlCol="0" anchor="ctr"/>
+          <a:lstStyle/>
+          <a:p>
+            <a:pPr algn="ctr"/>
+            <a:endParaRPr lang="fr-FR"/>
+          </a:p>
+        </p:txBody>
+      </p:sp>
+      <p:sp>
+        <p:nvSpPr>
+          <p:cNvPr id="178" name="ZoneTexte 177"/>
+          <p:cNvSpPr txBox="1"/>
+          <p:nvPr/>
+        </p:nvSpPr>
+        <p:spPr>
+          <a:xfrm>
+            <a:off x="2382349" y="6286438"/>
+            <a:ext cx="525354" cy="215444"/>
+          </a:xfrm>
+          <a:prstGeom prst="rect">
+            <a:avLst/>
+          </a:prstGeom>
+          <a:noFill/>
+        </p:spPr>
+        <p:txBody>
+          <a:bodyPr wrap="square" rtlCol="0">
+            <a:spAutoFit/>
+          </a:bodyPr>
+          <a:lstStyle/>
+          <a:p>
+            <a:pPr algn="ctr"/>
+            <a:r>
+              <a:rPr lang="fr-FR" sz="800" dirty="0" smtClean="0"/>
+              <a:t>= </a:t>
+            </a:r>
+            <a:r>
+              <a:rPr lang="fr-FR" sz="800" dirty="0" err="1" smtClean="0"/>
+              <a:t>width</a:t>
+            </a:r>
+            <a:endParaRPr lang="fr-FR" sz="800" dirty="0"/>
+          </a:p>
+        </p:txBody>
+      </p:sp>
+      <p:sp>
+        <p:nvSpPr>
+          <p:cNvPr id="179" name="ZoneTexte 178"/>
+          <p:cNvSpPr txBox="1"/>
+          <p:nvPr/>
+        </p:nvSpPr>
+        <p:spPr>
+          <a:xfrm>
+            <a:off x="733174" y="5419656"/>
+            <a:ext cx="451027" cy="338554"/>
+          </a:xfrm>
+          <a:prstGeom prst="rect">
+            <a:avLst/>
+          </a:prstGeom>
+          <a:noFill/>
+        </p:spPr>
+        <p:txBody>
+          <a:bodyPr wrap="square" rtlCol="0">
+            <a:spAutoFit/>
+          </a:bodyPr>
+          <a:lstStyle/>
+          <a:p>
+            <a:pPr algn="ctr"/>
+            <a:r>
+              <a:rPr lang="fr-FR" sz="800" dirty="0" smtClean="0"/>
+              <a:t>=</a:t>
+            </a:r>
+            <a:br>
+              <a:rPr lang="fr-FR" sz="800" dirty="0" smtClean="0"/>
+            </a:br>
+            <a:r>
+              <a:rPr lang="fr-FR" sz="800" dirty="0" err="1" smtClean="0"/>
+              <a:t>height</a:t>
+            </a:r>
+            <a:endParaRPr lang="fr-FR" sz="800" dirty="0"/>
+          </a:p>
+        </p:txBody>
+      </p:sp>
+      <p:cxnSp>
+        <p:nvCxnSpPr>
+          <p:cNvPr id="180" name="Connecteur droit 179"/>
+          <p:cNvCxnSpPr/>
+          <p:nvPr/>
+        </p:nvCxnSpPr>
+        <p:spPr>
+          <a:xfrm>
+            <a:off x="1951703" y="4975401"/>
+            <a:ext cx="1436718" cy="0"/>
+          </a:xfrm>
+          <a:prstGeom prst="line">
+            <a:avLst/>
+          </a:prstGeom>
+          <a:ln w="9525">
+            <a:solidFill>
+              <a:schemeClr val="tx1"/>
+            </a:solidFill>
+          </a:ln>
+          <a:effectLst/>
+        </p:spPr>
+        <p:style>
+          <a:lnRef idx="2">
+            <a:schemeClr val="accent1"/>
+          </a:lnRef>
+          <a:fillRef idx="0">
+            <a:schemeClr val="accent1"/>
+          </a:fillRef>
+          <a:effectRef idx="1">
+            <a:schemeClr val="accent1"/>
+          </a:effectRef>
+          <a:fontRef idx="minor">
+            <a:schemeClr val="tx1"/>
+          </a:fontRef>
+        </p:style>
+      </p:cxnSp>
+      <p:cxnSp>
+        <p:nvCxnSpPr>
+          <p:cNvPr id="181" name="Connecteur droit 180"/>
+          <p:cNvCxnSpPr/>
+          <p:nvPr/>
+        </p:nvCxnSpPr>
+        <p:spPr>
+          <a:xfrm>
+            <a:off x="1953773" y="5142134"/>
+            <a:ext cx="1436718" cy="0"/>
+          </a:xfrm>
+          <a:prstGeom prst="line">
+            <a:avLst/>
+          </a:prstGeom>
+          <a:ln w="9525">
+            <a:solidFill>
+              <a:schemeClr val="tx1"/>
+            </a:solidFill>
+          </a:ln>
+          <a:effectLst/>
+        </p:spPr>
+        <p:style>
+          <a:lnRef idx="2">
+            <a:schemeClr val="accent1"/>
+          </a:lnRef>
+          <a:fillRef idx="0">
+            <a:schemeClr val="accent1"/>
+          </a:fillRef>
+          <a:effectRef idx="1">
+            <a:schemeClr val="accent1"/>
+          </a:effectRef>
+          <a:fontRef idx="minor">
+            <a:schemeClr val="tx1"/>
+          </a:fontRef>
+        </p:style>
+      </p:cxnSp>
+      <p:cxnSp>
+        <p:nvCxnSpPr>
+          <p:cNvPr id="182" name="Connecteur droit 181"/>
+          <p:cNvCxnSpPr/>
+          <p:nvPr/>
+        </p:nvCxnSpPr>
+        <p:spPr>
+          <a:xfrm>
+            <a:off x="1949048" y="5305782"/>
+            <a:ext cx="1436718" cy="0"/>
+          </a:xfrm>
+          <a:prstGeom prst="line">
+            <a:avLst/>
+          </a:prstGeom>
+          <a:ln w="9525">
+            <a:solidFill>
+              <a:schemeClr val="tx1"/>
+            </a:solidFill>
+          </a:ln>
+          <a:effectLst/>
+        </p:spPr>
+        <p:style>
+          <a:lnRef idx="2">
+            <a:schemeClr val="accent1"/>
+          </a:lnRef>
+          <a:fillRef idx="0">
+            <a:schemeClr val="accent1"/>
+          </a:fillRef>
+          <a:effectRef idx="1">
+            <a:schemeClr val="accent1"/>
+          </a:effectRef>
+          <a:fontRef idx="minor">
+            <a:schemeClr val="tx1"/>
+          </a:fontRef>
+        </p:style>
+      </p:cxnSp>
+      <p:cxnSp>
+        <p:nvCxnSpPr>
+          <p:cNvPr id="183" name="Connecteur droit 182"/>
+          <p:cNvCxnSpPr/>
+          <p:nvPr/>
+        </p:nvCxnSpPr>
+        <p:spPr>
+          <a:xfrm>
+            <a:off x="1949549" y="5469114"/>
+            <a:ext cx="1436718" cy="0"/>
+          </a:xfrm>
+          <a:prstGeom prst="line">
+            <a:avLst/>
+          </a:prstGeom>
+          <a:ln w="9525">
+            <a:solidFill>
+              <a:schemeClr val="tx1"/>
+            </a:solidFill>
+          </a:ln>
+          <a:effectLst/>
+        </p:spPr>
+        <p:style>
+          <a:lnRef idx="2">
+            <a:schemeClr val="accent1"/>
+          </a:lnRef>
+          <a:fillRef idx="0">
+            <a:schemeClr val="accent1"/>
+          </a:fillRef>
+          <a:effectRef idx="1">
+            <a:schemeClr val="accent1"/>
+          </a:effectRef>
+          <a:fontRef idx="minor">
+            <a:schemeClr val="tx1"/>
+          </a:fontRef>
+        </p:style>
+      </p:cxnSp>
+      <p:cxnSp>
+        <p:nvCxnSpPr>
+          <p:cNvPr id="184" name="Connecteur droit 183"/>
+          <p:cNvCxnSpPr/>
+          <p:nvPr/>
+        </p:nvCxnSpPr>
+        <p:spPr>
+          <a:xfrm>
+            <a:off x="1951703" y="5634213"/>
+            <a:ext cx="1436718" cy="0"/>
+          </a:xfrm>
+          <a:prstGeom prst="line">
+            <a:avLst/>
+          </a:prstGeom>
+          <a:ln w="9525">
+            <a:solidFill>
+              <a:schemeClr val="tx1"/>
+            </a:solidFill>
+          </a:ln>
+          <a:effectLst/>
+        </p:spPr>
+        <p:style>
+          <a:lnRef idx="2">
+            <a:schemeClr val="accent1"/>
+          </a:lnRef>
+          <a:fillRef idx="0">
+            <a:schemeClr val="accent1"/>
+          </a:fillRef>
+          <a:effectRef idx="1">
+            <a:schemeClr val="accent1"/>
+          </a:effectRef>
+          <a:fontRef idx="minor">
+            <a:schemeClr val="tx1"/>
+          </a:fontRef>
+        </p:style>
+      </p:cxnSp>
+      <p:cxnSp>
+        <p:nvCxnSpPr>
+          <p:cNvPr id="185" name="Connecteur droit 184"/>
+          <p:cNvCxnSpPr/>
+          <p:nvPr/>
+        </p:nvCxnSpPr>
+        <p:spPr>
+          <a:xfrm>
+            <a:off x="1946571" y="5781851"/>
+            <a:ext cx="1436718" cy="0"/>
+          </a:xfrm>
+          <a:prstGeom prst="line">
+            <a:avLst/>
+          </a:prstGeom>
+          <a:ln w="9525">
+            <a:solidFill>
+              <a:schemeClr val="tx1"/>
+            </a:solidFill>
+          </a:ln>
+          <a:effectLst/>
+        </p:spPr>
+        <p:style>
+          <a:lnRef idx="2">
+            <a:schemeClr val="accent1"/>
+          </a:lnRef>
+          <a:fillRef idx="0">
+            <a:schemeClr val="accent1"/>
+          </a:fillRef>
+          <a:effectRef idx="1">
+            <a:schemeClr val="accent1"/>
+          </a:effectRef>
+          <a:fontRef idx="minor">
+            <a:schemeClr val="tx1"/>
+          </a:fontRef>
+        </p:style>
+      </p:cxnSp>
+      <p:cxnSp>
+        <p:nvCxnSpPr>
+          <p:cNvPr id="186" name="Connecteur droit 185"/>
+          <p:cNvCxnSpPr/>
+          <p:nvPr/>
+        </p:nvCxnSpPr>
+        <p:spPr>
+          <a:xfrm flipH="1">
+            <a:off x="2127407" y="4823001"/>
+            <a:ext cx="2" cy="1110294"/>
+          </a:xfrm>
+          <a:prstGeom prst="line">
+            <a:avLst/>
+          </a:prstGeom>
+          <a:ln w="9525">
+            <a:solidFill>
+              <a:schemeClr val="tx1"/>
+            </a:solidFill>
+          </a:ln>
+          <a:effectLst/>
+        </p:spPr>
+        <p:style>
+          <a:lnRef idx="2">
+            <a:schemeClr val="accent1"/>
+          </a:lnRef>
+          <a:fillRef idx="0">
+            <a:schemeClr val="accent1"/>
+          </a:fillRef>
+          <a:effectRef idx="1">
+            <a:schemeClr val="accent1"/>
+          </a:effectRef>
+          <a:fontRef idx="minor">
+            <a:schemeClr val="tx1"/>
+          </a:fontRef>
+        </p:style>
+      </p:cxnSp>
+      <p:cxnSp>
+        <p:nvCxnSpPr>
+          <p:cNvPr id="187" name="Connecteur droit 186"/>
+          <p:cNvCxnSpPr/>
+          <p:nvPr/>
+        </p:nvCxnSpPr>
+        <p:spPr>
+          <a:xfrm flipH="1">
+            <a:off x="1953773" y="4822890"/>
+            <a:ext cx="2" cy="1110294"/>
+          </a:xfrm>
+          <a:prstGeom prst="line">
+            <a:avLst/>
+          </a:prstGeom>
+          <a:ln w="9525">
+            <a:solidFill>
+              <a:schemeClr val="tx1"/>
+            </a:solidFill>
+          </a:ln>
+          <a:effectLst/>
+        </p:spPr>
+        <p:style>
+          <a:lnRef idx="2">
+            <a:schemeClr val="accent1"/>
+          </a:lnRef>
+          <a:fillRef idx="0">
+            <a:schemeClr val="accent1"/>
+          </a:fillRef>
+          <a:effectRef idx="1">
+            <a:schemeClr val="accent1"/>
+          </a:effectRef>
+          <a:fontRef idx="minor">
+            <a:schemeClr val="tx1"/>
+          </a:fontRef>
+        </p:style>
+      </p:cxnSp>
+      <p:cxnSp>
+        <p:nvCxnSpPr>
+          <p:cNvPr id="188" name="Connecteur droit 187"/>
+          <p:cNvCxnSpPr/>
+          <p:nvPr/>
+        </p:nvCxnSpPr>
+        <p:spPr>
+          <a:xfrm flipH="1">
+            <a:off x="2307407" y="4823001"/>
+            <a:ext cx="2" cy="1110294"/>
+          </a:xfrm>
+          <a:prstGeom prst="line">
+            <a:avLst/>
+          </a:prstGeom>
+          <a:ln w="9525">
+            <a:solidFill>
+              <a:schemeClr val="tx1"/>
+            </a:solidFill>
+          </a:ln>
+          <a:effectLst/>
+        </p:spPr>
+        <p:style>
+          <a:lnRef idx="2">
+            <a:schemeClr val="accent1"/>
+          </a:lnRef>
+          <a:fillRef idx="0">
+            <a:schemeClr val="accent1"/>
+          </a:fillRef>
+          <a:effectRef idx="1">
+            <a:schemeClr val="accent1"/>
+          </a:effectRef>
+          <a:fontRef idx="minor">
+            <a:schemeClr val="tx1"/>
+          </a:fontRef>
+        </p:style>
+      </p:cxnSp>
+      <p:cxnSp>
+        <p:nvCxnSpPr>
+          <p:cNvPr id="189" name="Connecteur droit 188"/>
+          <p:cNvCxnSpPr/>
+          <p:nvPr/>
+        </p:nvCxnSpPr>
+        <p:spPr>
+          <a:xfrm flipH="1">
+            <a:off x="2487411" y="4823001"/>
+            <a:ext cx="2" cy="1110294"/>
+          </a:xfrm>
+          <a:prstGeom prst="line">
+            <a:avLst/>
+          </a:prstGeom>
+          <a:ln w="9525">
+            <a:solidFill>
+              <a:schemeClr val="tx1"/>
+            </a:solidFill>
+          </a:ln>
+          <a:effectLst/>
+        </p:spPr>
+        <p:style>
+          <a:lnRef idx="2">
+            <a:schemeClr val="accent1"/>
+          </a:lnRef>
+          <a:fillRef idx="0">
+            <a:schemeClr val="accent1"/>
+          </a:fillRef>
+          <a:effectRef idx="1">
+            <a:schemeClr val="accent1"/>
+          </a:effectRef>
+          <a:fontRef idx="minor">
+            <a:schemeClr val="tx1"/>
+          </a:fontRef>
+        </p:style>
+      </p:cxnSp>
+      <p:cxnSp>
+        <p:nvCxnSpPr>
+          <p:cNvPr id="190" name="Connecteur droit 189"/>
+          <p:cNvCxnSpPr/>
+          <p:nvPr/>
+        </p:nvCxnSpPr>
+        <p:spPr>
+          <a:xfrm flipH="1">
+            <a:off x="2667405" y="4817295"/>
+            <a:ext cx="2" cy="1110294"/>
+          </a:xfrm>
+          <a:prstGeom prst="line">
+            <a:avLst/>
+          </a:prstGeom>
+          <a:ln w="9525">
+            <a:solidFill>
+              <a:schemeClr val="tx1"/>
+            </a:solidFill>
+          </a:ln>
+          <a:effectLst/>
+        </p:spPr>
+        <p:style>
+          <a:lnRef idx="2">
+            <a:schemeClr val="accent1"/>
+          </a:lnRef>
+          <a:fillRef idx="0">
+            <a:schemeClr val="accent1"/>
+          </a:fillRef>
+          <a:effectRef idx="1">
+            <a:schemeClr val="accent1"/>
+          </a:effectRef>
+          <a:fontRef idx="minor">
+            <a:schemeClr val="tx1"/>
+          </a:fontRef>
+        </p:style>
+      </p:cxnSp>
+      <p:cxnSp>
+        <p:nvCxnSpPr>
+          <p:cNvPr id="191" name="Connecteur droit 190"/>
+          <p:cNvCxnSpPr/>
+          <p:nvPr/>
+        </p:nvCxnSpPr>
+        <p:spPr>
+          <a:xfrm flipH="1">
+            <a:off x="2845096" y="4820451"/>
+            <a:ext cx="2" cy="1110294"/>
+          </a:xfrm>
+          <a:prstGeom prst="line">
+            <a:avLst/>
+          </a:prstGeom>
+          <a:ln w="9525">
+            <a:solidFill>
+              <a:schemeClr val="tx1"/>
+            </a:solidFill>
+          </a:ln>
+          <a:effectLst/>
+        </p:spPr>
+        <p:style>
+          <a:lnRef idx="2">
+            <a:schemeClr val="accent1"/>
+          </a:lnRef>
+          <a:fillRef idx="0">
+            <a:schemeClr val="accent1"/>
+          </a:fillRef>
+          <a:effectRef idx="1">
+            <a:schemeClr val="accent1"/>
+          </a:effectRef>
+          <a:fontRef idx="minor">
+            <a:schemeClr val="tx1"/>
+          </a:fontRef>
+        </p:style>
+      </p:cxnSp>
+      <p:cxnSp>
+        <p:nvCxnSpPr>
+          <p:cNvPr id="192" name="Connecteur droit 191"/>
+          <p:cNvCxnSpPr/>
+          <p:nvPr/>
+        </p:nvCxnSpPr>
+        <p:spPr>
+          <a:xfrm flipH="1">
+            <a:off x="3025860" y="4825208"/>
+            <a:ext cx="2" cy="1110294"/>
+          </a:xfrm>
+          <a:prstGeom prst="line">
+            <a:avLst/>
+          </a:prstGeom>
+          <a:ln w="9525">
+            <a:solidFill>
+              <a:schemeClr val="tx1"/>
+            </a:solidFill>
+          </a:ln>
+          <a:effectLst/>
+        </p:spPr>
+        <p:style>
+          <a:lnRef idx="2">
+            <a:schemeClr val="accent1"/>
+          </a:lnRef>
+          <a:fillRef idx="0">
+            <a:schemeClr val="accent1"/>
+          </a:fillRef>
+          <a:effectRef idx="1">
+            <a:schemeClr val="accent1"/>
+          </a:effectRef>
+          <a:fontRef idx="minor">
+            <a:schemeClr val="tx1"/>
+          </a:fontRef>
+        </p:style>
+      </p:cxnSp>
+      <p:cxnSp>
+        <p:nvCxnSpPr>
+          <p:cNvPr id="193" name="Connecteur droit 192"/>
+          <p:cNvCxnSpPr/>
+          <p:nvPr/>
+        </p:nvCxnSpPr>
+        <p:spPr>
+          <a:xfrm flipH="1">
+            <a:off x="3207405" y="4820303"/>
+            <a:ext cx="2" cy="1110294"/>
+          </a:xfrm>
+          <a:prstGeom prst="line">
+            <a:avLst/>
+          </a:prstGeom>
+          <a:ln w="9525">
+            <a:solidFill>
+              <a:schemeClr val="tx1"/>
+            </a:solidFill>
+          </a:ln>
+          <a:effectLst/>
+        </p:spPr>
+        <p:style>
+          <a:lnRef idx="2">
+            <a:schemeClr val="accent1"/>
+          </a:lnRef>
+          <a:fillRef idx="0">
+            <a:schemeClr val="accent1"/>
+          </a:fillRef>
+          <a:effectRef idx="1">
+            <a:schemeClr val="accent1"/>
+          </a:effectRef>
+          <a:fontRef idx="minor">
+            <a:schemeClr val="tx1"/>
+          </a:fontRef>
+        </p:style>
+      </p:cxnSp>
+      <p:cxnSp>
+        <p:nvCxnSpPr>
+          <p:cNvPr id="194" name="Connecteur droit 193"/>
+          <p:cNvCxnSpPr/>
+          <p:nvPr/>
+        </p:nvCxnSpPr>
+        <p:spPr>
+          <a:xfrm flipH="1">
+            <a:off x="3383285" y="4822035"/>
+            <a:ext cx="2" cy="1110294"/>
+          </a:xfrm>
+          <a:prstGeom prst="line">
+            <a:avLst/>
+          </a:prstGeom>
+          <a:ln w="9525">
+            <a:solidFill>
+              <a:schemeClr val="tx1"/>
+            </a:solidFill>
+          </a:ln>
+          <a:effectLst/>
+        </p:spPr>
+        <p:style>
+          <a:lnRef idx="2">
+            <a:schemeClr val="accent1"/>
+          </a:lnRef>
+          <a:fillRef idx="0">
+            <a:schemeClr val="accent1"/>
+          </a:fillRef>
+          <a:effectRef idx="1">
+            <a:schemeClr val="accent1"/>
+          </a:effectRef>
+          <a:fontRef idx="minor">
+            <a:schemeClr val="tx1"/>
+          </a:fontRef>
+        </p:style>
+      </p:cxnSp>
+      <p:cxnSp>
+        <p:nvCxnSpPr>
+          <p:cNvPr id="195" name="Connecteur droit 194"/>
+          <p:cNvCxnSpPr/>
+          <p:nvPr/>
+        </p:nvCxnSpPr>
+        <p:spPr>
+          <a:xfrm>
+            <a:off x="2046692" y="4816943"/>
+            <a:ext cx="1623" cy="1115386"/>
+          </a:xfrm>
+          <a:prstGeom prst="line">
+            <a:avLst/>
+          </a:prstGeom>
+          <a:effectLst/>
+        </p:spPr>
+        <p:style>
+          <a:lnRef idx="2">
+            <a:schemeClr val="accent1"/>
+          </a:lnRef>
+          <a:fillRef idx="0">
+            <a:schemeClr val="accent1"/>
+          </a:fillRef>
+          <a:effectRef idx="1">
+            <a:schemeClr val="accent1"/>
+          </a:effectRef>
+          <a:fontRef idx="minor">
+            <a:schemeClr val="tx1"/>
+          </a:fontRef>
+        </p:style>
+      </p:cxnSp>
+      <p:cxnSp>
+        <p:nvCxnSpPr>
+          <p:cNvPr id="196" name="Connecteur droit avec flèche 195"/>
+          <p:cNvCxnSpPr/>
+          <p:nvPr/>
+        </p:nvCxnSpPr>
+        <p:spPr>
+          <a:xfrm>
+            <a:off x="1960919" y="4772055"/>
+            <a:ext cx="118585" cy="0"/>
+          </a:xfrm>
+          <a:prstGeom prst="straightConnector1">
+            <a:avLst/>
+          </a:prstGeom>
+          <a:ln w="22225">
+            <a:solidFill>
+              <a:schemeClr val="tx1"/>
+            </a:solidFill>
+            <a:tailEnd type="triangle"/>
+          </a:ln>
+          <a:effectLst/>
+        </p:spPr>
+        <p:style>
+          <a:lnRef idx="2">
+            <a:schemeClr val="accent1"/>
+          </a:lnRef>
+          <a:fillRef idx="0">
+            <a:schemeClr val="accent1"/>
+          </a:fillRef>
+          <a:effectRef idx="1">
+            <a:schemeClr val="accent1"/>
+          </a:effectRef>
+          <a:fontRef idx="minor">
+            <a:schemeClr val="tx1"/>
+          </a:fontRef>
+        </p:style>
+      </p:cxnSp>
+      <p:cxnSp>
+        <p:nvCxnSpPr>
+          <p:cNvPr id="197" name="Connecteur droit avec flèche 196"/>
+          <p:cNvCxnSpPr/>
+          <p:nvPr/>
+        </p:nvCxnSpPr>
+        <p:spPr>
+          <a:xfrm>
+            <a:off x="1871265" y="4836923"/>
+            <a:ext cx="0" cy="117924"/>
+          </a:xfrm>
+          <a:prstGeom prst="straightConnector1">
+            <a:avLst/>
+          </a:prstGeom>
+          <a:ln w="22225">
+            <a:solidFill>
+              <a:schemeClr val="tx1"/>
+            </a:solidFill>
+            <a:tailEnd type="triangle"/>
+          </a:ln>
+          <a:effectLst/>
+        </p:spPr>
+        <p:style>
+          <a:lnRef idx="2">
+            <a:schemeClr val="accent1"/>
+          </a:lnRef>
+          <a:fillRef idx="0">
+            <a:schemeClr val="accent1"/>
+          </a:fillRef>
+          <a:effectRef idx="1">
+            <a:schemeClr val="accent1"/>
+          </a:effectRef>
+          <a:fontRef idx="minor">
+            <a:schemeClr val="tx1"/>
+          </a:fontRef>
+        </p:style>
+      </p:cxnSp>
+      <p:sp>
+        <p:nvSpPr>
+          <p:cNvPr id="198" name="ZoneTexte 197"/>
+          <p:cNvSpPr txBox="1"/>
+          <p:nvPr/>
+        </p:nvSpPr>
+        <p:spPr>
+          <a:xfrm>
+            <a:off x="1969537" y="4556611"/>
+            <a:ext cx="121688" cy="215444"/>
+          </a:xfrm>
+          <a:prstGeom prst="rect">
+            <a:avLst/>
+          </a:prstGeom>
+          <a:noFill/>
+        </p:spPr>
+        <p:txBody>
+          <a:bodyPr wrap="square" rtlCol="0">
+            <a:spAutoFit/>
+          </a:bodyPr>
+          <a:lstStyle/>
+          <a:p>
+            <a:pPr algn="ctr"/>
+            <a:r>
+              <a:rPr lang="fr-FR" sz="800" dirty="0" smtClean="0"/>
+              <a:t>j</a:t>
+            </a:r>
+            <a:endParaRPr lang="fr-FR" sz="800" dirty="0"/>
+          </a:p>
+        </p:txBody>
+      </p:sp>
+      <p:sp>
+        <p:nvSpPr>
+          <p:cNvPr id="199" name="ZoneTexte 198"/>
+          <p:cNvSpPr txBox="1"/>
+          <p:nvPr/>
+        </p:nvSpPr>
+        <p:spPr>
+          <a:xfrm>
+            <a:off x="1759838" y="4895471"/>
+            <a:ext cx="121688" cy="215444"/>
+          </a:xfrm>
+          <a:prstGeom prst="rect">
+            <a:avLst/>
+          </a:prstGeom>
+          <a:noFill/>
+        </p:spPr>
+        <p:txBody>
+          <a:bodyPr wrap="square" rtlCol="0">
+            <a:spAutoFit/>
+          </a:bodyPr>
+          <a:lstStyle/>
+          <a:p>
+            <a:pPr algn="ctr"/>
+            <a:r>
+              <a:rPr lang="fr-FR" sz="800" dirty="0" smtClean="0"/>
+              <a:t>i</a:t>
+            </a:r>
+            <a:endParaRPr lang="fr-FR" sz="800" dirty="0"/>
+          </a:p>
+        </p:txBody>
+      </p:sp>
     </p:spTree>
     <p:extLst>
       <p:ext uri="{BB962C8B-B14F-4D97-AF65-F5344CB8AC3E}">
@@ -14586,7 +15643,7 @@
   <p:timing>
     <p:tnLst>
       <p:par>
-        <p:cTn xmlns:p14="http://schemas.microsoft.com/office/powerpoint/2010/main" id="1" dur="indefinite" restart="never" nodeType="tmRoot"/>
+        <p:cTn id="1" dur="indefinite" restart="never" nodeType="tmRoot"/>
       </p:par>
     </p:tnLst>
   </p:timing>
@@ -17235,7 +18292,7 @@
   <p:timing>
     <p:tnLst>
       <p:par>
-        <p:cTn xmlns:p14="http://schemas.microsoft.com/office/powerpoint/2010/main" id="1" dur="indefinite" restart="never" nodeType="tmRoot"/>
+        <p:cTn id="1" dur="indefinite" restart="never" nodeType="tmRoot"/>
       </p:par>
     </p:tnLst>
   </p:timing>
@@ -20394,7 +21451,7 @@
   <p:timing>
     <p:tnLst>
       <p:par>
-        <p:cTn xmlns:p14="http://schemas.microsoft.com/office/powerpoint/2010/main" id="1" dur="indefinite" restart="never" nodeType="tmRoot"/>
+        <p:cTn id="1" dur="indefinite" restart="never" nodeType="tmRoot"/>
       </p:par>
     </p:tnLst>
   </p:timing>
@@ -20426,10 +21483,10 @@
         </p:nvGrpSpPr>
         <p:grpSpPr>
           <a:xfrm>
-            <a:off x="2065692" y="2100470"/>
-            <a:ext cx="4433602" cy="3972212"/>
-            <a:chOff x="2065692" y="2100470"/>
-            <a:chExt cx="4433602" cy="3972212"/>
+            <a:off x="2071527" y="2098882"/>
+            <a:ext cx="4427767" cy="3972212"/>
+            <a:chOff x="2071527" y="2100470"/>
+            <a:chExt cx="4427767" cy="3972212"/>
           </a:xfrm>
         </p:grpSpPr>
         <p:grpSp>
@@ -20440,10 +21497,10 @@
           </p:nvGrpSpPr>
           <p:grpSpPr>
             <a:xfrm>
-              <a:off x="2065692" y="2100470"/>
-              <a:ext cx="4433602" cy="2848441"/>
-              <a:chOff x="4298330" y="3049229"/>
-              <a:chExt cx="4433602" cy="2848441"/>
+              <a:off x="2071527" y="2100470"/>
+              <a:ext cx="4427767" cy="2848441"/>
+              <a:chOff x="4304165" y="3049229"/>
+              <a:chExt cx="4427767" cy="2848441"/>
             </a:xfrm>
           </p:grpSpPr>
           <p:grpSp>
@@ -21056,8 +22113,8 @@
             </p:nvSpPr>
             <p:spPr>
               <a:xfrm>
-                <a:off x="4298330" y="3601670"/>
-                <a:ext cx="1274708" cy="523220"/>
+                <a:off x="4304165" y="3601670"/>
+                <a:ext cx="1263038" cy="307777"/>
               </a:xfrm>
               <a:prstGeom prst="rect">
                 <a:avLst/>
@@ -21073,20 +22130,13 @@
                 <a:pPr algn="ctr"/>
                 <a:r>
                   <a:rPr lang="en-GB" sz="1400" dirty="0" smtClean="0"/>
-                  <a:t>Frame number</a:t>
-                </a:r>
-              </a:p>
-              <a:p>
-                <a:pPr algn="ctr"/>
-                <a:r>
-                  <a:rPr lang="en-GB" sz="1400" dirty="0"/>
-                  <a:t>d</a:t>
+                  <a:t>Frame </a:t>
                 </a:r>
                 <a:r>
                   <a:rPr lang="en-GB" sz="1400" dirty="0" smtClean="0"/>
-                  <a:t>im Z</a:t>
+                  <a:t>number</a:t>
                 </a:r>
-                <a:endParaRPr lang="en-GB" sz="1400" dirty="0"/>
+                <a:endParaRPr lang="en-GB" sz="1400" dirty="0" smtClean="0"/>
               </a:p>
             </p:txBody>
           </p:sp>
@@ -21159,564 +22209,6 @@
             </a:p>
           </p:txBody>
         </p:sp>
-        <p:cxnSp>
-          <p:nvCxnSpPr>
-            <p:cNvPr id="100" name="Connecteur droit 99"/>
-            <p:cNvCxnSpPr/>
-            <p:nvPr/>
-          </p:nvCxnSpPr>
-          <p:spPr>
-            <a:xfrm>
-              <a:off x="3104327" y="3274748"/>
-              <a:ext cx="351" cy="1305495"/>
-            </a:xfrm>
-            <a:prstGeom prst="line">
-              <a:avLst/>
-            </a:prstGeom>
-            <a:effectLst/>
-          </p:spPr>
-          <p:style>
-            <a:lnRef idx="2">
-              <a:schemeClr val="accent1"/>
-            </a:lnRef>
-            <a:fillRef idx="0">
-              <a:schemeClr val="accent1"/>
-            </a:fillRef>
-            <a:effectRef idx="1">
-              <a:schemeClr val="accent1"/>
-            </a:effectRef>
-            <a:fontRef idx="minor">
-              <a:schemeClr val="tx1"/>
-            </a:fontRef>
-          </p:style>
-        </p:cxnSp>
-        <p:cxnSp>
-          <p:nvCxnSpPr>
-            <p:cNvPr id="118" name="Connecteur droit 117"/>
-            <p:cNvCxnSpPr/>
-            <p:nvPr/>
-          </p:nvCxnSpPr>
-          <p:spPr>
-            <a:xfrm>
-              <a:off x="3256727" y="3281618"/>
-              <a:ext cx="351" cy="1305495"/>
-            </a:xfrm>
-            <a:prstGeom prst="line">
-              <a:avLst/>
-            </a:prstGeom>
-            <a:effectLst/>
-          </p:spPr>
-          <p:style>
-            <a:lnRef idx="2">
-              <a:schemeClr val="accent1"/>
-            </a:lnRef>
-            <a:fillRef idx="0">
-              <a:schemeClr val="accent1"/>
-            </a:fillRef>
-            <a:effectRef idx="1">
-              <a:schemeClr val="accent1"/>
-            </a:effectRef>
-            <a:fontRef idx="minor">
-              <a:schemeClr val="tx1"/>
-            </a:fontRef>
-          </p:style>
-        </p:cxnSp>
-        <p:cxnSp>
-          <p:nvCxnSpPr>
-            <p:cNvPr id="119" name="Connecteur droit 118"/>
-            <p:cNvCxnSpPr/>
-            <p:nvPr/>
-          </p:nvCxnSpPr>
-          <p:spPr>
-            <a:xfrm>
-              <a:off x="3409127" y="3281873"/>
-              <a:ext cx="351" cy="1305495"/>
-            </a:xfrm>
-            <a:prstGeom prst="line">
-              <a:avLst/>
-            </a:prstGeom>
-            <a:effectLst/>
-          </p:spPr>
-          <p:style>
-            <a:lnRef idx="2">
-              <a:schemeClr val="accent1"/>
-            </a:lnRef>
-            <a:fillRef idx="0">
-              <a:schemeClr val="accent1"/>
-            </a:fillRef>
-            <a:effectRef idx="1">
-              <a:schemeClr val="accent1"/>
-            </a:effectRef>
-            <a:fontRef idx="minor">
-              <a:schemeClr val="tx1"/>
-            </a:fontRef>
-          </p:style>
-        </p:cxnSp>
-        <p:cxnSp>
-          <p:nvCxnSpPr>
-            <p:cNvPr id="120" name="Connecteur droit 119"/>
-            <p:cNvCxnSpPr/>
-            <p:nvPr/>
-          </p:nvCxnSpPr>
-          <p:spPr>
-            <a:xfrm>
-              <a:off x="3561176" y="3281873"/>
-              <a:ext cx="351" cy="1305495"/>
-            </a:xfrm>
-            <a:prstGeom prst="line">
-              <a:avLst/>
-            </a:prstGeom>
-            <a:effectLst/>
-          </p:spPr>
-          <p:style>
-            <a:lnRef idx="2">
-              <a:schemeClr val="accent1"/>
-            </a:lnRef>
-            <a:fillRef idx="0">
-              <a:schemeClr val="accent1"/>
-            </a:fillRef>
-            <a:effectRef idx="1">
-              <a:schemeClr val="accent1"/>
-            </a:effectRef>
-            <a:fontRef idx="minor">
-              <a:schemeClr val="tx1"/>
-            </a:fontRef>
-          </p:style>
-        </p:cxnSp>
-        <p:cxnSp>
-          <p:nvCxnSpPr>
-            <p:cNvPr id="121" name="Connecteur droit 120"/>
-            <p:cNvCxnSpPr/>
-            <p:nvPr/>
-          </p:nvCxnSpPr>
-          <p:spPr>
-            <a:xfrm>
-              <a:off x="3713576" y="3281873"/>
-              <a:ext cx="351" cy="1305495"/>
-            </a:xfrm>
-            <a:prstGeom prst="line">
-              <a:avLst/>
-            </a:prstGeom>
-            <a:effectLst/>
-          </p:spPr>
-          <p:style>
-            <a:lnRef idx="2">
-              <a:schemeClr val="accent1"/>
-            </a:lnRef>
-            <a:fillRef idx="0">
-              <a:schemeClr val="accent1"/>
-            </a:fillRef>
-            <a:effectRef idx="1">
-              <a:schemeClr val="accent1"/>
-            </a:effectRef>
-            <a:fontRef idx="minor">
-              <a:schemeClr val="tx1"/>
-            </a:fontRef>
-          </p:style>
-        </p:cxnSp>
-        <p:cxnSp>
-          <p:nvCxnSpPr>
-            <p:cNvPr id="123" name="Connecteur droit 122"/>
-            <p:cNvCxnSpPr/>
-            <p:nvPr/>
-          </p:nvCxnSpPr>
-          <p:spPr>
-            <a:xfrm>
-              <a:off x="3865625" y="3274748"/>
-              <a:ext cx="351" cy="1305495"/>
-            </a:xfrm>
-            <a:prstGeom prst="line">
-              <a:avLst/>
-            </a:prstGeom>
-            <a:effectLst/>
-          </p:spPr>
-          <p:style>
-            <a:lnRef idx="2">
-              <a:schemeClr val="accent1"/>
-            </a:lnRef>
-            <a:fillRef idx="0">
-              <a:schemeClr val="accent1"/>
-            </a:fillRef>
-            <a:effectRef idx="1">
-              <a:schemeClr val="accent1"/>
-            </a:effectRef>
-            <a:fontRef idx="minor">
-              <a:schemeClr val="tx1"/>
-            </a:fontRef>
-          </p:style>
-        </p:cxnSp>
-        <p:cxnSp>
-          <p:nvCxnSpPr>
-            <p:cNvPr id="124" name="Connecteur droit 123"/>
-            <p:cNvCxnSpPr/>
-            <p:nvPr/>
-          </p:nvCxnSpPr>
-          <p:spPr>
-            <a:xfrm>
-              <a:off x="4027840" y="3273325"/>
-              <a:ext cx="351" cy="1305495"/>
-            </a:xfrm>
-            <a:prstGeom prst="line">
-              <a:avLst/>
-            </a:prstGeom>
-            <a:effectLst/>
-          </p:spPr>
-          <p:style>
-            <a:lnRef idx="2">
-              <a:schemeClr val="accent1"/>
-            </a:lnRef>
-            <a:fillRef idx="0">
-              <a:schemeClr val="accent1"/>
-            </a:fillRef>
-            <a:effectRef idx="1">
-              <a:schemeClr val="accent1"/>
-            </a:effectRef>
-            <a:fontRef idx="minor">
-              <a:schemeClr val="tx1"/>
-            </a:fontRef>
-          </p:style>
-        </p:cxnSp>
-        <p:cxnSp>
-          <p:nvCxnSpPr>
-            <p:cNvPr id="125" name="Connecteur droit 124"/>
-            <p:cNvCxnSpPr/>
-            <p:nvPr/>
-          </p:nvCxnSpPr>
-          <p:spPr>
-            <a:xfrm>
-              <a:off x="4179889" y="3273325"/>
-              <a:ext cx="351" cy="1305495"/>
-            </a:xfrm>
-            <a:prstGeom prst="line">
-              <a:avLst/>
-            </a:prstGeom>
-            <a:effectLst/>
-          </p:spPr>
-          <p:style>
-            <a:lnRef idx="2">
-              <a:schemeClr val="accent1"/>
-            </a:lnRef>
-            <a:fillRef idx="0">
-              <a:schemeClr val="accent1"/>
-            </a:fillRef>
-            <a:effectRef idx="1">
-              <a:schemeClr val="accent1"/>
-            </a:effectRef>
-            <a:fontRef idx="minor">
-              <a:schemeClr val="tx1"/>
-            </a:fontRef>
-          </p:style>
-        </p:cxnSp>
-        <p:cxnSp>
-          <p:nvCxnSpPr>
-            <p:cNvPr id="126" name="Connecteur droit 125"/>
-            <p:cNvCxnSpPr/>
-            <p:nvPr/>
-          </p:nvCxnSpPr>
-          <p:spPr>
-            <a:xfrm>
-              <a:off x="4331938" y="3273325"/>
-              <a:ext cx="351" cy="1305495"/>
-            </a:xfrm>
-            <a:prstGeom prst="line">
-              <a:avLst/>
-            </a:prstGeom>
-            <a:effectLst/>
-          </p:spPr>
-          <p:style>
-            <a:lnRef idx="2">
-              <a:schemeClr val="accent1"/>
-            </a:lnRef>
-            <a:fillRef idx="0">
-              <a:schemeClr val="accent1"/>
-            </a:fillRef>
-            <a:effectRef idx="1">
-              <a:schemeClr val="accent1"/>
-            </a:effectRef>
-            <a:fontRef idx="minor">
-              <a:schemeClr val="tx1"/>
-            </a:fontRef>
-          </p:style>
-        </p:cxnSp>
-        <p:cxnSp>
-          <p:nvCxnSpPr>
-            <p:cNvPr id="127" name="Connecteur droit 126"/>
-            <p:cNvCxnSpPr/>
-            <p:nvPr/>
-          </p:nvCxnSpPr>
-          <p:spPr>
-            <a:xfrm>
-              <a:off x="4484338" y="3278866"/>
-              <a:ext cx="351" cy="1305495"/>
-            </a:xfrm>
-            <a:prstGeom prst="line">
-              <a:avLst/>
-            </a:prstGeom>
-            <a:effectLst/>
-          </p:spPr>
-          <p:style>
-            <a:lnRef idx="2">
-              <a:schemeClr val="accent1"/>
-            </a:lnRef>
-            <a:fillRef idx="0">
-              <a:schemeClr val="accent1"/>
-            </a:fillRef>
-            <a:effectRef idx="1">
-              <a:schemeClr val="accent1"/>
-            </a:effectRef>
-            <a:fontRef idx="minor">
-              <a:schemeClr val="tx1"/>
-            </a:fontRef>
-          </p:style>
-        </p:cxnSp>
-        <p:cxnSp>
-          <p:nvCxnSpPr>
-            <p:cNvPr id="128" name="Connecteur droit 127"/>
-            <p:cNvCxnSpPr/>
-            <p:nvPr/>
-          </p:nvCxnSpPr>
-          <p:spPr>
-            <a:xfrm>
-              <a:off x="4637089" y="3278866"/>
-              <a:ext cx="351" cy="1305495"/>
-            </a:xfrm>
-            <a:prstGeom prst="line">
-              <a:avLst/>
-            </a:prstGeom>
-            <a:effectLst/>
-          </p:spPr>
-          <p:style>
-            <a:lnRef idx="2">
-              <a:schemeClr val="accent1"/>
-            </a:lnRef>
-            <a:fillRef idx="0">
-              <a:schemeClr val="accent1"/>
-            </a:fillRef>
-            <a:effectRef idx="1">
-              <a:schemeClr val="accent1"/>
-            </a:effectRef>
-            <a:fontRef idx="minor">
-              <a:schemeClr val="tx1"/>
-            </a:fontRef>
-          </p:style>
-        </p:cxnSp>
-        <p:cxnSp>
-          <p:nvCxnSpPr>
-            <p:cNvPr id="129" name="Connecteur droit 128"/>
-            <p:cNvCxnSpPr/>
-            <p:nvPr/>
-          </p:nvCxnSpPr>
-          <p:spPr>
-            <a:xfrm>
-              <a:off x="4789489" y="3273325"/>
-              <a:ext cx="351" cy="1305495"/>
-            </a:xfrm>
-            <a:prstGeom prst="line">
-              <a:avLst/>
-            </a:prstGeom>
-            <a:effectLst/>
-          </p:spPr>
-          <p:style>
-            <a:lnRef idx="2">
-              <a:schemeClr val="accent1"/>
-            </a:lnRef>
-            <a:fillRef idx="0">
-              <a:schemeClr val="accent1"/>
-            </a:fillRef>
-            <a:effectRef idx="1">
-              <a:schemeClr val="accent1"/>
-            </a:effectRef>
-            <a:fontRef idx="minor">
-              <a:schemeClr val="tx1"/>
-            </a:fontRef>
-          </p:style>
-        </p:cxnSp>
-        <p:cxnSp>
-          <p:nvCxnSpPr>
-            <p:cNvPr id="130" name="Connecteur droit 129"/>
-            <p:cNvCxnSpPr/>
-            <p:nvPr/>
-          </p:nvCxnSpPr>
-          <p:spPr>
-            <a:xfrm>
-              <a:off x="4941538" y="3279196"/>
-              <a:ext cx="351" cy="1305495"/>
-            </a:xfrm>
-            <a:prstGeom prst="line">
-              <a:avLst/>
-            </a:prstGeom>
-            <a:effectLst/>
-          </p:spPr>
-          <p:style>
-            <a:lnRef idx="2">
-              <a:schemeClr val="accent1"/>
-            </a:lnRef>
-            <a:fillRef idx="0">
-              <a:schemeClr val="accent1"/>
-            </a:fillRef>
-            <a:effectRef idx="1">
-              <a:schemeClr val="accent1"/>
-            </a:effectRef>
-            <a:fontRef idx="minor">
-              <a:schemeClr val="tx1"/>
-            </a:fontRef>
-          </p:style>
-        </p:cxnSp>
-        <p:cxnSp>
-          <p:nvCxnSpPr>
-            <p:cNvPr id="131" name="Connecteur droit 130"/>
-            <p:cNvCxnSpPr/>
-            <p:nvPr/>
-          </p:nvCxnSpPr>
-          <p:spPr>
-            <a:xfrm>
-              <a:off x="5093587" y="3273325"/>
-              <a:ext cx="351" cy="1305495"/>
-            </a:xfrm>
-            <a:prstGeom prst="line">
-              <a:avLst/>
-            </a:prstGeom>
-            <a:effectLst/>
-          </p:spPr>
-          <p:style>
-            <a:lnRef idx="2">
-              <a:schemeClr val="accent1"/>
-            </a:lnRef>
-            <a:fillRef idx="0">
-              <a:schemeClr val="accent1"/>
-            </a:fillRef>
-            <a:effectRef idx="1">
-              <a:schemeClr val="accent1"/>
-            </a:effectRef>
-            <a:fontRef idx="minor">
-              <a:schemeClr val="tx1"/>
-            </a:fontRef>
-          </p:style>
-        </p:cxnSp>
-        <p:cxnSp>
-          <p:nvCxnSpPr>
-            <p:cNvPr id="132" name="Connecteur droit 131"/>
-            <p:cNvCxnSpPr/>
-            <p:nvPr/>
-          </p:nvCxnSpPr>
-          <p:spPr>
-            <a:xfrm>
-              <a:off x="5245987" y="3273349"/>
-              <a:ext cx="351" cy="1305495"/>
-            </a:xfrm>
-            <a:prstGeom prst="line">
-              <a:avLst/>
-            </a:prstGeom>
-            <a:effectLst/>
-          </p:spPr>
-          <p:style>
-            <a:lnRef idx="2">
-              <a:schemeClr val="accent1"/>
-            </a:lnRef>
-            <a:fillRef idx="0">
-              <a:schemeClr val="accent1"/>
-            </a:fillRef>
-            <a:effectRef idx="1">
-              <a:schemeClr val="accent1"/>
-            </a:effectRef>
-            <a:fontRef idx="minor">
-              <a:schemeClr val="tx1"/>
-            </a:fontRef>
-          </p:style>
-        </p:cxnSp>
-        <p:cxnSp>
-          <p:nvCxnSpPr>
-            <p:cNvPr id="133" name="Connecteur droit 132"/>
-            <p:cNvCxnSpPr/>
-            <p:nvPr/>
-          </p:nvCxnSpPr>
-          <p:spPr>
-            <a:xfrm>
-              <a:off x="5398387" y="3279196"/>
-              <a:ext cx="351" cy="1305495"/>
-            </a:xfrm>
-            <a:prstGeom prst="line">
-              <a:avLst/>
-            </a:prstGeom>
-            <a:effectLst/>
-          </p:spPr>
-          <p:style>
-            <a:lnRef idx="2">
-              <a:schemeClr val="accent1"/>
-            </a:lnRef>
-            <a:fillRef idx="0">
-              <a:schemeClr val="accent1"/>
-            </a:fillRef>
-            <a:effectRef idx="1">
-              <a:schemeClr val="accent1"/>
-            </a:effectRef>
-            <a:fontRef idx="minor">
-              <a:schemeClr val="tx1"/>
-            </a:fontRef>
-          </p:style>
-        </p:cxnSp>
-        <p:cxnSp>
-          <p:nvCxnSpPr>
-            <p:cNvPr id="134" name="Connecteur droit 133"/>
-            <p:cNvCxnSpPr/>
-            <p:nvPr/>
-          </p:nvCxnSpPr>
-          <p:spPr>
-            <a:xfrm>
-              <a:off x="5550436" y="3279196"/>
-              <a:ext cx="351" cy="1305495"/>
-            </a:xfrm>
-            <a:prstGeom prst="line">
-              <a:avLst/>
-            </a:prstGeom>
-            <a:effectLst/>
-          </p:spPr>
-          <p:style>
-            <a:lnRef idx="2">
-              <a:schemeClr val="accent1"/>
-            </a:lnRef>
-            <a:fillRef idx="0">
-              <a:schemeClr val="accent1"/>
-            </a:fillRef>
-            <a:effectRef idx="1">
-              <a:schemeClr val="accent1"/>
-            </a:effectRef>
-            <a:fontRef idx="minor">
-              <a:schemeClr val="tx1"/>
-            </a:fontRef>
-          </p:style>
-        </p:cxnSp>
-        <p:cxnSp>
-          <p:nvCxnSpPr>
-            <p:cNvPr id="135" name="Connecteur droit 134"/>
-            <p:cNvCxnSpPr/>
-            <p:nvPr/>
-          </p:nvCxnSpPr>
-          <p:spPr>
-            <a:xfrm>
-              <a:off x="5702485" y="3271585"/>
-              <a:ext cx="351" cy="1305495"/>
-            </a:xfrm>
-            <a:prstGeom prst="line">
-              <a:avLst/>
-            </a:prstGeom>
-            <a:effectLst/>
-          </p:spPr>
-          <p:style>
-            <a:lnRef idx="2">
-              <a:schemeClr val="accent1"/>
-            </a:lnRef>
-            <a:fillRef idx="0">
-              <a:schemeClr val="accent1"/>
-            </a:fillRef>
-            <a:effectRef idx="1">
-              <a:schemeClr val="accent1"/>
-            </a:effectRef>
-            <a:fontRef idx="minor">
-              <a:schemeClr val="tx1"/>
-            </a:fontRef>
-          </p:style>
-        </p:cxnSp>
         <p:sp>
           <p:nvSpPr>
             <p:cNvPr id="136" name="ZoneTexte 135"/>
@@ -21763,18 +22255,17 @@
             <a:prstGeom prst="line">
               <a:avLst/>
             </a:prstGeom>
-            <a:ln w="19050"/>
-            <a:effectLst/>
+            <a:ln/>
           </p:spPr>
           <p:style>
-            <a:lnRef idx="2">
-              <a:schemeClr val="accent1"/>
+            <a:lnRef idx="1">
+              <a:schemeClr val="dk1"/>
             </a:lnRef>
             <a:fillRef idx="0">
-              <a:schemeClr val="accent1"/>
+              <a:schemeClr val="dk1"/>
             </a:fillRef>
-            <a:effectRef idx="1">
-              <a:schemeClr val="accent1"/>
+            <a:effectRef idx="0">
+              <a:schemeClr val="dk1"/>
             </a:effectRef>
             <a:fontRef idx="minor">
               <a:schemeClr val="tx1"/>
@@ -21795,18 +22286,17 @@
             <a:prstGeom prst="line">
               <a:avLst/>
             </a:prstGeom>
-            <a:ln w="19050"/>
-            <a:effectLst/>
+            <a:ln/>
           </p:spPr>
           <p:style>
-            <a:lnRef idx="2">
-              <a:schemeClr val="accent1"/>
+            <a:lnRef idx="1">
+              <a:schemeClr val="dk1"/>
             </a:lnRef>
             <a:fillRef idx="0">
-              <a:schemeClr val="accent1"/>
+              <a:schemeClr val="dk1"/>
             </a:fillRef>
-            <a:effectRef idx="1">
-              <a:schemeClr val="accent1"/>
+            <a:effectRef idx="0">
+              <a:schemeClr val="dk1"/>
             </a:effectRef>
             <a:fontRef idx="minor">
               <a:schemeClr val="tx1"/>
@@ -21827,18 +22317,17 @@
             <a:prstGeom prst="line">
               <a:avLst/>
             </a:prstGeom>
-            <a:ln w="19050"/>
-            <a:effectLst/>
+            <a:ln/>
           </p:spPr>
           <p:style>
-            <a:lnRef idx="2">
-              <a:schemeClr val="accent1"/>
+            <a:lnRef idx="1">
+              <a:schemeClr val="dk1"/>
             </a:lnRef>
             <a:fillRef idx="0">
-              <a:schemeClr val="accent1"/>
+              <a:schemeClr val="dk1"/>
             </a:fillRef>
-            <a:effectRef idx="1">
-              <a:schemeClr val="accent1"/>
+            <a:effectRef idx="0">
+              <a:schemeClr val="dk1"/>
             </a:effectRef>
             <a:fontRef idx="minor">
               <a:schemeClr val="tx1"/>
@@ -21859,18 +22348,17 @@
             <a:prstGeom prst="line">
               <a:avLst/>
             </a:prstGeom>
-            <a:ln w="19050"/>
-            <a:effectLst/>
+            <a:ln/>
           </p:spPr>
           <p:style>
-            <a:lnRef idx="2">
-              <a:schemeClr val="accent1"/>
+            <a:lnRef idx="1">
+              <a:schemeClr val="dk1"/>
             </a:lnRef>
             <a:fillRef idx="0">
-              <a:schemeClr val="accent1"/>
+              <a:schemeClr val="dk1"/>
             </a:fillRef>
-            <a:effectRef idx="1">
-              <a:schemeClr val="accent1"/>
+            <a:effectRef idx="0">
+              <a:schemeClr val="dk1"/>
             </a:effectRef>
             <a:fontRef idx="minor">
               <a:schemeClr val="tx1"/>
@@ -21891,18 +22379,17 @@
             <a:prstGeom prst="line">
               <a:avLst/>
             </a:prstGeom>
-            <a:ln w="19050"/>
-            <a:effectLst/>
+            <a:ln/>
           </p:spPr>
           <p:style>
-            <a:lnRef idx="2">
-              <a:schemeClr val="accent1"/>
+            <a:lnRef idx="1">
+              <a:schemeClr val="dk1"/>
             </a:lnRef>
             <a:fillRef idx="0">
-              <a:schemeClr val="accent1"/>
+              <a:schemeClr val="dk1"/>
             </a:fillRef>
-            <a:effectRef idx="1">
-              <a:schemeClr val="accent1"/>
+            <a:effectRef idx="0">
+              <a:schemeClr val="dk1"/>
             </a:effectRef>
             <a:fontRef idx="minor">
               <a:schemeClr val="tx1"/>
@@ -21923,18 +22410,17 @@
             <a:prstGeom prst="line">
               <a:avLst/>
             </a:prstGeom>
-            <a:ln w="19050"/>
-            <a:effectLst/>
+            <a:ln/>
           </p:spPr>
           <p:style>
-            <a:lnRef idx="2">
-              <a:schemeClr val="accent1"/>
+            <a:lnRef idx="1">
+              <a:schemeClr val="dk1"/>
             </a:lnRef>
             <a:fillRef idx="0">
-              <a:schemeClr val="accent1"/>
+              <a:schemeClr val="dk1"/>
             </a:fillRef>
-            <a:effectRef idx="1">
-              <a:schemeClr val="accent1"/>
+            <a:effectRef idx="0">
+              <a:schemeClr val="dk1"/>
             </a:effectRef>
             <a:fontRef idx="minor">
               <a:schemeClr val="tx1"/>
@@ -21955,18 +22441,17 @@
             <a:prstGeom prst="line">
               <a:avLst/>
             </a:prstGeom>
-            <a:ln w="19050"/>
-            <a:effectLst/>
+            <a:ln/>
           </p:spPr>
           <p:style>
-            <a:lnRef idx="2">
-              <a:schemeClr val="accent1"/>
+            <a:lnRef idx="1">
+              <a:schemeClr val="dk1"/>
             </a:lnRef>
             <a:fillRef idx="0">
-              <a:schemeClr val="accent1"/>
+              <a:schemeClr val="dk1"/>
             </a:fillRef>
-            <a:effectRef idx="1">
-              <a:schemeClr val="accent1"/>
+            <a:effectRef idx="0">
+              <a:schemeClr val="dk1"/>
             </a:effectRef>
             <a:fontRef idx="minor">
               <a:schemeClr val="tx1"/>
@@ -21987,18 +22472,17 @@
             <a:prstGeom prst="line">
               <a:avLst/>
             </a:prstGeom>
-            <a:ln w="19050"/>
-            <a:effectLst/>
+            <a:ln/>
           </p:spPr>
           <p:style>
-            <a:lnRef idx="2">
-              <a:schemeClr val="accent1"/>
+            <a:lnRef idx="1">
+              <a:schemeClr val="dk1"/>
             </a:lnRef>
             <a:fillRef idx="0">
-              <a:schemeClr val="accent1"/>
+              <a:schemeClr val="dk1"/>
             </a:fillRef>
-            <a:effectRef idx="1">
-              <a:schemeClr val="accent1"/>
+            <a:effectRef idx="0">
+              <a:schemeClr val="dk1"/>
             </a:effectRef>
             <a:fontRef idx="minor">
               <a:schemeClr val="tx1"/>
@@ -22019,18 +22503,17 @@
             <a:prstGeom prst="line">
               <a:avLst/>
             </a:prstGeom>
-            <a:ln w="19050"/>
-            <a:effectLst/>
+            <a:ln/>
           </p:spPr>
           <p:style>
-            <a:lnRef idx="2">
-              <a:schemeClr val="accent1"/>
+            <a:lnRef idx="1">
+              <a:schemeClr val="dk1"/>
             </a:lnRef>
             <a:fillRef idx="0">
-              <a:schemeClr val="accent1"/>
+              <a:schemeClr val="dk1"/>
             </a:fillRef>
-            <a:effectRef idx="1">
-              <a:schemeClr val="accent1"/>
+            <a:effectRef idx="0">
+              <a:schemeClr val="dk1"/>
             </a:effectRef>
             <a:fontRef idx="minor">
               <a:schemeClr val="tx1"/>
@@ -22051,18 +22534,17 @@
             <a:prstGeom prst="line">
               <a:avLst/>
             </a:prstGeom>
-            <a:ln w="19050"/>
-            <a:effectLst/>
+            <a:ln/>
           </p:spPr>
           <p:style>
-            <a:lnRef idx="2">
-              <a:schemeClr val="accent1"/>
+            <a:lnRef idx="1">
+              <a:schemeClr val="dk1"/>
             </a:lnRef>
             <a:fillRef idx="0">
-              <a:schemeClr val="accent1"/>
+              <a:schemeClr val="dk1"/>
             </a:fillRef>
-            <a:effectRef idx="1">
-              <a:schemeClr val="accent1"/>
+            <a:effectRef idx="0">
+              <a:schemeClr val="dk1"/>
             </a:effectRef>
             <a:fontRef idx="minor">
               <a:schemeClr val="tx1"/>
@@ -22083,18 +22565,17 @@
             <a:prstGeom prst="line">
               <a:avLst/>
             </a:prstGeom>
-            <a:ln w="19050"/>
-            <a:effectLst/>
+            <a:ln/>
           </p:spPr>
           <p:style>
-            <a:lnRef idx="2">
-              <a:schemeClr val="accent1"/>
+            <a:lnRef idx="1">
+              <a:schemeClr val="dk1"/>
             </a:lnRef>
             <a:fillRef idx="0">
-              <a:schemeClr val="accent1"/>
+              <a:schemeClr val="dk1"/>
             </a:fillRef>
-            <a:effectRef idx="1">
-              <a:schemeClr val="accent1"/>
+            <a:effectRef idx="0">
+              <a:schemeClr val="dk1"/>
             </a:effectRef>
             <a:fontRef idx="minor">
               <a:schemeClr val="tx1"/>
@@ -22115,18 +22596,17 @@
             <a:prstGeom prst="line">
               <a:avLst/>
             </a:prstGeom>
-            <a:ln w="19050"/>
-            <a:effectLst/>
+            <a:ln/>
           </p:spPr>
           <p:style>
-            <a:lnRef idx="2">
-              <a:schemeClr val="accent1"/>
+            <a:lnRef idx="1">
+              <a:schemeClr val="dk1"/>
             </a:lnRef>
             <a:fillRef idx="0">
-              <a:schemeClr val="accent1"/>
+              <a:schemeClr val="dk1"/>
             </a:fillRef>
-            <a:effectRef idx="1">
-              <a:schemeClr val="accent1"/>
+            <a:effectRef idx="0">
+              <a:schemeClr val="dk1"/>
             </a:effectRef>
             <a:fontRef idx="minor">
               <a:schemeClr val="tx1"/>
@@ -22147,18 +22627,17 @@
             <a:prstGeom prst="line">
               <a:avLst/>
             </a:prstGeom>
-            <a:ln w="19050"/>
-            <a:effectLst/>
+            <a:ln/>
           </p:spPr>
           <p:style>
-            <a:lnRef idx="2">
-              <a:schemeClr val="accent1"/>
+            <a:lnRef idx="1">
+              <a:schemeClr val="dk1"/>
             </a:lnRef>
             <a:fillRef idx="0">
-              <a:schemeClr val="accent1"/>
+              <a:schemeClr val="dk1"/>
             </a:fillRef>
-            <a:effectRef idx="1">
-              <a:schemeClr val="accent1"/>
+            <a:effectRef idx="0">
+              <a:schemeClr val="dk1"/>
             </a:effectRef>
             <a:fontRef idx="minor">
               <a:schemeClr val="tx1"/>
@@ -22179,18 +22658,17 @@
             <a:prstGeom prst="line">
               <a:avLst/>
             </a:prstGeom>
-            <a:ln w="19050"/>
-            <a:effectLst/>
+            <a:ln/>
           </p:spPr>
           <p:style>
-            <a:lnRef idx="2">
-              <a:schemeClr val="accent1"/>
+            <a:lnRef idx="1">
+              <a:schemeClr val="dk1"/>
             </a:lnRef>
             <a:fillRef idx="0">
-              <a:schemeClr val="accent1"/>
+              <a:schemeClr val="dk1"/>
             </a:fillRef>
-            <a:effectRef idx="1">
-              <a:schemeClr val="accent1"/>
+            <a:effectRef idx="0">
+              <a:schemeClr val="dk1"/>
             </a:effectRef>
             <a:fontRef idx="minor">
               <a:schemeClr val="tx1"/>
@@ -22211,18 +22689,17 @@
             <a:prstGeom prst="line">
               <a:avLst/>
             </a:prstGeom>
-            <a:ln w="19050"/>
-            <a:effectLst/>
+            <a:ln/>
           </p:spPr>
           <p:style>
-            <a:lnRef idx="2">
-              <a:schemeClr val="accent1"/>
+            <a:lnRef idx="1">
+              <a:schemeClr val="dk1"/>
             </a:lnRef>
             <a:fillRef idx="0">
-              <a:schemeClr val="accent1"/>
+              <a:schemeClr val="dk1"/>
             </a:fillRef>
-            <a:effectRef idx="1">
-              <a:schemeClr val="accent1"/>
+            <a:effectRef idx="0">
+              <a:schemeClr val="dk1"/>
             </a:effectRef>
             <a:fontRef idx="minor">
               <a:schemeClr val="tx1"/>
@@ -22243,18 +22720,17 @@
             <a:prstGeom prst="line">
               <a:avLst/>
             </a:prstGeom>
-            <a:ln w="19050"/>
-            <a:effectLst/>
+            <a:ln/>
           </p:spPr>
           <p:style>
-            <a:lnRef idx="2">
-              <a:schemeClr val="accent1"/>
+            <a:lnRef idx="1">
+              <a:schemeClr val="dk1"/>
             </a:lnRef>
             <a:fillRef idx="0">
-              <a:schemeClr val="accent1"/>
+              <a:schemeClr val="dk1"/>
             </a:fillRef>
-            <a:effectRef idx="1">
-              <a:schemeClr val="accent1"/>
+            <a:effectRef idx="0">
+              <a:schemeClr val="dk1"/>
             </a:effectRef>
             <a:fontRef idx="minor">
               <a:schemeClr val="tx1"/>
@@ -22269,77 +22745,13 @@
           </p:nvCxnSpPr>
           <p:spPr>
             <a:xfrm>
-              <a:off x="5800775" y="3117929"/>
+              <a:off x="3166609" y="3268633"/>
               <a:ext cx="351" cy="1302141"/>
             </a:xfrm>
             <a:prstGeom prst="line">
               <a:avLst/>
             </a:prstGeom>
             <a:ln w="19050"/>
-            <a:effectLst/>
-          </p:spPr>
-          <p:style>
-            <a:lnRef idx="2">
-              <a:schemeClr val="accent1"/>
-            </a:lnRef>
-            <a:fillRef idx="0">
-              <a:schemeClr val="accent1"/>
-            </a:fillRef>
-            <a:effectRef idx="1">
-              <a:schemeClr val="accent1"/>
-            </a:effectRef>
-            <a:fontRef idx="minor">
-              <a:schemeClr val="tx1"/>
-            </a:fontRef>
-          </p:style>
-        </p:cxnSp>
-        <p:cxnSp>
-          <p:nvCxnSpPr>
-            <p:cNvPr id="155" name="Connecteur droit 154"/>
-            <p:cNvCxnSpPr/>
-            <p:nvPr/>
-          </p:nvCxnSpPr>
-          <p:spPr>
-            <a:xfrm>
-              <a:off x="5958770" y="3119264"/>
-              <a:ext cx="0" cy="1300806"/>
-            </a:xfrm>
-            <a:prstGeom prst="line">
-              <a:avLst/>
-            </a:prstGeom>
-            <a:ln w="19050"/>
-            <a:effectLst/>
-          </p:spPr>
-          <p:style>
-            <a:lnRef idx="2">
-              <a:schemeClr val="accent1"/>
-            </a:lnRef>
-            <a:fillRef idx="0">
-              <a:schemeClr val="accent1"/>
-            </a:fillRef>
-            <a:effectRef idx="1">
-              <a:schemeClr val="accent1"/>
-            </a:effectRef>
-            <a:fontRef idx="minor">
-              <a:schemeClr val="tx1"/>
-            </a:fontRef>
-          </p:style>
-        </p:cxnSp>
-        <p:cxnSp>
-          <p:nvCxnSpPr>
-            <p:cNvPr id="156" name="Connecteur droit 155"/>
-            <p:cNvCxnSpPr/>
-            <p:nvPr/>
-          </p:nvCxnSpPr>
-          <p:spPr>
-            <a:xfrm>
-              <a:off x="3630230" y="2957631"/>
-              <a:ext cx="351" cy="154376"/>
-            </a:xfrm>
-            <a:prstGeom prst="line">
-              <a:avLst/>
-            </a:prstGeom>
-            <a:ln w="12700"/>
             <a:effectLst/>
           </p:spPr>
           <p:style>
@@ -22371,18 +22783,17 @@
             <a:prstGeom prst="line">
               <a:avLst/>
             </a:prstGeom>
-            <a:ln w="12700"/>
-            <a:effectLst/>
+            <a:ln/>
           </p:spPr>
           <p:style>
-            <a:lnRef idx="2">
-              <a:schemeClr val="accent1"/>
+            <a:lnRef idx="1">
+              <a:schemeClr val="dk1"/>
             </a:lnRef>
             <a:fillRef idx="0">
-              <a:schemeClr val="accent1"/>
+              <a:schemeClr val="dk1"/>
             </a:fillRef>
-            <a:effectRef idx="1">
-              <a:schemeClr val="accent1"/>
+            <a:effectRef idx="0">
+              <a:schemeClr val="dk1"/>
             </a:effectRef>
             <a:fontRef idx="minor">
               <a:schemeClr val="tx1"/>
@@ -22403,18 +22814,17 @@
             <a:prstGeom prst="line">
               <a:avLst/>
             </a:prstGeom>
-            <a:ln w="12700"/>
-            <a:effectLst/>
+            <a:ln/>
           </p:spPr>
           <p:style>
-            <a:lnRef idx="2">
-              <a:schemeClr val="accent1"/>
+            <a:lnRef idx="1">
+              <a:schemeClr val="dk1"/>
             </a:lnRef>
             <a:fillRef idx="0">
-              <a:schemeClr val="accent1"/>
+              <a:schemeClr val="dk1"/>
             </a:fillRef>
-            <a:effectRef idx="1">
-              <a:schemeClr val="accent1"/>
+            <a:effectRef idx="0">
+              <a:schemeClr val="dk1"/>
             </a:effectRef>
             <a:fontRef idx="minor">
               <a:schemeClr val="tx1"/>
@@ -22435,18 +22845,17 @@
             <a:prstGeom prst="line">
               <a:avLst/>
             </a:prstGeom>
-            <a:ln w="12700"/>
-            <a:effectLst/>
+            <a:ln/>
           </p:spPr>
           <p:style>
-            <a:lnRef idx="2">
-              <a:schemeClr val="accent1"/>
+            <a:lnRef idx="1">
+              <a:schemeClr val="dk1"/>
             </a:lnRef>
             <a:fillRef idx="0">
-              <a:schemeClr val="accent1"/>
+              <a:schemeClr val="dk1"/>
             </a:fillRef>
-            <a:effectRef idx="1">
-              <a:schemeClr val="accent1"/>
+            <a:effectRef idx="0">
+              <a:schemeClr val="dk1"/>
             </a:effectRef>
             <a:fontRef idx="minor">
               <a:schemeClr val="tx1"/>
@@ -22467,18 +22876,17 @@
             <a:prstGeom prst="line">
               <a:avLst/>
             </a:prstGeom>
-            <a:ln w="12700"/>
-            <a:effectLst/>
+            <a:ln/>
           </p:spPr>
           <p:style>
-            <a:lnRef idx="2">
-              <a:schemeClr val="accent1"/>
+            <a:lnRef idx="1">
+              <a:schemeClr val="dk1"/>
             </a:lnRef>
             <a:fillRef idx="0">
-              <a:schemeClr val="accent1"/>
+              <a:schemeClr val="dk1"/>
             </a:fillRef>
-            <a:effectRef idx="1">
-              <a:schemeClr val="accent1"/>
+            <a:effectRef idx="0">
+              <a:schemeClr val="dk1"/>
             </a:effectRef>
             <a:fontRef idx="minor">
               <a:schemeClr val="tx1"/>
@@ -22499,18 +22907,17 @@
             <a:prstGeom prst="line">
               <a:avLst/>
             </a:prstGeom>
-            <a:ln w="12700"/>
-            <a:effectLst/>
+            <a:ln/>
           </p:spPr>
           <p:style>
-            <a:lnRef idx="2">
-              <a:schemeClr val="accent1"/>
+            <a:lnRef idx="1">
+              <a:schemeClr val="dk1"/>
             </a:lnRef>
             <a:fillRef idx="0">
-              <a:schemeClr val="accent1"/>
+              <a:schemeClr val="dk1"/>
             </a:fillRef>
-            <a:effectRef idx="1">
-              <a:schemeClr val="accent1"/>
+            <a:effectRef idx="0">
+              <a:schemeClr val="dk1"/>
             </a:effectRef>
             <a:fontRef idx="minor">
               <a:schemeClr val="tx1"/>
@@ -22531,18 +22938,17 @@
             <a:prstGeom prst="line">
               <a:avLst/>
             </a:prstGeom>
-            <a:ln w="12700"/>
-            <a:effectLst/>
+            <a:ln/>
           </p:spPr>
           <p:style>
-            <a:lnRef idx="2">
-              <a:schemeClr val="accent1"/>
+            <a:lnRef idx="1">
+              <a:schemeClr val="dk1"/>
             </a:lnRef>
             <a:fillRef idx="0">
-              <a:schemeClr val="accent1"/>
+              <a:schemeClr val="dk1"/>
             </a:fillRef>
-            <a:effectRef idx="1">
-              <a:schemeClr val="accent1"/>
+            <a:effectRef idx="0">
+              <a:schemeClr val="dk1"/>
             </a:effectRef>
             <a:fontRef idx="minor">
               <a:schemeClr val="tx1"/>
@@ -22563,18 +22969,17 @@
             <a:prstGeom prst="line">
               <a:avLst/>
             </a:prstGeom>
-            <a:ln w="12700"/>
-            <a:effectLst/>
+            <a:ln/>
           </p:spPr>
           <p:style>
-            <a:lnRef idx="2">
-              <a:schemeClr val="accent1"/>
+            <a:lnRef idx="1">
+              <a:schemeClr val="dk1"/>
             </a:lnRef>
             <a:fillRef idx="0">
-              <a:schemeClr val="accent1"/>
+              <a:schemeClr val="dk1"/>
             </a:fillRef>
-            <a:effectRef idx="1">
-              <a:schemeClr val="accent1"/>
+            <a:effectRef idx="0">
+              <a:schemeClr val="dk1"/>
             </a:effectRef>
             <a:fontRef idx="minor">
               <a:schemeClr val="tx1"/>
@@ -22595,18 +23000,17 @@
             <a:prstGeom prst="line">
               <a:avLst/>
             </a:prstGeom>
-            <a:ln w="12700"/>
-            <a:effectLst/>
+            <a:ln/>
           </p:spPr>
           <p:style>
-            <a:lnRef idx="2">
-              <a:schemeClr val="accent1"/>
+            <a:lnRef idx="1">
+              <a:schemeClr val="dk1"/>
             </a:lnRef>
             <a:fillRef idx="0">
-              <a:schemeClr val="accent1"/>
+              <a:schemeClr val="dk1"/>
             </a:fillRef>
-            <a:effectRef idx="1">
-              <a:schemeClr val="accent1"/>
+            <a:effectRef idx="0">
+              <a:schemeClr val="dk1"/>
             </a:effectRef>
             <a:fontRef idx="minor">
               <a:schemeClr val="tx1"/>
@@ -22627,18 +23031,17 @@
             <a:prstGeom prst="line">
               <a:avLst/>
             </a:prstGeom>
-            <a:ln w="12700"/>
-            <a:effectLst/>
+            <a:ln/>
           </p:spPr>
           <p:style>
-            <a:lnRef idx="2">
-              <a:schemeClr val="accent1"/>
+            <a:lnRef idx="1">
+              <a:schemeClr val="dk1"/>
             </a:lnRef>
             <a:fillRef idx="0">
-              <a:schemeClr val="accent1"/>
+              <a:schemeClr val="dk1"/>
             </a:fillRef>
-            <a:effectRef idx="1">
-              <a:schemeClr val="accent1"/>
+            <a:effectRef idx="0">
+              <a:schemeClr val="dk1"/>
             </a:effectRef>
             <a:fontRef idx="minor">
               <a:schemeClr val="tx1"/>
@@ -22659,18 +23062,17 @@
             <a:prstGeom prst="line">
               <a:avLst/>
             </a:prstGeom>
-            <a:ln w="12700"/>
-            <a:effectLst/>
+            <a:ln/>
           </p:spPr>
           <p:style>
-            <a:lnRef idx="2">
-              <a:schemeClr val="accent1"/>
+            <a:lnRef idx="1">
+              <a:schemeClr val="dk1"/>
             </a:lnRef>
             <a:fillRef idx="0">
-              <a:schemeClr val="accent1"/>
+              <a:schemeClr val="dk1"/>
             </a:fillRef>
-            <a:effectRef idx="1">
-              <a:schemeClr val="accent1"/>
+            <a:effectRef idx="0">
+              <a:schemeClr val="dk1"/>
             </a:effectRef>
             <a:fontRef idx="minor">
               <a:schemeClr val="tx1"/>
@@ -22691,18 +23093,17 @@
             <a:prstGeom prst="line">
               <a:avLst/>
             </a:prstGeom>
-            <a:ln w="12700"/>
-            <a:effectLst/>
+            <a:ln/>
           </p:spPr>
           <p:style>
-            <a:lnRef idx="2">
-              <a:schemeClr val="accent1"/>
+            <a:lnRef idx="1">
+              <a:schemeClr val="dk1"/>
             </a:lnRef>
             <a:fillRef idx="0">
-              <a:schemeClr val="accent1"/>
+              <a:schemeClr val="dk1"/>
             </a:fillRef>
-            <a:effectRef idx="1">
-              <a:schemeClr val="accent1"/>
+            <a:effectRef idx="0">
+              <a:schemeClr val="dk1"/>
             </a:effectRef>
             <a:fontRef idx="minor">
               <a:schemeClr val="tx1"/>
@@ -22723,18 +23124,17 @@
             <a:prstGeom prst="line">
               <a:avLst/>
             </a:prstGeom>
-            <a:ln w="12700"/>
-            <a:effectLst/>
+            <a:ln/>
           </p:spPr>
           <p:style>
-            <a:lnRef idx="2">
-              <a:schemeClr val="accent1"/>
+            <a:lnRef idx="1">
+              <a:schemeClr val="dk1"/>
             </a:lnRef>
             <a:fillRef idx="0">
-              <a:schemeClr val="accent1"/>
+              <a:schemeClr val="dk1"/>
             </a:fillRef>
-            <a:effectRef idx="1">
-              <a:schemeClr val="accent1"/>
+            <a:effectRef idx="0">
+              <a:schemeClr val="dk1"/>
             </a:effectRef>
             <a:fontRef idx="minor">
               <a:schemeClr val="tx1"/>
@@ -22755,18 +23155,17 @@
             <a:prstGeom prst="line">
               <a:avLst/>
             </a:prstGeom>
-            <a:ln w="12700"/>
-            <a:effectLst/>
+            <a:ln/>
           </p:spPr>
           <p:style>
-            <a:lnRef idx="2">
-              <a:schemeClr val="accent1"/>
+            <a:lnRef idx="1">
+              <a:schemeClr val="dk1"/>
             </a:lnRef>
             <a:fillRef idx="0">
-              <a:schemeClr val="accent1"/>
+              <a:schemeClr val="dk1"/>
             </a:fillRef>
-            <a:effectRef idx="1">
-              <a:schemeClr val="accent1"/>
+            <a:effectRef idx="0">
+              <a:schemeClr val="dk1"/>
             </a:effectRef>
             <a:fontRef idx="minor">
               <a:schemeClr val="tx1"/>
@@ -22787,18 +23186,17 @@
             <a:prstGeom prst="line">
               <a:avLst/>
             </a:prstGeom>
-            <a:ln w="12700"/>
-            <a:effectLst/>
+            <a:ln/>
           </p:spPr>
           <p:style>
-            <a:lnRef idx="2">
-              <a:schemeClr val="accent1"/>
+            <a:lnRef idx="1">
+              <a:schemeClr val="dk1"/>
             </a:lnRef>
             <a:fillRef idx="0">
-              <a:schemeClr val="accent1"/>
+              <a:schemeClr val="dk1"/>
             </a:fillRef>
-            <a:effectRef idx="1">
-              <a:schemeClr val="accent1"/>
+            <a:effectRef idx="0">
+              <a:schemeClr val="dk1"/>
             </a:effectRef>
             <a:fontRef idx="minor">
               <a:schemeClr val="tx1"/>
@@ -22819,114 +23217,17 @@
             <a:prstGeom prst="line">
               <a:avLst/>
             </a:prstGeom>
-            <a:ln w="12700"/>
-            <a:effectLst/>
+            <a:ln/>
           </p:spPr>
           <p:style>
-            <a:lnRef idx="2">
-              <a:schemeClr val="accent1"/>
+            <a:lnRef idx="1">
+              <a:schemeClr val="dk1"/>
             </a:lnRef>
             <a:fillRef idx="0">
-              <a:schemeClr val="accent1"/>
+              <a:schemeClr val="dk1"/>
             </a:fillRef>
-            <a:effectRef idx="1">
-              <a:schemeClr val="accent1"/>
-            </a:effectRef>
-            <a:fontRef idx="minor">
-              <a:schemeClr val="tx1"/>
-            </a:fontRef>
-          </p:style>
-        </p:cxnSp>
-        <p:cxnSp>
-          <p:nvCxnSpPr>
-            <p:cNvPr id="172" name="Connecteur droit 171"/>
-            <p:cNvCxnSpPr/>
-            <p:nvPr/>
-          </p:nvCxnSpPr>
-          <p:spPr>
-            <a:xfrm>
-              <a:off x="6068630" y="2956611"/>
-              <a:ext cx="351" cy="1298985"/>
-            </a:xfrm>
-            <a:prstGeom prst="line">
-              <a:avLst/>
-            </a:prstGeom>
-            <a:ln w="12700"/>
-            <a:effectLst/>
-          </p:spPr>
-          <p:style>
-            <a:lnRef idx="2">
-              <a:schemeClr val="accent1"/>
-            </a:lnRef>
-            <a:fillRef idx="0">
-              <a:schemeClr val="accent1"/>
-            </a:fillRef>
-            <a:effectRef idx="1">
-              <a:schemeClr val="accent1"/>
-            </a:effectRef>
-            <a:fontRef idx="minor">
-              <a:schemeClr val="tx1"/>
-            </a:fontRef>
-          </p:style>
-        </p:cxnSp>
-        <p:cxnSp>
-          <p:nvCxnSpPr>
-            <p:cNvPr id="173" name="Connecteur droit 172"/>
-            <p:cNvCxnSpPr/>
-            <p:nvPr/>
-          </p:nvCxnSpPr>
-          <p:spPr>
-            <a:xfrm>
-              <a:off x="6226625" y="2952351"/>
-              <a:ext cx="0" cy="1303245"/>
-            </a:xfrm>
-            <a:prstGeom prst="line">
-              <a:avLst/>
-            </a:prstGeom>
-            <a:ln w="12700"/>
-            <a:effectLst/>
-          </p:spPr>
-          <p:style>
-            <a:lnRef idx="2">
-              <a:schemeClr val="accent1"/>
-            </a:lnRef>
-            <a:fillRef idx="0">
-              <a:schemeClr val="accent1"/>
-            </a:fillRef>
-            <a:effectRef idx="1">
-              <a:schemeClr val="accent1"/>
-            </a:effectRef>
-            <a:fontRef idx="minor">
-              <a:schemeClr val="tx1"/>
-            </a:fontRef>
-          </p:style>
-        </p:cxnSp>
-        <p:cxnSp>
-          <p:nvCxnSpPr>
-            <p:cNvPr id="174" name="Connecteur droit 173"/>
-            <p:cNvCxnSpPr/>
-            <p:nvPr/>
-          </p:nvCxnSpPr>
-          <p:spPr>
-            <a:xfrm>
-              <a:off x="3898166" y="2800900"/>
-              <a:ext cx="351" cy="154376"/>
-            </a:xfrm>
-            <a:prstGeom prst="line">
-              <a:avLst/>
-            </a:prstGeom>
-            <a:ln w="6350"/>
-            <a:effectLst/>
-          </p:spPr>
-          <p:style>
-            <a:lnRef idx="2">
-              <a:schemeClr val="accent1"/>
-            </a:lnRef>
-            <a:fillRef idx="0">
-              <a:schemeClr val="accent1"/>
-            </a:fillRef>
-            <a:effectRef idx="1">
-              <a:schemeClr val="accent1"/>
+            <a:effectRef idx="0">
+              <a:schemeClr val="dk1"/>
             </a:effectRef>
             <a:fontRef idx="minor">
               <a:schemeClr val="tx1"/>
@@ -22947,18 +23248,17 @@
             <a:prstGeom prst="line">
               <a:avLst/>
             </a:prstGeom>
-            <a:ln w="6350"/>
-            <a:effectLst/>
+            <a:ln/>
           </p:spPr>
           <p:style>
-            <a:lnRef idx="2">
-              <a:schemeClr val="accent1"/>
+            <a:lnRef idx="1">
+              <a:schemeClr val="dk1"/>
             </a:lnRef>
             <a:fillRef idx="0">
-              <a:schemeClr val="accent1"/>
+              <a:schemeClr val="dk1"/>
             </a:fillRef>
-            <a:effectRef idx="1">
-              <a:schemeClr val="accent1"/>
+            <a:effectRef idx="0">
+              <a:schemeClr val="dk1"/>
             </a:effectRef>
             <a:fontRef idx="minor">
               <a:schemeClr val="tx1"/>
@@ -22979,18 +23279,17 @@
             <a:prstGeom prst="line">
               <a:avLst/>
             </a:prstGeom>
-            <a:ln w="6350"/>
-            <a:effectLst/>
+            <a:ln/>
           </p:spPr>
           <p:style>
-            <a:lnRef idx="2">
-              <a:schemeClr val="accent1"/>
+            <a:lnRef idx="1">
+              <a:schemeClr val="dk1"/>
             </a:lnRef>
             <a:fillRef idx="0">
-              <a:schemeClr val="accent1"/>
+              <a:schemeClr val="dk1"/>
             </a:fillRef>
-            <a:effectRef idx="1">
-              <a:schemeClr val="accent1"/>
+            <a:effectRef idx="0">
+              <a:schemeClr val="dk1"/>
             </a:effectRef>
             <a:fontRef idx="minor">
               <a:schemeClr val="tx1"/>
@@ -23011,18 +23310,17 @@
             <a:prstGeom prst="line">
               <a:avLst/>
             </a:prstGeom>
-            <a:ln w="6350"/>
-            <a:effectLst/>
+            <a:ln/>
           </p:spPr>
           <p:style>
-            <a:lnRef idx="2">
-              <a:schemeClr val="accent1"/>
+            <a:lnRef idx="1">
+              <a:schemeClr val="dk1"/>
             </a:lnRef>
             <a:fillRef idx="0">
-              <a:schemeClr val="accent1"/>
+              <a:schemeClr val="dk1"/>
             </a:fillRef>
-            <a:effectRef idx="1">
-              <a:schemeClr val="accent1"/>
+            <a:effectRef idx="0">
+              <a:schemeClr val="dk1"/>
             </a:effectRef>
             <a:fontRef idx="minor">
               <a:schemeClr val="tx1"/>
@@ -23043,18 +23341,17 @@
             <a:prstGeom prst="line">
               <a:avLst/>
             </a:prstGeom>
-            <a:ln w="6350"/>
-            <a:effectLst/>
+            <a:ln/>
           </p:spPr>
           <p:style>
-            <a:lnRef idx="2">
-              <a:schemeClr val="accent1"/>
+            <a:lnRef idx="1">
+              <a:schemeClr val="dk1"/>
             </a:lnRef>
             <a:fillRef idx="0">
-              <a:schemeClr val="accent1"/>
+              <a:schemeClr val="dk1"/>
             </a:fillRef>
-            <a:effectRef idx="1">
-              <a:schemeClr val="accent1"/>
+            <a:effectRef idx="0">
+              <a:schemeClr val="dk1"/>
             </a:effectRef>
             <a:fontRef idx="minor">
               <a:schemeClr val="tx1"/>
@@ -23075,18 +23372,17 @@
             <a:prstGeom prst="line">
               <a:avLst/>
             </a:prstGeom>
-            <a:ln w="6350"/>
-            <a:effectLst/>
+            <a:ln/>
           </p:spPr>
           <p:style>
-            <a:lnRef idx="2">
-              <a:schemeClr val="accent1"/>
+            <a:lnRef idx="1">
+              <a:schemeClr val="dk1"/>
             </a:lnRef>
             <a:fillRef idx="0">
-              <a:schemeClr val="accent1"/>
+              <a:schemeClr val="dk1"/>
             </a:fillRef>
-            <a:effectRef idx="1">
-              <a:schemeClr val="accent1"/>
+            <a:effectRef idx="0">
+              <a:schemeClr val="dk1"/>
             </a:effectRef>
             <a:fontRef idx="minor">
               <a:schemeClr val="tx1"/>
@@ -23107,18 +23403,17 @@
             <a:prstGeom prst="line">
               <a:avLst/>
             </a:prstGeom>
-            <a:ln w="6350"/>
-            <a:effectLst/>
+            <a:ln/>
           </p:spPr>
           <p:style>
-            <a:lnRef idx="2">
-              <a:schemeClr val="accent1"/>
+            <a:lnRef idx="1">
+              <a:schemeClr val="dk1"/>
             </a:lnRef>
             <a:fillRef idx="0">
-              <a:schemeClr val="accent1"/>
+              <a:schemeClr val="dk1"/>
             </a:fillRef>
-            <a:effectRef idx="1">
-              <a:schemeClr val="accent1"/>
+            <a:effectRef idx="0">
+              <a:schemeClr val="dk1"/>
             </a:effectRef>
             <a:fontRef idx="minor">
               <a:schemeClr val="tx1"/>
@@ -23139,18 +23434,17 @@
             <a:prstGeom prst="line">
               <a:avLst/>
             </a:prstGeom>
-            <a:ln w="6350"/>
-            <a:effectLst/>
+            <a:ln/>
           </p:spPr>
           <p:style>
-            <a:lnRef idx="2">
-              <a:schemeClr val="accent1"/>
+            <a:lnRef idx="1">
+              <a:schemeClr val="dk1"/>
             </a:lnRef>
             <a:fillRef idx="0">
-              <a:schemeClr val="accent1"/>
+              <a:schemeClr val="dk1"/>
             </a:fillRef>
-            <a:effectRef idx="1">
-              <a:schemeClr val="accent1"/>
+            <a:effectRef idx="0">
+              <a:schemeClr val="dk1"/>
             </a:effectRef>
             <a:fontRef idx="minor">
               <a:schemeClr val="tx1"/>
@@ -23171,18 +23465,17 @@
             <a:prstGeom prst="line">
               <a:avLst/>
             </a:prstGeom>
-            <a:ln w="6350"/>
-            <a:effectLst/>
+            <a:ln/>
           </p:spPr>
           <p:style>
-            <a:lnRef idx="2">
-              <a:schemeClr val="accent1"/>
+            <a:lnRef idx="1">
+              <a:schemeClr val="dk1"/>
             </a:lnRef>
             <a:fillRef idx="0">
-              <a:schemeClr val="accent1"/>
+              <a:schemeClr val="dk1"/>
             </a:fillRef>
-            <a:effectRef idx="1">
-              <a:schemeClr val="accent1"/>
+            <a:effectRef idx="0">
+              <a:schemeClr val="dk1"/>
             </a:effectRef>
             <a:fontRef idx="minor">
               <a:schemeClr val="tx1"/>
@@ -23203,18 +23496,17 @@
             <a:prstGeom prst="line">
               <a:avLst/>
             </a:prstGeom>
-            <a:ln w="6350"/>
-            <a:effectLst/>
+            <a:ln/>
           </p:spPr>
           <p:style>
-            <a:lnRef idx="2">
-              <a:schemeClr val="accent1"/>
+            <a:lnRef idx="1">
+              <a:schemeClr val="dk1"/>
             </a:lnRef>
             <a:fillRef idx="0">
-              <a:schemeClr val="accent1"/>
+              <a:schemeClr val="dk1"/>
             </a:fillRef>
-            <a:effectRef idx="1">
-              <a:schemeClr val="accent1"/>
+            <a:effectRef idx="0">
+              <a:schemeClr val="dk1"/>
             </a:effectRef>
             <a:fontRef idx="minor">
               <a:schemeClr val="tx1"/>
@@ -23235,18 +23527,17 @@
             <a:prstGeom prst="line">
               <a:avLst/>
             </a:prstGeom>
-            <a:ln w="6350"/>
-            <a:effectLst/>
+            <a:ln/>
           </p:spPr>
           <p:style>
-            <a:lnRef idx="2">
-              <a:schemeClr val="accent1"/>
+            <a:lnRef idx="1">
+              <a:schemeClr val="dk1"/>
             </a:lnRef>
             <a:fillRef idx="0">
-              <a:schemeClr val="accent1"/>
+              <a:schemeClr val="dk1"/>
             </a:fillRef>
-            <a:effectRef idx="1">
-              <a:schemeClr val="accent1"/>
+            <a:effectRef idx="0">
+              <a:schemeClr val="dk1"/>
             </a:effectRef>
             <a:fontRef idx="minor">
               <a:schemeClr val="tx1"/>
@@ -23267,18 +23558,17 @@
             <a:prstGeom prst="line">
               <a:avLst/>
             </a:prstGeom>
-            <a:ln w="6350"/>
-            <a:effectLst/>
+            <a:ln/>
           </p:spPr>
           <p:style>
-            <a:lnRef idx="2">
-              <a:schemeClr val="accent1"/>
+            <a:lnRef idx="1">
+              <a:schemeClr val="dk1"/>
             </a:lnRef>
             <a:fillRef idx="0">
-              <a:schemeClr val="accent1"/>
+              <a:schemeClr val="dk1"/>
             </a:fillRef>
-            <a:effectRef idx="1">
-              <a:schemeClr val="accent1"/>
+            <a:effectRef idx="0">
+              <a:schemeClr val="dk1"/>
             </a:effectRef>
             <a:fontRef idx="minor">
               <a:schemeClr val="tx1"/>
@@ -23299,18 +23589,17 @@
             <a:prstGeom prst="line">
               <a:avLst/>
             </a:prstGeom>
-            <a:ln w="6350"/>
-            <a:effectLst/>
+            <a:ln/>
           </p:spPr>
           <p:style>
-            <a:lnRef idx="2">
-              <a:schemeClr val="accent1"/>
+            <a:lnRef idx="1">
+              <a:schemeClr val="dk1"/>
             </a:lnRef>
             <a:fillRef idx="0">
-              <a:schemeClr val="accent1"/>
+              <a:schemeClr val="dk1"/>
             </a:fillRef>
-            <a:effectRef idx="1">
-              <a:schemeClr val="accent1"/>
+            <a:effectRef idx="0">
+              <a:schemeClr val="dk1"/>
             </a:effectRef>
             <a:fontRef idx="minor">
               <a:schemeClr val="tx1"/>
@@ -23331,18 +23620,17 @@
             <a:prstGeom prst="line">
               <a:avLst/>
             </a:prstGeom>
-            <a:ln w="6350"/>
-            <a:effectLst/>
+            <a:ln/>
           </p:spPr>
           <p:style>
-            <a:lnRef idx="2">
-              <a:schemeClr val="accent1"/>
+            <a:lnRef idx="1">
+              <a:schemeClr val="dk1"/>
             </a:lnRef>
             <a:fillRef idx="0">
-              <a:schemeClr val="accent1"/>
+              <a:schemeClr val="dk1"/>
             </a:fillRef>
-            <a:effectRef idx="1">
-              <a:schemeClr val="accent1"/>
+            <a:effectRef idx="0">
+              <a:schemeClr val="dk1"/>
             </a:effectRef>
             <a:fontRef idx="minor">
               <a:schemeClr val="tx1"/>
@@ -23363,18 +23651,17 @@
             <a:prstGeom prst="line">
               <a:avLst/>
             </a:prstGeom>
-            <a:ln w="6350"/>
-            <a:effectLst/>
+            <a:ln/>
           </p:spPr>
           <p:style>
-            <a:lnRef idx="2">
-              <a:schemeClr val="accent1"/>
+            <a:lnRef idx="1">
+              <a:schemeClr val="dk1"/>
             </a:lnRef>
             <a:fillRef idx="0">
-              <a:schemeClr val="accent1"/>
+              <a:schemeClr val="dk1"/>
             </a:fillRef>
-            <a:effectRef idx="1">
-              <a:schemeClr val="accent1"/>
+            <a:effectRef idx="0">
+              <a:schemeClr val="dk1"/>
             </a:effectRef>
             <a:fontRef idx="minor">
               <a:schemeClr val="tx1"/>
@@ -23395,82 +23682,17 @@
             <a:prstGeom prst="line">
               <a:avLst/>
             </a:prstGeom>
-            <a:ln w="6350"/>
-            <a:effectLst/>
+            <a:ln/>
           </p:spPr>
           <p:style>
-            <a:lnRef idx="2">
-              <a:schemeClr val="accent1"/>
+            <a:lnRef idx="1">
+              <a:schemeClr val="dk1"/>
             </a:lnRef>
             <a:fillRef idx="0">
-              <a:schemeClr val="accent1"/>
+              <a:schemeClr val="dk1"/>
             </a:fillRef>
-            <a:effectRef idx="1">
-              <a:schemeClr val="accent1"/>
-            </a:effectRef>
-            <a:fontRef idx="minor">
-              <a:schemeClr val="tx1"/>
-            </a:fontRef>
-          </p:style>
-        </p:cxnSp>
-        <p:cxnSp>
-          <p:nvCxnSpPr>
-            <p:cNvPr id="190" name="Connecteur droit 189"/>
-            <p:cNvCxnSpPr/>
-            <p:nvPr/>
-          </p:nvCxnSpPr>
-          <p:spPr>
-            <a:xfrm>
-              <a:off x="6336566" y="2795826"/>
-              <a:ext cx="351" cy="1307370"/>
-            </a:xfrm>
-            <a:prstGeom prst="line">
-              <a:avLst/>
-            </a:prstGeom>
-            <a:ln w="6350"/>
-            <a:effectLst/>
-          </p:spPr>
-          <p:style>
-            <a:lnRef idx="2">
-              <a:schemeClr val="accent1"/>
-            </a:lnRef>
-            <a:fillRef idx="0">
-              <a:schemeClr val="accent1"/>
-            </a:fillRef>
-            <a:effectRef idx="1">
-              <a:schemeClr val="accent1"/>
-            </a:effectRef>
-            <a:fontRef idx="minor">
-              <a:schemeClr val="tx1"/>
-            </a:fontRef>
-          </p:style>
-        </p:cxnSp>
-        <p:cxnSp>
-          <p:nvCxnSpPr>
-            <p:cNvPr id="191" name="Connecteur droit 190"/>
-            <p:cNvCxnSpPr/>
-            <p:nvPr/>
-          </p:nvCxnSpPr>
-          <p:spPr>
-            <a:xfrm>
-              <a:off x="6488966" y="2793698"/>
-              <a:ext cx="0" cy="1309498"/>
-            </a:xfrm>
-            <a:prstGeom prst="line">
-              <a:avLst/>
-            </a:prstGeom>
-            <a:ln w="6350"/>
-            <a:effectLst/>
-          </p:spPr>
-          <p:style>
-            <a:lnRef idx="2">
-              <a:schemeClr val="accent1"/>
-            </a:lnRef>
-            <a:fillRef idx="0">
-              <a:schemeClr val="accent1"/>
-            </a:fillRef>
-            <a:effectRef idx="1">
-              <a:schemeClr val="accent1"/>
+            <a:effectRef idx="0">
+              <a:schemeClr val="dk1"/>
             </a:effectRef>
             <a:fontRef idx="minor">
               <a:schemeClr val="tx1"/>
@@ -23487,49 +23709,8 @@
           </p:nvSpPr>
           <p:spPr>
             <a:xfrm>
-              <a:off x="3068678" y="3245873"/>
+              <a:off x="3131559" y="3317873"/>
               <a:ext cx="72000" cy="72000"/>
-            </a:xfrm>
-            <a:prstGeom prst="ellipse">
-              <a:avLst/>
-            </a:prstGeom>
-            <a:effectLst/>
-          </p:spPr>
-          <p:style>
-            <a:lnRef idx="1">
-              <a:schemeClr val="accent1"/>
-            </a:lnRef>
-            <a:fillRef idx="3">
-              <a:schemeClr val="accent1"/>
-            </a:fillRef>
-            <a:effectRef idx="2">
-              <a:schemeClr val="accent1"/>
-            </a:effectRef>
-            <a:fontRef idx="minor">
-              <a:schemeClr val="lt1"/>
-            </a:fontRef>
-          </p:style>
-          <p:txBody>
-            <a:bodyPr rtlCol="0" anchor="ctr"/>
-            <a:lstStyle/>
-            <a:p>
-              <a:pPr algn="ctr"/>
-              <a:endParaRPr lang="en-GB"/>
-            </a:p>
-          </p:txBody>
-        </p:sp>
-        <p:sp>
-          <p:nvSpPr>
-            <p:cNvPr id="193" name="Ellipse 192"/>
-            <p:cNvSpPr>
-              <a:spLocks noChangeAspect="1"/>
-            </p:cNvSpPr>
-            <p:nvPr/>
-          </p:nvSpPr>
-          <p:spPr>
-            <a:xfrm>
-              <a:off x="3335165" y="3090717"/>
-              <a:ext cx="54000" cy="54000"/>
             </a:xfrm>
             <a:prstGeom prst="ellipse">
               <a:avLst/>
@@ -23569,7 +23750,7 @@
           </p:nvSpPr>
           <p:spPr>
             <a:xfrm>
-              <a:off x="3608711" y="2931123"/>
+              <a:off x="3561176" y="3031136"/>
               <a:ext cx="36000" cy="36000"/>
             </a:xfrm>
             <a:prstGeom prst="ellipse">
@@ -23610,8 +23791,8 @@
           </p:nvSpPr>
           <p:spPr>
             <a:xfrm>
-              <a:off x="3883707" y="2784880"/>
-              <a:ext cx="18000" cy="18000"/>
+              <a:off x="3839396" y="2894010"/>
+              <a:ext cx="3600" cy="3600"/>
             </a:xfrm>
             <a:prstGeom prst="ellipse">
               <a:avLst/>
@@ -23651,7 +23832,7 @@
           </p:nvSpPr>
           <p:spPr>
             <a:xfrm>
-              <a:off x="3067253" y="3407061"/>
+              <a:off x="3130134" y="3479061"/>
               <a:ext cx="72000" cy="72000"/>
             </a:xfrm>
             <a:prstGeom prst="ellipse">
@@ -23692,7 +23873,7 @@
           </p:nvSpPr>
           <p:spPr>
             <a:xfrm>
-              <a:off x="3070223" y="3568249"/>
+              <a:off x="3133104" y="3640249"/>
               <a:ext cx="72000" cy="72000"/>
             </a:xfrm>
             <a:prstGeom prst="ellipse">
@@ -23733,7 +23914,7 @@
           </p:nvSpPr>
           <p:spPr>
             <a:xfrm>
-              <a:off x="3068798" y="3738225"/>
+              <a:off x="3131679" y="3810225"/>
               <a:ext cx="72000" cy="72000"/>
             </a:xfrm>
             <a:prstGeom prst="ellipse">
@@ -23774,7 +23955,7 @@
           </p:nvSpPr>
           <p:spPr>
             <a:xfrm>
-              <a:off x="3067373" y="3899413"/>
+              <a:off x="3130254" y="3971413"/>
               <a:ext cx="72000" cy="72000"/>
             </a:xfrm>
             <a:prstGeom prst="ellipse">
@@ -23815,7 +23996,7 @@
           </p:nvSpPr>
           <p:spPr>
             <a:xfrm>
-              <a:off x="3065948" y="4060601"/>
+              <a:off x="3128829" y="4132601"/>
               <a:ext cx="72000" cy="72000"/>
             </a:xfrm>
             <a:prstGeom prst="ellipse">
@@ -23856,7 +24037,7 @@
           </p:nvSpPr>
           <p:spPr>
             <a:xfrm>
-              <a:off x="3068918" y="4221789"/>
+              <a:off x="3131799" y="4293789"/>
               <a:ext cx="72000" cy="72000"/>
             </a:xfrm>
             <a:prstGeom prst="ellipse">
@@ -23897,48 +24078,7 @@
           </p:nvSpPr>
           <p:spPr>
             <a:xfrm>
-              <a:off x="3067493" y="4382977"/>
-              <a:ext cx="72000" cy="72000"/>
-            </a:xfrm>
-            <a:prstGeom prst="ellipse">
-              <a:avLst/>
-            </a:prstGeom>
-            <a:effectLst/>
-          </p:spPr>
-          <p:style>
-            <a:lnRef idx="1">
-              <a:schemeClr val="accent1"/>
-            </a:lnRef>
-            <a:fillRef idx="3">
-              <a:schemeClr val="accent1"/>
-            </a:fillRef>
-            <a:effectRef idx="2">
-              <a:schemeClr val="accent1"/>
-            </a:effectRef>
-            <a:fontRef idx="minor">
-              <a:schemeClr val="lt1"/>
-            </a:fontRef>
-          </p:style>
-          <p:txBody>
-            <a:bodyPr rtlCol="0" anchor="ctr"/>
-            <a:lstStyle/>
-            <a:p>
-              <a:pPr algn="ctr"/>
-              <a:endParaRPr lang="en-GB"/>
-            </a:p>
-          </p:txBody>
-        </p:sp>
-        <p:sp>
-          <p:nvSpPr>
-            <p:cNvPr id="204" name="Ellipse 203"/>
-            <p:cNvSpPr>
-              <a:spLocks noChangeAspect="1"/>
-            </p:cNvSpPr>
-            <p:nvPr/>
-          </p:nvSpPr>
-          <p:spPr>
-            <a:xfrm>
-              <a:off x="3066068" y="4535377"/>
+              <a:off x="3130374" y="4454977"/>
               <a:ext cx="72000" cy="72000"/>
             </a:xfrm>
             <a:prstGeom prst="ellipse">
@@ -24127,8 +24267,8 @@
           </p:nvSpPr>
           <p:spPr>
             <a:xfrm>
-              <a:off x="4079189" y="4948911"/>
-              <a:ext cx="595035" cy="307777"/>
+              <a:off x="4074380" y="4948911"/>
+              <a:ext cx="604653" cy="307777"/>
             </a:xfrm>
             <a:prstGeom prst="rect">
               <a:avLst/>
@@ -24143,13 +24283,10 @@
             <a:p>
               <a:pPr algn="ctr"/>
               <a:r>
-                <a:rPr lang="en-GB" sz="1400" dirty="0"/>
-                <a:t>d</a:t>
+                <a:rPr lang="en-GB" sz="1400" dirty="0" smtClean="0"/>
+                <a:t>width</a:t>
               </a:r>
-              <a:r>
-                <a:rPr lang="en-GB" sz="1400" dirty="0" smtClean="0"/>
-                <a:t>im Y</a:t>
-              </a:r>
+              <a:endParaRPr lang="en-GB" sz="1400" dirty="0" smtClean="0"/>
             </a:p>
           </p:txBody>
         </p:sp>
@@ -24161,8 +24298,8 @@
           </p:nvSpPr>
           <p:spPr>
             <a:xfrm>
-              <a:off x="2185147" y="3897864"/>
-              <a:ext cx="597389" cy="307777"/>
+              <a:off x="2159106" y="3897864"/>
+              <a:ext cx="649473" cy="307777"/>
             </a:xfrm>
             <a:prstGeom prst="rect">
               <a:avLst/>
@@ -24177,18 +24314,2243 @@
             <a:p>
               <a:pPr algn="ctr"/>
               <a:r>
-                <a:rPr lang="en-GB" sz="1400" dirty="0"/>
-                <a:t>d</a:t>
-              </a:r>
-              <a:r>
                 <a:rPr lang="en-GB" sz="1400" dirty="0" smtClean="0"/>
-                <a:t>im X</a:t>
+                <a:t>height</a:t>
               </a:r>
               <a:endParaRPr lang="en-GB" sz="1400" dirty="0"/>
             </a:p>
           </p:txBody>
         </p:sp>
       </p:grpSp>
+      <p:cxnSp>
+        <p:nvCxnSpPr>
+          <p:cNvPr id="117" name="Connecteur droit 116"/>
+          <p:cNvCxnSpPr/>
+          <p:nvPr/>
+        </p:nvCxnSpPr>
+        <p:spPr>
+          <a:xfrm flipV="1">
+            <a:off x="3104678" y="2799000"/>
+            <a:ext cx="788659" cy="474895"/>
+          </a:xfrm>
+          <a:prstGeom prst="line">
+            <a:avLst/>
+          </a:prstGeom>
+          <a:ln w="9525">
+            <a:solidFill>
+              <a:schemeClr val="tx1"/>
+            </a:solidFill>
+          </a:ln>
+          <a:effectLst/>
+        </p:spPr>
+        <p:style>
+          <a:lnRef idx="2">
+            <a:schemeClr val="accent1"/>
+          </a:lnRef>
+          <a:fillRef idx="0">
+            <a:schemeClr val="accent1"/>
+          </a:fillRef>
+          <a:effectRef idx="1">
+            <a:schemeClr val="accent1"/>
+          </a:effectRef>
+          <a:fontRef idx="minor">
+            <a:schemeClr val="tx1"/>
+          </a:fontRef>
+        </p:style>
+      </p:cxnSp>
+      <p:cxnSp>
+        <p:nvCxnSpPr>
+          <p:cNvPr id="207" name="Connecteur droit 206"/>
+          <p:cNvCxnSpPr/>
+          <p:nvPr/>
+        </p:nvCxnSpPr>
+        <p:spPr>
+          <a:xfrm flipV="1">
+            <a:off x="3257078" y="2796645"/>
+            <a:ext cx="793839" cy="477760"/>
+          </a:xfrm>
+          <a:prstGeom prst="line">
+            <a:avLst/>
+          </a:prstGeom>
+          <a:ln w="9525">
+            <a:solidFill>
+              <a:schemeClr val="tx1"/>
+            </a:solidFill>
+          </a:ln>
+          <a:effectLst/>
+        </p:spPr>
+        <p:style>
+          <a:lnRef idx="2">
+            <a:schemeClr val="accent1"/>
+          </a:lnRef>
+          <a:fillRef idx="0">
+            <a:schemeClr val="accent1"/>
+          </a:fillRef>
+          <a:effectRef idx="1">
+            <a:schemeClr val="accent1"/>
+          </a:effectRef>
+          <a:fontRef idx="minor">
+            <a:schemeClr val="tx1"/>
+          </a:fontRef>
+        </p:style>
+      </p:cxnSp>
+      <p:cxnSp>
+        <p:nvCxnSpPr>
+          <p:cNvPr id="212" name="Connecteur droit 211"/>
+          <p:cNvCxnSpPr/>
+          <p:nvPr/>
+        </p:nvCxnSpPr>
+        <p:spPr>
+          <a:xfrm flipV="1">
+            <a:off x="3414303" y="2794516"/>
+            <a:ext cx="793839" cy="477760"/>
+          </a:xfrm>
+          <a:prstGeom prst="line">
+            <a:avLst/>
+          </a:prstGeom>
+          <a:ln w="9525">
+            <a:solidFill>
+              <a:schemeClr val="tx1"/>
+            </a:solidFill>
+          </a:ln>
+          <a:effectLst/>
+        </p:spPr>
+        <p:style>
+          <a:lnRef idx="2">
+            <a:schemeClr val="accent1"/>
+          </a:lnRef>
+          <a:fillRef idx="0">
+            <a:schemeClr val="accent1"/>
+          </a:fillRef>
+          <a:effectRef idx="1">
+            <a:schemeClr val="accent1"/>
+          </a:effectRef>
+          <a:fontRef idx="minor">
+            <a:schemeClr val="tx1"/>
+          </a:fontRef>
+        </p:style>
+      </p:cxnSp>
+      <p:cxnSp>
+        <p:nvCxnSpPr>
+          <p:cNvPr id="213" name="Connecteur droit 212"/>
+          <p:cNvCxnSpPr/>
+          <p:nvPr/>
+        </p:nvCxnSpPr>
+        <p:spPr>
+          <a:xfrm flipV="1">
+            <a:off x="3564850" y="2794516"/>
+            <a:ext cx="793839" cy="477760"/>
+          </a:xfrm>
+          <a:prstGeom prst="line">
+            <a:avLst/>
+          </a:prstGeom>
+          <a:ln w="9525">
+            <a:solidFill>
+              <a:schemeClr val="tx1"/>
+            </a:solidFill>
+          </a:ln>
+          <a:effectLst/>
+        </p:spPr>
+        <p:style>
+          <a:lnRef idx="2">
+            <a:schemeClr val="accent1"/>
+          </a:lnRef>
+          <a:fillRef idx="0">
+            <a:schemeClr val="accent1"/>
+          </a:fillRef>
+          <a:effectRef idx="1">
+            <a:schemeClr val="accent1"/>
+          </a:effectRef>
+          <a:fontRef idx="minor">
+            <a:schemeClr val="tx1"/>
+          </a:fontRef>
+        </p:style>
+      </p:cxnSp>
+      <p:cxnSp>
+        <p:nvCxnSpPr>
+          <p:cNvPr id="214" name="Connecteur droit 213"/>
+          <p:cNvCxnSpPr/>
+          <p:nvPr/>
+        </p:nvCxnSpPr>
+        <p:spPr>
+          <a:xfrm flipV="1">
+            <a:off x="3714278" y="2796645"/>
+            <a:ext cx="793839" cy="477760"/>
+          </a:xfrm>
+          <a:prstGeom prst="line">
+            <a:avLst/>
+          </a:prstGeom>
+          <a:ln w="9525">
+            <a:solidFill>
+              <a:schemeClr val="tx1"/>
+            </a:solidFill>
+          </a:ln>
+          <a:effectLst/>
+        </p:spPr>
+        <p:style>
+          <a:lnRef idx="2">
+            <a:schemeClr val="accent1"/>
+          </a:lnRef>
+          <a:fillRef idx="0">
+            <a:schemeClr val="accent1"/>
+          </a:fillRef>
+          <a:effectRef idx="1">
+            <a:schemeClr val="accent1"/>
+          </a:effectRef>
+          <a:fontRef idx="minor">
+            <a:schemeClr val="tx1"/>
+          </a:fontRef>
+        </p:style>
+      </p:cxnSp>
+      <p:cxnSp>
+        <p:nvCxnSpPr>
+          <p:cNvPr id="215" name="Connecteur droit 214"/>
+          <p:cNvCxnSpPr/>
+          <p:nvPr/>
+        </p:nvCxnSpPr>
+        <p:spPr>
+          <a:xfrm flipV="1">
+            <a:off x="3865625" y="2798772"/>
+            <a:ext cx="793839" cy="477760"/>
+          </a:xfrm>
+          <a:prstGeom prst="line">
+            <a:avLst/>
+          </a:prstGeom>
+          <a:ln w="9525">
+            <a:solidFill>
+              <a:schemeClr val="tx1"/>
+            </a:solidFill>
+          </a:ln>
+          <a:effectLst/>
+        </p:spPr>
+        <p:style>
+          <a:lnRef idx="2">
+            <a:schemeClr val="accent1"/>
+          </a:lnRef>
+          <a:fillRef idx="0">
+            <a:schemeClr val="accent1"/>
+          </a:fillRef>
+          <a:effectRef idx="1">
+            <a:schemeClr val="accent1"/>
+          </a:effectRef>
+          <a:fontRef idx="minor">
+            <a:schemeClr val="tx1"/>
+          </a:fontRef>
+        </p:style>
+      </p:cxnSp>
+      <p:cxnSp>
+        <p:nvCxnSpPr>
+          <p:cNvPr id="216" name="Connecteur droit 215"/>
+          <p:cNvCxnSpPr/>
+          <p:nvPr/>
+        </p:nvCxnSpPr>
+        <p:spPr>
+          <a:xfrm flipV="1">
+            <a:off x="4028191" y="2794516"/>
+            <a:ext cx="793839" cy="477760"/>
+          </a:xfrm>
+          <a:prstGeom prst="line">
+            <a:avLst/>
+          </a:prstGeom>
+          <a:ln w="9525">
+            <a:solidFill>
+              <a:schemeClr val="tx1"/>
+            </a:solidFill>
+          </a:ln>
+          <a:effectLst/>
+        </p:spPr>
+        <p:style>
+          <a:lnRef idx="2">
+            <a:schemeClr val="accent1"/>
+          </a:lnRef>
+          <a:fillRef idx="0">
+            <a:schemeClr val="accent1"/>
+          </a:fillRef>
+          <a:effectRef idx="1">
+            <a:schemeClr val="accent1"/>
+          </a:effectRef>
+          <a:fontRef idx="minor">
+            <a:schemeClr val="tx1"/>
+          </a:fontRef>
+        </p:style>
+      </p:cxnSp>
+      <p:cxnSp>
+        <p:nvCxnSpPr>
+          <p:cNvPr id="217" name="Connecteur droit 216"/>
+          <p:cNvCxnSpPr/>
+          <p:nvPr/>
+        </p:nvCxnSpPr>
+        <p:spPr>
+          <a:xfrm flipV="1">
+            <a:off x="4185006" y="2794516"/>
+            <a:ext cx="793839" cy="477760"/>
+          </a:xfrm>
+          <a:prstGeom prst="line">
+            <a:avLst/>
+          </a:prstGeom>
+          <a:ln w="9525">
+            <a:solidFill>
+              <a:schemeClr val="tx1"/>
+            </a:solidFill>
+          </a:ln>
+          <a:effectLst/>
+        </p:spPr>
+        <p:style>
+          <a:lnRef idx="2">
+            <a:schemeClr val="accent1"/>
+          </a:lnRef>
+          <a:fillRef idx="0">
+            <a:schemeClr val="accent1"/>
+          </a:fillRef>
+          <a:effectRef idx="1">
+            <a:schemeClr val="accent1"/>
+          </a:effectRef>
+          <a:fontRef idx="minor">
+            <a:schemeClr val="tx1"/>
+          </a:fontRef>
+        </p:style>
+      </p:cxnSp>
+      <p:cxnSp>
+        <p:nvCxnSpPr>
+          <p:cNvPr id="218" name="Connecteur droit 217"/>
+          <p:cNvCxnSpPr/>
+          <p:nvPr/>
+        </p:nvCxnSpPr>
+        <p:spPr>
+          <a:xfrm flipV="1">
+            <a:off x="4323878" y="2794516"/>
+            <a:ext cx="793839" cy="477760"/>
+          </a:xfrm>
+          <a:prstGeom prst="line">
+            <a:avLst/>
+          </a:prstGeom>
+          <a:ln w="9525">
+            <a:solidFill>
+              <a:schemeClr val="tx1"/>
+            </a:solidFill>
+          </a:ln>
+          <a:effectLst/>
+        </p:spPr>
+        <p:style>
+          <a:lnRef idx="2">
+            <a:schemeClr val="accent1"/>
+          </a:lnRef>
+          <a:fillRef idx="0">
+            <a:schemeClr val="accent1"/>
+          </a:fillRef>
+          <a:effectRef idx="1">
+            <a:schemeClr val="accent1"/>
+          </a:effectRef>
+          <a:fontRef idx="minor">
+            <a:schemeClr val="tx1"/>
+          </a:fontRef>
+        </p:style>
+      </p:cxnSp>
+      <p:cxnSp>
+        <p:nvCxnSpPr>
+          <p:cNvPr id="219" name="Connecteur droit 218"/>
+          <p:cNvCxnSpPr/>
+          <p:nvPr/>
+        </p:nvCxnSpPr>
+        <p:spPr>
+          <a:xfrm flipV="1">
+            <a:off x="4485391" y="2792388"/>
+            <a:ext cx="793839" cy="477760"/>
+          </a:xfrm>
+          <a:prstGeom prst="line">
+            <a:avLst/>
+          </a:prstGeom>
+          <a:ln w="9525">
+            <a:solidFill>
+              <a:schemeClr val="tx1"/>
+            </a:solidFill>
+          </a:ln>
+          <a:effectLst/>
+        </p:spPr>
+        <p:style>
+          <a:lnRef idx="2">
+            <a:schemeClr val="accent1"/>
+          </a:lnRef>
+          <a:fillRef idx="0">
+            <a:schemeClr val="accent1"/>
+          </a:fillRef>
+          <a:effectRef idx="1">
+            <a:schemeClr val="accent1"/>
+          </a:effectRef>
+          <a:fontRef idx="minor">
+            <a:schemeClr val="tx1"/>
+          </a:fontRef>
+        </p:style>
+      </p:cxnSp>
+      <p:cxnSp>
+        <p:nvCxnSpPr>
+          <p:cNvPr id="220" name="Connecteur droit 219"/>
+          <p:cNvCxnSpPr/>
+          <p:nvPr/>
+        </p:nvCxnSpPr>
+        <p:spPr>
+          <a:xfrm flipV="1">
+            <a:off x="4637089" y="2796644"/>
+            <a:ext cx="793839" cy="477760"/>
+          </a:xfrm>
+          <a:prstGeom prst="line">
+            <a:avLst/>
+          </a:prstGeom>
+          <a:ln w="9525">
+            <a:solidFill>
+              <a:schemeClr val="tx1"/>
+            </a:solidFill>
+          </a:ln>
+          <a:effectLst/>
+        </p:spPr>
+        <p:style>
+          <a:lnRef idx="2">
+            <a:schemeClr val="accent1"/>
+          </a:lnRef>
+          <a:fillRef idx="0">
+            <a:schemeClr val="accent1"/>
+          </a:fillRef>
+          <a:effectRef idx="1">
+            <a:schemeClr val="accent1"/>
+          </a:effectRef>
+          <a:fontRef idx="minor">
+            <a:schemeClr val="tx1"/>
+          </a:fontRef>
+        </p:style>
+      </p:cxnSp>
+      <p:cxnSp>
+        <p:nvCxnSpPr>
+          <p:cNvPr id="221" name="Connecteur droit 220"/>
+          <p:cNvCxnSpPr/>
+          <p:nvPr/>
+        </p:nvCxnSpPr>
+        <p:spPr>
+          <a:xfrm flipV="1">
+            <a:off x="4785958" y="2796633"/>
+            <a:ext cx="793839" cy="477760"/>
+          </a:xfrm>
+          <a:prstGeom prst="line">
+            <a:avLst/>
+          </a:prstGeom>
+          <a:ln w="9525">
+            <a:solidFill>
+              <a:schemeClr val="tx1"/>
+            </a:solidFill>
+          </a:ln>
+          <a:effectLst/>
+        </p:spPr>
+        <p:style>
+          <a:lnRef idx="2">
+            <a:schemeClr val="accent1"/>
+          </a:lnRef>
+          <a:fillRef idx="0">
+            <a:schemeClr val="accent1"/>
+          </a:fillRef>
+          <a:effectRef idx="1">
+            <a:schemeClr val="accent1"/>
+          </a:effectRef>
+          <a:fontRef idx="minor">
+            <a:schemeClr val="tx1"/>
+          </a:fontRef>
+        </p:style>
+      </p:cxnSp>
+      <p:cxnSp>
+        <p:nvCxnSpPr>
+          <p:cNvPr id="222" name="Connecteur droit 221"/>
+          <p:cNvCxnSpPr/>
+          <p:nvPr/>
+        </p:nvCxnSpPr>
+        <p:spPr>
+          <a:xfrm flipV="1">
+            <a:off x="4941538" y="2796633"/>
+            <a:ext cx="793839" cy="477760"/>
+          </a:xfrm>
+          <a:prstGeom prst="line">
+            <a:avLst/>
+          </a:prstGeom>
+          <a:ln w="9525">
+            <a:solidFill>
+              <a:schemeClr val="tx1"/>
+            </a:solidFill>
+          </a:ln>
+          <a:effectLst/>
+        </p:spPr>
+        <p:style>
+          <a:lnRef idx="2">
+            <a:schemeClr val="accent1"/>
+          </a:lnRef>
+          <a:fillRef idx="0">
+            <a:schemeClr val="accent1"/>
+          </a:fillRef>
+          <a:effectRef idx="1">
+            <a:schemeClr val="accent1"/>
+          </a:effectRef>
+          <a:fontRef idx="minor">
+            <a:schemeClr val="tx1"/>
+          </a:fontRef>
+        </p:style>
+      </p:cxnSp>
+      <p:cxnSp>
+        <p:nvCxnSpPr>
+          <p:cNvPr id="223" name="Connecteur droit 222"/>
+          <p:cNvCxnSpPr/>
+          <p:nvPr/>
+        </p:nvCxnSpPr>
+        <p:spPr>
+          <a:xfrm flipV="1">
+            <a:off x="5093587" y="2794516"/>
+            <a:ext cx="793839" cy="477760"/>
+          </a:xfrm>
+          <a:prstGeom prst="line">
+            <a:avLst/>
+          </a:prstGeom>
+          <a:ln w="9525">
+            <a:solidFill>
+              <a:schemeClr val="tx1"/>
+            </a:solidFill>
+          </a:ln>
+          <a:effectLst/>
+        </p:spPr>
+        <p:style>
+          <a:lnRef idx="2">
+            <a:schemeClr val="accent1"/>
+          </a:lnRef>
+          <a:fillRef idx="0">
+            <a:schemeClr val="accent1"/>
+          </a:fillRef>
+          <a:effectRef idx="1">
+            <a:schemeClr val="accent1"/>
+          </a:effectRef>
+          <a:fontRef idx="minor">
+            <a:schemeClr val="tx1"/>
+          </a:fontRef>
+        </p:style>
+      </p:cxnSp>
+      <p:cxnSp>
+        <p:nvCxnSpPr>
+          <p:cNvPr id="224" name="Connecteur droit 223"/>
+          <p:cNvCxnSpPr/>
+          <p:nvPr/>
+        </p:nvCxnSpPr>
+        <p:spPr>
+          <a:xfrm flipV="1">
+            <a:off x="5245987" y="2796633"/>
+            <a:ext cx="793839" cy="477760"/>
+          </a:xfrm>
+          <a:prstGeom prst="line">
+            <a:avLst/>
+          </a:prstGeom>
+          <a:ln w="9525">
+            <a:solidFill>
+              <a:schemeClr val="tx1"/>
+            </a:solidFill>
+          </a:ln>
+          <a:effectLst/>
+        </p:spPr>
+        <p:style>
+          <a:lnRef idx="2">
+            <a:schemeClr val="accent1"/>
+          </a:lnRef>
+          <a:fillRef idx="0">
+            <a:schemeClr val="accent1"/>
+          </a:fillRef>
+          <a:effectRef idx="1">
+            <a:schemeClr val="accent1"/>
+          </a:effectRef>
+          <a:fontRef idx="minor">
+            <a:schemeClr val="tx1"/>
+          </a:fontRef>
+        </p:style>
+      </p:cxnSp>
+      <p:cxnSp>
+        <p:nvCxnSpPr>
+          <p:cNvPr id="225" name="Connecteur droit 224"/>
+          <p:cNvCxnSpPr/>
+          <p:nvPr/>
+        </p:nvCxnSpPr>
+        <p:spPr>
+          <a:xfrm flipV="1">
+            <a:off x="5398387" y="2794516"/>
+            <a:ext cx="793839" cy="477760"/>
+          </a:xfrm>
+          <a:prstGeom prst="line">
+            <a:avLst/>
+          </a:prstGeom>
+          <a:ln w="9525">
+            <a:solidFill>
+              <a:schemeClr val="tx1"/>
+            </a:solidFill>
+          </a:ln>
+          <a:effectLst/>
+        </p:spPr>
+        <p:style>
+          <a:lnRef idx="2">
+            <a:schemeClr val="accent1"/>
+          </a:lnRef>
+          <a:fillRef idx="0">
+            <a:schemeClr val="accent1"/>
+          </a:fillRef>
+          <a:effectRef idx="1">
+            <a:schemeClr val="accent1"/>
+          </a:effectRef>
+          <a:fontRef idx="minor">
+            <a:schemeClr val="tx1"/>
+          </a:fontRef>
+        </p:style>
+      </p:cxnSp>
+      <p:cxnSp>
+        <p:nvCxnSpPr>
+          <p:cNvPr id="226" name="Connecteur droit 225"/>
+          <p:cNvCxnSpPr/>
+          <p:nvPr/>
+        </p:nvCxnSpPr>
+        <p:spPr>
+          <a:xfrm flipV="1">
+            <a:off x="5543078" y="2794516"/>
+            <a:ext cx="793839" cy="477760"/>
+          </a:xfrm>
+          <a:prstGeom prst="line">
+            <a:avLst/>
+          </a:prstGeom>
+          <a:ln w="9525">
+            <a:solidFill>
+              <a:schemeClr val="tx1"/>
+            </a:solidFill>
+          </a:ln>
+          <a:effectLst/>
+        </p:spPr>
+        <p:style>
+          <a:lnRef idx="2">
+            <a:schemeClr val="accent1"/>
+          </a:lnRef>
+          <a:fillRef idx="0">
+            <a:schemeClr val="accent1"/>
+          </a:fillRef>
+          <a:effectRef idx="1">
+            <a:schemeClr val="accent1"/>
+          </a:effectRef>
+          <a:fontRef idx="minor">
+            <a:schemeClr val="tx1"/>
+          </a:fontRef>
+        </p:style>
+      </p:cxnSp>
+      <p:cxnSp>
+        <p:nvCxnSpPr>
+          <p:cNvPr id="227" name="Connecteur droit 226"/>
+          <p:cNvCxnSpPr/>
+          <p:nvPr/>
+        </p:nvCxnSpPr>
+        <p:spPr>
+          <a:xfrm flipV="1">
+            <a:off x="5702485" y="2796633"/>
+            <a:ext cx="793839" cy="477760"/>
+          </a:xfrm>
+          <a:prstGeom prst="line">
+            <a:avLst/>
+          </a:prstGeom>
+          <a:ln w="9525">
+            <a:solidFill>
+              <a:schemeClr val="tx1"/>
+            </a:solidFill>
+          </a:ln>
+          <a:effectLst/>
+        </p:spPr>
+        <p:style>
+          <a:lnRef idx="2">
+            <a:schemeClr val="accent1"/>
+          </a:lnRef>
+          <a:fillRef idx="0">
+            <a:schemeClr val="accent1"/>
+          </a:fillRef>
+          <a:effectRef idx="1">
+            <a:schemeClr val="accent1"/>
+          </a:effectRef>
+          <a:fontRef idx="minor">
+            <a:schemeClr val="tx1"/>
+          </a:fontRef>
+        </p:style>
+      </p:cxnSp>
+      <p:cxnSp>
+        <p:nvCxnSpPr>
+          <p:cNvPr id="228" name="Connecteur droit 227"/>
+          <p:cNvCxnSpPr/>
+          <p:nvPr/>
+        </p:nvCxnSpPr>
+        <p:spPr>
+          <a:xfrm flipH="1">
+            <a:off x="3099053" y="3430969"/>
+            <a:ext cx="2603432" cy="0"/>
+          </a:xfrm>
+          <a:prstGeom prst="line">
+            <a:avLst/>
+          </a:prstGeom>
+          <a:ln w="9525">
+            <a:solidFill>
+              <a:schemeClr val="tx1"/>
+            </a:solidFill>
+          </a:ln>
+          <a:effectLst/>
+        </p:spPr>
+        <p:style>
+          <a:lnRef idx="2">
+            <a:schemeClr val="accent1"/>
+          </a:lnRef>
+          <a:fillRef idx="0">
+            <a:schemeClr val="accent1"/>
+          </a:fillRef>
+          <a:effectRef idx="1">
+            <a:schemeClr val="accent1"/>
+          </a:effectRef>
+          <a:fontRef idx="minor">
+            <a:schemeClr val="tx1"/>
+          </a:fontRef>
+        </p:style>
+      </p:cxnSp>
+      <p:cxnSp>
+        <p:nvCxnSpPr>
+          <p:cNvPr id="229" name="Connecteur droit 228"/>
+          <p:cNvCxnSpPr/>
+          <p:nvPr/>
+        </p:nvCxnSpPr>
+        <p:spPr>
+          <a:xfrm flipH="1">
+            <a:off x="3100541" y="3611944"/>
+            <a:ext cx="2603432" cy="0"/>
+          </a:xfrm>
+          <a:prstGeom prst="line">
+            <a:avLst/>
+          </a:prstGeom>
+          <a:ln w="9525">
+            <a:solidFill>
+              <a:schemeClr val="tx1"/>
+            </a:solidFill>
+          </a:ln>
+          <a:effectLst/>
+        </p:spPr>
+        <p:style>
+          <a:lnRef idx="2">
+            <a:schemeClr val="accent1"/>
+          </a:lnRef>
+          <a:fillRef idx="0">
+            <a:schemeClr val="accent1"/>
+          </a:fillRef>
+          <a:effectRef idx="1">
+            <a:schemeClr val="accent1"/>
+          </a:effectRef>
+          <a:fontRef idx="minor">
+            <a:schemeClr val="tx1"/>
+          </a:fontRef>
+        </p:style>
+      </p:cxnSp>
+      <p:cxnSp>
+        <p:nvCxnSpPr>
+          <p:cNvPr id="230" name="Connecteur droit 229"/>
+          <p:cNvCxnSpPr/>
+          <p:nvPr/>
+        </p:nvCxnSpPr>
+        <p:spPr>
+          <a:xfrm flipH="1">
+            <a:off x="3102217" y="3764344"/>
+            <a:ext cx="2603432" cy="0"/>
+          </a:xfrm>
+          <a:prstGeom prst="line">
+            <a:avLst/>
+          </a:prstGeom>
+          <a:ln w="9525">
+            <a:solidFill>
+              <a:schemeClr val="tx1"/>
+            </a:solidFill>
+          </a:ln>
+          <a:effectLst/>
+        </p:spPr>
+        <p:style>
+          <a:lnRef idx="2">
+            <a:schemeClr val="accent1"/>
+          </a:lnRef>
+          <a:fillRef idx="0">
+            <a:schemeClr val="accent1"/>
+          </a:fillRef>
+          <a:effectRef idx="1">
+            <a:schemeClr val="accent1"/>
+          </a:effectRef>
+          <a:fontRef idx="minor">
+            <a:schemeClr val="tx1"/>
+          </a:fontRef>
+        </p:style>
+      </p:cxnSp>
+      <p:cxnSp>
+        <p:nvCxnSpPr>
+          <p:cNvPr id="231" name="Connecteur droit 230"/>
+          <p:cNvCxnSpPr/>
+          <p:nvPr/>
+        </p:nvCxnSpPr>
+        <p:spPr>
+          <a:xfrm flipH="1">
+            <a:off x="3102217" y="3932619"/>
+            <a:ext cx="2603432" cy="0"/>
+          </a:xfrm>
+          <a:prstGeom prst="line">
+            <a:avLst/>
+          </a:prstGeom>
+          <a:ln w="9525">
+            <a:solidFill>
+              <a:schemeClr val="tx1"/>
+            </a:solidFill>
+          </a:ln>
+          <a:effectLst/>
+        </p:spPr>
+        <p:style>
+          <a:lnRef idx="2">
+            <a:schemeClr val="accent1"/>
+          </a:lnRef>
+          <a:fillRef idx="0">
+            <a:schemeClr val="accent1"/>
+          </a:fillRef>
+          <a:effectRef idx="1">
+            <a:schemeClr val="accent1"/>
+          </a:effectRef>
+          <a:fontRef idx="minor">
+            <a:schemeClr val="tx1"/>
+          </a:fontRef>
+        </p:style>
+      </p:cxnSp>
+      <p:cxnSp>
+        <p:nvCxnSpPr>
+          <p:cNvPr id="232" name="Connecteur droit 231"/>
+          <p:cNvCxnSpPr/>
+          <p:nvPr/>
+        </p:nvCxnSpPr>
+        <p:spPr>
+          <a:xfrm flipH="1">
+            <a:off x="3102217" y="4072319"/>
+            <a:ext cx="2603432" cy="0"/>
+          </a:xfrm>
+          <a:prstGeom prst="line">
+            <a:avLst/>
+          </a:prstGeom>
+          <a:ln w="9525">
+            <a:solidFill>
+              <a:schemeClr val="tx1"/>
+            </a:solidFill>
+          </a:ln>
+          <a:effectLst/>
+        </p:spPr>
+        <p:style>
+          <a:lnRef idx="2">
+            <a:schemeClr val="accent1"/>
+          </a:lnRef>
+          <a:fillRef idx="0">
+            <a:schemeClr val="accent1"/>
+          </a:fillRef>
+          <a:effectRef idx="1">
+            <a:schemeClr val="accent1"/>
+          </a:effectRef>
+          <a:fontRef idx="minor">
+            <a:schemeClr val="tx1"/>
+          </a:fontRef>
+        </p:style>
+      </p:cxnSp>
+      <p:cxnSp>
+        <p:nvCxnSpPr>
+          <p:cNvPr id="233" name="Connecteur droit 232"/>
+          <p:cNvCxnSpPr/>
+          <p:nvPr/>
+        </p:nvCxnSpPr>
+        <p:spPr>
+          <a:xfrm flipH="1">
+            <a:off x="3104678" y="4244406"/>
+            <a:ext cx="2603432" cy="0"/>
+          </a:xfrm>
+          <a:prstGeom prst="line">
+            <a:avLst/>
+          </a:prstGeom>
+          <a:ln w="9525">
+            <a:solidFill>
+              <a:schemeClr val="tx1"/>
+            </a:solidFill>
+          </a:ln>
+          <a:effectLst/>
+        </p:spPr>
+        <p:style>
+          <a:lnRef idx="2">
+            <a:schemeClr val="accent1"/>
+          </a:lnRef>
+          <a:fillRef idx="0">
+            <a:schemeClr val="accent1"/>
+          </a:fillRef>
+          <a:effectRef idx="1">
+            <a:schemeClr val="accent1"/>
+          </a:effectRef>
+          <a:fontRef idx="minor">
+            <a:schemeClr val="tx1"/>
+          </a:fontRef>
+        </p:style>
+      </p:cxnSp>
+      <p:cxnSp>
+        <p:nvCxnSpPr>
+          <p:cNvPr id="234" name="Connecteur droit 233"/>
+          <p:cNvCxnSpPr/>
+          <p:nvPr/>
+        </p:nvCxnSpPr>
+        <p:spPr>
+          <a:xfrm flipH="1">
+            <a:off x="3090865" y="4420070"/>
+            <a:ext cx="775111" cy="0"/>
+          </a:xfrm>
+          <a:prstGeom prst="line">
+            <a:avLst/>
+          </a:prstGeom>
+          <a:ln w="9525">
+            <a:solidFill>
+              <a:schemeClr val="tx1"/>
+            </a:solidFill>
+          </a:ln>
+          <a:effectLst/>
+        </p:spPr>
+        <p:style>
+          <a:lnRef idx="2">
+            <a:schemeClr val="accent1"/>
+          </a:lnRef>
+          <a:fillRef idx="0">
+            <a:schemeClr val="accent1"/>
+          </a:fillRef>
+          <a:effectRef idx="1">
+            <a:schemeClr val="accent1"/>
+          </a:effectRef>
+          <a:fontRef idx="minor">
+            <a:schemeClr val="tx1"/>
+          </a:fontRef>
+        </p:style>
+      </p:cxnSp>
+      <p:cxnSp>
+        <p:nvCxnSpPr>
+          <p:cNvPr id="235" name="Connecteur droit 234"/>
+          <p:cNvCxnSpPr/>
+          <p:nvPr/>
+        </p:nvCxnSpPr>
+        <p:spPr>
+          <a:xfrm flipH="1">
+            <a:off x="4941889" y="4420070"/>
+            <a:ext cx="763761" cy="0"/>
+          </a:xfrm>
+          <a:prstGeom prst="line">
+            <a:avLst/>
+          </a:prstGeom>
+          <a:ln w="9525">
+            <a:solidFill>
+              <a:schemeClr val="tx1"/>
+            </a:solidFill>
+          </a:ln>
+          <a:effectLst/>
+        </p:spPr>
+        <p:style>
+          <a:lnRef idx="2">
+            <a:schemeClr val="accent1"/>
+          </a:lnRef>
+          <a:fillRef idx="0">
+            <a:schemeClr val="accent1"/>
+          </a:fillRef>
+          <a:effectRef idx="1">
+            <a:schemeClr val="accent1"/>
+          </a:effectRef>
+          <a:fontRef idx="minor">
+            <a:schemeClr val="tx1"/>
+          </a:fontRef>
+        </p:style>
+      </p:cxnSp>
+      <p:cxnSp>
+        <p:nvCxnSpPr>
+          <p:cNvPr id="237" name="Connecteur droit 236"/>
+          <p:cNvCxnSpPr/>
+          <p:nvPr/>
+        </p:nvCxnSpPr>
+        <p:spPr>
+          <a:xfrm flipV="1">
+            <a:off x="3254821" y="3279196"/>
+            <a:ext cx="2257" cy="1302115"/>
+          </a:xfrm>
+          <a:prstGeom prst="line">
+            <a:avLst/>
+          </a:prstGeom>
+          <a:ln w="9525">
+            <a:solidFill>
+              <a:schemeClr val="tx1"/>
+            </a:solidFill>
+          </a:ln>
+          <a:effectLst/>
+        </p:spPr>
+        <p:style>
+          <a:lnRef idx="2">
+            <a:schemeClr val="accent1"/>
+          </a:lnRef>
+          <a:fillRef idx="0">
+            <a:schemeClr val="accent1"/>
+          </a:fillRef>
+          <a:effectRef idx="1">
+            <a:schemeClr val="accent1"/>
+          </a:effectRef>
+          <a:fontRef idx="minor">
+            <a:schemeClr val="tx1"/>
+          </a:fontRef>
+        </p:style>
+      </p:cxnSp>
+      <p:cxnSp>
+        <p:nvCxnSpPr>
+          <p:cNvPr id="238" name="Connecteur droit 237"/>
+          <p:cNvCxnSpPr/>
+          <p:nvPr/>
+        </p:nvCxnSpPr>
+        <p:spPr>
+          <a:xfrm flipV="1">
+            <a:off x="3409338" y="3273888"/>
+            <a:ext cx="0" cy="1303183"/>
+          </a:xfrm>
+          <a:prstGeom prst="line">
+            <a:avLst/>
+          </a:prstGeom>
+          <a:ln w="9525">
+            <a:solidFill>
+              <a:schemeClr val="tx1"/>
+            </a:solidFill>
+          </a:ln>
+          <a:effectLst/>
+        </p:spPr>
+        <p:style>
+          <a:lnRef idx="2">
+            <a:schemeClr val="accent1"/>
+          </a:lnRef>
+          <a:fillRef idx="0">
+            <a:schemeClr val="accent1"/>
+          </a:fillRef>
+          <a:effectRef idx="1">
+            <a:schemeClr val="accent1"/>
+          </a:effectRef>
+          <a:fontRef idx="minor">
+            <a:schemeClr val="tx1"/>
+          </a:fontRef>
+        </p:style>
+      </p:cxnSp>
+      <p:cxnSp>
+        <p:nvCxnSpPr>
+          <p:cNvPr id="239" name="Connecteur droit 238"/>
+          <p:cNvCxnSpPr/>
+          <p:nvPr/>
+        </p:nvCxnSpPr>
+        <p:spPr>
+          <a:xfrm flipV="1">
+            <a:off x="3559621" y="3273892"/>
+            <a:ext cx="0" cy="1303183"/>
+          </a:xfrm>
+          <a:prstGeom prst="line">
+            <a:avLst/>
+          </a:prstGeom>
+          <a:ln w="9525">
+            <a:solidFill>
+              <a:schemeClr val="tx1"/>
+            </a:solidFill>
+          </a:ln>
+          <a:effectLst/>
+        </p:spPr>
+        <p:style>
+          <a:lnRef idx="2">
+            <a:schemeClr val="accent1"/>
+          </a:lnRef>
+          <a:fillRef idx="0">
+            <a:schemeClr val="accent1"/>
+          </a:fillRef>
+          <a:effectRef idx="1">
+            <a:schemeClr val="accent1"/>
+          </a:effectRef>
+          <a:fontRef idx="minor">
+            <a:schemeClr val="tx1"/>
+          </a:fontRef>
+        </p:style>
+      </p:cxnSp>
+      <p:cxnSp>
+        <p:nvCxnSpPr>
+          <p:cNvPr id="240" name="Connecteur droit 239"/>
+          <p:cNvCxnSpPr/>
+          <p:nvPr/>
+        </p:nvCxnSpPr>
+        <p:spPr>
+          <a:xfrm flipV="1">
+            <a:off x="3712021" y="3274949"/>
+            <a:ext cx="0" cy="1303183"/>
+          </a:xfrm>
+          <a:prstGeom prst="line">
+            <a:avLst/>
+          </a:prstGeom>
+          <a:ln w="9525">
+            <a:solidFill>
+              <a:schemeClr val="tx1"/>
+            </a:solidFill>
+          </a:ln>
+          <a:effectLst/>
+        </p:spPr>
+        <p:style>
+          <a:lnRef idx="2">
+            <a:schemeClr val="accent1"/>
+          </a:lnRef>
+          <a:fillRef idx="0">
+            <a:schemeClr val="accent1"/>
+          </a:fillRef>
+          <a:effectRef idx="1">
+            <a:schemeClr val="accent1"/>
+          </a:effectRef>
+          <a:fontRef idx="minor">
+            <a:schemeClr val="tx1"/>
+          </a:fontRef>
+        </p:style>
+      </p:cxnSp>
+      <p:cxnSp>
+        <p:nvCxnSpPr>
+          <p:cNvPr id="241" name="Connecteur droit 240"/>
+          <p:cNvCxnSpPr/>
+          <p:nvPr/>
+        </p:nvCxnSpPr>
+        <p:spPr>
+          <a:xfrm flipV="1">
+            <a:off x="3864421" y="3276537"/>
+            <a:ext cx="0" cy="1303183"/>
+          </a:xfrm>
+          <a:prstGeom prst="line">
+            <a:avLst/>
+          </a:prstGeom>
+          <a:ln w="9525">
+            <a:solidFill>
+              <a:schemeClr val="tx1"/>
+            </a:solidFill>
+          </a:ln>
+          <a:effectLst/>
+        </p:spPr>
+        <p:style>
+          <a:lnRef idx="2">
+            <a:schemeClr val="accent1"/>
+          </a:lnRef>
+          <a:fillRef idx="0">
+            <a:schemeClr val="accent1"/>
+          </a:fillRef>
+          <a:effectRef idx="1">
+            <a:schemeClr val="accent1"/>
+          </a:effectRef>
+          <a:fontRef idx="minor">
+            <a:schemeClr val="tx1"/>
+          </a:fontRef>
+        </p:style>
+      </p:cxnSp>
+      <p:cxnSp>
+        <p:nvCxnSpPr>
+          <p:cNvPr id="242" name="Connecteur droit 241"/>
+          <p:cNvCxnSpPr/>
+          <p:nvPr/>
+        </p:nvCxnSpPr>
+        <p:spPr>
+          <a:xfrm flipV="1">
+            <a:off x="4027406" y="3276565"/>
+            <a:ext cx="0" cy="969222"/>
+          </a:xfrm>
+          <a:prstGeom prst="line">
+            <a:avLst/>
+          </a:prstGeom>
+          <a:ln w="9525">
+            <a:solidFill>
+              <a:schemeClr val="tx1"/>
+            </a:solidFill>
+          </a:ln>
+          <a:effectLst/>
+        </p:spPr>
+        <p:style>
+          <a:lnRef idx="2">
+            <a:schemeClr val="accent1"/>
+          </a:lnRef>
+          <a:fillRef idx="0">
+            <a:schemeClr val="accent1"/>
+          </a:fillRef>
+          <a:effectRef idx="1">
+            <a:schemeClr val="accent1"/>
+          </a:effectRef>
+          <a:fontRef idx="minor">
+            <a:schemeClr val="tx1"/>
+          </a:fontRef>
+        </p:style>
+      </p:cxnSp>
+      <p:cxnSp>
+        <p:nvCxnSpPr>
+          <p:cNvPr id="243" name="Connecteur droit 242"/>
+          <p:cNvCxnSpPr/>
+          <p:nvPr/>
+        </p:nvCxnSpPr>
+        <p:spPr>
+          <a:xfrm flipV="1">
+            <a:off x="4179806" y="3270148"/>
+            <a:ext cx="5200" cy="970883"/>
+          </a:xfrm>
+          <a:prstGeom prst="line">
+            <a:avLst/>
+          </a:prstGeom>
+          <a:ln w="9525">
+            <a:solidFill>
+              <a:schemeClr val="tx1"/>
+            </a:solidFill>
+          </a:ln>
+          <a:effectLst/>
+        </p:spPr>
+        <p:style>
+          <a:lnRef idx="2">
+            <a:schemeClr val="accent1"/>
+          </a:lnRef>
+          <a:fillRef idx="0">
+            <a:schemeClr val="accent1"/>
+          </a:fillRef>
+          <a:effectRef idx="1">
+            <a:schemeClr val="accent1"/>
+          </a:effectRef>
+          <a:fontRef idx="minor">
+            <a:schemeClr val="tx1"/>
+          </a:fontRef>
+        </p:style>
+      </p:cxnSp>
+      <p:cxnSp>
+        <p:nvCxnSpPr>
+          <p:cNvPr id="244" name="Connecteur droit 243"/>
+          <p:cNvCxnSpPr/>
+          <p:nvPr/>
+        </p:nvCxnSpPr>
+        <p:spPr>
+          <a:xfrm flipV="1">
+            <a:off x="4323878" y="3268666"/>
+            <a:ext cx="6353" cy="977121"/>
+          </a:xfrm>
+          <a:prstGeom prst="line">
+            <a:avLst/>
+          </a:prstGeom>
+          <a:ln w="9525">
+            <a:solidFill>
+              <a:schemeClr val="tx1"/>
+            </a:solidFill>
+          </a:ln>
+          <a:effectLst/>
+        </p:spPr>
+        <p:style>
+          <a:lnRef idx="2">
+            <a:schemeClr val="accent1"/>
+          </a:lnRef>
+          <a:fillRef idx="0">
+            <a:schemeClr val="accent1"/>
+          </a:fillRef>
+          <a:effectRef idx="1">
+            <a:schemeClr val="accent1"/>
+          </a:effectRef>
+          <a:fontRef idx="minor">
+            <a:schemeClr val="tx1"/>
+          </a:fontRef>
+        </p:style>
+      </p:cxnSp>
+      <p:cxnSp>
+        <p:nvCxnSpPr>
+          <p:cNvPr id="245" name="Connecteur droit 244"/>
+          <p:cNvCxnSpPr/>
+          <p:nvPr/>
+        </p:nvCxnSpPr>
+        <p:spPr>
+          <a:xfrm flipV="1">
+            <a:off x="4486276" y="3271773"/>
+            <a:ext cx="0" cy="967301"/>
+          </a:xfrm>
+          <a:prstGeom prst="line">
+            <a:avLst/>
+          </a:prstGeom>
+          <a:ln w="9525">
+            <a:solidFill>
+              <a:schemeClr val="tx1"/>
+            </a:solidFill>
+          </a:ln>
+          <a:effectLst/>
+        </p:spPr>
+        <p:style>
+          <a:lnRef idx="2">
+            <a:schemeClr val="accent1"/>
+          </a:lnRef>
+          <a:fillRef idx="0">
+            <a:schemeClr val="accent1"/>
+          </a:fillRef>
+          <a:effectRef idx="1">
+            <a:schemeClr val="accent1"/>
+          </a:effectRef>
+          <a:fontRef idx="minor">
+            <a:schemeClr val="tx1"/>
+          </a:fontRef>
+        </p:style>
+      </p:cxnSp>
+      <p:cxnSp>
+        <p:nvCxnSpPr>
+          <p:cNvPr id="246" name="Connecteur droit 245"/>
+          <p:cNvCxnSpPr/>
+          <p:nvPr/>
+        </p:nvCxnSpPr>
+        <p:spPr>
+          <a:xfrm flipV="1">
+            <a:off x="4636477" y="3271735"/>
+            <a:ext cx="0" cy="973514"/>
+          </a:xfrm>
+          <a:prstGeom prst="line">
+            <a:avLst/>
+          </a:prstGeom>
+          <a:ln w="9525">
+            <a:solidFill>
+              <a:schemeClr val="tx1"/>
+            </a:solidFill>
+          </a:ln>
+          <a:effectLst/>
+        </p:spPr>
+        <p:style>
+          <a:lnRef idx="2">
+            <a:schemeClr val="accent1"/>
+          </a:lnRef>
+          <a:fillRef idx="0">
+            <a:schemeClr val="accent1"/>
+          </a:fillRef>
+          <a:effectRef idx="1">
+            <a:schemeClr val="accent1"/>
+          </a:effectRef>
+          <a:fontRef idx="minor">
+            <a:schemeClr val="tx1"/>
+          </a:fontRef>
+        </p:style>
+      </p:cxnSp>
+      <p:cxnSp>
+        <p:nvCxnSpPr>
+          <p:cNvPr id="247" name="Connecteur droit 246"/>
+          <p:cNvCxnSpPr/>
+          <p:nvPr/>
+        </p:nvCxnSpPr>
+        <p:spPr>
+          <a:xfrm flipV="1">
+            <a:off x="4788877" y="3270148"/>
+            <a:ext cx="0" cy="970514"/>
+          </a:xfrm>
+          <a:prstGeom prst="line">
+            <a:avLst/>
+          </a:prstGeom>
+          <a:ln w="9525">
+            <a:solidFill>
+              <a:schemeClr val="tx1"/>
+            </a:solidFill>
+          </a:ln>
+          <a:effectLst/>
+        </p:spPr>
+        <p:style>
+          <a:lnRef idx="2">
+            <a:schemeClr val="accent1"/>
+          </a:lnRef>
+          <a:fillRef idx="0">
+            <a:schemeClr val="accent1"/>
+          </a:fillRef>
+          <a:effectRef idx="1">
+            <a:schemeClr val="accent1"/>
+          </a:effectRef>
+          <a:fontRef idx="minor">
+            <a:schemeClr val="tx1"/>
+          </a:fontRef>
+        </p:style>
+      </p:cxnSp>
+      <p:cxnSp>
+        <p:nvCxnSpPr>
+          <p:cNvPr id="252" name="Connecteur droit 251"/>
+          <p:cNvCxnSpPr/>
+          <p:nvPr/>
+        </p:nvCxnSpPr>
+        <p:spPr>
+          <a:xfrm flipV="1">
+            <a:off x="5549289" y="3270148"/>
+            <a:ext cx="0" cy="1308641"/>
+          </a:xfrm>
+          <a:prstGeom prst="line">
+            <a:avLst/>
+          </a:prstGeom>
+          <a:ln w="9525">
+            <a:solidFill>
+              <a:schemeClr val="tx1"/>
+            </a:solidFill>
+          </a:ln>
+          <a:effectLst/>
+        </p:spPr>
+        <p:style>
+          <a:lnRef idx="2">
+            <a:schemeClr val="accent1"/>
+          </a:lnRef>
+          <a:fillRef idx="0">
+            <a:schemeClr val="accent1"/>
+          </a:fillRef>
+          <a:effectRef idx="1">
+            <a:schemeClr val="accent1"/>
+          </a:effectRef>
+          <a:fontRef idx="minor">
+            <a:schemeClr val="tx1"/>
+          </a:fontRef>
+        </p:style>
+      </p:cxnSp>
+      <p:cxnSp>
+        <p:nvCxnSpPr>
+          <p:cNvPr id="253" name="Connecteur droit 252"/>
+          <p:cNvCxnSpPr/>
+          <p:nvPr/>
+        </p:nvCxnSpPr>
+        <p:spPr>
+          <a:xfrm flipV="1">
+            <a:off x="5398462" y="3273357"/>
+            <a:ext cx="276" cy="1307939"/>
+          </a:xfrm>
+          <a:prstGeom prst="line">
+            <a:avLst/>
+          </a:prstGeom>
+          <a:ln w="9525">
+            <a:solidFill>
+              <a:schemeClr val="tx1"/>
+            </a:solidFill>
+          </a:ln>
+          <a:effectLst/>
+        </p:spPr>
+        <p:style>
+          <a:lnRef idx="2">
+            <a:schemeClr val="accent1"/>
+          </a:lnRef>
+          <a:fillRef idx="0">
+            <a:schemeClr val="accent1"/>
+          </a:fillRef>
+          <a:effectRef idx="1">
+            <a:schemeClr val="accent1"/>
+          </a:effectRef>
+          <a:fontRef idx="minor">
+            <a:schemeClr val="tx1"/>
+          </a:fontRef>
+        </p:style>
+      </p:cxnSp>
+      <p:cxnSp>
+        <p:nvCxnSpPr>
+          <p:cNvPr id="254" name="Connecteur droit 253"/>
+          <p:cNvCxnSpPr/>
+          <p:nvPr/>
+        </p:nvCxnSpPr>
+        <p:spPr>
+          <a:xfrm flipV="1">
+            <a:off x="4941267" y="3270139"/>
+            <a:ext cx="0" cy="1308641"/>
+          </a:xfrm>
+          <a:prstGeom prst="line">
+            <a:avLst/>
+          </a:prstGeom>
+          <a:ln w="9525">
+            <a:solidFill>
+              <a:schemeClr val="tx1"/>
+            </a:solidFill>
+          </a:ln>
+          <a:effectLst/>
+        </p:spPr>
+        <p:style>
+          <a:lnRef idx="2">
+            <a:schemeClr val="accent1"/>
+          </a:lnRef>
+          <a:fillRef idx="0">
+            <a:schemeClr val="accent1"/>
+          </a:fillRef>
+          <a:effectRef idx="1">
+            <a:schemeClr val="accent1"/>
+          </a:effectRef>
+          <a:fontRef idx="minor">
+            <a:schemeClr val="tx1"/>
+          </a:fontRef>
+        </p:style>
+      </p:cxnSp>
+      <p:cxnSp>
+        <p:nvCxnSpPr>
+          <p:cNvPr id="255" name="Connecteur droit 254"/>
+          <p:cNvCxnSpPr/>
+          <p:nvPr/>
+        </p:nvCxnSpPr>
+        <p:spPr>
+          <a:xfrm flipV="1">
+            <a:off x="5093662" y="3273323"/>
+            <a:ext cx="0" cy="1308641"/>
+          </a:xfrm>
+          <a:prstGeom prst="line">
+            <a:avLst/>
+          </a:prstGeom>
+          <a:ln w="9525">
+            <a:solidFill>
+              <a:schemeClr val="tx1"/>
+            </a:solidFill>
+          </a:ln>
+          <a:effectLst/>
+        </p:spPr>
+        <p:style>
+          <a:lnRef idx="2">
+            <a:schemeClr val="accent1"/>
+          </a:lnRef>
+          <a:fillRef idx="0">
+            <a:schemeClr val="accent1"/>
+          </a:fillRef>
+          <a:effectRef idx="1">
+            <a:schemeClr val="accent1"/>
+          </a:effectRef>
+          <a:fontRef idx="minor">
+            <a:schemeClr val="tx1"/>
+          </a:fontRef>
+        </p:style>
+      </p:cxnSp>
+      <p:cxnSp>
+        <p:nvCxnSpPr>
+          <p:cNvPr id="256" name="Connecteur droit 255"/>
+          <p:cNvCxnSpPr/>
+          <p:nvPr/>
+        </p:nvCxnSpPr>
+        <p:spPr>
+          <a:xfrm flipV="1">
+            <a:off x="5246048" y="3273299"/>
+            <a:ext cx="0" cy="1308641"/>
+          </a:xfrm>
+          <a:prstGeom prst="line">
+            <a:avLst/>
+          </a:prstGeom>
+          <a:ln w="9525">
+            <a:solidFill>
+              <a:schemeClr val="tx1"/>
+            </a:solidFill>
+          </a:ln>
+          <a:effectLst/>
+        </p:spPr>
+        <p:style>
+          <a:lnRef idx="2">
+            <a:schemeClr val="accent1"/>
+          </a:lnRef>
+          <a:fillRef idx="0">
+            <a:schemeClr val="accent1"/>
+          </a:fillRef>
+          <a:effectRef idx="1">
+            <a:schemeClr val="accent1"/>
+          </a:effectRef>
+          <a:fontRef idx="minor">
+            <a:schemeClr val="tx1"/>
+          </a:fontRef>
+        </p:style>
+      </p:cxnSp>
+      <p:cxnSp>
+        <p:nvCxnSpPr>
+          <p:cNvPr id="257" name="Connecteur droit 256"/>
+          <p:cNvCxnSpPr/>
+          <p:nvPr/>
+        </p:nvCxnSpPr>
+        <p:spPr>
+          <a:xfrm flipV="1">
+            <a:off x="5807522" y="3111745"/>
+            <a:ext cx="0" cy="1308641"/>
+          </a:xfrm>
+          <a:prstGeom prst="line">
+            <a:avLst/>
+          </a:prstGeom>
+          <a:ln w="9525" cap="flat" cmpd="sng" algn="ctr">
+            <a:solidFill>
+              <a:schemeClr val="dk1"/>
+            </a:solidFill>
+            <a:prstDash val="dash"/>
+            <a:round/>
+            <a:headEnd type="none" w="med" len="med"/>
+            <a:tailEnd type="none" w="med" len="med"/>
+          </a:ln>
+        </p:spPr>
+        <p:style>
+          <a:lnRef idx="0">
+            <a:scrgbClr r="0" g="0" b="0"/>
+          </a:lnRef>
+          <a:fillRef idx="0">
+            <a:scrgbClr r="0" g="0" b="0"/>
+          </a:fillRef>
+          <a:effectRef idx="0">
+            <a:scrgbClr r="0" g="0" b="0"/>
+          </a:effectRef>
+          <a:fontRef idx="minor">
+            <a:schemeClr val="tx1"/>
+          </a:fontRef>
+        </p:style>
+      </p:cxnSp>
+      <p:cxnSp>
+        <p:nvCxnSpPr>
+          <p:cNvPr id="258" name="Connecteur droit 257"/>
+          <p:cNvCxnSpPr/>
+          <p:nvPr/>
+        </p:nvCxnSpPr>
+        <p:spPr>
+          <a:xfrm flipV="1">
+            <a:off x="6068630" y="2953389"/>
+            <a:ext cx="0" cy="1308641"/>
+          </a:xfrm>
+          <a:prstGeom prst="line">
+            <a:avLst/>
+          </a:prstGeom>
+          <a:ln w="9525" cap="flat" cmpd="sng" algn="ctr">
+            <a:solidFill>
+              <a:schemeClr val="dk1"/>
+            </a:solidFill>
+            <a:prstDash val="dash"/>
+            <a:round/>
+            <a:headEnd type="none" w="med" len="med"/>
+            <a:tailEnd type="none" w="med" len="med"/>
+          </a:ln>
+        </p:spPr>
+        <p:style>
+          <a:lnRef idx="0">
+            <a:scrgbClr r="0" g="0" b="0"/>
+          </a:lnRef>
+          <a:fillRef idx="0">
+            <a:scrgbClr r="0" g="0" b="0"/>
+          </a:fillRef>
+          <a:effectRef idx="0">
+            <a:scrgbClr r="0" g="0" b="0"/>
+          </a:effectRef>
+          <a:fontRef idx="minor">
+            <a:schemeClr val="tx1"/>
+          </a:fontRef>
+        </p:style>
+      </p:cxnSp>
+      <p:cxnSp>
+        <p:nvCxnSpPr>
+          <p:cNvPr id="259" name="Connecteur droit 258"/>
+          <p:cNvCxnSpPr/>
+          <p:nvPr/>
+        </p:nvCxnSpPr>
+        <p:spPr>
+          <a:xfrm flipV="1">
+            <a:off x="6337449" y="2788287"/>
+            <a:ext cx="0" cy="1308641"/>
+          </a:xfrm>
+          <a:prstGeom prst="line">
+            <a:avLst/>
+          </a:prstGeom>
+          <a:ln w="9525" cap="flat" cmpd="sng" algn="ctr">
+            <a:solidFill>
+              <a:schemeClr val="dk1"/>
+            </a:solidFill>
+            <a:prstDash val="dash"/>
+            <a:round/>
+            <a:headEnd type="none" w="med" len="med"/>
+            <a:tailEnd type="none" w="med" len="med"/>
+          </a:ln>
+        </p:spPr>
+        <p:style>
+          <a:lnRef idx="0">
+            <a:scrgbClr r="0" g="0" b="0"/>
+          </a:lnRef>
+          <a:fillRef idx="0">
+            <a:scrgbClr r="0" g="0" b="0"/>
+          </a:fillRef>
+          <a:effectRef idx="0">
+            <a:scrgbClr r="0" g="0" b="0"/>
+          </a:effectRef>
+          <a:fontRef idx="minor">
+            <a:schemeClr val="tx1"/>
+          </a:fontRef>
+        </p:style>
+      </p:cxnSp>
+      <p:cxnSp>
+        <p:nvCxnSpPr>
+          <p:cNvPr id="260" name="Connecteur droit 259"/>
+          <p:cNvCxnSpPr/>
+          <p:nvPr/>
+        </p:nvCxnSpPr>
+        <p:spPr>
+          <a:xfrm flipV="1">
+            <a:off x="5699711" y="2953268"/>
+            <a:ext cx="793839" cy="477760"/>
+          </a:xfrm>
+          <a:prstGeom prst="line">
+            <a:avLst/>
+          </a:prstGeom>
+          <a:ln w="9525">
+            <a:solidFill>
+              <a:schemeClr val="tx1"/>
+            </a:solidFill>
+          </a:ln>
+          <a:effectLst/>
+        </p:spPr>
+        <p:style>
+          <a:lnRef idx="2">
+            <a:schemeClr val="accent1"/>
+          </a:lnRef>
+          <a:fillRef idx="0">
+            <a:schemeClr val="accent1"/>
+          </a:fillRef>
+          <a:effectRef idx="1">
+            <a:schemeClr val="accent1"/>
+          </a:effectRef>
+          <a:fontRef idx="minor">
+            <a:schemeClr val="tx1"/>
+          </a:fontRef>
+        </p:style>
+      </p:cxnSp>
+      <p:cxnSp>
+        <p:nvCxnSpPr>
+          <p:cNvPr id="261" name="Connecteur droit 260"/>
+          <p:cNvCxnSpPr/>
+          <p:nvPr/>
+        </p:nvCxnSpPr>
+        <p:spPr>
+          <a:xfrm flipV="1">
+            <a:off x="5701822" y="3134246"/>
+            <a:ext cx="793839" cy="477760"/>
+          </a:xfrm>
+          <a:prstGeom prst="line">
+            <a:avLst/>
+          </a:prstGeom>
+          <a:ln w="9525">
+            <a:solidFill>
+              <a:schemeClr val="tx1"/>
+            </a:solidFill>
+          </a:ln>
+          <a:effectLst/>
+        </p:spPr>
+        <p:style>
+          <a:lnRef idx="2">
+            <a:schemeClr val="accent1"/>
+          </a:lnRef>
+          <a:fillRef idx="0">
+            <a:schemeClr val="accent1"/>
+          </a:fillRef>
+          <a:effectRef idx="1">
+            <a:schemeClr val="accent1"/>
+          </a:effectRef>
+          <a:fontRef idx="minor">
+            <a:schemeClr val="tx1"/>
+          </a:fontRef>
+        </p:style>
+      </p:cxnSp>
+      <p:cxnSp>
+        <p:nvCxnSpPr>
+          <p:cNvPr id="262" name="Connecteur droit 261"/>
+          <p:cNvCxnSpPr/>
+          <p:nvPr/>
+        </p:nvCxnSpPr>
+        <p:spPr>
+          <a:xfrm flipV="1">
+            <a:off x="5701812" y="3288234"/>
+            <a:ext cx="793839" cy="477760"/>
+          </a:xfrm>
+          <a:prstGeom prst="line">
+            <a:avLst/>
+          </a:prstGeom>
+          <a:ln w="9525">
+            <a:solidFill>
+              <a:schemeClr val="tx1"/>
+            </a:solidFill>
+          </a:ln>
+          <a:effectLst/>
+        </p:spPr>
+        <p:style>
+          <a:lnRef idx="2">
+            <a:schemeClr val="accent1"/>
+          </a:lnRef>
+          <a:fillRef idx="0">
+            <a:schemeClr val="accent1"/>
+          </a:fillRef>
+          <a:effectRef idx="1">
+            <a:schemeClr val="accent1"/>
+          </a:effectRef>
+          <a:fontRef idx="minor">
+            <a:schemeClr val="tx1"/>
+          </a:fontRef>
+        </p:style>
+      </p:cxnSp>
+      <p:cxnSp>
+        <p:nvCxnSpPr>
+          <p:cNvPr id="263" name="Connecteur droit 262"/>
+          <p:cNvCxnSpPr/>
+          <p:nvPr/>
+        </p:nvCxnSpPr>
+        <p:spPr>
+          <a:xfrm flipV="1">
+            <a:off x="5700241" y="3454926"/>
+            <a:ext cx="793839" cy="477760"/>
+          </a:xfrm>
+          <a:prstGeom prst="line">
+            <a:avLst/>
+          </a:prstGeom>
+          <a:ln w="9525">
+            <a:solidFill>
+              <a:schemeClr val="tx1"/>
+            </a:solidFill>
+          </a:ln>
+          <a:effectLst/>
+        </p:spPr>
+        <p:style>
+          <a:lnRef idx="2">
+            <a:schemeClr val="accent1"/>
+          </a:lnRef>
+          <a:fillRef idx="0">
+            <a:schemeClr val="accent1"/>
+          </a:fillRef>
+          <a:effectRef idx="1">
+            <a:schemeClr val="accent1"/>
+          </a:effectRef>
+          <a:fontRef idx="minor">
+            <a:schemeClr val="tx1"/>
+          </a:fontRef>
+        </p:style>
+      </p:cxnSp>
+      <p:cxnSp>
+        <p:nvCxnSpPr>
+          <p:cNvPr id="264" name="Connecteur droit 263"/>
+          <p:cNvCxnSpPr/>
+          <p:nvPr/>
+        </p:nvCxnSpPr>
+        <p:spPr>
+          <a:xfrm flipV="1">
+            <a:off x="5701814" y="3594616"/>
+            <a:ext cx="793839" cy="477760"/>
+          </a:xfrm>
+          <a:prstGeom prst="line">
+            <a:avLst/>
+          </a:prstGeom>
+          <a:ln w="9525">
+            <a:solidFill>
+              <a:schemeClr val="tx1"/>
+            </a:solidFill>
+          </a:ln>
+          <a:effectLst/>
+        </p:spPr>
+        <p:style>
+          <a:lnRef idx="2">
+            <a:schemeClr val="accent1"/>
+          </a:lnRef>
+          <a:fillRef idx="0">
+            <a:schemeClr val="accent1"/>
+          </a:fillRef>
+          <a:effectRef idx="1">
+            <a:schemeClr val="accent1"/>
+          </a:effectRef>
+          <a:fontRef idx="minor">
+            <a:schemeClr val="tx1"/>
+          </a:fontRef>
+        </p:style>
+      </p:cxnSp>
+      <p:cxnSp>
+        <p:nvCxnSpPr>
+          <p:cNvPr id="265" name="Connecteur droit 264"/>
+          <p:cNvCxnSpPr/>
+          <p:nvPr/>
+        </p:nvCxnSpPr>
+        <p:spPr>
+          <a:xfrm flipV="1">
+            <a:off x="5701820" y="3767658"/>
+            <a:ext cx="793839" cy="477760"/>
+          </a:xfrm>
+          <a:prstGeom prst="line">
+            <a:avLst/>
+          </a:prstGeom>
+          <a:ln w="9525">
+            <a:solidFill>
+              <a:schemeClr val="tx1"/>
+            </a:solidFill>
+          </a:ln>
+          <a:effectLst/>
+        </p:spPr>
+        <p:style>
+          <a:lnRef idx="2">
+            <a:schemeClr val="accent1"/>
+          </a:lnRef>
+          <a:fillRef idx="0">
+            <a:schemeClr val="accent1"/>
+          </a:fillRef>
+          <a:effectRef idx="1">
+            <a:schemeClr val="accent1"/>
+          </a:effectRef>
+          <a:fontRef idx="minor">
+            <a:schemeClr val="tx1"/>
+          </a:fontRef>
+        </p:style>
+      </p:cxnSp>
+      <p:cxnSp>
+        <p:nvCxnSpPr>
+          <p:cNvPr id="266" name="Connecteur droit 265"/>
+          <p:cNvCxnSpPr/>
+          <p:nvPr/>
+        </p:nvCxnSpPr>
+        <p:spPr>
+          <a:xfrm flipV="1">
+            <a:off x="5700229" y="3940701"/>
+            <a:ext cx="793839" cy="477760"/>
+          </a:xfrm>
+          <a:prstGeom prst="line">
+            <a:avLst/>
+          </a:prstGeom>
+          <a:ln w="9525">
+            <a:solidFill>
+              <a:schemeClr val="tx1"/>
+            </a:solidFill>
+          </a:ln>
+          <a:effectLst/>
+        </p:spPr>
+        <p:style>
+          <a:lnRef idx="2">
+            <a:schemeClr val="accent1"/>
+          </a:lnRef>
+          <a:fillRef idx="0">
+            <a:schemeClr val="accent1"/>
+          </a:fillRef>
+          <a:effectRef idx="1">
+            <a:schemeClr val="accent1"/>
+          </a:effectRef>
+          <a:fontRef idx="minor">
+            <a:schemeClr val="tx1"/>
+          </a:fontRef>
+        </p:style>
+      </p:cxnSp>
+      <p:cxnSp>
+        <p:nvCxnSpPr>
+          <p:cNvPr id="267" name="Connecteur droit 266"/>
+          <p:cNvCxnSpPr/>
+          <p:nvPr/>
+        </p:nvCxnSpPr>
+        <p:spPr>
+          <a:xfrm flipV="1">
+            <a:off x="5701824" y="4099447"/>
+            <a:ext cx="793839" cy="477760"/>
+          </a:xfrm>
+          <a:prstGeom prst="line">
+            <a:avLst/>
+          </a:prstGeom>
+          <a:ln w="9525">
+            <a:solidFill>
+              <a:schemeClr val="tx1"/>
+            </a:solidFill>
+          </a:ln>
+          <a:effectLst/>
+        </p:spPr>
+        <p:style>
+          <a:lnRef idx="2">
+            <a:schemeClr val="accent1"/>
+          </a:lnRef>
+          <a:fillRef idx="0">
+            <a:schemeClr val="accent1"/>
+          </a:fillRef>
+          <a:effectRef idx="1">
+            <a:schemeClr val="accent1"/>
+          </a:effectRef>
+          <a:fontRef idx="minor">
+            <a:schemeClr val="tx1"/>
+          </a:fontRef>
+        </p:style>
+      </p:cxnSp>
+      <p:cxnSp>
+        <p:nvCxnSpPr>
+          <p:cNvPr id="268" name="Connecteur droit 267"/>
+          <p:cNvCxnSpPr/>
+          <p:nvPr/>
+        </p:nvCxnSpPr>
+        <p:spPr>
+          <a:xfrm flipV="1">
+            <a:off x="5807523" y="3113421"/>
+            <a:ext cx="0" cy="88566"/>
+          </a:xfrm>
+          <a:prstGeom prst="line">
+            <a:avLst/>
+          </a:prstGeom>
+          <a:ln w="9525">
+            <a:solidFill>
+              <a:schemeClr val="tx1"/>
+            </a:solidFill>
+          </a:ln>
+          <a:effectLst/>
+        </p:spPr>
+        <p:style>
+          <a:lnRef idx="2">
+            <a:schemeClr val="accent1"/>
+          </a:lnRef>
+          <a:fillRef idx="0">
+            <a:schemeClr val="accent1"/>
+          </a:fillRef>
+          <a:effectRef idx="1">
+            <a:schemeClr val="accent1"/>
+          </a:effectRef>
+          <a:fontRef idx="minor">
+            <a:schemeClr val="tx1"/>
+          </a:fontRef>
+        </p:style>
+      </p:cxnSp>
+      <p:cxnSp>
+        <p:nvCxnSpPr>
+          <p:cNvPr id="269" name="Connecteur droit 268"/>
+          <p:cNvCxnSpPr/>
+          <p:nvPr/>
+        </p:nvCxnSpPr>
+        <p:spPr>
+          <a:xfrm flipV="1">
+            <a:off x="6069012" y="2951533"/>
+            <a:ext cx="65" cy="96469"/>
+          </a:xfrm>
+          <a:prstGeom prst="line">
+            <a:avLst/>
+          </a:prstGeom>
+          <a:ln w="9525">
+            <a:solidFill>
+              <a:schemeClr val="tx1"/>
+            </a:solidFill>
+          </a:ln>
+          <a:effectLst/>
+        </p:spPr>
+        <p:style>
+          <a:lnRef idx="2">
+            <a:schemeClr val="accent1"/>
+          </a:lnRef>
+          <a:fillRef idx="0">
+            <a:schemeClr val="accent1"/>
+          </a:fillRef>
+          <a:effectRef idx="1">
+            <a:schemeClr val="accent1"/>
+          </a:effectRef>
+          <a:fontRef idx="minor">
+            <a:schemeClr val="tx1"/>
+          </a:fontRef>
+        </p:style>
+      </p:cxnSp>
+      <p:cxnSp>
+        <p:nvCxnSpPr>
+          <p:cNvPr id="270" name="Connecteur droit 269"/>
+          <p:cNvCxnSpPr/>
+          <p:nvPr/>
+        </p:nvCxnSpPr>
+        <p:spPr>
+          <a:xfrm flipV="1">
+            <a:off x="6337301" y="2792775"/>
+            <a:ext cx="65" cy="96469"/>
+          </a:xfrm>
+          <a:prstGeom prst="line">
+            <a:avLst/>
+          </a:prstGeom>
+          <a:ln w="9525">
+            <a:solidFill>
+              <a:schemeClr val="tx1"/>
+            </a:solidFill>
+          </a:ln>
+          <a:effectLst/>
+        </p:spPr>
+        <p:style>
+          <a:lnRef idx="2">
+            <a:schemeClr val="accent1"/>
+          </a:lnRef>
+          <a:fillRef idx="0">
+            <a:schemeClr val="accent1"/>
+          </a:fillRef>
+          <a:effectRef idx="1">
+            <a:schemeClr val="accent1"/>
+          </a:effectRef>
+          <a:fontRef idx="minor">
+            <a:schemeClr val="tx1"/>
+          </a:fontRef>
+        </p:style>
+      </p:cxnSp>
+      <p:cxnSp>
+        <p:nvCxnSpPr>
+          <p:cNvPr id="271" name="Connecteur droit avec flèche 270"/>
+          <p:cNvCxnSpPr/>
+          <p:nvPr/>
+        </p:nvCxnSpPr>
+        <p:spPr>
+          <a:xfrm>
+            <a:off x="3096339" y="3272531"/>
+            <a:ext cx="160739" cy="1876"/>
+          </a:xfrm>
+          <a:prstGeom prst="straightConnector1">
+            <a:avLst/>
+          </a:prstGeom>
+          <a:ln w="22225">
+            <a:solidFill>
+              <a:schemeClr val="tx1"/>
+            </a:solidFill>
+            <a:tailEnd type="triangle"/>
+          </a:ln>
+          <a:effectLst/>
+        </p:spPr>
+        <p:style>
+          <a:lnRef idx="2">
+            <a:schemeClr val="accent1"/>
+          </a:lnRef>
+          <a:fillRef idx="0">
+            <a:schemeClr val="accent1"/>
+          </a:fillRef>
+          <a:effectRef idx="1">
+            <a:schemeClr val="accent1"/>
+          </a:effectRef>
+          <a:fontRef idx="minor">
+            <a:schemeClr val="tx1"/>
+          </a:fontRef>
+        </p:style>
+      </p:cxnSp>
+      <p:cxnSp>
+        <p:nvCxnSpPr>
+          <p:cNvPr id="272" name="Connecteur droit avec flèche 271"/>
+          <p:cNvCxnSpPr/>
+          <p:nvPr/>
+        </p:nvCxnSpPr>
+        <p:spPr>
+          <a:xfrm>
+            <a:off x="3098799" y="3272531"/>
+            <a:ext cx="1742" cy="158438"/>
+          </a:xfrm>
+          <a:prstGeom prst="straightConnector1">
+            <a:avLst/>
+          </a:prstGeom>
+          <a:ln w="22225">
+            <a:solidFill>
+              <a:schemeClr val="tx1"/>
+            </a:solidFill>
+            <a:tailEnd type="triangle"/>
+          </a:ln>
+          <a:effectLst/>
+        </p:spPr>
+        <p:style>
+          <a:lnRef idx="2">
+            <a:schemeClr val="accent1"/>
+          </a:lnRef>
+          <a:fillRef idx="0">
+            <a:schemeClr val="accent1"/>
+          </a:fillRef>
+          <a:effectRef idx="1">
+            <a:schemeClr val="accent1"/>
+          </a:effectRef>
+          <a:fontRef idx="minor">
+            <a:schemeClr val="tx1"/>
+          </a:fontRef>
+        </p:style>
+      </p:cxnSp>
+      <p:cxnSp>
+        <p:nvCxnSpPr>
+          <p:cNvPr id="273" name="Connecteur droit avec flèche 272"/>
+          <p:cNvCxnSpPr/>
+          <p:nvPr/>
+        </p:nvCxnSpPr>
+        <p:spPr>
+          <a:xfrm flipV="1">
+            <a:off x="3090865" y="3120601"/>
+            <a:ext cx="271510" cy="157405"/>
+          </a:xfrm>
+          <a:prstGeom prst="straightConnector1">
+            <a:avLst/>
+          </a:prstGeom>
+          <a:ln w="22225">
+            <a:solidFill>
+              <a:schemeClr val="tx1"/>
+            </a:solidFill>
+            <a:tailEnd type="triangle"/>
+          </a:ln>
+          <a:effectLst/>
+        </p:spPr>
+        <p:style>
+          <a:lnRef idx="2">
+            <a:schemeClr val="accent1"/>
+          </a:lnRef>
+          <a:fillRef idx="0">
+            <a:schemeClr val="accent1"/>
+          </a:fillRef>
+          <a:effectRef idx="1">
+            <a:schemeClr val="accent1"/>
+          </a:effectRef>
+          <a:fontRef idx="minor">
+            <a:schemeClr val="tx1"/>
+          </a:fontRef>
+        </p:style>
+      </p:cxnSp>
+      <p:sp>
+        <p:nvSpPr>
+          <p:cNvPr id="274" name="ZoneTexte 273"/>
+          <p:cNvSpPr txBox="1"/>
+          <p:nvPr/>
+        </p:nvSpPr>
+        <p:spPr>
+          <a:xfrm>
+            <a:off x="3230645" y="3208563"/>
+            <a:ext cx="121688" cy="215444"/>
+          </a:xfrm>
+          <a:prstGeom prst="rect">
+            <a:avLst/>
+          </a:prstGeom>
+          <a:noFill/>
+        </p:spPr>
+        <p:txBody>
+          <a:bodyPr wrap="square" rtlCol="0">
+            <a:spAutoFit/>
+          </a:bodyPr>
+          <a:lstStyle/>
+          <a:p>
+            <a:pPr algn="ctr"/>
+            <a:r>
+              <a:rPr lang="fr-FR" sz="800" dirty="0" smtClean="0"/>
+              <a:t>j</a:t>
+            </a:r>
+            <a:endParaRPr lang="fr-FR" sz="800" dirty="0"/>
+          </a:p>
+        </p:txBody>
+      </p:sp>
+      <p:sp>
+        <p:nvSpPr>
+          <p:cNvPr id="275" name="ZoneTexte 274"/>
+          <p:cNvSpPr txBox="1"/>
+          <p:nvPr/>
+        </p:nvSpPr>
+        <p:spPr>
+          <a:xfrm>
+            <a:off x="2969177" y="3316285"/>
+            <a:ext cx="121688" cy="215444"/>
+          </a:xfrm>
+          <a:prstGeom prst="rect">
+            <a:avLst/>
+          </a:prstGeom>
+          <a:noFill/>
+        </p:spPr>
+        <p:txBody>
+          <a:bodyPr wrap="square" rtlCol="0">
+            <a:spAutoFit/>
+          </a:bodyPr>
+          <a:lstStyle/>
+          <a:p>
+            <a:pPr algn="ctr"/>
+            <a:r>
+              <a:rPr lang="fr-FR" sz="800" dirty="0" smtClean="0"/>
+              <a:t>i</a:t>
+            </a:r>
+            <a:endParaRPr lang="fr-FR" sz="800" dirty="0"/>
+          </a:p>
+        </p:txBody>
+      </p:sp>
+      <p:sp>
+        <p:nvSpPr>
+          <p:cNvPr id="276" name="ZoneTexte 275"/>
+          <p:cNvSpPr txBox="1"/>
+          <p:nvPr/>
+        </p:nvSpPr>
+        <p:spPr>
+          <a:xfrm>
+            <a:off x="3252775" y="2939400"/>
+            <a:ext cx="121688" cy="215444"/>
+          </a:xfrm>
+          <a:prstGeom prst="rect">
+            <a:avLst/>
+          </a:prstGeom>
+          <a:noFill/>
+        </p:spPr>
+        <p:txBody>
+          <a:bodyPr wrap="square" rtlCol="0">
+            <a:spAutoFit/>
+          </a:bodyPr>
+          <a:lstStyle/>
+          <a:p>
+            <a:pPr algn="ctr"/>
+            <a:r>
+              <a:rPr lang="fr-FR" sz="800" dirty="0" smtClean="0"/>
+              <a:t>k</a:t>
+            </a:r>
+            <a:endParaRPr lang="fr-FR" sz="800" dirty="0"/>
+          </a:p>
+        </p:txBody>
+      </p:sp>
     </p:spTree>
     <p:extLst>
       <p:ext uri="{BB962C8B-B14F-4D97-AF65-F5344CB8AC3E}">
@@ -24202,7 +26564,7 @@
   <p:timing>
     <p:tnLst>
       <p:par>
-        <p:cTn xmlns:p14="http://schemas.microsoft.com/office/powerpoint/2010/main" id="1" dur="indefinite" restart="never" nodeType="tmRoot"/>
+        <p:cTn id="1" dur="indefinite" restart="never" nodeType="tmRoot"/>
       </p:par>
     </p:tnLst>
   </p:timing>
@@ -24234,10 +26596,10 @@
         </p:nvGrpSpPr>
         <p:grpSpPr>
           <a:xfrm>
-            <a:off x="2065692" y="2100470"/>
-            <a:ext cx="4823164" cy="3969831"/>
-            <a:chOff x="2065692" y="2100470"/>
-            <a:chExt cx="4823164" cy="3969831"/>
+            <a:off x="2071527" y="2100470"/>
+            <a:ext cx="4817329" cy="3969831"/>
+            <a:chOff x="2071527" y="2100470"/>
+            <a:chExt cx="4817329" cy="3969831"/>
           </a:xfrm>
         </p:grpSpPr>
         <p:grpSp>
@@ -24248,10 +26610,10 @@
           </p:nvGrpSpPr>
           <p:grpSpPr>
             <a:xfrm>
-              <a:off x="2065692" y="2100470"/>
-              <a:ext cx="4433602" cy="2856329"/>
-              <a:chOff x="4298330" y="3049229"/>
-              <a:chExt cx="4433602" cy="2856329"/>
+              <a:off x="2071527" y="2100470"/>
+              <a:ext cx="4427767" cy="2856329"/>
+              <a:chOff x="4304165" y="3049229"/>
+              <a:chExt cx="4427767" cy="2856329"/>
             </a:xfrm>
           </p:grpSpPr>
           <p:grpSp>
@@ -24864,8 +27226,8 @@
             </p:nvSpPr>
             <p:spPr>
               <a:xfrm>
-                <a:off x="4298330" y="3601670"/>
-                <a:ext cx="1274708" cy="523220"/>
+                <a:off x="4304165" y="3601670"/>
+                <a:ext cx="1263038" cy="307777"/>
               </a:xfrm>
               <a:prstGeom prst="rect">
                 <a:avLst/>
@@ -24881,20 +27243,13 @@
                 <a:pPr algn="ctr"/>
                 <a:r>
                   <a:rPr lang="en-GB" sz="1400" dirty="0" smtClean="0"/>
-                  <a:t>Frame number</a:t>
-                </a:r>
-              </a:p>
-              <a:p>
-                <a:pPr algn="ctr"/>
-                <a:r>
-                  <a:rPr lang="en-GB" sz="1400" dirty="0"/>
-                  <a:t>d</a:t>
+                  <a:t>Frame </a:t>
                 </a:r>
                 <a:r>
                   <a:rPr lang="en-GB" sz="1400" dirty="0" smtClean="0"/>
-                  <a:t>im Z</a:t>
+                  <a:t>number</a:t>
                 </a:r>
-                <a:endParaRPr lang="en-GB" sz="1400" dirty="0"/>
+                <a:endParaRPr lang="en-GB" sz="1400" dirty="0" smtClean="0"/>
               </a:p>
             </p:txBody>
           </p:sp>
@@ -27935,8 +30290,8 @@
           </p:nvSpPr>
           <p:spPr>
             <a:xfrm>
-              <a:off x="2185147" y="3897864"/>
-              <a:ext cx="597389" cy="307777"/>
+              <a:off x="2159106" y="3897864"/>
+              <a:ext cx="649473" cy="307777"/>
             </a:xfrm>
             <a:prstGeom prst="rect">
               <a:avLst/>
@@ -27951,12 +30306,8 @@
             <a:p>
               <a:pPr algn="ctr"/>
               <a:r>
-                <a:rPr lang="en-GB" sz="1400" dirty="0"/>
-                <a:t>d</a:t>
-              </a:r>
-              <a:r>
                 <a:rPr lang="en-GB" sz="1400" dirty="0" smtClean="0"/>
-                <a:t>im X</a:t>
+                <a:t>height</a:t>
               </a:r>
               <a:endParaRPr lang="en-GB" sz="1400" dirty="0"/>
             </a:p>
@@ -27970,8 +30321,8 @@
           </p:nvSpPr>
           <p:spPr>
             <a:xfrm>
-              <a:off x="4079189" y="4948911"/>
-              <a:ext cx="595035" cy="307777"/>
+              <a:off x="4074380" y="4948911"/>
+              <a:ext cx="604653" cy="307777"/>
             </a:xfrm>
             <a:prstGeom prst="rect">
               <a:avLst/>
@@ -27986,13 +30337,10 @@
             <a:p>
               <a:pPr algn="ctr"/>
               <a:r>
-                <a:rPr lang="en-GB" sz="1400" dirty="0"/>
-                <a:t>d</a:t>
+                <a:rPr lang="en-GB" sz="1400" dirty="0" smtClean="0"/>
+                <a:t>width</a:t>
               </a:r>
-              <a:r>
-                <a:rPr lang="en-GB" sz="1400" dirty="0" smtClean="0"/>
-                <a:t>im Y</a:t>
-              </a:r>
+              <a:endParaRPr lang="en-GB" sz="1400" dirty="0" smtClean="0"/>
             </a:p>
           </p:txBody>
         </p:sp>
@@ -28010,7 +30358,7 @@
   <p:timing>
     <p:tnLst>
       <p:par>
-        <p:cTn xmlns:p14="http://schemas.microsoft.com/office/powerpoint/2010/main" id="1" dur="indefinite" restart="never" nodeType="tmRoot"/>
+        <p:cTn id="1" dur="indefinite" restart="never" nodeType="tmRoot"/>
       </p:par>
     </p:tnLst>
   </p:timing>
@@ -29645,7 +31993,6 @@
                   <a:rPr lang="en-GB" sz="1400" dirty="0" smtClean="0"/>
                   <a:t>im X</a:t>
                 </a:r>
-                <a:endParaRPr lang="en-GB" sz="1400" dirty="0" smtClean="0"/>
               </a:p>
             </p:txBody>
           </p:sp>
@@ -32686,7 +35033,6 @@
                   <a:rPr lang="en-GB" sz="1400" dirty="0" smtClean="0"/>
                   <a:t>im X</a:t>
                 </a:r>
-                <a:endParaRPr lang="en-GB" sz="1400" dirty="0" smtClean="0"/>
               </a:p>
             </p:txBody>
           </p:sp>
@@ -32811,7 +35157,7 @@
   <p:timing>
     <p:tnLst>
       <p:par>
-        <p:cTn xmlns:p14="http://schemas.microsoft.com/office/powerpoint/2010/main" id="1" dur="indefinite" restart="never" nodeType="tmRoot"/>
+        <p:cTn id="1" dur="indefinite" restart="never" nodeType="tmRoot"/>
       </p:par>
     </p:tnLst>
   </p:timing>
@@ -34863,11 +37209,7 @@
               </a:r>
               <a:r>
                 <a:rPr lang="en-GB" sz="1400" dirty="0" smtClean="0"/>
-                <a:t>im </a:t>
-              </a:r>
-              <a:r>
-                <a:rPr lang="en-GB" sz="1400" dirty="0" smtClean="0"/>
-                <a:t>X</a:t>
+                <a:t>im X</a:t>
               </a:r>
               <a:endParaRPr lang="en-GB" sz="1400" dirty="0"/>
             </a:p>
@@ -35050,11 +37392,7 @@
               </a:r>
               <a:r>
                 <a:rPr lang="en-GB" sz="1400" dirty="0" smtClean="0"/>
-                <a:t>im </a:t>
-              </a:r>
-              <a:r>
-                <a:rPr lang="en-GB" sz="1400" dirty="0" smtClean="0"/>
-                <a:t>Y</a:t>
+                <a:t>im Y</a:t>
               </a:r>
               <a:endParaRPr lang="en-GB" sz="1400" dirty="0"/>
             </a:p>
@@ -36897,11 +39235,7 @@
               </a:r>
               <a:r>
                 <a:rPr lang="en-GB" sz="1400" dirty="0" smtClean="0"/>
-                <a:t>im </a:t>
-              </a:r>
-              <a:r>
-                <a:rPr lang="en-GB" sz="1400" dirty="0" smtClean="0"/>
-                <a:t>X</a:t>
+                <a:t>im X</a:t>
               </a:r>
               <a:endParaRPr lang="en-GB" sz="1400" dirty="0"/>
             </a:p>
@@ -37084,11 +39418,7 @@
               </a:r>
               <a:r>
                 <a:rPr lang="en-GB" sz="1400" smtClean="0"/>
-                <a:t>im </a:t>
-              </a:r>
-              <a:r>
-                <a:rPr lang="en-GB" sz="1400" smtClean="0"/>
-                <a:t>Y</a:t>
+                <a:t>im Y</a:t>
               </a:r>
               <a:endParaRPr lang="en-GB" sz="1400" dirty="0"/>
             </a:p>
@@ -37224,7 +39554,7 @@
   <p:timing>
     <p:tnLst>
       <p:par>
-        <p:cTn xmlns:p14="http://schemas.microsoft.com/office/powerpoint/2010/main" id="1" dur="indefinite" restart="never" nodeType="tmRoot"/>
+        <p:cTn id="1" dur="indefinite" restart="never" nodeType="tmRoot"/>
       </p:par>
     </p:tnLst>
   </p:timing>

--- a/doc/image/img-usProbeSettings.pptx
+++ b/doc/image/img-usProbeSettings.pptx
@@ -4,6 +4,9 @@
   <p:sldMasterIdLst>
     <p:sldMasterId id="2147483648" r:id="rId1"/>
   </p:sldMasterIdLst>
+  <p:notesMasterIdLst>
+    <p:notesMasterId r:id="rId11"/>
+  </p:notesMasterIdLst>
   <p:sldIdLst>
     <p:sldId id="258" r:id="rId2"/>
     <p:sldId id="259" r:id="rId3"/>
@@ -129,6 +132,440 @@
     </p:ext>
   </p:extLst>
 </p:presentation>
+</file>
+
+<file path=ppt/notesMasters/notesMaster1.xml><?xml version="1.0" encoding="utf-8"?>
+<p:notesMaster xmlns:a="http://schemas.openxmlformats.org/drawingml/2006/main" xmlns:r="http://schemas.openxmlformats.org/officeDocument/2006/relationships" xmlns:p="http://schemas.openxmlformats.org/presentationml/2006/main">
+  <p:cSld>
+    <p:bg>
+      <p:bgRef idx="1001">
+        <a:schemeClr val="bg1"/>
+      </p:bgRef>
+    </p:bg>
+    <p:spTree>
+      <p:nvGrpSpPr>
+        <p:cNvPr id="1" name=""/>
+        <p:cNvGrpSpPr/>
+        <p:nvPr/>
+      </p:nvGrpSpPr>
+      <p:grpSpPr>
+        <a:xfrm>
+          <a:off x="0" y="0"/>
+          <a:ext cx="0" cy="0"/>
+          <a:chOff x="0" y="0"/>
+          <a:chExt cx="0" cy="0"/>
+        </a:xfrm>
+      </p:grpSpPr>
+      <p:sp>
+        <p:nvSpPr>
+          <p:cNvPr id="2" name="Espace réservé de l'en-tête 1"/>
+          <p:cNvSpPr>
+            <a:spLocks noGrp="1"/>
+          </p:cNvSpPr>
+          <p:nvPr>
+            <p:ph type="hdr" sz="quarter"/>
+          </p:nvPr>
+        </p:nvSpPr>
+        <p:spPr>
+          <a:xfrm>
+            <a:off x="0" y="0"/>
+            <a:ext cx="2971800" cy="458788"/>
+          </a:xfrm>
+          <a:prstGeom prst="rect">
+            <a:avLst/>
+          </a:prstGeom>
+        </p:spPr>
+        <p:txBody>
+          <a:bodyPr vert="horz" lIns="91440" tIns="45720" rIns="91440" bIns="45720" rtlCol="0"/>
+          <a:lstStyle>
+            <a:lvl1pPr algn="l">
+              <a:defRPr sz="1200"/>
+            </a:lvl1pPr>
+          </a:lstStyle>
+          <a:p>
+            <a:endParaRPr lang="fr-FR"/>
+          </a:p>
+        </p:txBody>
+      </p:sp>
+      <p:sp>
+        <p:nvSpPr>
+          <p:cNvPr id="3" name="Espace réservé de la date 2"/>
+          <p:cNvSpPr>
+            <a:spLocks noGrp="1"/>
+          </p:cNvSpPr>
+          <p:nvPr>
+            <p:ph type="dt" idx="1"/>
+          </p:nvPr>
+        </p:nvSpPr>
+        <p:spPr>
+          <a:xfrm>
+            <a:off x="3884613" y="0"/>
+            <a:ext cx="2971800" cy="458788"/>
+          </a:xfrm>
+          <a:prstGeom prst="rect">
+            <a:avLst/>
+          </a:prstGeom>
+        </p:spPr>
+        <p:txBody>
+          <a:bodyPr vert="horz" lIns="91440" tIns="45720" rIns="91440" bIns="45720" rtlCol="0"/>
+          <a:lstStyle>
+            <a:lvl1pPr algn="r">
+              <a:defRPr sz="1200"/>
+            </a:lvl1pPr>
+          </a:lstStyle>
+          <a:p>
+            <a:fld id="{CB465945-53AA-4988-BDB7-454536C96A16}" type="datetimeFigureOut">
+              <a:rPr lang="fr-FR" smtClean="0"/>
+              <a:t>06/02/2018</a:t>
+            </a:fld>
+            <a:endParaRPr lang="fr-FR"/>
+          </a:p>
+        </p:txBody>
+      </p:sp>
+      <p:sp>
+        <p:nvSpPr>
+          <p:cNvPr id="4" name="Espace réservé de l'image des diapositives 3"/>
+          <p:cNvSpPr>
+            <a:spLocks noGrp="1" noRot="1" noChangeAspect="1"/>
+          </p:cNvSpPr>
+          <p:nvPr>
+            <p:ph type="sldImg" idx="2"/>
+          </p:nvPr>
+        </p:nvSpPr>
+        <p:spPr>
+          <a:xfrm>
+            <a:off x="1371600" y="1143000"/>
+            <a:ext cx="4114800" cy="3086100"/>
+          </a:xfrm>
+          <a:prstGeom prst="rect">
+            <a:avLst/>
+          </a:prstGeom>
+          <a:noFill/>
+          <a:ln w="12700">
+            <a:solidFill>
+              <a:prstClr val="black"/>
+            </a:solidFill>
+          </a:ln>
+        </p:spPr>
+        <p:txBody>
+          <a:bodyPr vert="horz" lIns="91440" tIns="45720" rIns="91440" bIns="45720" rtlCol="0" anchor="ctr"/>
+          <a:lstStyle/>
+          <a:p>
+            <a:endParaRPr lang="fr-FR"/>
+          </a:p>
+        </p:txBody>
+      </p:sp>
+      <p:sp>
+        <p:nvSpPr>
+          <p:cNvPr id="5" name="Espace réservé des notes 4"/>
+          <p:cNvSpPr>
+            <a:spLocks noGrp="1"/>
+          </p:cNvSpPr>
+          <p:nvPr>
+            <p:ph type="body" sz="quarter" idx="3"/>
+          </p:nvPr>
+        </p:nvSpPr>
+        <p:spPr>
+          <a:xfrm>
+            <a:off x="685800" y="4400550"/>
+            <a:ext cx="5486400" cy="3600450"/>
+          </a:xfrm>
+          <a:prstGeom prst="rect">
+            <a:avLst/>
+          </a:prstGeom>
+        </p:spPr>
+        <p:txBody>
+          <a:bodyPr vert="horz" lIns="91440" tIns="45720" rIns="91440" bIns="45720" rtlCol="0"/>
+          <a:lstStyle/>
+          <a:p>
+            <a:pPr lvl="0"/>
+            <a:r>
+              <a:rPr lang="fr-FR" smtClean="0"/>
+              <a:t>Modifier les styles du texte du masque</a:t>
+            </a:r>
+          </a:p>
+          <a:p>
+            <a:pPr lvl="1"/>
+            <a:r>
+              <a:rPr lang="fr-FR" smtClean="0"/>
+              <a:t>Deuxième niveau</a:t>
+            </a:r>
+          </a:p>
+          <a:p>
+            <a:pPr lvl="2"/>
+            <a:r>
+              <a:rPr lang="fr-FR" smtClean="0"/>
+              <a:t>Troisième niveau</a:t>
+            </a:r>
+          </a:p>
+          <a:p>
+            <a:pPr lvl="3"/>
+            <a:r>
+              <a:rPr lang="fr-FR" smtClean="0"/>
+              <a:t>Quatrième niveau</a:t>
+            </a:r>
+          </a:p>
+          <a:p>
+            <a:pPr lvl="4"/>
+            <a:r>
+              <a:rPr lang="fr-FR" smtClean="0"/>
+              <a:t>Cinquième niveau</a:t>
+            </a:r>
+            <a:endParaRPr lang="fr-FR"/>
+          </a:p>
+        </p:txBody>
+      </p:sp>
+      <p:sp>
+        <p:nvSpPr>
+          <p:cNvPr id="6" name="Espace réservé du pied de page 5"/>
+          <p:cNvSpPr>
+            <a:spLocks noGrp="1"/>
+          </p:cNvSpPr>
+          <p:nvPr>
+            <p:ph type="ftr" sz="quarter" idx="4"/>
+          </p:nvPr>
+        </p:nvSpPr>
+        <p:spPr>
+          <a:xfrm>
+            <a:off x="0" y="8685213"/>
+            <a:ext cx="2971800" cy="458787"/>
+          </a:xfrm>
+          <a:prstGeom prst="rect">
+            <a:avLst/>
+          </a:prstGeom>
+        </p:spPr>
+        <p:txBody>
+          <a:bodyPr vert="horz" lIns="91440" tIns="45720" rIns="91440" bIns="45720" rtlCol="0" anchor="b"/>
+          <a:lstStyle>
+            <a:lvl1pPr algn="l">
+              <a:defRPr sz="1200"/>
+            </a:lvl1pPr>
+          </a:lstStyle>
+          <a:p>
+            <a:endParaRPr lang="fr-FR"/>
+          </a:p>
+        </p:txBody>
+      </p:sp>
+      <p:sp>
+        <p:nvSpPr>
+          <p:cNvPr id="7" name="Espace réservé du numéro de diapositive 6"/>
+          <p:cNvSpPr>
+            <a:spLocks noGrp="1"/>
+          </p:cNvSpPr>
+          <p:nvPr>
+            <p:ph type="sldNum" sz="quarter" idx="5"/>
+          </p:nvPr>
+        </p:nvSpPr>
+        <p:spPr>
+          <a:xfrm>
+            <a:off x="3884613" y="8685213"/>
+            <a:ext cx="2971800" cy="458787"/>
+          </a:xfrm>
+          <a:prstGeom prst="rect">
+            <a:avLst/>
+          </a:prstGeom>
+        </p:spPr>
+        <p:txBody>
+          <a:bodyPr vert="horz" lIns="91440" tIns="45720" rIns="91440" bIns="45720" rtlCol="0" anchor="b"/>
+          <a:lstStyle>
+            <a:lvl1pPr algn="r">
+              <a:defRPr sz="1200"/>
+            </a:lvl1pPr>
+          </a:lstStyle>
+          <a:p>
+            <a:fld id="{074E2BEA-A5CA-4999-A9B0-2F7432B5B189}" type="slidenum">
+              <a:rPr lang="fr-FR" smtClean="0"/>
+              <a:t>‹N°›</a:t>
+            </a:fld>
+            <a:endParaRPr lang="fr-FR"/>
+          </a:p>
+        </p:txBody>
+      </p:sp>
+    </p:spTree>
+    <p:extLst>
+      <p:ext uri="{BB962C8B-B14F-4D97-AF65-F5344CB8AC3E}">
+        <p14:creationId xmlns:p14="http://schemas.microsoft.com/office/powerpoint/2010/main" val="3708764911"/>
+      </p:ext>
+    </p:extLst>
+  </p:cSld>
+  <p:clrMap bg1="lt1" tx1="dk1" bg2="lt2" tx2="dk2" accent1="accent1" accent2="accent2" accent3="accent3" accent4="accent4" accent5="accent5" accent6="accent6" hlink="hlink" folHlink="folHlink"/>
+  <p:notesStyle>
+    <a:lvl1pPr marL="0" algn="l" defTabSz="914400" rtl="0" eaLnBrk="1" latinLnBrk="0" hangingPunct="1">
+      <a:defRPr sz="1200" kern="1200">
+        <a:solidFill>
+          <a:schemeClr val="tx1"/>
+        </a:solidFill>
+        <a:latin typeface="+mn-lt"/>
+        <a:ea typeface="+mn-ea"/>
+        <a:cs typeface="+mn-cs"/>
+      </a:defRPr>
+    </a:lvl1pPr>
+    <a:lvl2pPr marL="457200" algn="l" defTabSz="914400" rtl="0" eaLnBrk="1" latinLnBrk="0" hangingPunct="1">
+      <a:defRPr sz="1200" kern="1200">
+        <a:solidFill>
+          <a:schemeClr val="tx1"/>
+        </a:solidFill>
+        <a:latin typeface="+mn-lt"/>
+        <a:ea typeface="+mn-ea"/>
+        <a:cs typeface="+mn-cs"/>
+      </a:defRPr>
+    </a:lvl2pPr>
+    <a:lvl3pPr marL="914400" algn="l" defTabSz="914400" rtl="0" eaLnBrk="1" latinLnBrk="0" hangingPunct="1">
+      <a:defRPr sz="1200" kern="1200">
+        <a:solidFill>
+          <a:schemeClr val="tx1"/>
+        </a:solidFill>
+        <a:latin typeface="+mn-lt"/>
+        <a:ea typeface="+mn-ea"/>
+        <a:cs typeface="+mn-cs"/>
+      </a:defRPr>
+    </a:lvl3pPr>
+    <a:lvl4pPr marL="1371600" algn="l" defTabSz="914400" rtl="0" eaLnBrk="1" latinLnBrk="0" hangingPunct="1">
+      <a:defRPr sz="1200" kern="1200">
+        <a:solidFill>
+          <a:schemeClr val="tx1"/>
+        </a:solidFill>
+        <a:latin typeface="+mn-lt"/>
+        <a:ea typeface="+mn-ea"/>
+        <a:cs typeface="+mn-cs"/>
+      </a:defRPr>
+    </a:lvl4pPr>
+    <a:lvl5pPr marL="1828800" algn="l" defTabSz="914400" rtl="0" eaLnBrk="1" latinLnBrk="0" hangingPunct="1">
+      <a:defRPr sz="1200" kern="1200">
+        <a:solidFill>
+          <a:schemeClr val="tx1"/>
+        </a:solidFill>
+        <a:latin typeface="+mn-lt"/>
+        <a:ea typeface="+mn-ea"/>
+        <a:cs typeface="+mn-cs"/>
+      </a:defRPr>
+    </a:lvl5pPr>
+    <a:lvl6pPr marL="2286000" algn="l" defTabSz="914400" rtl="0" eaLnBrk="1" latinLnBrk="0" hangingPunct="1">
+      <a:defRPr sz="1200" kern="1200">
+        <a:solidFill>
+          <a:schemeClr val="tx1"/>
+        </a:solidFill>
+        <a:latin typeface="+mn-lt"/>
+        <a:ea typeface="+mn-ea"/>
+        <a:cs typeface="+mn-cs"/>
+      </a:defRPr>
+    </a:lvl6pPr>
+    <a:lvl7pPr marL="2743200" algn="l" defTabSz="914400" rtl="0" eaLnBrk="1" latinLnBrk="0" hangingPunct="1">
+      <a:defRPr sz="1200" kern="1200">
+        <a:solidFill>
+          <a:schemeClr val="tx1"/>
+        </a:solidFill>
+        <a:latin typeface="+mn-lt"/>
+        <a:ea typeface="+mn-ea"/>
+        <a:cs typeface="+mn-cs"/>
+      </a:defRPr>
+    </a:lvl7pPr>
+    <a:lvl8pPr marL="3200400" algn="l" defTabSz="914400" rtl="0" eaLnBrk="1" latinLnBrk="0" hangingPunct="1">
+      <a:defRPr sz="1200" kern="1200">
+        <a:solidFill>
+          <a:schemeClr val="tx1"/>
+        </a:solidFill>
+        <a:latin typeface="+mn-lt"/>
+        <a:ea typeface="+mn-ea"/>
+        <a:cs typeface="+mn-cs"/>
+      </a:defRPr>
+    </a:lvl8pPr>
+    <a:lvl9pPr marL="3657600" algn="l" defTabSz="914400" rtl="0" eaLnBrk="1" latinLnBrk="0" hangingPunct="1">
+      <a:defRPr sz="1200" kern="1200">
+        <a:solidFill>
+          <a:schemeClr val="tx1"/>
+        </a:solidFill>
+        <a:latin typeface="+mn-lt"/>
+        <a:ea typeface="+mn-ea"/>
+        <a:cs typeface="+mn-cs"/>
+      </a:defRPr>
+    </a:lvl9pPr>
+  </p:notesStyle>
+</p:notesMaster>
+</file>
+
+<file path=ppt/notesSlides/notesSlide1.xml><?xml version="1.0" encoding="utf-8"?>
+<p:notes xmlns:a="http://schemas.openxmlformats.org/drawingml/2006/main" xmlns:r="http://schemas.openxmlformats.org/officeDocument/2006/relationships" xmlns:p="http://schemas.openxmlformats.org/presentationml/2006/main">
+  <p:cSld>
+    <p:spTree>
+      <p:nvGrpSpPr>
+        <p:cNvPr id="1" name=""/>
+        <p:cNvGrpSpPr/>
+        <p:nvPr/>
+      </p:nvGrpSpPr>
+      <p:grpSpPr>
+        <a:xfrm>
+          <a:off x="0" y="0"/>
+          <a:ext cx="0" cy="0"/>
+          <a:chOff x="0" y="0"/>
+          <a:chExt cx="0" cy="0"/>
+        </a:xfrm>
+      </p:grpSpPr>
+      <p:sp>
+        <p:nvSpPr>
+          <p:cNvPr id="2" name="Espace réservé de l'image des diapositives 1"/>
+          <p:cNvSpPr>
+            <a:spLocks noGrp="1" noRot="1" noChangeAspect="1"/>
+          </p:cNvSpPr>
+          <p:nvPr>
+            <p:ph type="sldImg"/>
+          </p:nvPr>
+        </p:nvSpPr>
+        <p:spPr/>
+      </p:sp>
+      <p:sp>
+        <p:nvSpPr>
+          <p:cNvPr id="3" name="Espace réservé des notes 2"/>
+          <p:cNvSpPr>
+            <a:spLocks noGrp="1"/>
+          </p:cNvSpPr>
+          <p:nvPr>
+            <p:ph type="body" idx="1"/>
+          </p:nvPr>
+        </p:nvSpPr>
+        <p:spPr/>
+        <p:txBody>
+          <a:bodyPr/>
+          <a:lstStyle/>
+          <a:p>
+            <a:endParaRPr lang="fr-FR" dirty="0"/>
+          </a:p>
+        </p:txBody>
+      </p:sp>
+      <p:sp>
+        <p:nvSpPr>
+          <p:cNvPr id="4" name="Espace réservé du numéro de diapositive 3"/>
+          <p:cNvSpPr>
+            <a:spLocks noGrp="1"/>
+          </p:cNvSpPr>
+          <p:nvPr>
+            <p:ph type="sldNum" sz="quarter" idx="10"/>
+          </p:nvPr>
+        </p:nvSpPr>
+        <p:spPr/>
+        <p:txBody>
+          <a:bodyPr/>
+          <a:lstStyle/>
+          <a:p>
+            <a:fld id="{074E2BEA-A5CA-4999-A9B0-2F7432B5B189}" type="slidenum">
+              <a:rPr lang="fr-FR" smtClean="0"/>
+              <a:t>6</a:t>
+            </a:fld>
+            <a:endParaRPr lang="fr-FR"/>
+          </a:p>
+        </p:txBody>
+      </p:sp>
+    </p:spTree>
+    <p:extLst>
+      <p:ext uri="{BB962C8B-B14F-4D97-AF65-F5344CB8AC3E}">
+        <p14:creationId xmlns:p14="http://schemas.microsoft.com/office/powerpoint/2010/main" val="1925225012"/>
+      </p:ext>
+    </p:extLst>
+  </p:cSld>
+  <p:clrMapOvr>
+    <a:masterClrMapping/>
+  </p:clrMapOvr>
+</p:notes>
 </file>
 
 <file path=ppt/slideLayouts/slideLayout1.xml><?xml version="1.0" encoding="utf-8"?>
@@ -16636,66 +17073,6 @@
             </a:fontRef>
           </p:style>
         </p:cxnSp>
-        <p:pic>
-          <p:nvPicPr>
-            <p:cNvPr id="137" name="Image 136" descr="latex-image-1.pdf"/>
-            <p:cNvPicPr>
-              <a:picLocks noChangeAspect="1"/>
-            </p:cNvPicPr>
-            <p:nvPr/>
-          </p:nvPicPr>
-          <p:blipFill>
-            <a:blip r:embed="rId4">
-              <a:extLst>
-                <a:ext uri="{28A0092B-C50C-407E-A947-70E740481C1C}">
-                  <a14:useLocalDpi xmlns:a14="http://schemas.microsoft.com/office/drawing/2010/main" val="0"/>
-                </a:ext>
-              </a:extLst>
-            </a:blip>
-            <a:stretch>
-              <a:fillRect/>
-            </a:stretch>
-          </p:blipFill>
-          <p:spPr>
-            <a:xfrm>
-              <a:off x="6134861" y="2324561"/>
-              <a:ext cx="114300" cy="101600"/>
-            </a:xfrm>
-            <a:prstGeom prst="rect">
-              <a:avLst/>
-            </a:prstGeom>
-          </p:spPr>
-        </p:pic>
-        <p:pic>
-          <p:nvPicPr>
-            <p:cNvPr id="138" name="Image 137" descr="latex-image-1.pdf"/>
-            <p:cNvPicPr>
-              <a:picLocks noChangeAspect="1"/>
-            </p:cNvPicPr>
-            <p:nvPr/>
-          </p:nvPicPr>
-          <p:blipFill>
-            <a:blip r:embed="rId5">
-              <a:extLst>
-                <a:ext uri="{28A0092B-C50C-407E-A947-70E740481C1C}">
-                  <a14:useLocalDpi xmlns:a14="http://schemas.microsoft.com/office/drawing/2010/main" val="0"/>
-                </a:ext>
-              </a:extLst>
-            </a:blip>
-            <a:stretch>
-              <a:fillRect/>
-            </a:stretch>
-          </p:blipFill>
-          <p:spPr>
-            <a:xfrm>
-              <a:off x="5828923" y="2621866"/>
-              <a:ext cx="101600" cy="101600"/>
-            </a:xfrm>
-            <a:prstGeom prst="rect">
-              <a:avLst/>
-            </a:prstGeom>
-          </p:spPr>
-        </p:pic>
       </p:grpSp>
       <p:grpSp>
         <p:nvGrpSpPr>
@@ -17740,66 +18117,6 @@
           </p:cxnSp>
           <p:pic>
             <p:nvPicPr>
-              <p:cNvPr id="19" name="Image 18" descr="latex-image-1.pdf"/>
-              <p:cNvPicPr>
-                <a:picLocks noChangeAspect="1"/>
-              </p:cNvPicPr>
-              <p:nvPr/>
-            </p:nvPicPr>
-            <p:blipFill>
-              <a:blip r:embed="rId4">
-                <a:extLst>
-                  <a:ext uri="{28A0092B-C50C-407E-A947-70E740481C1C}">
-                    <a14:useLocalDpi xmlns:a14="http://schemas.microsoft.com/office/drawing/2010/main" val="0"/>
-                  </a:ext>
-                </a:extLst>
-              </a:blip>
-              <a:stretch>
-                <a:fillRect/>
-              </a:stretch>
-            </p:blipFill>
-            <p:spPr>
-              <a:xfrm>
-                <a:off x="2024777" y="2295860"/>
-                <a:ext cx="114300" cy="101600"/>
-              </a:xfrm>
-              <a:prstGeom prst="rect">
-                <a:avLst/>
-              </a:prstGeom>
-            </p:spPr>
-          </p:pic>
-          <p:pic>
-            <p:nvPicPr>
-              <p:cNvPr id="20" name="Image 19" descr="latex-image-1.pdf"/>
-              <p:cNvPicPr>
-                <a:picLocks noChangeAspect="1"/>
-              </p:cNvPicPr>
-              <p:nvPr/>
-            </p:nvPicPr>
-            <p:blipFill>
-              <a:blip r:embed="rId5">
-                <a:extLst>
-                  <a:ext uri="{28A0092B-C50C-407E-A947-70E740481C1C}">
-                    <a14:useLocalDpi xmlns:a14="http://schemas.microsoft.com/office/drawing/2010/main" val="0"/>
-                  </a:ext>
-                </a:extLst>
-              </a:blip>
-              <a:stretch>
-                <a:fillRect/>
-              </a:stretch>
-            </p:blipFill>
-            <p:spPr>
-              <a:xfrm>
-                <a:off x="1718839" y="2593165"/>
-                <a:ext cx="101600" cy="101600"/>
-              </a:xfrm>
-              <a:prstGeom prst="rect">
-                <a:avLst/>
-              </a:prstGeom>
-            </p:spPr>
-          </p:pic>
-          <p:pic>
-            <p:nvPicPr>
               <p:cNvPr id="22" name="Image 21" descr="latex-image-1.pdf"/>
               <p:cNvPicPr>
                 <a:picLocks noChangeAspect="1"/>
@@ -17868,7 +18185,7 @@
             <p:nvPr/>
           </p:nvPicPr>
           <p:blipFill>
-            <a:blip r:embed="rId6">
+            <a:blip r:embed="rId4">
               <a:extLst>
                 <a:ext uri="{28A0092B-C50C-407E-A947-70E740481C1C}">
                   <a14:useLocalDpi xmlns:a14="http://schemas.microsoft.com/office/drawing/2010/main" val="0"/>
@@ -18106,7 +18423,7 @@
               <p:nvPr/>
             </p:nvPicPr>
             <p:blipFill>
-              <a:blip r:embed="rId7">
+              <a:blip r:embed="rId5">
                 <a:extLst>
                   <a:ext uri="{28A0092B-C50C-407E-A947-70E740481C1C}">
                     <a14:useLocalDpi xmlns:a14="http://schemas.microsoft.com/office/drawing/2010/main" val="0"/>
@@ -18136,7 +18453,7 @@
               <p:nvPr/>
             </p:nvPicPr>
             <p:blipFill>
-              <a:blip r:embed="rId8">
+              <a:blip r:embed="rId6">
                 <a:extLst>
                   <a:ext uri="{28A0092B-C50C-407E-A947-70E740481C1C}">
                     <a14:useLocalDpi xmlns:a14="http://schemas.microsoft.com/office/drawing/2010/main" val="0"/>
@@ -18167,7 +18484,7 @@
             <p:nvPr/>
           </p:nvPicPr>
           <p:blipFill>
-            <a:blip r:embed="rId6">
+            <a:blip r:embed="rId4">
               <a:extLst>
                 <a:ext uri="{28A0092B-C50C-407E-A947-70E740481C1C}">
                   <a14:useLocalDpi xmlns:a14="http://schemas.microsoft.com/office/drawing/2010/main" val="0"/>
@@ -18197,7 +18514,7 @@
             <p:nvPr/>
           </p:nvPicPr>
           <p:blipFill>
-            <a:blip r:embed="rId9">
+            <a:blip r:embed="rId7">
               <a:extLst>
                 <a:ext uri="{28A0092B-C50C-407E-A947-70E740481C1C}">
                   <a14:useLocalDpi xmlns:a14="http://schemas.microsoft.com/office/drawing/2010/main" val="0"/>
@@ -18227,7 +18544,7 @@
             <p:nvPr/>
           </p:nvPicPr>
           <p:blipFill>
-            <a:blip r:embed="rId10">
+            <a:blip r:embed="rId8">
               <a:extLst>
                 <a:ext uri="{28A0092B-C50C-407E-A947-70E740481C1C}">
                   <a14:useLocalDpi xmlns:a14="http://schemas.microsoft.com/office/drawing/2010/main" val="0"/>
@@ -18257,7 +18574,7 @@
             <p:nvPr/>
           </p:nvPicPr>
           <p:blipFill>
-            <a:blip r:embed="rId11">
+            <a:blip r:embed="rId9">
               <a:extLst>
                 <a:ext uri="{28A0092B-C50C-407E-A947-70E740481C1C}">
                   <a14:useLocalDpi xmlns:a14="http://schemas.microsoft.com/office/drawing/2010/main" val="0"/>
@@ -18279,6 +18596,130 @@
           </p:spPr>
         </p:pic>
       </p:grpSp>
+      <p:sp>
+        <p:nvSpPr>
+          <p:cNvPr id="69" name="ZoneTexte 68"/>
+          <p:cNvSpPr txBox="1"/>
+          <p:nvPr/>
+        </p:nvSpPr>
+        <p:spPr>
+          <a:xfrm>
+            <a:off x="578868" y="2179565"/>
+            <a:ext cx="121688" cy="215444"/>
+          </a:xfrm>
+          <a:prstGeom prst="rect">
+            <a:avLst/>
+          </a:prstGeom>
+          <a:noFill/>
+        </p:spPr>
+        <p:txBody>
+          <a:bodyPr wrap="square" rtlCol="0">
+            <a:spAutoFit/>
+          </a:bodyPr>
+          <a:lstStyle/>
+          <a:p>
+            <a:pPr algn="ctr"/>
+            <a:r>
+              <a:rPr lang="fr-FR" sz="800" dirty="0" smtClean="0"/>
+              <a:t>j</a:t>
+            </a:r>
+            <a:endParaRPr lang="fr-FR" sz="800" dirty="0"/>
+          </a:p>
+        </p:txBody>
+      </p:sp>
+      <p:sp>
+        <p:nvSpPr>
+          <p:cNvPr id="71" name="ZoneTexte 70"/>
+          <p:cNvSpPr txBox="1"/>
+          <p:nvPr/>
+        </p:nvSpPr>
+        <p:spPr>
+          <a:xfrm>
+            <a:off x="369169" y="2518425"/>
+            <a:ext cx="121688" cy="215444"/>
+          </a:xfrm>
+          <a:prstGeom prst="rect">
+            <a:avLst/>
+          </a:prstGeom>
+          <a:noFill/>
+        </p:spPr>
+        <p:txBody>
+          <a:bodyPr wrap="square" rtlCol="0">
+            <a:spAutoFit/>
+          </a:bodyPr>
+          <a:lstStyle/>
+          <a:p>
+            <a:pPr algn="ctr"/>
+            <a:r>
+              <a:rPr lang="fr-FR" sz="800" dirty="0" smtClean="0"/>
+              <a:t>i</a:t>
+            </a:r>
+            <a:endParaRPr lang="fr-FR" sz="800" dirty="0"/>
+          </a:p>
+        </p:txBody>
+      </p:sp>
+      <p:sp>
+        <p:nvSpPr>
+          <p:cNvPr id="74" name="ZoneTexte 73"/>
+          <p:cNvSpPr txBox="1"/>
+          <p:nvPr/>
+        </p:nvSpPr>
+        <p:spPr>
+          <a:xfrm>
+            <a:off x="3988818" y="2236715"/>
+            <a:ext cx="121688" cy="215444"/>
+          </a:xfrm>
+          <a:prstGeom prst="rect">
+            <a:avLst/>
+          </a:prstGeom>
+          <a:noFill/>
+        </p:spPr>
+        <p:txBody>
+          <a:bodyPr wrap="square" rtlCol="0">
+            <a:spAutoFit/>
+          </a:bodyPr>
+          <a:lstStyle/>
+          <a:p>
+            <a:pPr algn="ctr"/>
+            <a:r>
+              <a:rPr lang="fr-FR" sz="800" dirty="0" smtClean="0"/>
+              <a:t>j</a:t>
+            </a:r>
+            <a:endParaRPr lang="fr-FR" sz="800" dirty="0"/>
+          </a:p>
+        </p:txBody>
+      </p:sp>
+      <p:sp>
+        <p:nvSpPr>
+          <p:cNvPr id="75" name="ZoneTexte 74"/>
+          <p:cNvSpPr txBox="1"/>
+          <p:nvPr/>
+        </p:nvSpPr>
+        <p:spPr>
+          <a:xfrm>
+            <a:off x="3779119" y="2575575"/>
+            <a:ext cx="121688" cy="215444"/>
+          </a:xfrm>
+          <a:prstGeom prst="rect">
+            <a:avLst/>
+          </a:prstGeom>
+          <a:noFill/>
+        </p:spPr>
+        <p:txBody>
+          <a:bodyPr wrap="square" rtlCol="0">
+            <a:spAutoFit/>
+          </a:bodyPr>
+          <a:lstStyle/>
+          <a:p>
+            <a:pPr algn="ctr"/>
+            <a:r>
+              <a:rPr lang="fr-FR" sz="800" dirty="0" smtClean="0"/>
+              <a:t>i</a:t>
+            </a:r>
+            <a:endParaRPr lang="fr-FR" sz="800" dirty="0"/>
+          </a:p>
+        </p:txBody>
+      </p:sp>
     </p:spTree>
     <p:extLst>
       <p:ext uri="{BB962C8B-B14F-4D97-AF65-F5344CB8AC3E}">
@@ -24148,7 +24589,7 @@
             <p:nvPr/>
           </p:nvPicPr>
           <p:blipFill>
-            <a:blip r:embed="rId2">
+            <a:blip r:embed="rId3">
               <a:extLst>
                 <a:ext uri="{28A0092B-C50C-407E-A947-70E740481C1C}">
                   <a14:useLocalDpi xmlns:a14="http://schemas.microsoft.com/office/drawing/2010/main" val="0"/>
@@ -24178,7 +24619,7 @@
             <p:nvPr/>
           </p:nvPicPr>
           <p:blipFill>
-            <a:blip r:embed="rId2">
+            <a:blip r:embed="rId3">
               <a:extLst>
                 <a:ext uri="{28A0092B-C50C-407E-A947-70E740481C1C}">
                   <a14:useLocalDpi xmlns:a14="http://schemas.microsoft.com/office/drawing/2010/main" val="0"/>
@@ -24208,7 +24649,7 @@
             <p:nvPr/>
           </p:nvPicPr>
           <p:blipFill>
-            <a:blip r:embed="rId3">
+            <a:blip r:embed="rId4">
               <a:extLst>
                 <a:ext uri="{28A0092B-C50C-407E-A947-70E740481C1C}">
                   <a14:useLocalDpi xmlns:a14="http://schemas.microsoft.com/office/drawing/2010/main" val="0"/>
@@ -24238,7 +24679,7 @@
             <p:nvPr/>
           </p:nvPicPr>
           <p:blipFill>
-            <a:blip r:embed="rId3">
+            <a:blip r:embed="rId4">
               <a:extLst>
                 <a:ext uri="{28A0092B-C50C-407E-A947-70E740481C1C}">
                   <a14:useLocalDpi xmlns:a14="http://schemas.microsoft.com/office/drawing/2010/main" val="0"/>
@@ -26588,6 +27029,253 @@
           <a:chExt cx="0" cy="0"/>
         </a:xfrm>
       </p:grpSpPr>
+      <p:cxnSp>
+        <p:nvCxnSpPr>
+          <p:cNvPr id="297" name="Connecteur droit 296"/>
+          <p:cNvCxnSpPr/>
+          <p:nvPr/>
+        </p:nvCxnSpPr>
+        <p:spPr>
+          <a:xfrm flipV="1">
+            <a:off x="3177686" y="3280686"/>
+            <a:ext cx="0" cy="1303183"/>
+          </a:xfrm>
+          <a:prstGeom prst="line">
+            <a:avLst/>
+          </a:prstGeom>
+          <a:ln/>
+        </p:spPr>
+        <p:style>
+          <a:lnRef idx="2">
+            <a:schemeClr val="accent1"/>
+          </a:lnRef>
+          <a:fillRef idx="0">
+            <a:schemeClr val="accent1"/>
+          </a:fillRef>
+          <a:effectRef idx="1">
+            <a:schemeClr val="accent1"/>
+          </a:effectRef>
+          <a:fontRef idx="minor">
+            <a:schemeClr val="tx1"/>
+          </a:fontRef>
+        </p:style>
+      </p:cxnSp>
+      <p:cxnSp>
+        <p:nvCxnSpPr>
+          <p:cNvPr id="242" name="Connecteur droit 241"/>
+          <p:cNvCxnSpPr/>
+          <p:nvPr/>
+        </p:nvCxnSpPr>
+        <p:spPr>
+          <a:xfrm flipV="1">
+            <a:off x="4789085" y="3269597"/>
+            <a:ext cx="0" cy="1303183"/>
+          </a:xfrm>
+          <a:prstGeom prst="line">
+            <a:avLst/>
+          </a:prstGeom>
+          <a:ln w="9525">
+            <a:solidFill>
+              <a:schemeClr val="tx1"/>
+            </a:solidFill>
+          </a:ln>
+          <a:effectLst/>
+        </p:spPr>
+        <p:style>
+          <a:lnRef idx="2">
+            <a:schemeClr val="accent1"/>
+          </a:lnRef>
+          <a:fillRef idx="0">
+            <a:schemeClr val="accent1"/>
+          </a:fillRef>
+          <a:effectRef idx="1">
+            <a:schemeClr val="accent1"/>
+          </a:effectRef>
+          <a:fontRef idx="minor">
+            <a:schemeClr val="tx1"/>
+          </a:fontRef>
+        </p:style>
+      </p:cxnSp>
+      <p:cxnSp>
+        <p:nvCxnSpPr>
+          <p:cNvPr id="241" name="Connecteur droit 240"/>
+          <p:cNvCxnSpPr/>
+          <p:nvPr/>
+        </p:nvCxnSpPr>
+        <p:spPr>
+          <a:xfrm flipV="1">
+            <a:off x="4637791" y="3274402"/>
+            <a:ext cx="0" cy="1303183"/>
+          </a:xfrm>
+          <a:prstGeom prst="line">
+            <a:avLst/>
+          </a:prstGeom>
+          <a:ln w="9525">
+            <a:solidFill>
+              <a:schemeClr val="tx1"/>
+            </a:solidFill>
+          </a:ln>
+          <a:effectLst/>
+        </p:spPr>
+        <p:style>
+          <a:lnRef idx="2">
+            <a:schemeClr val="accent1"/>
+          </a:lnRef>
+          <a:fillRef idx="0">
+            <a:schemeClr val="accent1"/>
+          </a:fillRef>
+          <a:effectRef idx="1">
+            <a:schemeClr val="accent1"/>
+          </a:effectRef>
+          <a:fontRef idx="minor">
+            <a:schemeClr val="tx1"/>
+          </a:fontRef>
+        </p:style>
+      </p:cxnSp>
+      <p:cxnSp>
+        <p:nvCxnSpPr>
+          <p:cNvPr id="240" name="Connecteur droit 239"/>
+          <p:cNvCxnSpPr/>
+          <p:nvPr/>
+        </p:nvCxnSpPr>
+        <p:spPr>
+          <a:xfrm flipV="1">
+            <a:off x="4484285" y="3279122"/>
+            <a:ext cx="0" cy="1303183"/>
+          </a:xfrm>
+          <a:prstGeom prst="line">
+            <a:avLst/>
+          </a:prstGeom>
+          <a:ln w="9525">
+            <a:solidFill>
+              <a:schemeClr val="tx1"/>
+            </a:solidFill>
+          </a:ln>
+          <a:effectLst/>
+        </p:spPr>
+        <p:style>
+          <a:lnRef idx="2">
+            <a:schemeClr val="accent1"/>
+          </a:lnRef>
+          <a:fillRef idx="0">
+            <a:schemeClr val="accent1"/>
+          </a:fillRef>
+          <a:effectRef idx="1">
+            <a:schemeClr val="accent1"/>
+          </a:effectRef>
+          <a:fontRef idx="minor">
+            <a:schemeClr val="tx1"/>
+          </a:fontRef>
+        </p:style>
+      </p:cxnSp>
+      <p:cxnSp>
+        <p:nvCxnSpPr>
+          <p:cNvPr id="239" name="Connecteur droit 238"/>
+          <p:cNvCxnSpPr/>
+          <p:nvPr/>
+        </p:nvCxnSpPr>
+        <p:spPr>
+          <a:xfrm flipV="1">
+            <a:off x="4331884" y="3274361"/>
+            <a:ext cx="0" cy="1303183"/>
+          </a:xfrm>
+          <a:prstGeom prst="line">
+            <a:avLst/>
+          </a:prstGeom>
+          <a:ln w="9525">
+            <a:solidFill>
+              <a:schemeClr val="tx1"/>
+            </a:solidFill>
+          </a:ln>
+          <a:effectLst/>
+        </p:spPr>
+        <p:style>
+          <a:lnRef idx="2">
+            <a:schemeClr val="accent1"/>
+          </a:lnRef>
+          <a:fillRef idx="0">
+            <a:schemeClr val="accent1"/>
+          </a:fillRef>
+          <a:effectRef idx="1">
+            <a:schemeClr val="accent1"/>
+          </a:effectRef>
+          <a:fontRef idx="minor">
+            <a:schemeClr val="tx1"/>
+          </a:fontRef>
+        </p:style>
+      </p:cxnSp>
+      <p:cxnSp>
+        <p:nvCxnSpPr>
+          <p:cNvPr id="238" name="Connecteur droit 237"/>
+          <p:cNvCxnSpPr/>
+          <p:nvPr/>
+        </p:nvCxnSpPr>
+        <p:spPr>
+          <a:xfrm flipV="1">
+            <a:off x="4179790" y="3272791"/>
+            <a:ext cx="0" cy="1303183"/>
+          </a:xfrm>
+          <a:prstGeom prst="line">
+            <a:avLst/>
+          </a:prstGeom>
+          <a:ln w="9525">
+            <a:solidFill>
+              <a:schemeClr val="tx1"/>
+            </a:solidFill>
+          </a:ln>
+          <a:effectLst/>
+        </p:spPr>
+        <p:style>
+          <a:lnRef idx="2">
+            <a:schemeClr val="accent1"/>
+          </a:lnRef>
+          <a:fillRef idx="0">
+            <a:schemeClr val="accent1"/>
+          </a:fillRef>
+          <a:effectRef idx="1">
+            <a:schemeClr val="accent1"/>
+          </a:effectRef>
+          <a:fontRef idx="minor">
+            <a:schemeClr val="tx1"/>
+          </a:fontRef>
+        </p:style>
+      </p:cxnSp>
+      <p:cxnSp>
+        <p:nvCxnSpPr>
+          <p:cNvPr id="234" name="Connecteur droit 233"/>
+          <p:cNvCxnSpPr/>
+          <p:nvPr/>
+        </p:nvCxnSpPr>
+        <p:spPr>
+          <a:xfrm flipV="1">
+            <a:off x="4028191" y="3277553"/>
+            <a:ext cx="0" cy="1303183"/>
+          </a:xfrm>
+          <a:prstGeom prst="line">
+            <a:avLst/>
+          </a:prstGeom>
+          <a:ln w="9525">
+            <a:solidFill>
+              <a:schemeClr val="tx1"/>
+            </a:solidFill>
+          </a:ln>
+          <a:effectLst/>
+        </p:spPr>
+        <p:style>
+          <a:lnRef idx="2">
+            <a:schemeClr val="accent1"/>
+          </a:lnRef>
+          <a:fillRef idx="0">
+            <a:schemeClr val="accent1"/>
+          </a:fillRef>
+          <a:effectRef idx="1">
+            <a:schemeClr val="accent1"/>
+          </a:effectRef>
+          <a:fontRef idx="minor">
+            <a:schemeClr val="tx1"/>
+          </a:fontRef>
+        </p:style>
+      </p:cxnSp>
       <p:grpSp>
         <p:nvGrpSpPr>
           <p:cNvPr id="5" name="Grouper 4"/>
@@ -26596,10 +27284,10 @@
         </p:nvGrpSpPr>
         <p:grpSpPr>
           <a:xfrm>
-            <a:off x="2071527" y="2100470"/>
-            <a:ext cx="4817329" cy="3969831"/>
-            <a:chOff x="2071527" y="2100470"/>
-            <a:chExt cx="4817329" cy="3969831"/>
+            <a:off x="2077408" y="2100470"/>
+            <a:ext cx="4811448" cy="3969831"/>
+            <a:chOff x="2077408" y="2100470"/>
+            <a:chExt cx="4811448" cy="3969831"/>
           </a:xfrm>
         </p:grpSpPr>
         <p:grpSp>
@@ -26610,10 +27298,10 @@
           </p:nvGrpSpPr>
           <p:grpSpPr>
             <a:xfrm>
-              <a:off x="2071527" y="2100470"/>
-              <a:ext cx="4427767" cy="2856329"/>
-              <a:chOff x="4304165" y="3049229"/>
-              <a:chExt cx="4427767" cy="2856329"/>
+              <a:off x="2077408" y="2100470"/>
+              <a:ext cx="4421886" cy="2856329"/>
+              <a:chOff x="4310046" y="3049229"/>
+              <a:chExt cx="4421886" cy="2856329"/>
             </a:xfrm>
           </p:grpSpPr>
           <p:grpSp>
@@ -27226,7 +27914,7 @@
             </p:nvSpPr>
             <p:spPr>
               <a:xfrm>
-                <a:off x="4304165" y="3601670"/>
+                <a:off x="4310046" y="3602361"/>
                 <a:ext cx="1263038" cy="307777"/>
               </a:xfrm>
               <a:prstGeom prst="rect">
@@ -27352,564 +28040,6 @@
             </a:p>
           </p:txBody>
         </p:sp>
-        <p:cxnSp>
-          <p:nvCxnSpPr>
-            <p:cNvPr id="100" name="Connecteur droit 99"/>
-            <p:cNvCxnSpPr/>
-            <p:nvPr/>
-          </p:nvCxnSpPr>
-          <p:spPr>
-            <a:xfrm>
-              <a:off x="3104327" y="3274748"/>
-              <a:ext cx="351" cy="1305495"/>
-            </a:xfrm>
-            <a:prstGeom prst="line">
-              <a:avLst/>
-            </a:prstGeom>
-            <a:effectLst/>
-          </p:spPr>
-          <p:style>
-            <a:lnRef idx="2">
-              <a:schemeClr val="accent1"/>
-            </a:lnRef>
-            <a:fillRef idx="0">
-              <a:schemeClr val="accent1"/>
-            </a:fillRef>
-            <a:effectRef idx="1">
-              <a:schemeClr val="accent1"/>
-            </a:effectRef>
-            <a:fontRef idx="minor">
-              <a:schemeClr val="tx1"/>
-            </a:fontRef>
-          </p:style>
-        </p:cxnSp>
-        <p:cxnSp>
-          <p:nvCxnSpPr>
-            <p:cNvPr id="118" name="Connecteur droit 117"/>
-            <p:cNvCxnSpPr/>
-            <p:nvPr/>
-          </p:nvCxnSpPr>
-          <p:spPr>
-            <a:xfrm>
-              <a:off x="3256727" y="3281618"/>
-              <a:ext cx="351" cy="1305495"/>
-            </a:xfrm>
-            <a:prstGeom prst="line">
-              <a:avLst/>
-            </a:prstGeom>
-            <a:effectLst/>
-          </p:spPr>
-          <p:style>
-            <a:lnRef idx="2">
-              <a:schemeClr val="accent1"/>
-            </a:lnRef>
-            <a:fillRef idx="0">
-              <a:schemeClr val="accent1"/>
-            </a:fillRef>
-            <a:effectRef idx="1">
-              <a:schemeClr val="accent1"/>
-            </a:effectRef>
-            <a:fontRef idx="minor">
-              <a:schemeClr val="tx1"/>
-            </a:fontRef>
-          </p:style>
-        </p:cxnSp>
-        <p:cxnSp>
-          <p:nvCxnSpPr>
-            <p:cNvPr id="119" name="Connecteur droit 118"/>
-            <p:cNvCxnSpPr/>
-            <p:nvPr/>
-          </p:nvCxnSpPr>
-          <p:spPr>
-            <a:xfrm>
-              <a:off x="3409127" y="3281873"/>
-              <a:ext cx="351" cy="1305495"/>
-            </a:xfrm>
-            <a:prstGeom prst="line">
-              <a:avLst/>
-            </a:prstGeom>
-            <a:effectLst/>
-          </p:spPr>
-          <p:style>
-            <a:lnRef idx="2">
-              <a:schemeClr val="accent1"/>
-            </a:lnRef>
-            <a:fillRef idx="0">
-              <a:schemeClr val="accent1"/>
-            </a:fillRef>
-            <a:effectRef idx="1">
-              <a:schemeClr val="accent1"/>
-            </a:effectRef>
-            <a:fontRef idx="minor">
-              <a:schemeClr val="tx1"/>
-            </a:fontRef>
-          </p:style>
-        </p:cxnSp>
-        <p:cxnSp>
-          <p:nvCxnSpPr>
-            <p:cNvPr id="120" name="Connecteur droit 119"/>
-            <p:cNvCxnSpPr/>
-            <p:nvPr/>
-          </p:nvCxnSpPr>
-          <p:spPr>
-            <a:xfrm>
-              <a:off x="3561176" y="3281873"/>
-              <a:ext cx="351" cy="1305495"/>
-            </a:xfrm>
-            <a:prstGeom prst="line">
-              <a:avLst/>
-            </a:prstGeom>
-            <a:effectLst/>
-          </p:spPr>
-          <p:style>
-            <a:lnRef idx="2">
-              <a:schemeClr val="accent1"/>
-            </a:lnRef>
-            <a:fillRef idx="0">
-              <a:schemeClr val="accent1"/>
-            </a:fillRef>
-            <a:effectRef idx="1">
-              <a:schemeClr val="accent1"/>
-            </a:effectRef>
-            <a:fontRef idx="minor">
-              <a:schemeClr val="tx1"/>
-            </a:fontRef>
-          </p:style>
-        </p:cxnSp>
-        <p:cxnSp>
-          <p:nvCxnSpPr>
-            <p:cNvPr id="121" name="Connecteur droit 120"/>
-            <p:cNvCxnSpPr/>
-            <p:nvPr/>
-          </p:nvCxnSpPr>
-          <p:spPr>
-            <a:xfrm>
-              <a:off x="3713576" y="3281873"/>
-              <a:ext cx="351" cy="1305495"/>
-            </a:xfrm>
-            <a:prstGeom prst="line">
-              <a:avLst/>
-            </a:prstGeom>
-            <a:effectLst/>
-          </p:spPr>
-          <p:style>
-            <a:lnRef idx="2">
-              <a:schemeClr val="accent1"/>
-            </a:lnRef>
-            <a:fillRef idx="0">
-              <a:schemeClr val="accent1"/>
-            </a:fillRef>
-            <a:effectRef idx="1">
-              <a:schemeClr val="accent1"/>
-            </a:effectRef>
-            <a:fontRef idx="minor">
-              <a:schemeClr val="tx1"/>
-            </a:fontRef>
-          </p:style>
-        </p:cxnSp>
-        <p:cxnSp>
-          <p:nvCxnSpPr>
-            <p:cNvPr id="123" name="Connecteur droit 122"/>
-            <p:cNvCxnSpPr/>
-            <p:nvPr/>
-          </p:nvCxnSpPr>
-          <p:spPr>
-            <a:xfrm>
-              <a:off x="3865625" y="3274748"/>
-              <a:ext cx="351" cy="1305495"/>
-            </a:xfrm>
-            <a:prstGeom prst="line">
-              <a:avLst/>
-            </a:prstGeom>
-            <a:effectLst/>
-          </p:spPr>
-          <p:style>
-            <a:lnRef idx="2">
-              <a:schemeClr val="accent1"/>
-            </a:lnRef>
-            <a:fillRef idx="0">
-              <a:schemeClr val="accent1"/>
-            </a:fillRef>
-            <a:effectRef idx="1">
-              <a:schemeClr val="accent1"/>
-            </a:effectRef>
-            <a:fontRef idx="minor">
-              <a:schemeClr val="tx1"/>
-            </a:fontRef>
-          </p:style>
-        </p:cxnSp>
-        <p:cxnSp>
-          <p:nvCxnSpPr>
-            <p:cNvPr id="124" name="Connecteur droit 123"/>
-            <p:cNvCxnSpPr/>
-            <p:nvPr/>
-          </p:nvCxnSpPr>
-          <p:spPr>
-            <a:xfrm>
-              <a:off x="4027840" y="3273325"/>
-              <a:ext cx="351" cy="1305495"/>
-            </a:xfrm>
-            <a:prstGeom prst="line">
-              <a:avLst/>
-            </a:prstGeom>
-            <a:effectLst/>
-          </p:spPr>
-          <p:style>
-            <a:lnRef idx="2">
-              <a:schemeClr val="accent1"/>
-            </a:lnRef>
-            <a:fillRef idx="0">
-              <a:schemeClr val="accent1"/>
-            </a:fillRef>
-            <a:effectRef idx="1">
-              <a:schemeClr val="accent1"/>
-            </a:effectRef>
-            <a:fontRef idx="minor">
-              <a:schemeClr val="tx1"/>
-            </a:fontRef>
-          </p:style>
-        </p:cxnSp>
-        <p:cxnSp>
-          <p:nvCxnSpPr>
-            <p:cNvPr id="125" name="Connecteur droit 124"/>
-            <p:cNvCxnSpPr/>
-            <p:nvPr/>
-          </p:nvCxnSpPr>
-          <p:spPr>
-            <a:xfrm>
-              <a:off x="4179889" y="3273325"/>
-              <a:ext cx="351" cy="1305495"/>
-            </a:xfrm>
-            <a:prstGeom prst="line">
-              <a:avLst/>
-            </a:prstGeom>
-            <a:effectLst/>
-          </p:spPr>
-          <p:style>
-            <a:lnRef idx="2">
-              <a:schemeClr val="accent1"/>
-            </a:lnRef>
-            <a:fillRef idx="0">
-              <a:schemeClr val="accent1"/>
-            </a:fillRef>
-            <a:effectRef idx="1">
-              <a:schemeClr val="accent1"/>
-            </a:effectRef>
-            <a:fontRef idx="minor">
-              <a:schemeClr val="tx1"/>
-            </a:fontRef>
-          </p:style>
-        </p:cxnSp>
-        <p:cxnSp>
-          <p:nvCxnSpPr>
-            <p:cNvPr id="126" name="Connecteur droit 125"/>
-            <p:cNvCxnSpPr/>
-            <p:nvPr/>
-          </p:nvCxnSpPr>
-          <p:spPr>
-            <a:xfrm>
-              <a:off x="4331938" y="3273325"/>
-              <a:ext cx="351" cy="1305495"/>
-            </a:xfrm>
-            <a:prstGeom prst="line">
-              <a:avLst/>
-            </a:prstGeom>
-            <a:effectLst/>
-          </p:spPr>
-          <p:style>
-            <a:lnRef idx="2">
-              <a:schemeClr val="accent1"/>
-            </a:lnRef>
-            <a:fillRef idx="0">
-              <a:schemeClr val="accent1"/>
-            </a:fillRef>
-            <a:effectRef idx="1">
-              <a:schemeClr val="accent1"/>
-            </a:effectRef>
-            <a:fontRef idx="minor">
-              <a:schemeClr val="tx1"/>
-            </a:fontRef>
-          </p:style>
-        </p:cxnSp>
-        <p:cxnSp>
-          <p:nvCxnSpPr>
-            <p:cNvPr id="127" name="Connecteur droit 126"/>
-            <p:cNvCxnSpPr/>
-            <p:nvPr/>
-          </p:nvCxnSpPr>
-          <p:spPr>
-            <a:xfrm>
-              <a:off x="4484338" y="3278866"/>
-              <a:ext cx="351" cy="1305495"/>
-            </a:xfrm>
-            <a:prstGeom prst="line">
-              <a:avLst/>
-            </a:prstGeom>
-            <a:effectLst/>
-          </p:spPr>
-          <p:style>
-            <a:lnRef idx="2">
-              <a:schemeClr val="accent1"/>
-            </a:lnRef>
-            <a:fillRef idx="0">
-              <a:schemeClr val="accent1"/>
-            </a:fillRef>
-            <a:effectRef idx="1">
-              <a:schemeClr val="accent1"/>
-            </a:effectRef>
-            <a:fontRef idx="minor">
-              <a:schemeClr val="tx1"/>
-            </a:fontRef>
-          </p:style>
-        </p:cxnSp>
-        <p:cxnSp>
-          <p:nvCxnSpPr>
-            <p:cNvPr id="128" name="Connecteur droit 127"/>
-            <p:cNvCxnSpPr/>
-            <p:nvPr/>
-          </p:nvCxnSpPr>
-          <p:spPr>
-            <a:xfrm>
-              <a:off x="4637089" y="3278866"/>
-              <a:ext cx="351" cy="1305495"/>
-            </a:xfrm>
-            <a:prstGeom prst="line">
-              <a:avLst/>
-            </a:prstGeom>
-            <a:effectLst/>
-          </p:spPr>
-          <p:style>
-            <a:lnRef idx="2">
-              <a:schemeClr val="accent1"/>
-            </a:lnRef>
-            <a:fillRef idx="0">
-              <a:schemeClr val="accent1"/>
-            </a:fillRef>
-            <a:effectRef idx="1">
-              <a:schemeClr val="accent1"/>
-            </a:effectRef>
-            <a:fontRef idx="minor">
-              <a:schemeClr val="tx1"/>
-            </a:fontRef>
-          </p:style>
-        </p:cxnSp>
-        <p:cxnSp>
-          <p:nvCxnSpPr>
-            <p:cNvPr id="129" name="Connecteur droit 128"/>
-            <p:cNvCxnSpPr/>
-            <p:nvPr/>
-          </p:nvCxnSpPr>
-          <p:spPr>
-            <a:xfrm>
-              <a:off x="4789489" y="3273325"/>
-              <a:ext cx="351" cy="1305495"/>
-            </a:xfrm>
-            <a:prstGeom prst="line">
-              <a:avLst/>
-            </a:prstGeom>
-            <a:effectLst/>
-          </p:spPr>
-          <p:style>
-            <a:lnRef idx="2">
-              <a:schemeClr val="accent1"/>
-            </a:lnRef>
-            <a:fillRef idx="0">
-              <a:schemeClr val="accent1"/>
-            </a:fillRef>
-            <a:effectRef idx="1">
-              <a:schemeClr val="accent1"/>
-            </a:effectRef>
-            <a:fontRef idx="minor">
-              <a:schemeClr val="tx1"/>
-            </a:fontRef>
-          </p:style>
-        </p:cxnSp>
-        <p:cxnSp>
-          <p:nvCxnSpPr>
-            <p:cNvPr id="130" name="Connecteur droit 129"/>
-            <p:cNvCxnSpPr/>
-            <p:nvPr/>
-          </p:nvCxnSpPr>
-          <p:spPr>
-            <a:xfrm>
-              <a:off x="4941538" y="3279196"/>
-              <a:ext cx="351" cy="1305495"/>
-            </a:xfrm>
-            <a:prstGeom prst="line">
-              <a:avLst/>
-            </a:prstGeom>
-            <a:effectLst/>
-          </p:spPr>
-          <p:style>
-            <a:lnRef idx="2">
-              <a:schemeClr val="accent1"/>
-            </a:lnRef>
-            <a:fillRef idx="0">
-              <a:schemeClr val="accent1"/>
-            </a:fillRef>
-            <a:effectRef idx="1">
-              <a:schemeClr val="accent1"/>
-            </a:effectRef>
-            <a:fontRef idx="minor">
-              <a:schemeClr val="tx1"/>
-            </a:fontRef>
-          </p:style>
-        </p:cxnSp>
-        <p:cxnSp>
-          <p:nvCxnSpPr>
-            <p:cNvPr id="131" name="Connecteur droit 130"/>
-            <p:cNvCxnSpPr/>
-            <p:nvPr/>
-          </p:nvCxnSpPr>
-          <p:spPr>
-            <a:xfrm>
-              <a:off x="5093587" y="3273325"/>
-              <a:ext cx="351" cy="1305495"/>
-            </a:xfrm>
-            <a:prstGeom prst="line">
-              <a:avLst/>
-            </a:prstGeom>
-            <a:effectLst/>
-          </p:spPr>
-          <p:style>
-            <a:lnRef idx="2">
-              <a:schemeClr val="accent1"/>
-            </a:lnRef>
-            <a:fillRef idx="0">
-              <a:schemeClr val="accent1"/>
-            </a:fillRef>
-            <a:effectRef idx="1">
-              <a:schemeClr val="accent1"/>
-            </a:effectRef>
-            <a:fontRef idx="minor">
-              <a:schemeClr val="tx1"/>
-            </a:fontRef>
-          </p:style>
-        </p:cxnSp>
-        <p:cxnSp>
-          <p:nvCxnSpPr>
-            <p:cNvPr id="132" name="Connecteur droit 131"/>
-            <p:cNvCxnSpPr/>
-            <p:nvPr/>
-          </p:nvCxnSpPr>
-          <p:spPr>
-            <a:xfrm>
-              <a:off x="5245987" y="3273349"/>
-              <a:ext cx="351" cy="1305495"/>
-            </a:xfrm>
-            <a:prstGeom prst="line">
-              <a:avLst/>
-            </a:prstGeom>
-            <a:effectLst/>
-          </p:spPr>
-          <p:style>
-            <a:lnRef idx="2">
-              <a:schemeClr val="accent1"/>
-            </a:lnRef>
-            <a:fillRef idx="0">
-              <a:schemeClr val="accent1"/>
-            </a:fillRef>
-            <a:effectRef idx="1">
-              <a:schemeClr val="accent1"/>
-            </a:effectRef>
-            <a:fontRef idx="minor">
-              <a:schemeClr val="tx1"/>
-            </a:fontRef>
-          </p:style>
-        </p:cxnSp>
-        <p:cxnSp>
-          <p:nvCxnSpPr>
-            <p:cNvPr id="133" name="Connecteur droit 132"/>
-            <p:cNvCxnSpPr/>
-            <p:nvPr/>
-          </p:nvCxnSpPr>
-          <p:spPr>
-            <a:xfrm>
-              <a:off x="5398387" y="3279196"/>
-              <a:ext cx="351" cy="1305495"/>
-            </a:xfrm>
-            <a:prstGeom prst="line">
-              <a:avLst/>
-            </a:prstGeom>
-            <a:effectLst/>
-          </p:spPr>
-          <p:style>
-            <a:lnRef idx="2">
-              <a:schemeClr val="accent1"/>
-            </a:lnRef>
-            <a:fillRef idx="0">
-              <a:schemeClr val="accent1"/>
-            </a:fillRef>
-            <a:effectRef idx="1">
-              <a:schemeClr val="accent1"/>
-            </a:effectRef>
-            <a:fontRef idx="minor">
-              <a:schemeClr val="tx1"/>
-            </a:fontRef>
-          </p:style>
-        </p:cxnSp>
-        <p:cxnSp>
-          <p:nvCxnSpPr>
-            <p:cNvPr id="134" name="Connecteur droit 133"/>
-            <p:cNvCxnSpPr/>
-            <p:nvPr/>
-          </p:nvCxnSpPr>
-          <p:spPr>
-            <a:xfrm>
-              <a:off x="5550436" y="3279196"/>
-              <a:ext cx="351" cy="1305495"/>
-            </a:xfrm>
-            <a:prstGeom prst="line">
-              <a:avLst/>
-            </a:prstGeom>
-            <a:effectLst/>
-          </p:spPr>
-          <p:style>
-            <a:lnRef idx="2">
-              <a:schemeClr val="accent1"/>
-            </a:lnRef>
-            <a:fillRef idx="0">
-              <a:schemeClr val="accent1"/>
-            </a:fillRef>
-            <a:effectRef idx="1">
-              <a:schemeClr val="accent1"/>
-            </a:effectRef>
-            <a:fontRef idx="minor">
-              <a:schemeClr val="tx1"/>
-            </a:fontRef>
-          </p:style>
-        </p:cxnSp>
-        <p:cxnSp>
-          <p:nvCxnSpPr>
-            <p:cNvPr id="135" name="Connecteur droit 134"/>
-            <p:cNvCxnSpPr/>
-            <p:nvPr/>
-          </p:nvCxnSpPr>
-          <p:spPr>
-            <a:xfrm>
-              <a:off x="5702485" y="3271585"/>
-              <a:ext cx="351" cy="1305495"/>
-            </a:xfrm>
-            <a:prstGeom prst="line">
-              <a:avLst/>
-            </a:prstGeom>
-            <a:effectLst/>
-          </p:spPr>
-          <p:style>
-            <a:lnRef idx="2">
-              <a:schemeClr val="accent1"/>
-            </a:lnRef>
-            <a:fillRef idx="0">
-              <a:schemeClr val="accent1"/>
-            </a:fillRef>
-            <a:effectRef idx="1">
-              <a:schemeClr val="accent1"/>
-            </a:effectRef>
-            <a:fontRef idx="minor">
-              <a:schemeClr val="tx1"/>
-            </a:fontRef>
-          </p:style>
-        </p:cxnSp>
         <p:sp>
           <p:nvSpPr>
             <p:cNvPr id="136" name="ZoneTexte 135"/>
@@ -27944,614 +28074,6 @@
         </p:sp>
         <p:cxnSp>
           <p:nvCxnSpPr>
-            <p:cNvPr id="137" name="Connecteur droit 136"/>
-            <p:cNvCxnSpPr/>
-            <p:nvPr/>
-          </p:nvCxnSpPr>
-          <p:spPr>
-            <a:xfrm>
-              <a:off x="3362375" y="3118949"/>
-              <a:ext cx="351" cy="154376"/>
-            </a:xfrm>
-            <a:prstGeom prst="line">
-              <a:avLst/>
-            </a:prstGeom>
-            <a:ln w="19050"/>
-            <a:effectLst/>
-          </p:spPr>
-          <p:style>
-            <a:lnRef idx="2">
-              <a:schemeClr val="accent1"/>
-            </a:lnRef>
-            <a:fillRef idx="0">
-              <a:schemeClr val="accent1"/>
-            </a:fillRef>
-            <a:effectRef idx="1">
-              <a:schemeClr val="accent1"/>
-            </a:effectRef>
-            <a:fontRef idx="minor">
-              <a:schemeClr val="tx1"/>
-            </a:fontRef>
-          </p:style>
-        </p:cxnSp>
-        <p:cxnSp>
-          <p:nvCxnSpPr>
-            <p:cNvPr id="138" name="Connecteur droit 137"/>
-            <p:cNvCxnSpPr/>
-            <p:nvPr/>
-          </p:nvCxnSpPr>
-          <p:spPr>
-            <a:xfrm>
-              <a:off x="3514775" y="3120284"/>
-              <a:ext cx="351" cy="154376"/>
-            </a:xfrm>
-            <a:prstGeom prst="line">
-              <a:avLst/>
-            </a:prstGeom>
-            <a:ln w="19050"/>
-            <a:effectLst/>
-          </p:spPr>
-          <p:style>
-            <a:lnRef idx="2">
-              <a:schemeClr val="accent1"/>
-            </a:lnRef>
-            <a:fillRef idx="0">
-              <a:schemeClr val="accent1"/>
-            </a:fillRef>
-            <a:effectRef idx="1">
-              <a:schemeClr val="accent1"/>
-            </a:effectRef>
-            <a:fontRef idx="minor">
-              <a:schemeClr val="tx1"/>
-            </a:fontRef>
-          </p:style>
-        </p:cxnSp>
-        <p:cxnSp>
-          <p:nvCxnSpPr>
-            <p:cNvPr id="139" name="Connecteur droit 138"/>
-            <p:cNvCxnSpPr/>
-            <p:nvPr/>
-          </p:nvCxnSpPr>
-          <p:spPr>
-            <a:xfrm>
-              <a:off x="3667175" y="3121619"/>
-              <a:ext cx="351" cy="154376"/>
-            </a:xfrm>
-            <a:prstGeom prst="line">
-              <a:avLst/>
-            </a:prstGeom>
-            <a:ln w="19050"/>
-            <a:effectLst/>
-          </p:spPr>
-          <p:style>
-            <a:lnRef idx="2">
-              <a:schemeClr val="accent1"/>
-            </a:lnRef>
-            <a:fillRef idx="0">
-              <a:schemeClr val="accent1"/>
-            </a:fillRef>
-            <a:effectRef idx="1">
-              <a:schemeClr val="accent1"/>
-            </a:effectRef>
-            <a:fontRef idx="minor">
-              <a:schemeClr val="tx1"/>
-            </a:fontRef>
-          </p:style>
-        </p:cxnSp>
-        <p:cxnSp>
-          <p:nvCxnSpPr>
-            <p:cNvPr id="140" name="Connecteur droit 139"/>
-            <p:cNvCxnSpPr/>
-            <p:nvPr/>
-          </p:nvCxnSpPr>
-          <p:spPr>
-            <a:xfrm>
-              <a:off x="3819575" y="3117359"/>
-              <a:ext cx="351" cy="154376"/>
-            </a:xfrm>
-            <a:prstGeom prst="line">
-              <a:avLst/>
-            </a:prstGeom>
-            <a:ln w="19050"/>
-            <a:effectLst/>
-          </p:spPr>
-          <p:style>
-            <a:lnRef idx="2">
-              <a:schemeClr val="accent1"/>
-            </a:lnRef>
-            <a:fillRef idx="0">
-              <a:schemeClr val="accent1"/>
-            </a:fillRef>
-            <a:effectRef idx="1">
-              <a:schemeClr val="accent1"/>
-            </a:effectRef>
-            <a:fontRef idx="minor">
-              <a:schemeClr val="tx1"/>
-            </a:fontRef>
-          </p:style>
-        </p:cxnSp>
-        <p:cxnSp>
-          <p:nvCxnSpPr>
-            <p:cNvPr id="141" name="Connecteur droit 140"/>
-            <p:cNvCxnSpPr/>
-            <p:nvPr/>
-          </p:nvCxnSpPr>
-          <p:spPr>
-            <a:xfrm>
-              <a:off x="3971975" y="3118694"/>
-              <a:ext cx="351" cy="154376"/>
-            </a:xfrm>
-            <a:prstGeom prst="line">
-              <a:avLst/>
-            </a:prstGeom>
-            <a:ln w="19050"/>
-            <a:effectLst/>
-          </p:spPr>
-          <p:style>
-            <a:lnRef idx="2">
-              <a:schemeClr val="accent1"/>
-            </a:lnRef>
-            <a:fillRef idx="0">
-              <a:schemeClr val="accent1"/>
-            </a:fillRef>
-            <a:effectRef idx="1">
-              <a:schemeClr val="accent1"/>
-            </a:effectRef>
-            <a:fontRef idx="minor">
-              <a:schemeClr val="tx1"/>
-            </a:fontRef>
-          </p:style>
-        </p:cxnSp>
-        <p:cxnSp>
-          <p:nvCxnSpPr>
-            <p:cNvPr id="142" name="Connecteur droit 141"/>
-            <p:cNvCxnSpPr/>
-            <p:nvPr/>
-          </p:nvCxnSpPr>
-          <p:spPr>
-            <a:xfrm>
-              <a:off x="4124375" y="3120029"/>
-              <a:ext cx="351" cy="154376"/>
-            </a:xfrm>
-            <a:prstGeom prst="line">
-              <a:avLst/>
-            </a:prstGeom>
-            <a:ln w="19050"/>
-            <a:effectLst/>
-          </p:spPr>
-          <p:style>
-            <a:lnRef idx="2">
-              <a:schemeClr val="accent1"/>
-            </a:lnRef>
-            <a:fillRef idx="0">
-              <a:schemeClr val="accent1"/>
-            </a:fillRef>
-            <a:effectRef idx="1">
-              <a:schemeClr val="accent1"/>
-            </a:effectRef>
-            <a:fontRef idx="minor">
-              <a:schemeClr val="tx1"/>
-            </a:fontRef>
-          </p:style>
-        </p:cxnSp>
-        <p:cxnSp>
-          <p:nvCxnSpPr>
-            <p:cNvPr id="143" name="Connecteur droit 142"/>
-            <p:cNvCxnSpPr/>
-            <p:nvPr/>
-          </p:nvCxnSpPr>
-          <p:spPr>
-            <a:xfrm>
-              <a:off x="4276775" y="3115769"/>
-              <a:ext cx="351" cy="154376"/>
-            </a:xfrm>
-            <a:prstGeom prst="line">
-              <a:avLst/>
-            </a:prstGeom>
-            <a:ln w="19050"/>
-            <a:effectLst/>
-          </p:spPr>
-          <p:style>
-            <a:lnRef idx="2">
-              <a:schemeClr val="accent1"/>
-            </a:lnRef>
-            <a:fillRef idx="0">
-              <a:schemeClr val="accent1"/>
-            </a:fillRef>
-            <a:effectRef idx="1">
-              <a:schemeClr val="accent1"/>
-            </a:effectRef>
-            <a:fontRef idx="minor">
-              <a:schemeClr val="tx1"/>
-            </a:fontRef>
-          </p:style>
-        </p:cxnSp>
-        <p:cxnSp>
-          <p:nvCxnSpPr>
-            <p:cNvPr id="145" name="Connecteur droit 144"/>
-            <p:cNvCxnSpPr/>
-            <p:nvPr/>
-          </p:nvCxnSpPr>
-          <p:spPr>
-            <a:xfrm>
-              <a:off x="4429175" y="3117104"/>
-              <a:ext cx="351" cy="154376"/>
-            </a:xfrm>
-            <a:prstGeom prst="line">
-              <a:avLst/>
-            </a:prstGeom>
-            <a:ln w="19050"/>
-            <a:effectLst/>
-          </p:spPr>
-          <p:style>
-            <a:lnRef idx="2">
-              <a:schemeClr val="accent1"/>
-            </a:lnRef>
-            <a:fillRef idx="0">
-              <a:schemeClr val="accent1"/>
-            </a:fillRef>
-            <a:effectRef idx="1">
-              <a:schemeClr val="accent1"/>
-            </a:effectRef>
-            <a:fontRef idx="minor">
-              <a:schemeClr val="tx1"/>
-            </a:fontRef>
-          </p:style>
-        </p:cxnSp>
-        <p:cxnSp>
-          <p:nvCxnSpPr>
-            <p:cNvPr id="146" name="Connecteur droit 145"/>
-            <p:cNvCxnSpPr/>
-            <p:nvPr/>
-          </p:nvCxnSpPr>
-          <p:spPr>
-            <a:xfrm>
-              <a:off x="4581575" y="3112844"/>
-              <a:ext cx="351" cy="154376"/>
-            </a:xfrm>
-            <a:prstGeom prst="line">
-              <a:avLst/>
-            </a:prstGeom>
-            <a:ln w="19050"/>
-            <a:effectLst/>
-          </p:spPr>
-          <p:style>
-            <a:lnRef idx="2">
-              <a:schemeClr val="accent1"/>
-            </a:lnRef>
-            <a:fillRef idx="0">
-              <a:schemeClr val="accent1"/>
-            </a:fillRef>
-            <a:effectRef idx="1">
-              <a:schemeClr val="accent1"/>
-            </a:effectRef>
-            <a:fontRef idx="minor">
-              <a:schemeClr val="tx1"/>
-            </a:fontRef>
-          </p:style>
-        </p:cxnSp>
-        <p:cxnSp>
-          <p:nvCxnSpPr>
-            <p:cNvPr id="147" name="Connecteur droit 146"/>
-            <p:cNvCxnSpPr/>
-            <p:nvPr/>
-          </p:nvCxnSpPr>
-          <p:spPr>
-            <a:xfrm>
-              <a:off x="4733975" y="3119774"/>
-              <a:ext cx="351" cy="154376"/>
-            </a:xfrm>
-            <a:prstGeom prst="line">
-              <a:avLst/>
-            </a:prstGeom>
-            <a:ln w="19050"/>
-            <a:effectLst/>
-          </p:spPr>
-          <p:style>
-            <a:lnRef idx="2">
-              <a:schemeClr val="accent1"/>
-            </a:lnRef>
-            <a:fillRef idx="0">
-              <a:schemeClr val="accent1"/>
-            </a:fillRef>
-            <a:effectRef idx="1">
-              <a:schemeClr val="accent1"/>
-            </a:effectRef>
-            <a:fontRef idx="minor">
-              <a:schemeClr val="tx1"/>
-            </a:fontRef>
-          </p:style>
-        </p:cxnSp>
-        <p:cxnSp>
-          <p:nvCxnSpPr>
-            <p:cNvPr id="148" name="Connecteur droit 147"/>
-            <p:cNvCxnSpPr/>
-            <p:nvPr/>
-          </p:nvCxnSpPr>
-          <p:spPr>
-            <a:xfrm>
-              <a:off x="4886375" y="3121109"/>
-              <a:ext cx="351" cy="154376"/>
-            </a:xfrm>
-            <a:prstGeom prst="line">
-              <a:avLst/>
-            </a:prstGeom>
-            <a:ln w="19050"/>
-            <a:effectLst/>
-          </p:spPr>
-          <p:style>
-            <a:lnRef idx="2">
-              <a:schemeClr val="accent1"/>
-            </a:lnRef>
-            <a:fillRef idx="0">
-              <a:schemeClr val="accent1"/>
-            </a:fillRef>
-            <a:effectRef idx="1">
-              <a:schemeClr val="accent1"/>
-            </a:effectRef>
-            <a:fontRef idx="minor">
-              <a:schemeClr val="tx1"/>
-            </a:fontRef>
-          </p:style>
-        </p:cxnSp>
-        <p:cxnSp>
-          <p:nvCxnSpPr>
-            <p:cNvPr id="149" name="Connecteur droit 148"/>
-            <p:cNvCxnSpPr/>
-            <p:nvPr/>
-          </p:nvCxnSpPr>
-          <p:spPr>
-            <a:xfrm>
-              <a:off x="5038775" y="3116849"/>
-              <a:ext cx="351" cy="154376"/>
-            </a:xfrm>
-            <a:prstGeom prst="line">
-              <a:avLst/>
-            </a:prstGeom>
-            <a:ln w="19050"/>
-            <a:effectLst/>
-          </p:spPr>
-          <p:style>
-            <a:lnRef idx="2">
-              <a:schemeClr val="accent1"/>
-            </a:lnRef>
-            <a:fillRef idx="0">
-              <a:schemeClr val="accent1"/>
-            </a:fillRef>
-            <a:effectRef idx="1">
-              <a:schemeClr val="accent1"/>
-            </a:effectRef>
-            <a:fontRef idx="minor">
-              <a:schemeClr val="tx1"/>
-            </a:fontRef>
-          </p:style>
-        </p:cxnSp>
-        <p:cxnSp>
-          <p:nvCxnSpPr>
-            <p:cNvPr id="150" name="Connecteur droit 149"/>
-            <p:cNvCxnSpPr/>
-            <p:nvPr/>
-          </p:nvCxnSpPr>
-          <p:spPr>
-            <a:xfrm>
-              <a:off x="5191175" y="3118184"/>
-              <a:ext cx="351" cy="154376"/>
-            </a:xfrm>
-            <a:prstGeom prst="line">
-              <a:avLst/>
-            </a:prstGeom>
-            <a:ln w="19050"/>
-            <a:effectLst/>
-          </p:spPr>
-          <p:style>
-            <a:lnRef idx="2">
-              <a:schemeClr val="accent1"/>
-            </a:lnRef>
-            <a:fillRef idx="0">
-              <a:schemeClr val="accent1"/>
-            </a:fillRef>
-            <a:effectRef idx="1">
-              <a:schemeClr val="accent1"/>
-            </a:effectRef>
-            <a:fontRef idx="minor">
-              <a:schemeClr val="tx1"/>
-            </a:fontRef>
-          </p:style>
-        </p:cxnSp>
-        <p:cxnSp>
-          <p:nvCxnSpPr>
-            <p:cNvPr id="151" name="Connecteur droit 150"/>
-            <p:cNvCxnSpPr/>
-            <p:nvPr/>
-          </p:nvCxnSpPr>
-          <p:spPr>
-            <a:xfrm>
-              <a:off x="5343575" y="3119519"/>
-              <a:ext cx="351" cy="154376"/>
-            </a:xfrm>
-            <a:prstGeom prst="line">
-              <a:avLst/>
-            </a:prstGeom>
-            <a:ln w="19050"/>
-            <a:effectLst/>
-          </p:spPr>
-          <p:style>
-            <a:lnRef idx="2">
-              <a:schemeClr val="accent1"/>
-            </a:lnRef>
-            <a:fillRef idx="0">
-              <a:schemeClr val="accent1"/>
-            </a:fillRef>
-            <a:effectRef idx="1">
-              <a:schemeClr val="accent1"/>
-            </a:effectRef>
-            <a:fontRef idx="minor">
-              <a:schemeClr val="tx1"/>
-            </a:fontRef>
-          </p:style>
-        </p:cxnSp>
-        <p:cxnSp>
-          <p:nvCxnSpPr>
-            <p:cNvPr id="152" name="Connecteur droit 151"/>
-            <p:cNvCxnSpPr/>
-            <p:nvPr/>
-          </p:nvCxnSpPr>
-          <p:spPr>
-            <a:xfrm>
-              <a:off x="5495975" y="3120854"/>
-              <a:ext cx="351" cy="154376"/>
-            </a:xfrm>
-            <a:prstGeom prst="line">
-              <a:avLst/>
-            </a:prstGeom>
-            <a:ln w="19050"/>
-            <a:effectLst/>
-          </p:spPr>
-          <p:style>
-            <a:lnRef idx="2">
-              <a:schemeClr val="accent1"/>
-            </a:lnRef>
-            <a:fillRef idx="0">
-              <a:schemeClr val="accent1"/>
-            </a:fillRef>
-            <a:effectRef idx="1">
-              <a:schemeClr val="accent1"/>
-            </a:effectRef>
-            <a:fontRef idx="minor">
-              <a:schemeClr val="tx1"/>
-            </a:fontRef>
-          </p:style>
-        </p:cxnSp>
-        <p:cxnSp>
-          <p:nvCxnSpPr>
-            <p:cNvPr id="153" name="Connecteur droit 152"/>
-            <p:cNvCxnSpPr/>
-            <p:nvPr/>
-          </p:nvCxnSpPr>
-          <p:spPr>
-            <a:xfrm>
-              <a:off x="5648375" y="3122189"/>
-              <a:ext cx="351" cy="154376"/>
-            </a:xfrm>
-            <a:prstGeom prst="line">
-              <a:avLst/>
-            </a:prstGeom>
-            <a:ln w="19050"/>
-            <a:effectLst/>
-          </p:spPr>
-          <p:style>
-            <a:lnRef idx="2">
-              <a:schemeClr val="accent1"/>
-            </a:lnRef>
-            <a:fillRef idx="0">
-              <a:schemeClr val="accent1"/>
-            </a:fillRef>
-            <a:effectRef idx="1">
-              <a:schemeClr val="accent1"/>
-            </a:effectRef>
-            <a:fontRef idx="minor">
-              <a:schemeClr val="tx1"/>
-            </a:fontRef>
-          </p:style>
-        </p:cxnSp>
-        <p:cxnSp>
-          <p:nvCxnSpPr>
-            <p:cNvPr id="154" name="Connecteur droit 153"/>
-            <p:cNvCxnSpPr/>
-            <p:nvPr/>
-          </p:nvCxnSpPr>
-          <p:spPr>
-            <a:xfrm>
-              <a:off x="5800775" y="3117929"/>
-              <a:ext cx="351" cy="1302141"/>
-            </a:xfrm>
-            <a:prstGeom prst="line">
-              <a:avLst/>
-            </a:prstGeom>
-            <a:ln w="19050"/>
-            <a:effectLst/>
-          </p:spPr>
-          <p:style>
-            <a:lnRef idx="2">
-              <a:schemeClr val="accent1"/>
-            </a:lnRef>
-            <a:fillRef idx="0">
-              <a:schemeClr val="accent1"/>
-            </a:fillRef>
-            <a:effectRef idx="1">
-              <a:schemeClr val="accent1"/>
-            </a:effectRef>
-            <a:fontRef idx="minor">
-              <a:schemeClr val="tx1"/>
-            </a:fontRef>
-          </p:style>
-        </p:cxnSp>
-        <p:cxnSp>
-          <p:nvCxnSpPr>
-            <p:cNvPr id="155" name="Connecteur droit 154"/>
-            <p:cNvCxnSpPr/>
-            <p:nvPr/>
-          </p:nvCxnSpPr>
-          <p:spPr>
-            <a:xfrm>
-              <a:off x="5958770" y="3119264"/>
-              <a:ext cx="0" cy="1300806"/>
-            </a:xfrm>
-            <a:prstGeom prst="line">
-              <a:avLst/>
-            </a:prstGeom>
-            <a:ln w="19050"/>
-            <a:effectLst/>
-          </p:spPr>
-          <p:style>
-            <a:lnRef idx="2">
-              <a:schemeClr val="accent1"/>
-            </a:lnRef>
-            <a:fillRef idx="0">
-              <a:schemeClr val="accent1"/>
-            </a:fillRef>
-            <a:effectRef idx="1">
-              <a:schemeClr val="accent1"/>
-            </a:effectRef>
-            <a:fontRef idx="minor">
-              <a:schemeClr val="tx1"/>
-            </a:fontRef>
-          </p:style>
-        </p:cxnSp>
-        <p:cxnSp>
-          <p:nvCxnSpPr>
-            <p:cNvPr id="156" name="Connecteur droit 155"/>
-            <p:cNvCxnSpPr/>
-            <p:nvPr/>
-          </p:nvCxnSpPr>
-          <p:spPr>
-            <a:xfrm>
-              <a:off x="3630230" y="2957631"/>
-              <a:ext cx="351" cy="154376"/>
-            </a:xfrm>
-            <a:prstGeom prst="line">
-              <a:avLst/>
-            </a:prstGeom>
-            <a:ln w="12700"/>
-            <a:effectLst/>
-          </p:spPr>
-          <p:style>
-            <a:lnRef idx="2">
-              <a:schemeClr val="accent1"/>
-            </a:lnRef>
-            <a:fillRef idx="0">
-              <a:schemeClr val="accent1"/>
-            </a:fillRef>
-            <a:effectRef idx="1">
-              <a:schemeClr val="accent1"/>
-            </a:effectRef>
-            <a:fontRef idx="minor">
-              <a:schemeClr val="tx1"/>
-            </a:fontRef>
-          </p:style>
-        </p:cxnSp>
-        <p:cxnSp>
-          <p:nvCxnSpPr>
             <p:cNvPr id="157" name="Connecteur droit 156"/>
             <p:cNvCxnSpPr/>
             <p:nvPr/>
@@ -28564,18 +28086,17 @@
             <a:prstGeom prst="line">
               <a:avLst/>
             </a:prstGeom>
-            <a:ln w="12700"/>
-            <a:effectLst/>
+            <a:ln/>
           </p:spPr>
           <p:style>
-            <a:lnRef idx="2">
-              <a:schemeClr val="accent1"/>
+            <a:lnRef idx="1">
+              <a:schemeClr val="dk1"/>
             </a:lnRef>
             <a:fillRef idx="0">
-              <a:schemeClr val="accent1"/>
+              <a:schemeClr val="dk1"/>
             </a:fillRef>
-            <a:effectRef idx="1">
-              <a:schemeClr val="accent1"/>
+            <a:effectRef idx="0">
+              <a:schemeClr val="dk1"/>
             </a:effectRef>
             <a:fontRef idx="minor">
               <a:schemeClr val="tx1"/>
@@ -28596,18 +28117,17 @@
             <a:prstGeom prst="line">
               <a:avLst/>
             </a:prstGeom>
-            <a:ln w="12700"/>
-            <a:effectLst/>
+            <a:ln/>
           </p:spPr>
           <p:style>
-            <a:lnRef idx="2">
-              <a:schemeClr val="accent1"/>
+            <a:lnRef idx="1">
+              <a:schemeClr val="dk1"/>
             </a:lnRef>
             <a:fillRef idx="0">
-              <a:schemeClr val="accent1"/>
+              <a:schemeClr val="dk1"/>
             </a:fillRef>
-            <a:effectRef idx="1">
-              <a:schemeClr val="accent1"/>
+            <a:effectRef idx="0">
+              <a:schemeClr val="dk1"/>
             </a:effectRef>
             <a:fontRef idx="minor">
               <a:schemeClr val="tx1"/>
@@ -28628,18 +28148,17 @@
             <a:prstGeom prst="line">
               <a:avLst/>
             </a:prstGeom>
-            <a:ln w="12700"/>
-            <a:effectLst/>
+            <a:ln/>
           </p:spPr>
           <p:style>
-            <a:lnRef idx="2">
-              <a:schemeClr val="accent1"/>
+            <a:lnRef idx="1">
+              <a:schemeClr val="dk1"/>
             </a:lnRef>
             <a:fillRef idx="0">
-              <a:schemeClr val="accent1"/>
+              <a:schemeClr val="dk1"/>
             </a:fillRef>
-            <a:effectRef idx="1">
-              <a:schemeClr val="accent1"/>
+            <a:effectRef idx="0">
+              <a:schemeClr val="dk1"/>
             </a:effectRef>
             <a:fontRef idx="minor">
               <a:schemeClr val="tx1"/>
@@ -28660,18 +28179,17 @@
             <a:prstGeom prst="line">
               <a:avLst/>
             </a:prstGeom>
-            <a:ln w="12700"/>
-            <a:effectLst/>
+            <a:ln/>
           </p:spPr>
           <p:style>
-            <a:lnRef idx="2">
-              <a:schemeClr val="accent1"/>
+            <a:lnRef idx="1">
+              <a:schemeClr val="dk1"/>
             </a:lnRef>
             <a:fillRef idx="0">
-              <a:schemeClr val="accent1"/>
+              <a:schemeClr val="dk1"/>
             </a:fillRef>
-            <a:effectRef idx="1">
-              <a:schemeClr val="accent1"/>
+            <a:effectRef idx="0">
+              <a:schemeClr val="dk1"/>
             </a:effectRef>
             <a:fontRef idx="minor">
               <a:schemeClr val="tx1"/>
@@ -28692,18 +28210,17 @@
             <a:prstGeom prst="line">
               <a:avLst/>
             </a:prstGeom>
-            <a:ln w="12700"/>
-            <a:effectLst/>
+            <a:ln/>
           </p:spPr>
           <p:style>
-            <a:lnRef idx="2">
-              <a:schemeClr val="accent1"/>
+            <a:lnRef idx="1">
+              <a:schemeClr val="dk1"/>
             </a:lnRef>
             <a:fillRef idx="0">
-              <a:schemeClr val="accent1"/>
+              <a:schemeClr val="dk1"/>
             </a:fillRef>
-            <a:effectRef idx="1">
-              <a:schemeClr val="accent1"/>
+            <a:effectRef idx="0">
+              <a:schemeClr val="dk1"/>
             </a:effectRef>
             <a:fontRef idx="minor">
               <a:schemeClr val="tx1"/>
@@ -28724,18 +28241,17 @@
             <a:prstGeom prst="line">
               <a:avLst/>
             </a:prstGeom>
-            <a:ln w="12700"/>
-            <a:effectLst/>
+            <a:ln/>
           </p:spPr>
           <p:style>
-            <a:lnRef idx="2">
-              <a:schemeClr val="accent1"/>
+            <a:lnRef idx="1">
+              <a:schemeClr val="dk1"/>
             </a:lnRef>
             <a:fillRef idx="0">
-              <a:schemeClr val="accent1"/>
+              <a:schemeClr val="dk1"/>
             </a:fillRef>
-            <a:effectRef idx="1">
-              <a:schemeClr val="accent1"/>
+            <a:effectRef idx="0">
+              <a:schemeClr val="dk1"/>
             </a:effectRef>
             <a:fontRef idx="minor">
               <a:schemeClr val="tx1"/>
@@ -28756,18 +28272,17 @@
             <a:prstGeom prst="line">
               <a:avLst/>
             </a:prstGeom>
-            <a:ln w="12700"/>
-            <a:effectLst/>
+            <a:ln/>
           </p:spPr>
           <p:style>
-            <a:lnRef idx="2">
-              <a:schemeClr val="accent1"/>
+            <a:lnRef idx="1">
+              <a:schemeClr val="dk1"/>
             </a:lnRef>
             <a:fillRef idx="0">
-              <a:schemeClr val="accent1"/>
+              <a:schemeClr val="dk1"/>
             </a:fillRef>
-            <a:effectRef idx="1">
-              <a:schemeClr val="accent1"/>
+            <a:effectRef idx="0">
+              <a:schemeClr val="dk1"/>
             </a:effectRef>
             <a:fontRef idx="minor">
               <a:schemeClr val="tx1"/>
@@ -28788,18 +28303,17 @@
             <a:prstGeom prst="line">
               <a:avLst/>
             </a:prstGeom>
-            <a:ln w="12700"/>
-            <a:effectLst/>
+            <a:ln/>
           </p:spPr>
           <p:style>
-            <a:lnRef idx="2">
-              <a:schemeClr val="accent1"/>
+            <a:lnRef idx="1">
+              <a:schemeClr val="dk1"/>
             </a:lnRef>
             <a:fillRef idx="0">
-              <a:schemeClr val="accent1"/>
+              <a:schemeClr val="dk1"/>
             </a:fillRef>
-            <a:effectRef idx="1">
-              <a:schemeClr val="accent1"/>
+            <a:effectRef idx="0">
+              <a:schemeClr val="dk1"/>
             </a:effectRef>
             <a:fontRef idx="minor">
               <a:schemeClr val="tx1"/>
@@ -28820,18 +28334,17 @@
             <a:prstGeom prst="line">
               <a:avLst/>
             </a:prstGeom>
-            <a:ln w="12700"/>
-            <a:effectLst/>
+            <a:ln/>
           </p:spPr>
           <p:style>
-            <a:lnRef idx="2">
-              <a:schemeClr val="accent1"/>
+            <a:lnRef idx="1">
+              <a:schemeClr val="dk1"/>
             </a:lnRef>
             <a:fillRef idx="0">
-              <a:schemeClr val="accent1"/>
+              <a:schemeClr val="dk1"/>
             </a:fillRef>
-            <a:effectRef idx="1">
-              <a:schemeClr val="accent1"/>
+            <a:effectRef idx="0">
+              <a:schemeClr val="dk1"/>
             </a:effectRef>
             <a:fontRef idx="minor">
               <a:schemeClr val="tx1"/>
@@ -28852,18 +28365,17 @@
             <a:prstGeom prst="line">
               <a:avLst/>
             </a:prstGeom>
-            <a:ln w="12700"/>
-            <a:effectLst/>
+            <a:ln/>
           </p:spPr>
           <p:style>
-            <a:lnRef idx="2">
-              <a:schemeClr val="accent1"/>
+            <a:lnRef idx="1">
+              <a:schemeClr val="dk1"/>
             </a:lnRef>
             <a:fillRef idx="0">
-              <a:schemeClr val="accent1"/>
+              <a:schemeClr val="dk1"/>
             </a:fillRef>
-            <a:effectRef idx="1">
-              <a:schemeClr val="accent1"/>
+            <a:effectRef idx="0">
+              <a:schemeClr val="dk1"/>
             </a:effectRef>
             <a:fontRef idx="minor">
               <a:schemeClr val="tx1"/>
@@ -28884,18 +28396,17 @@
             <a:prstGeom prst="line">
               <a:avLst/>
             </a:prstGeom>
-            <a:ln w="12700"/>
-            <a:effectLst/>
+            <a:ln/>
           </p:spPr>
           <p:style>
-            <a:lnRef idx="2">
-              <a:schemeClr val="accent1"/>
+            <a:lnRef idx="1">
+              <a:schemeClr val="dk1"/>
             </a:lnRef>
             <a:fillRef idx="0">
-              <a:schemeClr val="accent1"/>
+              <a:schemeClr val="dk1"/>
             </a:fillRef>
-            <a:effectRef idx="1">
-              <a:schemeClr val="accent1"/>
+            <a:effectRef idx="0">
+              <a:schemeClr val="dk1"/>
             </a:effectRef>
             <a:fontRef idx="minor">
               <a:schemeClr val="tx1"/>
@@ -28916,18 +28427,17 @@
             <a:prstGeom prst="line">
               <a:avLst/>
             </a:prstGeom>
-            <a:ln w="12700"/>
-            <a:effectLst/>
+            <a:ln/>
           </p:spPr>
           <p:style>
-            <a:lnRef idx="2">
-              <a:schemeClr val="accent1"/>
+            <a:lnRef idx="1">
+              <a:schemeClr val="dk1"/>
             </a:lnRef>
             <a:fillRef idx="0">
-              <a:schemeClr val="accent1"/>
+              <a:schemeClr val="dk1"/>
             </a:fillRef>
-            <a:effectRef idx="1">
-              <a:schemeClr val="accent1"/>
+            <a:effectRef idx="0">
+              <a:schemeClr val="dk1"/>
             </a:effectRef>
             <a:fontRef idx="minor">
               <a:schemeClr val="tx1"/>
@@ -28948,18 +28458,17 @@
             <a:prstGeom prst="line">
               <a:avLst/>
             </a:prstGeom>
-            <a:ln w="12700"/>
-            <a:effectLst/>
+            <a:ln/>
           </p:spPr>
           <p:style>
-            <a:lnRef idx="2">
-              <a:schemeClr val="accent1"/>
+            <a:lnRef idx="1">
+              <a:schemeClr val="dk1"/>
             </a:lnRef>
             <a:fillRef idx="0">
-              <a:schemeClr val="accent1"/>
+              <a:schemeClr val="dk1"/>
             </a:fillRef>
-            <a:effectRef idx="1">
-              <a:schemeClr val="accent1"/>
+            <a:effectRef idx="0">
+              <a:schemeClr val="dk1"/>
             </a:effectRef>
             <a:fontRef idx="minor">
               <a:schemeClr val="tx1"/>
@@ -28980,18 +28489,17 @@
             <a:prstGeom prst="line">
               <a:avLst/>
             </a:prstGeom>
-            <a:ln w="12700"/>
-            <a:effectLst/>
+            <a:ln/>
           </p:spPr>
           <p:style>
-            <a:lnRef idx="2">
-              <a:schemeClr val="accent1"/>
+            <a:lnRef idx="1">
+              <a:schemeClr val="dk1"/>
             </a:lnRef>
             <a:fillRef idx="0">
-              <a:schemeClr val="accent1"/>
+              <a:schemeClr val="dk1"/>
             </a:fillRef>
-            <a:effectRef idx="1">
-              <a:schemeClr val="accent1"/>
+            <a:effectRef idx="0">
+              <a:schemeClr val="dk1"/>
             </a:effectRef>
             <a:fontRef idx="minor">
               <a:schemeClr val="tx1"/>
@@ -29012,114 +28520,17 @@
             <a:prstGeom prst="line">
               <a:avLst/>
             </a:prstGeom>
-            <a:ln w="12700"/>
-            <a:effectLst/>
+            <a:ln/>
           </p:spPr>
           <p:style>
-            <a:lnRef idx="2">
-              <a:schemeClr val="accent1"/>
+            <a:lnRef idx="1">
+              <a:schemeClr val="dk1"/>
             </a:lnRef>
             <a:fillRef idx="0">
-              <a:schemeClr val="accent1"/>
+              <a:schemeClr val="dk1"/>
             </a:fillRef>
-            <a:effectRef idx="1">
-              <a:schemeClr val="accent1"/>
-            </a:effectRef>
-            <a:fontRef idx="minor">
-              <a:schemeClr val="tx1"/>
-            </a:fontRef>
-          </p:style>
-        </p:cxnSp>
-        <p:cxnSp>
-          <p:nvCxnSpPr>
-            <p:cNvPr id="172" name="Connecteur droit 171"/>
-            <p:cNvCxnSpPr/>
-            <p:nvPr/>
-          </p:nvCxnSpPr>
-          <p:spPr>
-            <a:xfrm>
-              <a:off x="6068630" y="2956611"/>
-              <a:ext cx="351" cy="1298985"/>
-            </a:xfrm>
-            <a:prstGeom prst="line">
-              <a:avLst/>
-            </a:prstGeom>
-            <a:ln w="12700"/>
-            <a:effectLst/>
-          </p:spPr>
-          <p:style>
-            <a:lnRef idx="2">
-              <a:schemeClr val="accent1"/>
-            </a:lnRef>
-            <a:fillRef idx="0">
-              <a:schemeClr val="accent1"/>
-            </a:fillRef>
-            <a:effectRef idx="1">
-              <a:schemeClr val="accent1"/>
-            </a:effectRef>
-            <a:fontRef idx="minor">
-              <a:schemeClr val="tx1"/>
-            </a:fontRef>
-          </p:style>
-        </p:cxnSp>
-        <p:cxnSp>
-          <p:nvCxnSpPr>
-            <p:cNvPr id="173" name="Connecteur droit 172"/>
-            <p:cNvCxnSpPr/>
-            <p:nvPr/>
-          </p:nvCxnSpPr>
-          <p:spPr>
-            <a:xfrm>
-              <a:off x="6226625" y="2952351"/>
-              <a:ext cx="0" cy="1303245"/>
-            </a:xfrm>
-            <a:prstGeom prst="line">
-              <a:avLst/>
-            </a:prstGeom>
-            <a:ln w="12700"/>
-            <a:effectLst/>
-          </p:spPr>
-          <p:style>
-            <a:lnRef idx="2">
-              <a:schemeClr val="accent1"/>
-            </a:lnRef>
-            <a:fillRef idx="0">
-              <a:schemeClr val="accent1"/>
-            </a:fillRef>
-            <a:effectRef idx="1">
-              <a:schemeClr val="accent1"/>
-            </a:effectRef>
-            <a:fontRef idx="minor">
-              <a:schemeClr val="tx1"/>
-            </a:fontRef>
-          </p:style>
-        </p:cxnSp>
-        <p:cxnSp>
-          <p:nvCxnSpPr>
-            <p:cNvPr id="174" name="Connecteur droit 173"/>
-            <p:cNvCxnSpPr/>
-            <p:nvPr/>
-          </p:nvCxnSpPr>
-          <p:spPr>
-            <a:xfrm>
-              <a:off x="3898166" y="2800900"/>
-              <a:ext cx="351" cy="154376"/>
-            </a:xfrm>
-            <a:prstGeom prst="line">
-              <a:avLst/>
-            </a:prstGeom>
-            <a:ln w="6350"/>
-            <a:effectLst/>
-          </p:spPr>
-          <p:style>
-            <a:lnRef idx="2">
-              <a:schemeClr val="accent1"/>
-            </a:lnRef>
-            <a:fillRef idx="0">
-              <a:schemeClr val="accent1"/>
-            </a:fillRef>
-            <a:effectRef idx="1">
-              <a:schemeClr val="accent1"/>
+            <a:effectRef idx="0">
+              <a:schemeClr val="dk1"/>
             </a:effectRef>
             <a:fontRef idx="minor">
               <a:schemeClr val="tx1"/>
@@ -29606,70 +29017,6 @@
             </a:fontRef>
           </p:style>
         </p:cxnSp>
-        <p:cxnSp>
-          <p:nvCxnSpPr>
-            <p:cNvPr id="190" name="Connecteur droit 189"/>
-            <p:cNvCxnSpPr/>
-            <p:nvPr/>
-          </p:nvCxnSpPr>
-          <p:spPr>
-            <a:xfrm>
-              <a:off x="6336566" y="2795826"/>
-              <a:ext cx="351" cy="1307370"/>
-            </a:xfrm>
-            <a:prstGeom prst="line">
-              <a:avLst/>
-            </a:prstGeom>
-            <a:ln w="6350"/>
-            <a:effectLst/>
-          </p:spPr>
-          <p:style>
-            <a:lnRef idx="2">
-              <a:schemeClr val="accent1"/>
-            </a:lnRef>
-            <a:fillRef idx="0">
-              <a:schemeClr val="accent1"/>
-            </a:fillRef>
-            <a:effectRef idx="1">
-              <a:schemeClr val="accent1"/>
-            </a:effectRef>
-            <a:fontRef idx="minor">
-              <a:schemeClr val="tx1"/>
-            </a:fontRef>
-          </p:style>
-        </p:cxnSp>
-        <p:cxnSp>
-          <p:nvCxnSpPr>
-            <p:cNvPr id="191" name="Connecteur droit 190"/>
-            <p:cNvCxnSpPr/>
-            <p:nvPr/>
-          </p:nvCxnSpPr>
-          <p:spPr>
-            <a:xfrm>
-              <a:off x="6488966" y="2793698"/>
-              <a:ext cx="0" cy="1309498"/>
-            </a:xfrm>
-            <a:prstGeom prst="line">
-              <a:avLst/>
-            </a:prstGeom>
-            <a:ln w="6350"/>
-            <a:effectLst/>
-          </p:spPr>
-          <p:style>
-            <a:lnRef idx="2">
-              <a:schemeClr val="accent1"/>
-            </a:lnRef>
-            <a:fillRef idx="0">
-              <a:schemeClr val="accent1"/>
-            </a:fillRef>
-            <a:effectRef idx="1">
-              <a:schemeClr val="accent1"/>
-            </a:effectRef>
-            <a:fontRef idx="minor">
-              <a:schemeClr val="tx1"/>
-            </a:fontRef>
-          </p:style>
-        </p:cxnSp>
         <p:sp>
           <p:nvSpPr>
             <p:cNvPr id="116" name="Rectangle 115"/>
@@ -29680,7 +29027,7 @@
           </p:nvSpPr>
           <p:spPr>
             <a:xfrm>
-              <a:off x="3068678" y="3239230"/>
+              <a:off x="3143774" y="3327221"/>
               <a:ext cx="72000" cy="72000"/>
             </a:xfrm>
             <a:prstGeom prst="rect">
@@ -29721,7 +29068,7 @@
           </p:nvSpPr>
           <p:spPr>
             <a:xfrm>
-              <a:off x="3067200" y="3402578"/>
+              <a:off x="3142296" y="3490569"/>
               <a:ext cx="72000" cy="72000"/>
             </a:xfrm>
             <a:prstGeom prst="rect">
@@ -29762,7 +29109,7 @@
           </p:nvSpPr>
           <p:spPr>
             <a:xfrm>
-              <a:off x="3067200" y="3565926"/>
+              <a:off x="3142296" y="3653917"/>
               <a:ext cx="72000" cy="72000"/>
             </a:xfrm>
             <a:prstGeom prst="rect">
@@ -29803,7 +29150,7 @@
           </p:nvSpPr>
           <p:spPr>
             <a:xfrm>
-              <a:off x="3066062" y="3729274"/>
+              <a:off x="3141158" y="3817265"/>
               <a:ext cx="72000" cy="72000"/>
             </a:xfrm>
             <a:prstGeom prst="rect">
@@ -29844,7 +29191,7 @@
           </p:nvSpPr>
           <p:spPr>
             <a:xfrm>
-              <a:off x="3067200" y="3892622"/>
+              <a:off x="3142296" y="3980613"/>
               <a:ext cx="72000" cy="72000"/>
             </a:xfrm>
             <a:prstGeom prst="rect">
@@ -29885,7 +29232,7 @@
           </p:nvSpPr>
           <p:spPr>
             <a:xfrm>
-              <a:off x="3067200" y="4045022"/>
+              <a:off x="3142296" y="4133013"/>
               <a:ext cx="72000" cy="72000"/>
             </a:xfrm>
             <a:prstGeom prst="rect">
@@ -29926,7 +29273,7 @@
           </p:nvSpPr>
           <p:spPr>
             <a:xfrm>
-              <a:off x="3067200" y="4213844"/>
+              <a:off x="3142296" y="4301835"/>
               <a:ext cx="72000" cy="72000"/>
             </a:xfrm>
             <a:prstGeom prst="rect">
@@ -29967,48 +29314,7 @@
           </p:nvSpPr>
           <p:spPr>
             <a:xfrm>
-              <a:off x="3068048" y="4371718"/>
-              <a:ext cx="72000" cy="72000"/>
-            </a:xfrm>
-            <a:prstGeom prst="rect">
-              <a:avLst/>
-            </a:prstGeom>
-            <a:effectLst/>
-          </p:spPr>
-          <p:style>
-            <a:lnRef idx="1">
-              <a:schemeClr val="accent1"/>
-            </a:lnRef>
-            <a:fillRef idx="3">
-              <a:schemeClr val="accent1"/>
-            </a:fillRef>
-            <a:effectRef idx="2">
-              <a:schemeClr val="accent1"/>
-            </a:effectRef>
-            <a:fontRef idx="minor">
-              <a:schemeClr val="lt1"/>
-            </a:fontRef>
-          </p:style>
-          <p:txBody>
-            <a:bodyPr rtlCol="0" anchor="ctr"/>
-            <a:lstStyle/>
-            <a:p>
-              <a:pPr algn="ctr"/>
-              <a:endParaRPr lang="fr-FR"/>
-            </a:p>
-          </p:txBody>
-        </p:sp>
-        <p:sp>
-          <p:nvSpPr>
-            <p:cNvPr id="208" name="Rectangle 207"/>
-            <p:cNvSpPr>
-              <a:spLocks noChangeAspect="1"/>
-            </p:cNvSpPr>
-            <p:nvPr/>
-          </p:nvSpPr>
-          <p:spPr>
-            <a:xfrm>
-              <a:off x="3067176" y="4540540"/>
+              <a:off x="3143144" y="4459709"/>
               <a:ext cx="72000" cy="72000"/>
             </a:xfrm>
             <a:prstGeom prst="rect">
@@ -30049,7 +29355,7 @@
           </p:nvSpPr>
           <p:spPr>
             <a:xfrm>
-              <a:off x="3333600" y="3090584"/>
+              <a:off x="3531241" y="3036663"/>
               <a:ext cx="54000" cy="54000"/>
             </a:xfrm>
             <a:prstGeom prst="rect">
@@ -30090,49 +29396,8 @@
           </p:nvSpPr>
           <p:spPr>
             <a:xfrm>
-              <a:off x="3607199" y="2933046"/>
+              <a:off x="3832334" y="2879024"/>
               <a:ext cx="36000" cy="36000"/>
-            </a:xfrm>
-            <a:prstGeom prst="rect">
-              <a:avLst/>
-            </a:prstGeom>
-            <a:effectLst/>
-          </p:spPr>
-          <p:style>
-            <a:lnRef idx="1">
-              <a:schemeClr val="accent1"/>
-            </a:lnRef>
-            <a:fillRef idx="3">
-              <a:schemeClr val="accent1"/>
-            </a:fillRef>
-            <a:effectRef idx="2">
-              <a:schemeClr val="accent1"/>
-            </a:effectRef>
-            <a:fontRef idx="minor">
-              <a:schemeClr val="lt1"/>
-            </a:fontRef>
-          </p:style>
-          <p:txBody>
-            <a:bodyPr rtlCol="0" anchor="ctr"/>
-            <a:lstStyle/>
-            <a:p>
-              <a:pPr algn="ctr"/>
-              <a:endParaRPr lang="fr-FR"/>
-            </a:p>
-          </p:txBody>
-        </p:sp>
-        <p:sp>
-          <p:nvSpPr>
-            <p:cNvPr id="211" name="Rectangle 210"/>
-            <p:cNvSpPr>
-              <a:spLocks noChangeAspect="1"/>
-            </p:cNvSpPr>
-            <p:nvPr/>
-          </p:nvSpPr>
-          <p:spPr>
-            <a:xfrm>
-              <a:off x="3883424" y="2786996"/>
-              <a:ext cx="18000" cy="18000"/>
             </a:xfrm>
             <a:prstGeom prst="rect">
               <a:avLst/>
@@ -30345,6 +29610,2841 @@
           </p:txBody>
         </p:sp>
       </p:grpSp>
+      <p:cxnSp>
+        <p:nvCxnSpPr>
+          <p:cNvPr id="196" name="Connecteur droit 195"/>
+          <p:cNvCxnSpPr/>
+          <p:nvPr/>
+        </p:nvCxnSpPr>
+        <p:spPr>
+          <a:xfrm flipV="1">
+            <a:off x="3103158" y="2794516"/>
+            <a:ext cx="793839" cy="477760"/>
+          </a:xfrm>
+          <a:prstGeom prst="line">
+            <a:avLst/>
+          </a:prstGeom>
+          <a:ln w="9525">
+            <a:solidFill>
+              <a:schemeClr val="tx1"/>
+            </a:solidFill>
+          </a:ln>
+          <a:effectLst/>
+        </p:spPr>
+        <p:style>
+          <a:lnRef idx="2">
+            <a:schemeClr val="accent1"/>
+          </a:lnRef>
+          <a:fillRef idx="0">
+            <a:schemeClr val="accent1"/>
+          </a:fillRef>
+          <a:effectRef idx="1">
+            <a:schemeClr val="accent1"/>
+          </a:effectRef>
+          <a:fontRef idx="minor">
+            <a:schemeClr val="tx1"/>
+          </a:fontRef>
+        </p:style>
+      </p:cxnSp>
+      <p:cxnSp>
+        <p:nvCxnSpPr>
+          <p:cNvPr id="197" name="Connecteur droit 196"/>
+          <p:cNvCxnSpPr/>
+          <p:nvPr/>
+        </p:nvCxnSpPr>
+        <p:spPr>
+          <a:xfrm flipV="1">
+            <a:off x="3255558" y="2796626"/>
+            <a:ext cx="793839" cy="477760"/>
+          </a:xfrm>
+          <a:prstGeom prst="line">
+            <a:avLst/>
+          </a:prstGeom>
+          <a:ln w="9525">
+            <a:solidFill>
+              <a:schemeClr val="tx1"/>
+            </a:solidFill>
+          </a:ln>
+          <a:effectLst/>
+        </p:spPr>
+        <p:style>
+          <a:lnRef idx="2">
+            <a:schemeClr val="accent1"/>
+          </a:lnRef>
+          <a:fillRef idx="0">
+            <a:schemeClr val="accent1"/>
+          </a:fillRef>
+          <a:effectRef idx="1">
+            <a:schemeClr val="accent1"/>
+          </a:effectRef>
+          <a:fontRef idx="minor">
+            <a:schemeClr val="tx1"/>
+          </a:fontRef>
+        </p:style>
+      </p:cxnSp>
+      <p:cxnSp>
+        <p:nvCxnSpPr>
+          <p:cNvPr id="198" name="Connecteur droit 197"/>
+          <p:cNvCxnSpPr/>
+          <p:nvPr/>
+        </p:nvCxnSpPr>
+        <p:spPr>
+          <a:xfrm flipV="1">
+            <a:off x="3407958" y="2798744"/>
+            <a:ext cx="793839" cy="477760"/>
+          </a:xfrm>
+          <a:prstGeom prst="line">
+            <a:avLst/>
+          </a:prstGeom>
+          <a:ln w="9525">
+            <a:solidFill>
+              <a:schemeClr val="tx1"/>
+            </a:solidFill>
+          </a:ln>
+          <a:effectLst/>
+        </p:spPr>
+        <p:style>
+          <a:lnRef idx="2">
+            <a:schemeClr val="accent1"/>
+          </a:lnRef>
+          <a:fillRef idx="0">
+            <a:schemeClr val="accent1"/>
+          </a:fillRef>
+          <a:effectRef idx="1">
+            <a:schemeClr val="accent1"/>
+          </a:effectRef>
+          <a:fontRef idx="minor">
+            <a:schemeClr val="tx1"/>
+          </a:fontRef>
+        </p:style>
+      </p:cxnSp>
+      <p:cxnSp>
+        <p:nvCxnSpPr>
+          <p:cNvPr id="199" name="Connecteur droit 198"/>
+          <p:cNvCxnSpPr/>
+          <p:nvPr/>
+        </p:nvCxnSpPr>
+        <p:spPr>
+          <a:xfrm flipV="1">
+            <a:off x="3558241" y="2800861"/>
+            <a:ext cx="793839" cy="477760"/>
+          </a:xfrm>
+          <a:prstGeom prst="line">
+            <a:avLst/>
+          </a:prstGeom>
+          <a:ln w="9525">
+            <a:solidFill>
+              <a:schemeClr val="tx1"/>
+            </a:solidFill>
+          </a:ln>
+          <a:effectLst/>
+        </p:spPr>
+        <p:style>
+          <a:lnRef idx="2">
+            <a:schemeClr val="accent1"/>
+          </a:lnRef>
+          <a:fillRef idx="0">
+            <a:schemeClr val="accent1"/>
+          </a:fillRef>
+          <a:effectRef idx="1">
+            <a:schemeClr val="accent1"/>
+          </a:effectRef>
+          <a:fontRef idx="minor">
+            <a:schemeClr val="tx1"/>
+          </a:fontRef>
+        </p:style>
+      </p:cxnSp>
+      <p:cxnSp>
+        <p:nvCxnSpPr>
+          <p:cNvPr id="200" name="Connecteur droit 199"/>
+          <p:cNvCxnSpPr/>
+          <p:nvPr/>
+        </p:nvCxnSpPr>
+        <p:spPr>
+          <a:xfrm flipV="1">
+            <a:off x="3712758" y="2798739"/>
+            <a:ext cx="793839" cy="477760"/>
+          </a:xfrm>
+          <a:prstGeom prst="line">
+            <a:avLst/>
+          </a:prstGeom>
+          <a:ln w="9525">
+            <a:solidFill>
+              <a:schemeClr val="tx1"/>
+            </a:solidFill>
+          </a:ln>
+          <a:effectLst/>
+        </p:spPr>
+        <p:style>
+          <a:lnRef idx="2">
+            <a:schemeClr val="accent1"/>
+          </a:lnRef>
+          <a:fillRef idx="0">
+            <a:schemeClr val="accent1"/>
+          </a:fillRef>
+          <a:effectRef idx="1">
+            <a:schemeClr val="accent1"/>
+          </a:effectRef>
+          <a:fontRef idx="minor">
+            <a:schemeClr val="tx1"/>
+          </a:fontRef>
+        </p:style>
+      </p:cxnSp>
+      <p:cxnSp>
+        <p:nvCxnSpPr>
+          <p:cNvPr id="201" name="Connecteur droit 200"/>
+          <p:cNvCxnSpPr/>
+          <p:nvPr/>
+        </p:nvCxnSpPr>
+        <p:spPr>
+          <a:xfrm flipV="1">
+            <a:off x="3865158" y="2798741"/>
+            <a:ext cx="793839" cy="477760"/>
+          </a:xfrm>
+          <a:prstGeom prst="line">
+            <a:avLst/>
+          </a:prstGeom>
+          <a:ln w="9525">
+            <a:solidFill>
+              <a:schemeClr val="tx1"/>
+            </a:solidFill>
+          </a:ln>
+          <a:effectLst/>
+        </p:spPr>
+        <p:style>
+          <a:lnRef idx="2">
+            <a:schemeClr val="accent1"/>
+          </a:lnRef>
+          <a:fillRef idx="0">
+            <a:schemeClr val="accent1"/>
+          </a:fillRef>
+          <a:effectRef idx="1">
+            <a:schemeClr val="accent1"/>
+          </a:effectRef>
+          <a:fontRef idx="minor">
+            <a:schemeClr val="tx1"/>
+          </a:fontRef>
+        </p:style>
+      </p:cxnSp>
+      <p:cxnSp>
+        <p:nvCxnSpPr>
+          <p:cNvPr id="202" name="Connecteur droit 201"/>
+          <p:cNvCxnSpPr/>
+          <p:nvPr/>
+        </p:nvCxnSpPr>
+        <p:spPr>
+          <a:xfrm flipV="1">
+            <a:off x="4021792" y="2796627"/>
+            <a:ext cx="793839" cy="477760"/>
+          </a:xfrm>
+          <a:prstGeom prst="line">
+            <a:avLst/>
+          </a:prstGeom>
+          <a:ln w="9525">
+            <a:solidFill>
+              <a:schemeClr val="tx1"/>
+            </a:solidFill>
+          </a:ln>
+          <a:effectLst/>
+        </p:spPr>
+        <p:style>
+          <a:lnRef idx="2">
+            <a:schemeClr val="accent1"/>
+          </a:lnRef>
+          <a:fillRef idx="0">
+            <a:schemeClr val="accent1"/>
+          </a:fillRef>
+          <a:effectRef idx="1">
+            <a:schemeClr val="accent1"/>
+          </a:effectRef>
+          <a:fontRef idx="minor">
+            <a:schemeClr val="tx1"/>
+          </a:fontRef>
+        </p:style>
+      </p:cxnSp>
+      <p:cxnSp>
+        <p:nvCxnSpPr>
+          <p:cNvPr id="204" name="Connecteur droit 203"/>
+          <p:cNvCxnSpPr/>
+          <p:nvPr/>
+        </p:nvCxnSpPr>
+        <p:spPr>
+          <a:xfrm flipV="1">
+            <a:off x="4176309" y="2796621"/>
+            <a:ext cx="793839" cy="477760"/>
+          </a:xfrm>
+          <a:prstGeom prst="line">
+            <a:avLst/>
+          </a:prstGeom>
+          <a:ln w="9525">
+            <a:solidFill>
+              <a:schemeClr val="tx1"/>
+            </a:solidFill>
+          </a:ln>
+          <a:effectLst/>
+        </p:spPr>
+        <p:style>
+          <a:lnRef idx="2">
+            <a:schemeClr val="accent1"/>
+          </a:lnRef>
+          <a:fillRef idx="0">
+            <a:schemeClr val="accent1"/>
+          </a:fillRef>
+          <a:effectRef idx="1">
+            <a:schemeClr val="accent1"/>
+          </a:effectRef>
+          <a:fontRef idx="minor">
+            <a:schemeClr val="tx1"/>
+          </a:fontRef>
+        </p:style>
+      </p:cxnSp>
+      <p:cxnSp>
+        <p:nvCxnSpPr>
+          <p:cNvPr id="212" name="Connecteur droit 211"/>
+          <p:cNvCxnSpPr/>
+          <p:nvPr/>
+        </p:nvCxnSpPr>
+        <p:spPr>
+          <a:xfrm flipV="1">
+            <a:off x="4328709" y="2798739"/>
+            <a:ext cx="793839" cy="477760"/>
+          </a:xfrm>
+          <a:prstGeom prst="line">
+            <a:avLst/>
+          </a:prstGeom>
+          <a:ln w="9525">
+            <a:solidFill>
+              <a:schemeClr val="tx1"/>
+            </a:solidFill>
+          </a:ln>
+          <a:effectLst/>
+        </p:spPr>
+        <p:style>
+          <a:lnRef idx="2">
+            <a:schemeClr val="accent1"/>
+          </a:lnRef>
+          <a:fillRef idx="0">
+            <a:schemeClr val="accent1"/>
+          </a:fillRef>
+          <a:effectRef idx="1">
+            <a:schemeClr val="accent1"/>
+          </a:effectRef>
+          <a:fontRef idx="minor">
+            <a:schemeClr val="tx1"/>
+          </a:fontRef>
+        </p:style>
+      </p:cxnSp>
+      <p:cxnSp>
+        <p:nvCxnSpPr>
+          <p:cNvPr id="213" name="Connecteur droit 212"/>
+          <p:cNvCxnSpPr/>
+          <p:nvPr/>
+        </p:nvCxnSpPr>
+        <p:spPr>
+          <a:xfrm flipV="1">
+            <a:off x="4481109" y="2796620"/>
+            <a:ext cx="793839" cy="477760"/>
+          </a:xfrm>
+          <a:prstGeom prst="line">
+            <a:avLst/>
+          </a:prstGeom>
+          <a:ln w="9525">
+            <a:solidFill>
+              <a:schemeClr val="tx1"/>
+            </a:solidFill>
+          </a:ln>
+          <a:effectLst/>
+        </p:spPr>
+        <p:style>
+          <a:lnRef idx="2">
+            <a:schemeClr val="accent1"/>
+          </a:lnRef>
+          <a:fillRef idx="0">
+            <a:schemeClr val="accent1"/>
+          </a:fillRef>
+          <a:effectRef idx="1">
+            <a:schemeClr val="accent1"/>
+          </a:effectRef>
+          <a:fontRef idx="minor">
+            <a:schemeClr val="tx1"/>
+          </a:fontRef>
+        </p:style>
+      </p:cxnSp>
+      <p:cxnSp>
+        <p:nvCxnSpPr>
+          <p:cNvPr id="214" name="Connecteur droit 213"/>
+          <p:cNvCxnSpPr/>
+          <p:nvPr/>
+        </p:nvCxnSpPr>
+        <p:spPr>
+          <a:xfrm flipV="1">
+            <a:off x="4633509" y="2798732"/>
+            <a:ext cx="793839" cy="477760"/>
+          </a:xfrm>
+          <a:prstGeom prst="line">
+            <a:avLst/>
+          </a:prstGeom>
+          <a:ln w="9525">
+            <a:solidFill>
+              <a:schemeClr val="tx1"/>
+            </a:solidFill>
+          </a:ln>
+          <a:effectLst/>
+        </p:spPr>
+        <p:style>
+          <a:lnRef idx="2">
+            <a:schemeClr val="accent1"/>
+          </a:lnRef>
+          <a:fillRef idx="0">
+            <a:schemeClr val="accent1"/>
+          </a:fillRef>
+          <a:effectRef idx="1">
+            <a:schemeClr val="accent1"/>
+          </a:effectRef>
+          <a:fontRef idx="minor">
+            <a:schemeClr val="tx1"/>
+          </a:fontRef>
+        </p:style>
+      </p:cxnSp>
+      <p:cxnSp>
+        <p:nvCxnSpPr>
+          <p:cNvPr id="215" name="Connecteur droit 214"/>
+          <p:cNvCxnSpPr/>
+          <p:nvPr/>
+        </p:nvCxnSpPr>
+        <p:spPr>
+          <a:xfrm flipV="1">
+            <a:off x="4785909" y="2798729"/>
+            <a:ext cx="793839" cy="477760"/>
+          </a:xfrm>
+          <a:prstGeom prst="line">
+            <a:avLst/>
+          </a:prstGeom>
+          <a:ln w="9525">
+            <a:solidFill>
+              <a:schemeClr val="tx1"/>
+            </a:solidFill>
+          </a:ln>
+          <a:effectLst/>
+        </p:spPr>
+        <p:style>
+          <a:lnRef idx="2">
+            <a:schemeClr val="accent1"/>
+          </a:lnRef>
+          <a:fillRef idx="0">
+            <a:schemeClr val="accent1"/>
+          </a:fillRef>
+          <a:effectRef idx="1">
+            <a:schemeClr val="accent1"/>
+          </a:effectRef>
+          <a:fontRef idx="minor">
+            <a:schemeClr val="tx1"/>
+          </a:fontRef>
+        </p:style>
+      </p:cxnSp>
+      <p:cxnSp>
+        <p:nvCxnSpPr>
+          <p:cNvPr id="216" name="Connecteur droit 215"/>
+          <p:cNvCxnSpPr/>
+          <p:nvPr/>
+        </p:nvCxnSpPr>
+        <p:spPr>
+          <a:xfrm flipV="1">
+            <a:off x="4942543" y="2798725"/>
+            <a:ext cx="793839" cy="477760"/>
+          </a:xfrm>
+          <a:prstGeom prst="line">
+            <a:avLst/>
+          </a:prstGeom>
+          <a:ln w="9525">
+            <a:solidFill>
+              <a:schemeClr val="tx1"/>
+            </a:solidFill>
+          </a:ln>
+          <a:effectLst/>
+        </p:spPr>
+        <p:style>
+          <a:lnRef idx="2">
+            <a:schemeClr val="accent1"/>
+          </a:lnRef>
+          <a:fillRef idx="0">
+            <a:schemeClr val="accent1"/>
+          </a:fillRef>
+          <a:effectRef idx="1">
+            <a:schemeClr val="accent1"/>
+          </a:effectRef>
+          <a:fontRef idx="minor">
+            <a:schemeClr val="tx1"/>
+          </a:fontRef>
+        </p:style>
+      </p:cxnSp>
+      <p:cxnSp>
+        <p:nvCxnSpPr>
+          <p:cNvPr id="217" name="Connecteur droit 216"/>
+          <p:cNvCxnSpPr/>
+          <p:nvPr/>
+        </p:nvCxnSpPr>
+        <p:spPr>
+          <a:xfrm flipV="1">
+            <a:off x="5092826" y="2798729"/>
+            <a:ext cx="793839" cy="477760"/>
+          </a:xfrm>
+          <a:prstGeom prst="line">
+            <a:avLst/>
+          </a:prstGeom>
+          <a:ln w="9525">
+            <a:solidFill>
+              <a:schemeClr val="tx1"/>
+            </a:solidFill>
+          </a:ln>
+          <a:effectLst/>
+        </p:spPr>
+        <p:style>
+          <a:lnRef idx="2">
+            <a:schemeClr val="accent1"/>
+          </a:lnRef>
+          <a:fillRef idx="0">
+            <a:schemeClr val="accent1"/>
+          </a:fillRef>
+          <a:effectRef idx="1">
+            <a:schemeClr val="accent1"/>
+          </a:effectRef>
+          <a:fontRef idx="minor">
+            <a:schemeClr val="tx1"/>
+          </a:fontRef>
+        </p:style>
+      </p:cxnSp>
+      <p:cxnSp>
+        <p:nvCxnSpPr>
+          <p:cNvPr id="218" name="Connecteur droit 217"/>
+          <p:cNvCxnSpPr/>
+          <p:nvPr/>
+        </p:nvCxnSpPr>
+        <p:spPr>
+          <a:xfrm flipV="1">
+            <a:off x="5243109" y="2796606"/>
+            <a:ext cx="793839" cy="477760"/>
+          </a:xfrm>
+          <a:prstGeom prst="line">
+            <a:avLst/>
+          </a:prstGeom>
+          <a:ln w="9525">
+            <a:solidFill>
+              <a:schemeClr val="tx1"/>
+            </a:solidFill>
+          </a:ln>
+          <a:effectLst/>
+        </p:spPr>
+        <p:style>
+          <a:lnRef idx="2">
+            <a:schemeClr val="accent1"/>
+          </a:lnRef>
+          <a:fillRef idx="0">
+            <a:schemeClr val="accent1"/>
+          </a:fillRef>
+          <a:effectRef idx="1">
+            <a:schemeClr val="accent1"/>
+          </a:effectRef>
+          <a:fontRef idx="minor">
+            <a:schemeClr val="tx1"/>
+          </a:fontRef>
+        </p:style>
+      </p:cxnSp>
+      <p:cxnSp>
+        <p:nvCxnSpPr>
+          <p:cNvPr id="219" name="Connecteur droit 218"/>
+          <p:cNvCxnSpPr/>
+          <p:nvPr/>
+        </p:nvCxnSpPr>
+        <p:spPr>
+          <a:xfrm flipV="1">
+            <a:off x="5395509" y="2796605"/>
+            <a:ext cx="793839" cy="477760"/>
+          </a:xfrm>
+          <a:prstGeom prst="line">
+            <a:avLst/>
+          </a:prstGeom>
+          <a:ln w="9525">
+            <a:solidFill>
+              <a:schemeClr val="tx1"/>
+            </a:solidFill>
+          </a:ln>
+          <a:effectLst/>
+        </p:spPr>
+        <p:style>
+          <a:lnRef idx="2">
+            <a:schemeClr val="accent1"/>
+          </a:lnRef>
+          <a:fillRef idx="0">
+            <a:schemeClr val="accent1"/>
+          </a:fillRef>
+          <a:effectRef idx="1">
+            <a:schemeClr val="accent1"/>
+          </a:effectRef>
+          <a:fontRef idx="minor">
+            <a:schemeClr val="tx1"/>
+          </a:fontRef>
+        </p:style>
+      </p:cxnSp>
+      <p:cxnSp>
+        <p:nvCxnSpPr>
+          <p:cNvPr id="220" name="Connecteur droit 219"/>
+          <p:cNvCxnSpPr/>
+          <p:nvPr/>
+        </p:nvCxnSpPr>
+        <p:spPr>
+          <a:xfrm flipV="1">
+            <a:off x="5547909" y="2798721"/>
+            <a:ext cx="793839" cy="477760"/>
+          </a:xfrm>
+          <a:prstGeom prst="line">
+            <a:avLst/>
+          </a:prstGeom>
+          <a:ln w="9525">
+            <a:solidFill>
+              <a:schemeClr val="tx1"/>
+            </a:solidFill>
+          </a:ln>
+          <a:effectLst/>
+        </p:spPr>
+        <p:style>
+          <a:lnRef idx="2">
+            <a:schemeClr val="accent1"/>
+          </a:lnRef>
+          <a:fillRef idx="0">
+            <a:schemeClr val="accent1"/>
+          </a:fillRef>
+          <a:effectRef idx="1">
+            <a:schemeClr val="accent1"/>
+          </a:effectRef>
+          <a:fontRef idx="minor">
+            <a:schemeClr val="tx1"/>
+          </a:fontRef>
+        </p:style>
+      </p:cxnSp>
+      <p:cxnSp>
+        <p:nvCxnSpPr>
+          <p:cNvPr id="221" name="Connecteur droit 220"/>
+          <p:cNvCxnSpPr/>
+          <p:nvPr/>
+        </p:nvCxnSpPr>
+        <p:spPr>
+          <a:xfrm flipV="1">
+            <a:off x="5700309" y="2802950"/>
+            <a:ext cx="793839" cy="477760"/>
+          </a:xfrm>
+          <a:prstGeom prst="line">
+            <a:avLst/>
+          </a:prstGeom>
+          <a:ln w="9525">
+            <a:solidFill>
+              <a:schemeClr val="tx1"/>
+            </a:solidFill>
+          </a:ln>
+          <a:effectLst/>
+        </p:spPr>
+        <p:style>
+          <a:lnRef idx="2">
+            <a:schemeClr val="accent1"/>
+          </a:lnRef>
+          <a:fillRef idx="0">
+            <a:schemeClr val="accent1"/>
+          </a:fillRef>
+          <a:effectRef idx="1">
+            <a:schemeClr val="accent1"/>
+          </a:effectRef>
+          <a:fontRef idx="minor">
+            <a:schemeClr val="tx1"/>
+          </a:fontRef>
+        </p:style>
+      </p:cxnSp>
+      <p:cxnSp>
+        <p:nvCxnSpPr>
+          <p:cNvPr id="222" name="Connecteur droit 221"/>
+          <p:cNvCxnSpPr/>
+          <p:nvPr/>
+        </p:nvCxnSpPr>
+        <p:spPr>
+          <a:xfrm flipH="1">
+            <a:off x="3099053" y="3441554"/>
+            <a:ext cx="2603432" cy="0"/>
+          </a:xfrm>
+          <a:prstGeom prst="line">
+            <a:avLst/>
+          </a:prstGeom>
+          <a:ln w="9525">
+            <a:solidFill>
+              <a:schemeClr val="tx1"/>
+            </a:solidFill>
+          </a:ln>
+          <a:effectLst/>
+        </p:spPr>
+        <p:style>
+          <a:lnRef idx="2">
+            <a:schemeClr val="accent1"/>
+          </a:lnRef>
+          <a:fillRef idx="0">
+            <a:schemeClr val="accent1"/>
+          </a:fillRef>
+          <a:effectRef idx="1">
+            <a:schemeClr val="accent1"/>
+          </a:effectRef>
+          <a:fontRef idx="minor">
+            <a:schemeClr val="tx1"/>
+          </a:fontRef>
+        </p:style>
+      </p:cxnSp>
+      <p:cxnSp>
+        <p:nvCxnSpPr>
+          <p:cNvPr id="223" name="Connecteur droit 222"/>
+          <p:cNvCxnSpPr/>
+          <p:nvPr/>
+        </p:nvCxnSpPr>
+        <p:spPr>
+          <a:xfrm flipH="1">
+            <a:off x="3099053" y="3607711"/>
+            <a:ext cx="2603432" cy="0"/>
+          </a:xfrm>
+          <a:prstGeom prst="line">
+            <a:avLst/>
+          </a:prstGeom>
+          <a:ln w="9525">
+            <a:solidFill>
+              <a:schemeClr val="tx1"/>
+            </a:solidFill>
+          </a:ln>
+          <a:effectLst/>
+        </p:spPr>
+        <p:style>
+          <a:lnRef idx="2">
+            <a:schemeClr val="accent1"/>
+          </a:lnRef>
+          <a:fillRef idx="0">
+            <a:schemeClr val="accent1"/>
+          </a:fillRef>
+          <a:effectRef idx="1">
+            <a:schemeClr val="accent1"/>
+          </a:effectRef>
+          <a:fontRef idx="minor">
+            <a:schemeClr val="tx1"/>
+          </a:fontRef>
+        </p:style>
+      </p:cxnSp>
+      <p:cxnSp>
+        <p:nvCxnSpPr>
+          <p:cNvPr id="224" name="Connecteur droit 223"/>
+          <p:cNvCxnSpPr/>
+          <p:nvPr/>
+        </p:nvCxnSpPr>
+        <p:spPr>
+          <a:xfrm flipH="1">
+            <a:off x="3099050" y="3769639"/>
+            <a:ext cx="2603432" cy="0"/>
+          </a:xfrm>
+          <a:prstGeom prst="line">
+            <a:avLst/>
+          </a:prstGeom>
+          <a:ln w="9525">
+            <a:solidFill>
+              <a:schemeClr val="tx1"/>
+            </a:solidFill>
+          </a:ln>
+          <a:effectLst/>
+        </p:spPr>
+        <p:style>
+          <a:lnRef idx="2">
+            <a:schemeClr val="accent1"/>
+          </a:lnRef>
+          <a:fillRef idx="0">
+            <a:schemeClr val="accent1"/>
+          </a:fillRef>
+          <a:effectRef idx="1">
+            <a:schemeClr val="accent1"/>
+          </a:effectRef>
+          <a:fontRef idx="minor">
+            <a:schemeClr val="tx1"/>
+          </a:fontRef>
+        </p:style>
+      </p:cxnSp>
+      <p:cxnSp>
+        <p:nvCxnSpPr>
+          <p:cNvPr id="225" name="Connecteur droit 224"/>
+          <p:cNvCxnSpPr/>
+          <p:nvPr/>
+        </p:nvCxnSpPr>
+        <p:spPr>
+          <a:xfrm flipH="1">
+            <a:off x="3105402" y="3934737"/>
+            <a:ext cx="2603432" cy="0"/>
+          </a:xfrm>
+          <a:prstGeom prst="line">
+            <a:avLst/>
+          </a:prstGeom>
+          <a:ln w="9525">
+            <a:solidFill>
+              <a:schemeClr val="tx1"/>
+            </a:solidFill>
+          </a:ln>
+          <a:effectLst/>
+        </p:spPr>
+        <p:style>
+          <a:lnRef idx="2">
+            <a:schemeClr val="accent1"/>
+          </a:lnRef>
+          <a:fillRef idx="0">
+            <a:schemeClr val="accent1"/>
+          </a:fillRef>
+          <a:effectRef idx="1">
+            <a:schemeClr val="accent1"/>
+          </a:effectRef>
+          <a:fontRef idx="minor">
+            <a:schemeClr val="tx1"/>
+          </a:fontRef>
+        </p:style>
+      </p:cxnSp>
+      <p:cxnSp>
+        <p:nvCxnSpPr>
+          <p:cNvPr id="226" name="Connecteur droit 225"/>
+          <p:cNvCxnSpPr/>
+          <p:nvPr/>
+        </p:nvCxnSpPr>
+        <p:spPr>
+          <a:xfrm flipH="1">
+            <a:off x="3101161" y="4093486"/>
+            <a:ext cx="2603432" cy="0"/>
+          </a:xfrm>
+          <a:prstGeom prst="line">
+            <a:avLst/>
+          </a:prstGeom>
+          <a:ln w="9525">
+            <a:solidFill>
+              <a:schemeClr val="tx1"/>
+            </a:solidFill>
+          </a:ln>
+          <a:effectLst/>
+        </p:spPr>
+        <p:style>
+          <a:lnRef idx="2">
+            <a:schemeClr val="accent1"/>
+          </a:lnRef>
+          <a:fillRef idx="0">
+            <a:schemeClr val="accent1"/>
+          </a:fillRef>
+          <a:effectRef idx="1">
+            <a:schemeClr val="accent1"/>
+          </a:effectRef>
+          <a:fontRef idx="minor">
+            <a:schemeClr val="tx1"/>
+          </a:fontRef>
+        </p:style>
+      </p:cxnSp>
+      <p:cxnSp>
+        <p:nvCxnSpPr>
+          <p:cNvPr id="227" name="Connecteur droit 226"/>
+          <p:cNvCxnSpPr/>
+          <p:nvPr/>
+        </p:nvCxnSpPr>
+        <p:spPr>
+          <a:xfrm flipH="1">
+            <a:off x="3101160" y="4252239"/>
+            <a:ext cx="2603432" cy="0"/>
+          </a:xfrm>
+          <a:prstGeom prst="line">
+            <a:avLst/>
+          </a:prstGeom>
+          <a:ln w="9525">
+            <a:solidFill>
+              <a:schemeClr val="tx1"/>
+            </a:solidFill>
+          </a:ln>
+          <a:effectLst/>
+        </p:spPr>
+        <p:style>
+          <a:lnRef idx="2">
+            <a:schemeClr val="accent1"/>
+          </a:lnRef>
+          <a:fillRef idx="0">
+            <a:schemeClr val="accent1"/>
+          </a:fillRef>
+          <a:effectRef idx="1">
+            <a:schemeClr val="accent1"/>
+          </a:effectRef>
+          <a:fontRef idx="minor">
+            <a:schemeClr val="tx1"/>
+          </a:fontRef>
+        </p:style>
+      </p:cxnSp>
+      <p:cxnSp>
+        <p:nvCxnSpPr>
+          <p:cNvPr id="228" name="Connecteur droit 227"/>
+          <p:cNvCxnSpPr/>
+          <p:nvPr/>
+        </p:nvCxnSpPr>
+        <p:spPr>
+          <a:xfrm flipH="1" flipV="1">
+            <a:off x="3101156" y="4415217"/>
+            <a:ext cx="764820" cy="2"/>
+          </a:xfrm>
+          <a:prstGeom prst="line">
+            <a:avLst/>
+          </a:prstGeom>
+          <a:ln w="9525">
+            <a:solidFill>
+              <a:schemeClr val="tx1"/>
+            </a:solidFill>
+          </a:ln>
+          <a:effectLst/>
+        </p:spPr>
+        <p:style>
+          <a:lnRef idx="2">
+            <a:schemeClr val="accent1"/>
+          </a:lnRef>
+          <a:fillRef idx="0">
+            <a:schemeClr val="accent1"/>
+          </a:fillRef>
+          <a:effectRef idx="1">
+            <a:schemeClr val="accent1"/>
+          </a:effectRef>
+          <a:fontRef idx="minor">
+            <a:schemeClr val="tx1"/>
+          </a:fontRef>
+        </p:style>
+      </p:cxnSp>
+      <p:cxnSp>
+        <p:nvCxnSpPr>
+          <p:cNvPr id="229" name="Connecteur droit 228"/>
+          <p:cNvCxnSpPr/>
+          <p:nvPr/>
+        </p:nvCxnSpPr>
+        <p:spPr>
+          <a:xfrm flipH="1">
+            <a:off x="4940426" y="4415219"/>
+            <a:ext cx="759927" cy="4851"/>
+          </a:xfrm>
+          <a:prstGeom prst="line">
+            <a:avLst/>
+          </a:prstGeom>
+          <a:ln w="9525">
+            <a:solidFill>
+              <a:schemeClr val="tx1"/>
+            </a:solidFill>
+          </a:ln>
+          <a:effectLst/>
+        </p:spPr>
+        <p:style>
+          <a:lnRef idx="2">
+            <a:schemeClr val="accent1"/>
+          </a:lnRef>
+          <a:fillRef idx="0">
+            <a:schemeClr val="accent1"/>
+          </a:fillRef>
+          <a:effectRef idx="1">
+            <a:schemeClr val="accent1"/>
+          </a:effectRef>
+          <a:fontRef idx="minor">
+            <a:schemeClr val="tx1"/>
+          </a:fontRef>
+        </p:style>
+      </p:cxnSp>
+      <p:cxnSp>
+        <p:nvCxnSpPr>
+          <p:cNvPr id="230" name="Connecteur droit 229"/>
+          <p:cNvCxnSpPr/>
+          <p:nvPr/>
+        </p:nvCxnSpPr>
+        <p:spPr>
+          <a:xfrm flipV="1">
+            <a:off x="3406162" y="3275479"/>
+            <a:ext cx="0" cy="1303183"/>
+          </a:xfrm>
+          <a:prstGeom prst="line">
+            <a:avLst/>
+          </a:prstGeom>
+          <a:ln w="9525">
+            <a:solidFill>
+              <a:schemeClr val="tx1"/>
+            </a:solidFill>
+          </a:ln>
+          <a:effectLst/>
+        </p:spPr>
+        <p:style>
+          <a:lnRef idx="2">
+            <a:schemeClr val="accent1"/>
+          </a:lnRef>
+          <a:fillRef idx="0">
+            <a:schemeClr val="accent1"/>
+          </a:fillRef>
+          <a:effectRef idx="1">
+            <a:schemeClr val="accent1"/>
+          </a:effectRef>
+          <a:fontRef idx="minor">
+            <a:schemeClr val="tx1"/>
+          </a:fontRef>
+        </p:style>
+      </p:cxnSp>
+      <p:cxnSp>
+        <p:nvCxnSpPr>
+          <p:cNvPr id="231" name="Connecteur droit 230"/>
+          <p:cNvCxnSpPr/>
+          <p:nvPr/>
+        </p:nvCxnSpPr>
+        <p:spPr>
+          <a:xfrm flipV="1">
+            <a:off x="3561738" y="3273888"/>
+            <a:ext cx="0" cy="1303183"/>
+          </a:xfrm>
+          <a:prstGeom prst="line">
+            <a:avLst/>
+          </a:prstGeom>
+          <a:ln w="9525">
+            <a:solidFill>
+              <a:schemeClr val="tx1"/>
+            </a:solidFill>
+          </a:ln>
+          <a:effectLst/>
+        </p:spPr>
+        <p:style>
+          <a:lnRef idx="2">
+            <a:schemeClr val="accent1"/>
+          </a:lnRef>
+          <a:fillRef idx="0">
+            <a:schemeClr val="accent1"/>
+          </a:fillRef>
+          <a:effectRef idx="1">
+            <a:schemeClr val="accent1"/>
+          </a:effectRef>
+          <a:fontRef idx="minor">
+            <a:schemeClr val="tx1"/>
+          </a:fontRef>
+        </p:style>
+      </p:cxnSp>
+      <p:cxnSp>
+        <p:nvCxnSpPr>
+          <p:cNvPr id="232" name="Connecteur droit 231"/>
+          <p:cNvCxnSpPr/>
+          <p:nvPr/>
+        </p:nvCxnSpPr>
+        <p:spPr>
+          <a:xfrm flipV="1">
+            <a:off x="3714138" y="3273069"/>
+            <a:ext cx="0" cy="1303183"/>
+          </a:xfrm>
+          <a:prstGeom prst="line">
+            <a:avLst/>
+          </a:prstGeom>
+          <a:ln w="9525">
+            <a:solidFill>
+              <a:schemeClr val="tx1"/>
+            </a:solidFill>
+          </a:ln>
+          <a:effectLst/>
+        </p:spPr>
+        <p:style>
+          <a:lnRef idx="2">
+            <a:schemeClr val="accent1"/>
+          </a:lnRef>
+          <a:fillRef idx="0">
+            <a:schemeClr val="accent1"/>
+          </a:fillRef>
+          <a:effectRef idx="1">
+            <a:schemeClr val="accent1"/>
+          </a:effectRef>
+          <a:fontRef idx="minor">
+            <a:schemeClr val="tx1"/>
+          </a:fontRef>
+        </p:style>
+      </p:cxnSp>
+      <p:cxnSp>
+        <p:nvCxnSpPr>
+          <p:cNvPr id="233" name="Connecteur droit 232"/>
+          <p:cNvCxnSpPr/>
+          <p:nvPr/>
+        </p:nvCxnSpPr>
+        <p:spPr>
+          <a:xfrm flipV="1">
+            <a:off x="3868334" y="3272775"/>
+            <a:ext cx="0" cy="1303183"/>
+          </a:xfrm>
+          <a:prstGeom prst="line">
+            <a:avLst/>
+          </a:prstGeom>
+          <a:ln w="9525">
+            <a:solidFill>
+              <a:schemeClr val="tx1"/>
+            </a:solidFill>
+          </a:ln>
+          <a:effectLst/>
+        </p:spPr>
+        <p:style>
+          <a:lnRef idx="2">
+            <a:schemeClr val="accent1"/>
+          </a:lnRef>
+          <a:fillRef idx="0">
+            <a:schemeClr val="accent1"/>
+          </a:fillRef>
+          <a:effectRef idx="1">
+            <a:schemeClr val="accent1"/>
+          </a:effectRef>
+          <a:fontRef idx="minor">
+            <a:schemeClr val="tx1"/>
+          </a:fontRef>
+        </p:style>
+      </p:cxnSp>
+      <p:cxnSp>
+        <p:nvCxnSpPr>
+          <p:cNvPr id="235" name="Connecteur droit 234"/>
+          <p:cNvCxnSpPr/>
+          <p:nvPr/>
+        </p:nvCxnSpPr>
+        <p:spPr>
+          <a:xfrm flipV="1">
+            <a:off x="5398685" y="3274354"/>
+            <a:ext cx="0" cy="1303183"/>
+          </a:xfrm>
+          <a:prstGeom prst="line">
+            <a:avLst/>
+          </a:prstGeom>
+          <a:ln w="9525">
+            <a:solidFill>
+              <a:schemeClr val="tx1"/>
+            </a:solidFill>
+          </a:ln>
+          <a:effectLst/>
+        </p:spPr>
+        <p:style>
+          <a:lnRef idx="2">
+            <a:schemeClr val="accent1"/>
+          </a:lnRef>
+          <a:fillRef idx="0">
+            <a:schemeClr val="accent1"/>
+          </a:fillRef>
+          <a:effectRef idx="1">
+            <a:schemeClr val="accent1"/>
+          </a:effectRef>
+          <a:fontRef idx="minor">
+            <a:schemeClr val="tx1"/>
+          </a:fontRef>
+        </p:style>
+      </p:cxnSp>
+      <p:cxnSp>
+        <p:nvCxnSpPr>
+          <p:cNvPr id="236" name="Connecteur droit 235"/>
+          <p:cNvCxnSpPr/>
+          <p:nvPr/>
+        </p:nvCxnSpPr>
+        <p:spPr>
+          <a:xfrm flipV="1">
+            <a:off x="5551085" y="3274368"/>
+            <a:ext cx="0" cy="1303183"/>
+          </a:xfrm>
+          <a:prstGeom prst="line">
+            <a:avLst/>
+          </a:prstGeom>
+          <a:ln w="9525">
+            <a:solidFill>
+              <a:schemeClr val="tx1"/>
+            </a:solidFill>
+          </a:ln>
+          <a:effectLst/>
+        </p:spPr>
+        <p:style>
+          <a:lnRef idx="2">
+            <a:schemeClr val="accent1"/>
+          </a:lnRef>
+          <a:fillRef idx="0">
+            <a:schemeClr val="accent1"/>
+          </a:fillRef>
+          <a:effectRef idx="1">
+            <a:schemeClr val="accent1"/>
+          </a:effectRef>
+          <a:fontRef idx="minor">
+            <a:schemeClr val="tx1"/>
+          </a:fontRef>
+        </p:style>
+      </p:cxnSp>
+      <p:cxnSp>
+        <p:nvCxnSpPr>
+          <p:cNvPr id="237" name="Connecteur droit 236"/>
+          <p:cNvCxnSpPr/>
+          <p:nvPr/>
+        </p:nvCxnSpPr>
+        <p:spPr>
+          <a:xfrm flipV="1">
+            <a:off x="3255490" y="3274349"/>
+            <a:ext cx="0" cy="1303183"/>
+          </a:xfrm>
+          <a:prstGeom prst="line">
+            <a:avLst/>
+          </a:prstGeom>
+          <a:ln w="9525">
+            <a:solidFill>
+              <a:schemeClr val="tx1"/>
+            </a:solidFill>
+          </a:ln>
+          <a:effectLst/>
+        </p:spPr>
+        <p:style>
+          <a:lnRef idx="2">
+            <a:schemeClr val="accent1"/>
+          </a:lnRef>
+          <a:fillRef idx="0">
+            <a:schemeClr val="accent1"/>
+          </a:fillRef>
+          <a:effectRef idx="1">
+            <a:schemeClr val="accent1"/>
+          </a:effectRef>
+          <a:fontRef idx="minor">
+            <a:schemeClr val="tx1"/>
+          </a:fontRef>
+        </p:style>
+      </p:cxnSp>
+      <p:cxnSp>
+        <p:nvCxnSpPr>
+          <p:cNvPr id="243" name="Connecteur droit 242"/>
+          <p:cNvCxnSpPr/>
+          <p:nvPr/>
+        </p:nvCxnSpPr>
+        <p:spPr>
+          <a:xfrm flipV="1">
+            <a:off x="4941485" y="3272788"/>
+            <a:ext cx="0" cy="1303183"/>
+          </a:xfrm>
+          <a:prstGeom prst="line">
+            <a:avLst/>
+          </a:prstGeom>
+          <a:ln w="9525">
+            <a:solidFill>
+              <a:schemeClr val="tx1"/>
+            </a:solidFill>
+          </a:ln>
+          <a:effectLst/>
+        </p:spPr>
+        <p:style>
+          <a:lnRef idx="2">
+            <a:schemeClr val="accent1"/>
+          </a:lnRef>
+          <a:fillRef idx="0">
+            <a:schemeClr val="accent1"/>
+          </a:fillRef>
+          <a:effectRef idx="1">
+            <a:schemeClr val="accent1"/>
+          </a:effectRef>
+          <a:fontRef idx="minor">
+            <a:schemeClr val="tx1"/>
+          </a:fontRef>
+        </p:style>
+      </p:cxnSp>
+      <p:cxnSp>
+        <p:nvCxnSpPr>
+          <p:cNvPr id="244" name="Connecteur droit 243"/>
+          <p:cNvCxnSpPr/>
+          <p:nvPr/>
+        </p:nvCxnSpPr>
+        <p:spPr>
+          <a:xfrm flipV="1">
+            <a:off x="5093938" y="3275948"/>
+            <a:ext cx="0" cy="1303183"/>
+          </a:xfrm>
+          <a:prstGeom prst="line">
+            <a:avLst/>
+          </a:prstGeom>
+          <a:ln w="9525">
+            <a:solidFill>
+              <a:schemeClr val="tx1"/>
+            </a:solidFill>
+          </a:ln>
+          <a:effectLst/>
+        </p:spPr>
+        <p:style>
+          <a:lnRef idx="2">
+            <a:schemeClr val="accent1"/>
+          </a:lnRef>
+          <a:fillRef idx="0">
+            <a:schemeClr val="accent1"/>
+          </a:fillRef>
+          <a:effectRef idx="1">
+            <a:schemeClr val="accent1"/>
+          </a:effectRef>
+          <a:fontRef idx="minor">
+            <a:schemeClr val="tx1"/>
+          </a:fontRef>
+        </p:style>
+      </p:cxnSp>
+      <p:cxnSp>
+        <p:nvCxnSpPr>
+          <p:cNvPr id="245" name="Connecteur droit 244"/>
+          <p:cNvCxnSpPr/>
+          <p:nvPr/>
+        </p:nvCxnSpPr>
+        <p:spPr>
+          <a:xfrm flipV="1">
+            <a:off x="5246338" y="3274401"/>
+            <a:ext cx="0" cy="1303183"/>
+          </a:xfrm>
+          <a:prstGeom prst="line">
+            <a:avLst/>
+          </a:prstGeom>
+          <a:ln w="9525">
+            <a:solidFill>
+              <a:schemeClr val="tx1"/>
+            </a:solidFill>
+          </a:ln>
+          <a:effectLst/>
+        </p:spPr>
+        <p:style>
+          <a:lnRef idx="2">
+            <a:schemeClr val="accent1"/>
+          </a:lnRef>
+          <a:fillRef idx="0">
+            <a:schemeClr val="accent1"/>
+          </a:fillRef>
+          <a:effectRef idx="1">
+            <a:schemeClr val="accent1"/>
+          </a:effectRef>
+          <a:fontRef idx="minor">
+            <a:schemeClr val="tx1"/>
+          </a:fontRef>
+        </p:style>
+      </p:cxnSp>
+      <p:cxnSp>
+        <p:nvCxnSpPr>
+          <p:cNvPr id="247" name="Connecteur droit 246"/>
+          <p:cNvCxnSpPr/>
+          <p:nvPr/>
+        </p:nvCxnSpPr>
+        <p:spPr>
+          <a:xfrm flipV="1">
+            <a:off x="5697134" y="2964875"/>
+            <a:ext cx="793839" cy="477760"/>
+          </a:xfrm>
+          <a:prstGeom prst="line">
+            <a:avLst/>
+          </a:prstGeom>
+          <a:ln w="9525">
+            <a:solidFill>
+              <a:schemeClr val="tx1"/>
+            </a:solidFill>
+          </a:ln>
+          <a:effectLst/>
+        </p:spPr>
+        <p:style>
+          <a:lnRef idx="2">
+            <a:schemeClr val="accent1"/>
+          </a:lnRef>
+          <a:fillRef idx="0">
+            <a:schemeClr val="accent1"/>
+          </a:fillRef>
+          <a:effectRef idx="1">
+            <a:schemeClr val="accent1"/>
+          </a:effectRef>
+          <a:fontRef idx="minor">
+            <a:schemeClr val="tx1"/>
+          </a:fontRef>
+        </p:style>
+      </p:cxnSp>
+      <p:cxnSp>
+        <p:nvCxnSpPr>
+          <p:cNvPr id="248" name="Connecteur droit 247"/>
+          <p:cNvCxnSpPr/>
+          <p:nvPr/>
+        </p:nvCxnSpPr>
+        <p:spPr>
+          <a:xfrm flipV="1">
+            <a:off x="5700312" y="3128920"/>
+            <a:ext cx="793839" cy="477760"/>
+          </a:xfrm>
+          <a:prstGeom prst="line">
+            <a:avLst/>
+          </a:prstGeom>
+          <a:ln w="9525">
+            <a:solidFill>
+              <a:schemeClr val="tx1"/>
+            </a:solidFill>
+          </a:ln>
+          <a:effectLst/>
+        </p:spPr>
+        <p:style>
+          <a:lnRef idx="2">
+            <a:schemeClr val="accent1"/>
+          </a:lnRef>
+          <a:fillRef idx="0">
+            <a:schemeClr val="accent1"/>
+          </a:fillRef>
+          <a:effectRef idx="1">
+            <a:schemeClr val="accent1"/>
+          </a:effectRef>
+          <a:fontRef idx="minor">
+            <a:schemeClr val="tx1"/>
+          </a:fontRef>
+        </p:style>
+      </p:cxnSp>
+      <p:cxnSp>
+        <p:nvCxnSpPr>
+          <p:cNvPr id="249" name="Connecteur droit 248"/>
+          <p:cNvCxnSpPr/>
+          <p:nvPr/>
+        </p:nvCxnSpPr>
+        <p:spPr>
+          <a:xfrm flipV="1">
+            <a:off x="5704537" y="3291905"/>
+            <a:ext cx="793839" cy="477760"/>
+          </a:xfrm>
+          <a:prstGeom prst="line">
+            <a:avLst/>
+          </a:prstGeom>
+          <a:ln w="9525">
+            <a:solidFill>
+              <a:schemeClr val="tx1"/>
+            </a:solidFill>
+          </a:ln>
+          <a:effectLst/>
+        </p:spPr>
+        <p:style>
+          <a:lnRef idx="2">
+            <a:schemeClr val="accent1"/>
+          </a:lnRef>
+          <a:fillRef idx="0">
+            <a:schemeClr val="accent1"/>
+          </a:fillRef>
+          <a:effectRef idx="1">
+            <a:schemeClr val="accent1"/>
+          </a:effectRef>
+          <a:fontRef idx="minor">
+            <a:schemeClr val="tx1"/>
+          </a:fontRef>
+        </p:style>
+      </p:cxnSp>
+      <p:cxnSp>
+        <p:nvCxnSpPr>
+          <p:cNvPr id="250" name="Connecteur droit 249"/>
+          <p:cNvCxnSpPr/>
+          <p:nvPr/>
+        </p:nvCxnSpPr>
+        <p:spPr>
+          <a:xfrm flipV="1">
+            <a:off x="5704537" y="3457003"/>
+            <a:ext cx="793839" cy="477760"/>
+          </a:xfrm>
+          <a:prstGeom prst="line">
+            <a:avLst/>
+          </a:prstGeom>
+          <a:ln w="9525">
+            <a:solidFill>
+              <a:schemeClr val="tx1"/>
+            </a:solidFill>
+          </a:ln>
+          <a:effectLst/>
+        </p:spPr>
+        <p:style>
+          <a:lnRef idx="2">
+            <a:schemeClr val="accent1"/>
+          </a:lnRef>
+          <a:fillRef idx="0">
+            <a:schemeClr val="accent1"/>
+          </a:fillRef>
+          <a:effectRef idx="1">
+            <a:schemeClr val="accent1"/>
+          </a:effectRef>
+          <a:fontRef idx="minor">
+            <a:schemeClr val="tx1"/>
+          </a:fontRef>
+        </p:style>
+      </p:cxnSp>
+      <p:cxnSp>
+        <p:nvCxnSpPr>
+          <p:cNvPr id="251" name="Connecteur droit 250"/>
+          <p:cNvCxnSpPr/>
+          <p:nvPr/>
+        </p:nvCxnSpPr>
+        <p:spPr>
+          <a:xfrm flipV="1">
+            <a:off x="5702417" y="3613635"/>
+            <a:ext cx="793839" cy="477760"/>
+          </a:xfrm>
+          <a:prstGeom prst="line">
+            <a:avLst/>
+          </a:prstGeom>
+          <a:ln w="9525">
+            <a:solidFill>
+              <a:schemeClr val="tx1"/>
+            </a:solidFill>
+          </a:ln>
+          <a:effectLst/>
+        </p:spPr>
+        <p:style>
+          <a:lnRef idx="2">
+            <a:schemeClr val="accent1"/>
+          </a:lnRef>
+          <a:fillRef idx="0">
+            <a:schemeClr val="accent1"/>
+          </a:fillRef>
+          <a:effectRef idx="1">
+            <a:schemeClr val="accent1"/>
+          </a:effectRef>
+          <a:fontRef idx="minor">
+            <a:schemeClr val="tx1"/>
+          </a:fontRef>
+        </p:style>
+      </p:cxnSp>
+      <p:cxnSp>
+        <p:nvCxnSpPr>
+          <p:cNvPr id="252" name="Connecteur droit 251"/>
+          <p:cNvCxnSpPr/>
+          <p:nvPr/>
+        </p:nvCxnSpPr>
+        <p:spPr>
+          <a:xfrm flipV="1">
+            <a:off x="5704534" y="3774502"/>
+            <a:ext cx="793839" cy="477760"/>
+          </a:xfrm>
+          <a:prstGeom prst="line">
+            <a:avLst/>
+          </a:prstGeom>
+          <a:ln w="9525">
+            <a:solidFill>
+              <a:schemeClr val="tx1"/>
+            </a:solidFill>
+          </a:ln>
+          <a:effectLst/>
+        </p:spPr>
+        <p:style>
+          <a:lnRef idx="2">
+            <a:schemeClr val="accent1"/>
+          </a:lnRef>
+          <a:fillRef idx="0">
+            <a:schemeClr val="accent1"/>
+          </a:fillRef>
+          <a:effectRef idx="1">
+            <a:schemeClr val="accent1"/>
+          </a:effectRef>
+          <a:fontRef idx="minor">
+            <a:schemeClr val="tx1"/>
+          </a:fontRef>
+        </p:style>
+      </p:cxnSp>
+      <p:cxnSp>
+        <p:nvCxnSpPr>
+          <p:cNvPr id="253" name="Connecteur droit 252"/>
+          <p:cNvCxnSpPr/>
+          <p:nvPr/>
+        </p:nvCxnSpPr>
+        <p:spPr>
+          <a:xfrm flipV="1">
+            <a:off x="5700297" y="3937485"/>
+            <a:ext cx="793839" cy="477760"/>
+          </a:xfrm>
+          <a:prstGeom prst="line">
+            <a:avLst/>
+          </a:prstGeom>
+          <a:ln w="9525">
+            <a:solidFill>
+              <a:schemeClr val="tx1"/>
+            </a:solidFill>
+          </a:ln>
+          <a:effectLst/>
+        </p:spPr>
+        <p:style>
+          <a:lnRef idx="2">
+            <a:schemeClr val="accent1"/>
+          </a:lnRef>
+          <a:fillRef idx="0">
+            <a:schemeClr val="accent1"/>
+          </a:fillRef>
+          <a:effectRef idx="1">
+            <a:schemeClr val="accent1"/>
+          </a:effectRef>
+          <a:fontRef idx="minor">
+            <a:schemeClr val="tx1"/>
+          </a:fontRef>
+        </p:style>
+      </p:cxnSp>
+      <p:cxnSp>
+        <p:nvCxnSpPr>
+          <p:cNvPr id="254" name="Connecteur droit 253"/>
+          <p:cNvCxnSpPr/>
+          <p:nvPr/>
+        </p:nvCxnSpPr>
+        <p:spPr>
+          <a:xfrm flipV="1">
+            <a:off x="5704528" y="4102585"/>
+            <a:ext cx="793839" cy="477760"/>
+          </a:xfrm>
+          <a:prstGeom prst="line">
+            <a:avLst/>
+          </a:prstGeom>
+          <a:ln w="9525">
+            <a:solidFill>
+              <a:schemeClr val="tx1"/>
+            </a:solidFill>
+          </a:ln>
+          <a:effectLst/>
+        </p:spPr>
+        <p:style>
+          <a:lnRef idx="2">
+            <a:schemeClr val="accent1"/>
+          </a:lnRef>
+          <a:fillRef idx="0">
+            <a:schemeClr val="accent1"/>
+          </a:fillRef>
+          <a:effectRef idx="1">
+            <a:schemeClr val="accent1"/>
+          </a:effectRef>
+          <a:fontRef idx="minor">
+            <a:schemeClr val="tx1"/>
+          </a:fontRef>
+        </p:style>
+      </p:cxnSp>
+      <p:cxnSp>
+        <p:nvCxnSpPr>
+          <p:cNvPr id="255" name="Connecteur droit 254"/>
+          <p:cNvCxnSpPr/>
+          <p:nvPr/>
+        </p:nvCxnSpPr>
+        <p:spPr>
+          <a:xfrm flipV="1">
+            <a:off x="5801171" y="3111744"/>
+            <a:ext cx="0" cy="1308641"/>
+          </a:xfrm>
+          <a:prstGeom prst="line">
+            <a:avLst/>
+          </a:prstGeom>
+          <a:ln w="9525" cap="flat" cmpd="sng" algn="ctr">
+            <a:solidFill>
+              <a:schemeClr val="dk1"/>
+            </a:solidFill>
+            <a:prstDash val="dash"/>
+            <a:round/>
+            <a:headEnd type="none" w="med" len="med"/>
+            <a:tailEnd type="none" w="med" len="med"/>
+          </a:ln>
+        </p:spPr>
+        <p:style>
+          <a:lnRef idx="0">
+            <a:scrgbClr r="0" g="0" b="0"/>
+          </a:lnRef>
+          <a:fillRef idx="0">
+            <a:scrgbClr r="0" g="0" b="0"/>
+          </a:fillRef>
+          <a:effectRef idx="0">
+            <a:scrgbClr r="0" g="0" b="0"/>
+          </a:effectRef>
+          <a:fontRef idx="minor">
+            <a:schemeClr val="tx1"/>
+          </a:fontRef>
+        </p:style>
+      </p:cxnSp>
+      <p:cxnSp>
+        <p:nvCxnSpPr>
+          <p:cNvPr id="256" name="Connecteur droit 255"/>
+          <p:cNvCxnSpPr/>
+          <p:nvPr/>
+        </p:nvCxnSpPr>
+        <p:spPr>
+          <a:xfrm flipV="1">
+            <a:off x="6076340" y="2955112"/>
+            <a:ext cx="0" cy="1308641"/>
+          </a:xfrm>
+          <a:prstGeom prst="line">
+            <a:avLst/>
+          </a:prstGeom>
+          <a:ln w="9525" cap="flat" cmpd="sng" algn="ctr">
+            <a:solidFill>
+              <a:schemeClr val="dk1"/>
+            </a:solidFill>
+            <a:prstDash val="dash"/>
+            <a:round/>
+            <a:headEnd type="none" w="med" len="med"/>
+            <a:tailEnd type="none" w="med" len="med"/>
+          </a:ln>
+        </p:spPr>
+        <p:style>
+          <a:lnRef idx="0">
+            <a:scrgbClr r="0" g="0" b="0"/>
+          </a:lnRef>
+          <a:fillRef idx="0">
+            <a:scrgbClr r="0" g="0" b="0"/>
+          </a:fillRef>
+          <a:effectRef idx="0">
+            <a:scrgbClr r="0" g="0" b="0"/>
+          </a:effectRef>
+          <a:fontRef idx="minor">
+            <a:schemeClr val="tx1"/>
+          </a:fontRef>
+        </p:style>
+      </p:cxnSp>
+      <p:cxnSp>
+        <p:nvCxnSpPr>
+          <p:cNvPr id="257" name="Connecteur droit 256"/>
+          <p:cNvCxnSpPr/>
+          <p:nvPr/>
+        </p:nvCxnSpPr>
+        <p:spPr>
+          <a:xfrm flipV="1">
+            <a:off x="6338808" y="2796355"/>
+            <a:ext cx="0" cy="1308641"/>
+          </a:xfrm>
+          <a:prstGeom prst="line">
+            <a:avLst/>
+          </a:prstGeom>
+          <a:ln w="9525" cap="flat" cmpd="sng" algn="ctr">
+            <a:solidFill>
+              <a:schemeClr val="dk1"/>
+            </a:solidFill>
+            <a:prstDash val="dash"/>
+            <a:round/>
+            <a:headEnd type="none" w="med" len="med"/>
+            <a:tailEnd type="none" w="med" len="med"/>
+          </a:ln>
+        </p:spPr>
+        <p:style>
+          <a:lnRef idx="0">
+            <a:scrgbClr r="0" g="0" b="0"/>
+          </a:lnRef>
+          <a:fillRef idx="0">
+            <a:scrgbClr r="0" g="0" b="0"/>
+          </a:fillRef>
+          <a:effectRef idx="0">
+            <a:scrgbClr r="0" g="0" b="0"/>
+          </a:effectRef>
+          <a:fontRef idx="minor">
+            <a:schemeClr val="tx1"/>
+          </a:fontRef>
+        </p:style>
+      </p:cxnSp>
+      <p:cxnSp>
+        <p:nvCxnSpPr>
+          <p:cNvPr id="258" name="Connecteur droit 257"/>
+          <p:cNvCxnSpPr/>
+          <p:nvPr/>
+        </p:nvCxnSpPr>
+        <p:spPr>
+          <a:xfrm>
+            <a:off x="3514775" y="3113937"/>
+            <a:ext cx="351" cy="154376"/>
+          </a:xfrm>
+          <a:prstGeom prst="line">
+            <a:avLst/>
+          </a:prstGeom>
+          <a:ln/>
+        </p:spPr>
+        <p:style>
+          <a:lnRef idx="1">
+            <a:schemeClr val="dk1"/>
+          </a:lnRef>
+          <a:fillRef idx="0">
+            <a:schemeClr val="dk1"/>
+          </a:fillRef>
+          <a:effectRef idx="0">
+            <a:schemeClr val="dk1"/>
+          </a:effectRef>
+          <a:fontRef idx="minor">
+            <a:schemeClr val="tx1"/>
+          </a:fontRef>
+        </p:style>
+      </p:cxnSp>
+      <p:cxnSp>
+        <p:nvCxnSpPr>
+          <p:cNvPr id="259" name="Connecteur droit 258"/>
+          <p:cNvCxnSpPr/>
+          <p:nvPr/>
+        </p:nvCxnSpPr>
+        <p:spPr>
+          <a:xfrm>
+            <a:off x="3667575" y="3120453"/>
+            <a:ext cx="351" cy="154376"/>
+          </a:xfrm>
+          <a:prstGeom prst="line">
+            <a:avLst/>
+          </a:prstGeom>
+          <a:ln/>
+        </p:spPr>
+        <p:style>
+          <a:lnRef idx="1">
+            <a:schemeClr val="dk1"/>
+          </a:lnRef>
+          <a:fillRef idx="0">
+            <a:schemeClr val="dk1"/>
+          </a:fillRef>
+          <a:effectRef idx="0">
+            <a:schemeClr val="dk1"/>
+          </a:effectRef>
+          <a:fontRef idx="minor">
+            <a:schemeClr val="tx1"/>
+          </a:fontRef>
+        </p:style>
+      </p:cxnSp>
+      <p:cxnSp>
+        <p:nvCxnSpPr>
+          <p:cNvPr id="260" name="Connecteur droit 259"/>
+          <p:cNvCxnSpPr/>
+          <p:nvPr/>
+        </p:nvCxnSpPr>
+        <p:spPr>
+          <a:xfrm>
+            <a:off x="3819975" y="3118853"/>
+            <a:ext cx="351" cy="154376"/>
+          </a:xfrm>
+          <a:prstGeom prst="line">
+            <a:avLst/>
+          </a:prstGeom>
+          <a:ln/>
+        </p:spPr>
+        <p:style>
+          <a:lnRef idx="1">
+            <a:schemeClr val="dk1"/>
+          </a:lnRef>
+          <a:fillRef idx="0">
+            <a:schemeClr val="dk1"/>
+          </a:fillRef>
+          <a:effectRef idx="0">
+            <a:schemeClr val="dk1"/>
+          </a:effectRef>
+          <a:fontRef idx="minor">
+            <a:schemeClr val="tx1"/>
+          </a:fontRef>
+        </p:style>
+      </p:cxnSp>
+      <p:cxnSp>
+        <p:nvCxnSpPr>
+          <p:cNvPr id="261" name="Connecteur droit 260"/>
+          <p:cNvCxnSpPr/>
+          <p:nvPr/>
+        </p:nvCxnSpPr>
+        <p:spPr>
+          <a:xfrm>
+            <a:off x="3972375" y="3118852"/>
+            <a:ext cx="351" cy="154376"/>
+          </a:xfrm>
+          <a:prstGeom prst="line">
+            <a:avLst/>
+          </a:prstGeom>
+          <a:ln/>
+        </p:spPr>
+        <p:style>
+          <a:lnRef idx="1">
+            <a:schemeClr val="dk1"/>
+          </a:lnRef>
+          <a:fillRef idx="0">
+            <a:schemeClr val="dk1"/>
+          </a:fillRef>
+          <a:effectRef idx="0">
+            <a:schemeClr val="dk1"/>
+          </a:effectRef>
+          <a:fontRef idx="minor">
+            <a:schemeClr val="tx1"/>
+          </a:fontRef>
+        </p:style>
+      </p:cxnSp>
+      <p:cxnSp>
+        <p:nvCxnSpPr>
+          <p:cNvPr id="262" name="Connecteur droit 261"/>
+          <p:cNvCxnSpPr/>
+          <p:nvPr/>
+        </p:nvCxnSpPr>
+        <p:spPr>
+          <a:xfrm>
+            <a:off x="4124775" y="3118856"/>
+            <a:ext cx="351" cy="154376"/>
+          </a:xfrm>
+          <a:prstGeom prst="line">
+            <a:avLst/>
+          </a:prstGeom>
+          <a:ln/>
+        </p:spPr>
+        <p:style>
+          <a:lnRef idx="1">
+            <a:schemeClr val="dk1"/>
+          </a:lnRef>
+          <a:fillRef idx="0">
+            <a:schemeClr val="dk1"/>
+          </a:fillRef>
+          <a:effectRef idx="0">
+            <a:schemeClr val="dk1"/>
+          </a:effectRef>
+          <a:fontRef idx="minor">
+            <a:schemeClr val="tx1"/>
+          </a:fontRef>
+        </p:style>
+      </p:cxnSp>
+      <p:cxnSp>
+        <p:nvCxnSpPr>
+          <p:cNvPr id="263" name="Connecteur droit 262"/>
+          <p:cNvCxnSpPr/>
+          <p:nvPr/>
+        </p:nvCxnSpPr>
+        <p:spPr>
+          <a:xfrm>
+            <a:off x="4276424" y="3119998"/>
+            <a:ext cx="351" cy="154376"/>
+          </a:xfrm>
+          <a:prstGeom prst="line">
+            <a:avLst/>
+          </a:prstGeom>
+          <a:ln/>
+        </p:spPr>
+        <p:style>
+          <a:lnRef idx="1">
+            <a:schemeClr val="dk1"/>
+          </a:lnRef>
+          <a:fillRef idx="0">
+            <a:schemeClr val="dk1"/>
+          </a:fillRef>
+          <a:effectRef idx="0">
+            <a:schemeClr val="dk1"/>
+          </a:effectRef>
+          <a:fontRef idx="minor">
+            <a:schemeClr val="tx1"/>
+          </a:fontRef>
+        </p:style>
+      </p:cxnSp>
+      <p:cxnSp>
+        <p:nvCxnSpPr>
+          <p:cNvPr id="264" name="Connecteur droit 263"/>
+          <p:cNvCxnSpPr/>
+          <p:nvPr/>
+        </p:nvCxnSpPr>
+        <p:spPr>
+          <a:xfrm>
+            <a:off x="4429526" y="3117283"/>
+            <a:ext cx="351" cy="154376"/>
+          </a:xfrm>
+          <a:prstGeom prst="line">
+            <a:avLst/>
+          </a:prstGeom>
+          <a:ln/>
+        </p:spPr>
+        <p:style>
+          <a:lnRef idx="1">
+            <a:schemeClr val="dk1"/>
+          </a:lnRef>
+          <a:fillRef idx="0">
+            <a:schemeClr val="dk1"/>
+          </a:fillRef>
+          <a:effectRef idx="0">
+            <a:schemeClr val="dk1"/>
+          </a:effectRef>
+          <a:fontRef idx="minor">
+            <a:schemeClr val="tx1"/>
+          </a:fontRef>
+        </p:style>
+      </p:cxnSp>
+      <p:cxnSp>
+        <p:nvCxnSpPr>
+          <p:cNvPr id="265" name="Connecteur droit 264"/>
+          <p:cNvCxnSpPr/>
+          <p:nvPr/>
+        </p:nvCxnSpPr>
+        <p:spPr>
+          <a:xfrm>
+            <a:off x="4581926" y="3117271"/>
+            <a:ext cx="351" cy="154376"/>
+          </a:xfrm>
+          <a:prstGeom prst="line">
+            <a:avLst/>
+          </a:prstGeom>
+          <a:ln/>
+        </p:spPr>
+        <p:style>
+          <a:lnRef idx="1">
+            <a:schemeClr val="dk1"/>
+          </a:lnRef>
+          <a:fillRef idx="0">
+            <a:schemeClr val="dk1"/>
+          </a:fillRef>
+          <a:effectRef idx="0">
+            <a:schemeClr val="dk1"/>
+          </a:effectRef>
+          <a:fontRef idx="minor">
+            <a:schemeClr val="tx1"/>
+          </a:fontRef>
+        </p:style>
+      </p:cxnSp>
+      <p:cxnSp>
+        <p:nvCxnSpPr>
+          <p:cNvPr id="266" name="Connecteur droit 265"/>
+          <p:cNvCxnSpPr/>
+          <p:nvPr/>
+        </p:nvCxnSpPr>
+        <p:spPr>
+          <a:xfrm>
+            <a:off x="4734677" y="3120055"/>
+            <a:ext cx="351" cy="154376"/>
+          </a:xfrm>
+          <a:prstGeom prst="line">
+            <a:avLst/>
+          </a:prstGeom>
+          <a:ln/>
+        </p:spPr>
+        <p:style>
+          <a:lnRef idx="1">
+            <a:schemeClr val="dk1"/>
+          </a:lnRef>
+          <a:fillRef idx="0">
+            <a:schemeClr val="dk1"/>
+          </a:fillRef>
+          <a:effectRef idx="0">
+            <a:schemeClr val="dk1"/>
+          </a:effectRef>
+          <a:fontRef idx="minor">
+            <a:schemeClr val="tx1"/>
+          </a:fontRef>
+        </p:style>
+      </p:cxnSp>
+      <p:cxnSp>
+        <p:nvCxnSpPr>
+          <p:cNvPr id="267" name="Connecteur droit 266"/>
+          <p:cNvCxnSpPr/>
+          <p:nvPr/>
+        </p:nvCxnSpPr>
+        <p:spPr>
+          <a:xfrm>
+            <a:off x="4887077" y="3115297"/>
+            <a:ext cx="351" cy="154376"/>
+          </a:xfrm>
+          <a:prstGeom prst="line">
+            <a:avLst/>
+          </a:prstGeom>
+          <a:ln/>
+        </p:spPr>
+        <p:style>
+          <a:lnRef idx="1">
+            <a:schemeClr val="dk1"/>
+          </a:lnRef>
+          <a:fillRef idx="0">
+            <a:schemeClr val="dk1"/>
+          </a:fillRef>
+          <a:effectRef idx="0">
+            <a:schemeClr val="dk1"/>
+          </a:effectRef>
+          <a:fontRef idx="minor">
+            <a:schemeClr val="tx1"/>
+          </a:fontRef>
+        </p:style>
+      </p:cxnSp>
+      <p:cxnSp>
+        <p:nvCxnSpPr>
+          <p:cNvPr id="268" name="Connecteur droit 267"/>
+          <p:cNvCxnSpPr/>
+          <p:nvPr/>
+        </p:nvCxnSpPr>
+        <p:spPr>
+          <a:xfrm>
+            <a:off x="5038424" y="3119944"/>
+            <a:ext cx="351" cy="154376"/>
+          </a:xfrm>
+          <a:prstGeom prst="line">
+            <a:avLst/>
+          </a:prstGeom>
+          <a:ln/>
+        </p:spPr>
+        <p:style>
+          <a:lnRef idx="1">
+            <a:schemeClr val="dk1"/>
+          </a:lnRef>
+          <a:fillRef idx="0">
+            <a:schemeClr val="dk1"/>
+          </a:fillRef>
+          <a:effectRef idx="0">
+            <a:schemeClr val="dk1"/>
+          </a:effectRef>
+          <a:fontRef idx="minor">
+            <a:schemeClr val="tx1"/>
+          </a:fontRef>
+        </p:style>
+      </p:cxnSp>
+      <p:cxnSp>
+        <p:nvCxnSpPr>
+          <p:cNvPr id="269" name="Connecteur droit 268"/>
+          <p:cNvCxnSpPr/>
+          <p:nvPr/>
+        </p:nvCxnSpPr>
+        <p:spPr>
+          <a:xfrm>
+            <a:off x="5190824" y="3118854"/>
+            <a:ext cx="351" cy="154376"/>
+          </a:xfrm>
+          <a:prstGeom prst="line">
+            <a:avLst/>
+          </a:prstGeom>
+          <a:ln/>
+        </p:spPr>
+        <p:style>
+          <a:lnRef idx="1">
+            <a:schemeClr val="dk1"/>
+          </a:lnRef>
+          <a:fillRef idx="0">
+            <a:schemeClr val="dk1"/>
+          </a:fillRef>
+          <a:effectRef idx="0">
+            <a:schemeClr val="dk1"/>
+          </a:effectRef>
+          <a:fontRef idx="minor">
+            <a:schemeClr val="tx1"/>
+          </a:fontRef>
+        </p:style>
+      </p:cxnSp>
+      <p:cxnSp>
+        <p:nvCxnSpPr>
+          <p:cNvPr id="270" name="Connecteur droit 269"/>
+          <p:cNvCxnSpPr/>
+          <p:nvPr/>
+        </p:nvCxnSpPr>
+        <p:spPr>
+          <a:xfrm>
+            <a:off x="5344277" y="3118865"/>
+            <a:ext cx="351" cy="154376"/>
+          </a:xfrm>
+          <a:prstGeom prst="line">
+            <a:avLst/>
+          </a:prstGeom>
+          <a:ln/>
+        </p:spPr>
+        <p:style>
+          <a:lnRef idx="1">
+            <a:schemeClr val="dk1"/>
+          </a:lnRef>
+          <a:fillRef idx="0">
+            <a:schemeClr val="dk1"/>
+          </a:fillRef>
+          <a:effectRef idx="0">
+            <a:schemeClr val="dk1"/>
+          </a:effectRef>
+          <a:fontRef idx="minor">
+            <a:schemeClr val="tx1"/>
+          </a:fontRef>
+        </p:style>
+      </p:cxnSp>
+      <p:cxnSp>
+        <p:nvCxnSpPr>
+          <p:cNvPr id="271" name="Connecteur droit 270"/>
+          <p:cNvCxnSpPr/>
+          <p:nvPr/>
+        </p:nvCxnSpPr>
+        <p:spPr>
+          <a:xfrm>
+            <a:off x="5495440" y="3113935"/>
+            <a:ext cx="351" cy="154376"/>
+          </a:xfrm>
+          <a:prstGeom prst="line">
+            <a:avLst/>
+          </a:prstGeom>
+          <a:ln/>
+        </p:spPr>
+        <p:style>
+          <a:lnRef idx="1">
+            <a:schemeClr val="dk1"/>
+          </a:lnRef>
+          <a:fillRef idx="0">
+            <a:schemeClr val="dk1"/>
+          </a:fillRef>
+          <a:effectRef idx="0">
+            <a:schemeClr val="dk1"/>
+          </a:effectRef>
+          <a:fontRef idx="minor">
+            <a:schemeClr val="tx1"/>
+          </a:fontRef>
+        </p:style>
+      </p:cxnSp>
+      <p:cxnSp>
+        <p:nvCxnSpPr>
+          <p:cNvPr id="272" name="Connecteur droit 271"/>
+          <p:cNvCxnSpPr/>
+          <p:nvPr/>
+        </p:nvCxnSpPr>
+        <p:spPr>
+          <a:xfrm>
+            <a:off x="5648024" y="3115184"/>
+            <a:ext cx="351" cy="154376"/>
+          </a:xfrm>
+          <a:prstGeom prst="line">
+            <a:avLst/>
+          </a:prstGeom>
+          <a:ln/>
+        </p:spPr>
+        <p:style>
+          <a:lnRef idx="1">
+            <a:schemeClr val="dk1"/>
+          </a:lnRef>
+          <a:fillRef idx="0">
+            <a:schemeClr val="dk1"/>
+          </a:fillRef>
+          <a:effectRef idx="0">
+            <a:schemeClr val="dk1"/>
+          </a:effectRef>
+          <a:fontRef idx="minor">
+            <a:schemeClr val="tx1"/>
+          </a:fontRef>
+        </p:style>
+      </p:cxnSp>
+      <p:cxnSp>
+        <p:nvCxnSpPr>
+          <p:cNvPr id="273" name="Connecteur droit 272"/>
+          <p:cNvCxnSpPr/>
+          <p:nvPr/>
+        </p:nvCxnSpPr>
+        <p:spPr>
+          <a:xfrm>
+            <a:off x="4051406" y="2792662"/>
+            <a:ext cx="351" cy="154376"/>
+          </a:xfrm>
+          <a:prstGeom prst="line">
+            <a:avLst/>
+          </a:prstGeom>
+          <a:ln/>
+        </p:spPr>
+        <p:style>
+          <a:lnRef idx="1">
+            <a:schemeClr val="dk1"/>
+          </a:lnRef>
+          <a:fillRef idx="0">
+            <a:schemeClr val="dk1"/>
+          </a:fillRef>
+          <a:effectRef idx="0">
+            <a:schemeClr val="dk1"/>
+          </a:effectRef>
+          <a:fontRef idx="minor">
+            <a:schemeClr val="tx1"/>
+          </a:fontRef>
+        </p:style>
+      </p:cxnSp>
+      <p:cxnSp>
+        <p:nvCxnSpPr>
+          <p:cNvPr id="274" name="Connecteur droit 273"/>
+          <p:cNvCxnSpPr/>
+          <p:nvPr/>
+        </p:nvCxnSpPr>
+        <p:spPr>
+          <a:xfrm>
+            <a:off x="4204206" y="2799178"/>
+            <a:ext cx="351" cy="154376"/>
+          </a:xfrm>
+          <a:prstGeom prst="line">
+            <a:avLst/>
+          </a:prstGeom>
+          <a:ln/>
+        </p:spPr>
+        <p:style>
+          <a:lnRef idx="1">
+            <a:schemeClr val="dk1"/>
+          </a:lnRef>
+          <a:fillRef idx="0">
+            <a:schemeClr val="dk1"/>
+          </a:fillRef>
+          <a:effectRef idx="0">
+            <a:schemeClr val="dk1"/>
+          </a:effectRef>
+          <a:fontRef idx="minor">
+            <a:schemeClr val="tx1"/>
+          </a:fontRef>
+        </p:style>
+      </p:cxnSp>
+      <p:cxnSp>
+        <p:nvCxnSpPr>
+          <p:cNvPr id="275" name="Connecteur droit 274"/>
+          <p:cNvCxnSpPr/>
+          <p:nvPr/>
+        </p:nvCxnSpPr>
+        <p:spPr>
+          <a:xfrm>
+            <a:off x="4356606" y="2797578"/>
+            <a:ext cx="351" cy="154376"/>
+          </a:xfrm>
+          <a:prstGeom prst="line">
+            <a:avLst/>
+          </a:prstGeom>
+          <a:ln/>
+        </p:spPr>
+        <p:style>
+          <a:lnRef idx="1">
+            <a:schemeClr val="dk1"/>
+          </a:lnRef>
+          <a:fillRef idx="0">
+            <a:schemeClr val="dk1"/>
+          </a:fillRef>
+          <a:effectRef idx="0">
+            <a:schemeClr val="dk1"/>
+          </a:effectRef>
+          <a:fontRef idx="minor">
+            <a:schemeClr val="tx1"/>
+          </a:fontRef>
+        </p:style>
+      </p:cxnSp>
+      <p:cxnSp>
+        <p:nvCxnSpPr>
+          <p:cNvPr id="276" name="Connecteur droit 275"/>
+          <p:cNvCxnSpPr/>
+          <p:nvPr/>
+        </p:nvCxnSpPr>
+        <p:spPr>
+          <a:xfrm>
+            <a:off x="4509006" y="2797577"/>
+            <a:ext cx="351" cy="154376"/>
+          </a:xfrm>
+          <a:prstGeom prst="line">
+            <a:avLst/>
+          </a:prstGeom>
+          <a:ln/>
+        </p:spPr>
+        <p:style>
+          <a:lnRef idx="1">
+            <a:schemeClr val="dk1"/>
+          </a:lnRef>
+          <a:fillRef idx="0">
+            <a:schemeClr val="dk1"/>
+          </a:fillRef>
+          <a:effectRef idx="0">
+            <a:schemeClr val="dk1"/>
+          </a:effectRef>
+          <a:fontRef idx="minor">
+            <a:schemeClr val="tx1"/>
+          </a:fontRef>
+        </p:style>
+      </p:cxnSp>
+      <p:cxnSp>
+        <p:nvCxnSpPr>
+          <p:cNvPr id="277" name="Connecteur droit 276"/>
+          <p:cNvCxnSpPr/>
+          <p:nvPr/>
+        </p:nvCxnSpPr>
+        <p:spPr>
+          <a:xfrm>
+            <a:off x="4661406" y="2797581"/>
+            <a:ext cx="351" cy="154376"/>
+          </a:xfrm>
+          <a:prstGeom prst="line">
+            <a:avLst/>
+          </a:prstGeom>
+          <a:ln/>
+        </p:spPr>
+        <p:style>
+          <a:lnRef idx="1">
+            <a:schemeClr val="dk1"/>
+          </a:lnRef>
+          <a:fillRef idx="0">
+            <a:schemeClr val="dk1"/>
+          </a:fillRef>
+          <a:effectRef idx="0">
+            <a:schemeClr val="dk1"/>
+          </a:effectRef>
+          <a:fontRef idx="minor">
+            <a:schemeClr val="tx1"/>
+          </a:fontRef>
+        </p:style>
+      </p:cxnSp>
+      <p:cxnSp>
+        <p:nvCxnSpPr>
+          <p:cNvPr id="278" name="Connecteur droit 277"/>
+          <p:cNvCxnSpPr/>
+          <p:nvPr/>
+        </p:nvCxnSpPr>
+        <p:spPr>
+          <a:xfrm>
+            <a:off x="4813055" y="2798723"/>
+            <a:ext cx="351" cy="154376"/>
+          </a:xfrm>
+          <a:prstGeom prst="line">
+            <a:avLst/>
+          </a:prstGeom>
+          <a:ln/>
+        </p:spPr>
+        <p:style>
+          <a:lnRef idx="1">
+            <a:schemeClr val="dk1"/>
+          </a:lnRef>
+          <a:fillRef idx="0">
+            <a:schemeClr val="dk1"/>
+          </a:fillRef>
+          <a:effectRef idx="0">
+            <a:schemeClr val="dk1"/>
+          </a:effectRef>
+          <a:fontRef idx="minor">
+            <a:schemeClr val="tx1"/>
+          </a:fontRef>
+        </p:style>
+      </p:cxnSp>
+      <p:cxnSp>
+        <p:nvCxnSpPr>
+          <p:cNvPr id="279" name="Connecteur droit 278"/>
+          <p:cNvCxnSpPr/>
+          <p:nvPr/>
+        </p:nvCxnSpPr>
+        <p:spPr>
+          <a:xfrm>
+            <a:off x="4966304" y="2786133"/>
+            <a:ext cx="351" cy="154376"/>
+          </a:xfrm>
+          <a:prstGeom prst="line">
+            <a:avLst/>
+          </a:prstGeom>
+          <a:ln/>
+        </p:spPr>
+        <p:style>
+          <a:lnRef idx="1">
+            <a:schemeClr val="dk1"/>
+          </a:lnRef>
+          <a:fillRef idx="0">
+            <a:schemeClr val="dk1"/>
+          </a:fillRef>
+          <a:effectRef idx="0">
+            <a:schemeClr val="dk1"/>
+          </a:effectRef>
+          <a:fontRef idx="minor">
+            <a:schemeClr val="tx1"/>
+          </a:fontRef>
+        </p:style>
+      </p:cxnSp>
+      <p:cxnSp>
+        <p:nvCxnSpPr>
+          <p:cNvPr id="280" name="Connecteur droit 279"/>
+          <p:cNvCxnSpPr/>
+          <p:nvPr/>
+        </p:nvCxnSpPr>
+        <p:spPr>
+          <a:xfrm>
+            <a:off x="5119104" y="2792649"/>
+            <a:ext cx="351" cy="154376"/>
+          </a:xfrm>
+          <a:prstGeom prst="line">
+            <a:avLst/>
+          </a:prstGeom>
+          <a:ln/>
+        </p:spPr>
+        <p:style>
+          <a:lnRef idx="1">
+            <a:schemeClr val="dk1"/>
+          </a:lnRef>
+          <a:fillRef idx="0">
+            <a:schemeClr val="dk1"/>
+          </a:fillRef>
+          <a:effectRef idx="0">
+            <a:schemeClr val="dk1"/>
+          </a:effectRef>
+          <a:fontRef idx="minor">
+            <a:schemeClr val="tx1"/>
+          </a:fontRef>
+        </p:style>
+      </p:cxnSp>
+      <p:cxnSp>
+        <p:nvCxnSpPr>
+          <p:cNvPr id="281" name="Connecteur droit 280"/>
+          <p:cNvCxnSpPr/>
+          <p:nvPr/>
+        </p:nvCxnSpPr>
+        <p:spPr>
+          <a:xfrm>
+            <a:off x="5271504" y="2791049"/>
+            <a:ext cx="351" cy="154376"/>
+          </a:xfrm>
+          <a:prstGeom prst="line">
+            <a:avLst/>
+          </a:prstGeom>
+          <a:ln/>
+        </p:spPr>
+        <p:style>
+          <a:lnRef idx="1">
+            <a:schemeClr val="dk1"/>
+          </a:lnRef>
+          <a:fillRef idx="0">
+            <a:schemeClr val="dk1"/>
+          </a:fillRef>
+          <a:effectRef idx="0">
+            <a:schemeClr val="dk1"/>
+          </a:effectRef>
+          <a:fontRef idx="minor">
+            <a:schemeClr val="tx1"/>
+          </a:fontRef>
+        </p:style>
+      </p:cxnSp>
+      <p:cxnSp>
+        <p:nvCxnSpPr>
+          <p:cNvPr id="282" name="Connecteur droit 281"/>
+          <p:cNvCxnSpPr/>
+          <p:nvPr/>
+        </p:nvCxnSpPr>
+        <p:spPr>
+          <a:xfrm>
+            <a:off x="5423904" y="2791048"/>
+            <a:ext cx="351" cy="154376"/>
+          </a:xfrm>
+          <a:prstGeom prst="line">
+            <a:avLst/>
+          </a:prstGeom>
+          <a:ln/>
+        </p:spPr>
+        <p:style>
+          <a:lnRef idx="1">
+            <a:schemeClr val="dk1"/>
+          </a:lnRef>
+          <a:fillRef idx="0">
+            <a:schemeClr val="dk1"/>
+          </a:fillRef>
+          <a:effectRef idx="0">
+            <a:schemeClr val="dk1"/>
+          </a:effectRef>
+          <a:fontRef idx="minor">
+            <a:schemeClr val="tx1"/>
+          </a:fontRef>
+        </p:style>
+      </p:cxnSp>
+      <p:cxnSp>
+        <p:nvCxnSpPr>
+          <p:cNvPr id="283" name="Connecteur droit 282"/>
+          <p:cNvCxnSpPr/>
+          <p:nvPr/>
+        </p:nvCxnSpPr>
+        <p:spPr>
+          <a:xfrm>
+            <a:off x="5576304" y="2791052"/>
+            <a:ext cx="351" cy="154376"/>
+          </a:xfrm>
+          <a:prstGeom prst="line">
+            <a:avLst/>
+          </a:prstGeom>
+          <a:ln/>
+        </p:spPr>
+        <p:style>
+          <a:lnRef idx="1">
+            <a:schemeClr val="dk1"/>
+          </a:lnRef>
+          <a:fillRef idx="0">
+            <a:schemeClr val="dk1"/>
+          </a:fillRef>
+          <a:effectRef idx="0">
+            <a:schemeClr val="dk1"/>
+          </a:effectRef>
+          <a:fontRef idx="minor">
+            <a:schemeClr val="tx1"/>
+          </a:fontRef>
+        </p:style>
+      </p:cxnSp>
+      <p:cxnSp>
+        <p:nvCxnSpPr>
+          <p:cNvPr id="284" name="Connecteur droit 283"/>
+          <p:cNvCxnSpPr/>
+          <p:nvPr/>
+        </p:nvCxnSpPr>
+        <p:spPr>
+          <a:xfrm>
+            <a:off x="5727953" y="2792194"/>
+            <a:ext cx="351" cy="154376"/>
+          </a:xfrm>
+          <a:prstGeom prst="line">
+            <a:avLst/>
+          </a:prstGeom>
+          <a:ln/>
+        </p:spPr>
+        <p:style>
+          <a:lnRef idx="1">
+            <a:schemeClr val="dk1"/>
+          </a:lnRef>
+          <a:fillRef idx="0">
+            <a:schemeClr val="dk1"/>
+          </a:fillRef>
+          <a:effectRef idx="0">
+            <a:schemeClr val="dk1"/>
+          </a:effectRef>
+          <a:fontRef idx="minor">
+            <a:schemeClr val="tx1"/>
+          </a:fontRef>
+        </p:style>
+      </p:cxnSp>
+      <p:cxnSp>
+        <p:nvCxnSpPr>
+          <p:cNvPr id="285" name="Connecteur droit 284"/>
+          <p:cNvCxnSpPr/>
+          <p:nvPr/>
+        </p:nvCxnSpPr>
+        <p:spPr>
+          <a:xfrm>
+            <a:off x="5879871" y="2804529"/>
+            <a:ext cx="351" cy="154376"/>
+          </a:xfrm>
+          <a:prstGeom prst="line">
+            <a:avLst/>
+          </a:prstGeom>
+          <a:ln/>
+        </p:spPr>
+        <p:style>
+          <a:lnRef idx="1">
+            <a:schemeClr val="dk1"/>
+          </a:lnRef>
+          <a:fillRef idx="0">
+            <a:schemeClr val="dk1"/>
+          </a:fillRef>
+          <a:effectRef idx="0">
+            <a:schemeClr val="dk1"/>
+          </a:effectRef>
+          <a:fontRef idx="minor">
+            <a:schemeClr val="tx1"/>
+          </a:fontRef>
+        </p:style>
+      </p:cxnSp>
+      <p:cxnSp>
+        <p:nvCxnSpPr>
+          <p:cNvPr id="286" name="Connecteur droit 285"/>
+          <p:cNvCxnSpPr/>
+          <p:nvPr/>
+        </p:nvCxnSpPr>
+        <p:spPr>
+          <a:xfrm>
+            <a:off x="6032671" y="2811045"/>
+            <a:ext cx="351" cy="154376"/>
+          </a:xfrm>
+          <a:prstGeom prst="line">
+            <a:avLst/>
+          </a:prstGeom>
+          <a:ln/>
+        </p:spPr>
+        <p:style>
+          <a:lnRef idx="1">
+            <a:schemeClr val="dk1"/>
+          </a:lnRef>
+          <a:fillRef idx="0">
+            <a:schemeClr val="dk1"/>
+          </a:fillRef>
+          <a:effectRef idx="0">
+            <a:schemeClr val="dk1"/>
+          </a:effectRef>
+          <a:fontRef idx="minor">
+            <a:schemeClr val="tx1"/>
+          </a:fontRef>
+        </p:style>
+      </p:cxnSp>
+      <p:cxnSp>
+        <p:nvCxnSpPr>
+          <p:cNvPr id="287" name="Connecteur droit 286"/>
+          <p:cNvCxnSpPr/>
+          <p:nvPr/>
+        </p:nvCxnSpPr>
+        <p:spPr>
+          <a:xfrm>
+            <a:off x="6185071" y="2809445"/>
+            <a:ext cx="351" cy="154376"/>
+          </a:xfrm>
+          <a:prstGeom prst="line">
+            <a:avLst/>
+          </a:prstGeom>
+          <a:ln/>
+        </p:spPr>
+        <p:style>
+          <a:lnRef idx="1">
+            <a:schemeClr val="dk1"/>
+          </a:lnRef>
+          <a:fillRef idx="0">
+            <a:schemeClr val="dk1"/>
+          </a:fillRef>
+          <a:effectRef idx="0">
+            <a:schemeClr val="dk1"/>
+          </a:effectRef>
+          <a:fontRef idx="minor">
+            <a:schemeClr val="tx1"/>
+          </a:fontRef>
+        </p:style>
+      </p:cxnSp>
+      <p:cxnSp>
+        <p:nvCxnSpPr>
+          <p:cNvPr id="291" name="Connecteur droit avec flèche 290"/>
+          <p:cNvCxnSpPr/>
+          <p:nvPr/>
+        </p:nvCxnSpPr>
+        <p:spPr>
+          <a:xfrm>
+            <a:off x="3096339" y="3272531"/>
+            <a:ext cx="160739" cy="1876"/>
+          </a:xfrm>
+          <a:prstGeom prst="straightConnector1">
+            <a:avLst/>
+          </a:prstGeom>
+          <a:ln w="22225">
+            <a:solidFill>
+              <a:schemeClr val="tx1"/>
+            </a:solidFill>
+            <a:tailEnd type="triangle"/>
+          </a:ln>
+          <a:effectLst/>
+        </p:spPr>
+        <p:style>
+          <a:lnRef idx="2">
+            <a:schemeClr val="accent1"/>
+          </a:lnRef>
+          <a:fillRef idx="0">
+            <a:schemeClr val="accent1"/>
+          </a:fillRef>
+          <a:effectRef idx="1">
+            <a:schemeClr val="accent1"/>
+          </a:effectRef>
+          <a:fontRef idx="minor">
+            <a:schemeClr val="tx1"/>
+          </a:fontRef>
+        </p:style>
+      </p:cxnSp>
+      <p:cxnSp>
+        <p:nvCxnSpPr>
+          <p:cNvPr id="292" name="Connecteur droit avec flèche 291"/>
+          <p:cNvCxnSpPr/>
+          <p:nvPr/>
+        </p:nvCxnSpPr>
+        <p:spPr>
+          <a:xfrm>
+            <a:off x="3098799" y="3272531"/>
+            <a:ext cx="1742" cy="158438"/>
+          </a:xfrm>
+          <a:prstGeom prst="straightConnector1">
+            <a:avLst/>
+          </a:prstGeom>
+          <a:ln w="22225">
+            <a:solidFill>
+              <a:schemeClr val="tx1"/>
+            </a:solidFill>
+            <a:tailEnd type="triangle"/>
+          </a:ln>
+          <a:effectLst/>
+        </p:spPr>
+        <p:style>
+          <a:lnRef idx="2">
+            <a:schemeClr val="accent1"/>
+          </a:lnRef>
+          <a:fillRef idx="0">
+            <a:schemeClr val="accent1"/>
+          </a:fillRef>
+          <a:effectRef idx="1">
+            <a:schemeClr val="accent1"/>
+          </a:effectRef>
+          <a:fontRef idx="minor">
+            <a:schemeClr val="tx1"/>
+          </a:fontRef>
+        </p:style>
+      </p:cxnSp>
+      <p:cxnSp>
+        <p:nvCxnSpPr>
+          <p:cNvPr id="293" name="Connecteur droit avec flèche 292"/>
+          <p:cNvCxnSpPr/>
+          <p:nvPr/>
+        </p:nvCxnSpPr>
+        <p:spPr>
+          <a:xfrm flipV="1">
+            <a:off x="3090865" y="3120601"/>
+            <a:ext cx="271510" cy="157405"/>
+          </a:xfrm>
+          <a:prstGeom prst="straightConnector1">
+            <a:avLst/>
+          </a:prstGeom>
+          <a:ln w="22225">
+            <a:solidFill>
+              <a:schemeClr val="tx1"/>
+            </a:solidFill>
+            <a:tailEnd type="triangle"/>
+          </a:ln>
+          <a:effectLst/>
+        </p:spPr>
+        <p:style>
+          <a:lnRef idx="2">
+            <a:schemeClr val="accent1"/>
+          </a:lnRef>
+          <a:fillRef idx="0">
+            <a:schemeClr val="accent1"/>
+          </a:fillRef>
+          <a:effectRef idx="1">
+            <a:schemeClr val="accent1"/>
+          </a:effectRef>
+          <a:fontRef idx="minor">
+            <a:schemeClr val="tx1"/>
+          </a:fontRef>
+        </p:style>
+      </p:cxnSp>
+      <p:sp>
+        <p:nvSpPr>
+          <p:cNvPr id="294" name="ZoneTexte 293"/>
+          <p:cNvSpPr txBox="1"/>
+          <p:nvPr/>
+        </p:nvSpPr>
+        <p:spPr>
+          <a:xfrm>
+            <a:off x="3230645" y="3208563"/>
+            <a:ext cx="121688" cy="215444"/>
+          </a:xfrm>
+          <a:prstGeom prst="rect">
+            <a:avLst/>
+          </a:prstGeom>
+          <a:noFill/>
+        </p:spPr>
+        <p:txBody>
+          <a:bodyPr wrap="square" rtlCol="0">
+            <a:spAutoFit/>
+          </a:bodyPr>
+          <a:lstStyle/>
+          <a:p>
+            <a:pPr algn="ctr"/>
+            <a:r>
+              <a:rPr lang="fr-FR" sz="800" dirty="0" smtClean="0"/>
+              <a:t>j</a:t>
+            </a:r>
+            <a:endParaRPr lang="fr-FR" sz="800" dirty="0"/>
+          </a:p>
+        </p:txBody>
+      </p:sp>
+      <p:sp>
+        <p:nvSpPr>
+          <p:cNvPr id="295" name="ZoneTexte 294"/>
+          <p:cNvSpPr txBox="1"/>
+          <p:nvPr/>
+        </p:nvSpPr>
+        <p:spPr>
+          <a:xfrm>
+            <a:off x="2969177" y="3316285"/>
+            <a:ext cx="121688" cy="215444"/>
+          </a:xfrm>
+          <a:prstGeom prst="rect">
+            <a:avLst/>
+          </a:prstGeom>
+          <a:noFill/>
+        </p:spPr>
+        <p:txBody>
+          <a:bodyPr wrap="square" rtlCol="0">
+            <a:spAutoFit/>
+          </a:bodyPr>
+          <a:lstStyle/>
+          <a:p>
+            <a:pPr algn="ctr"/>
+            <a:r>
+              <a:rPr lang="fr-FR" sz="800" dirty="0" smtClean="0"/>
+              <a:t>i</a:t>
+            </a:r>
+            <a:endParaRPr lang="fr-FR" sz="800" dirty="0"/>
+          </a:p>
+        </p:txBody>
+      </p:sp>
+      <p:sp>
+        <p:nvSpPr>
+          <p:cNvPr id="296" name="ZoneTexte 295"/>
+          <p:cNvSpPr txBox="1"/>
+          <p:nvPr/>
+        </p:nvSpPr>
+        <p:spPr>
+          <a:xfrm>
+            <a:off x="3252775" y="2939400"/>
+            <a:ext cx="121688" cy="215444"/>
+          </a:xfrm>
+          <a:prstGeom prst="rect">
+            <a:avLst/>
+          </a:prstGeom>
+          <a:noFill/>
+        </p:spPr>
+        <p:txBody>
+          <a:bodyPr wrap="square" rtlCol="0">
+            <a:spAutoFit/>
+          </a:bodyPr>
+          <a:lstStyle/>
+          <a:p>
+            <a:pPr algn="ctr"/>
+            <a:r>
+              <a:rPr lang="fr-FR" sz="800" dirty="0" smtClean="0"/>
+              <a:t>k</a:t>
+            </a:r>
+            <a:endParaRPr lang="fr-FR" sz="800" dirty="0"/>
+          </a:p>
+        </p:txBody>
+      </p:sp>
     </p:spTree>
     <p:extLst>
       <p:ext uri="{BB962C8B-B14F-4D97-AF65-F5344CB8AC3E}">
@@ -39887,4 +41987,265 @@
   </a:objectDefaults>
   <a:extraClrSchemeLst/>
 </a:theme>
+</file>
+
+<file path=ppt/theme/theme2.xml><?xml version="1.0" encoding="utf-8"?>
+<a:theme xmlns:a="http://schemas.openxmlformats.org/drawingml/2006/main" name="Thème Office">
+  <a:themeElements>
+    <a:clrScheme name="Office">
+      <a:dk1>
+        <a:sysClr val="windowText" lastClr="000000"/>
+      </a:dk1>
+      <a:lt1>
+        <a:sysClr val="window" lastClr="FFFFFF"/>
+      </a:lt1>
+      <a:dk2>
+        <a:srgbClr val="44546A"/>
+      </a:dk2>
+      <a:lt2>
+        <a:srgbClr val="E7E6E6"/>
+      </a:lt2>
+      <a:accent1>
+        <a:srgbClr val="5B9BD5"/>
+      </a:accent1>
+      <a:accent2>
+        <a:srgbClr val="ED7D31"/>
+      </a:accent2>
+      <a:accent3>
+        <a:srgbClr val="A5A5A5"/>
+      </a:accent3>
+      <a:accent4>
+        <a:srgbClr val="FFC000"/>
+      </a:accent4>
+      <a:accent5>
+        <a:srgbClr val="4472C4"/>
+      </a:accent5>
+      <a:accent6>
+        <a:srgbClr val="70AD47"/>
+      </a:accent6>
+      <a:hlink>
+        <a:srgbClr val="0563C1"/>
+      </a:hlink>
+      <a:folHlink>
+        <a:srgbClr val="954F72"/>
+      </a:folHlink>
+    </a:clrScheme>
+    <a:fontScheme name="Office">
+      <a:majorFont>
+        <a:latin typeface="Calibri Light" panose="020F0302020204030204"/>
+        <a:ea typeface=""/>
+        <a:cs typeface=""/>
+        <a:font script="Jpan" typeface="游ゴシック Light"/>
+        <a:font script="Hang" typeface="맑은 고딕"/>
+        <a:font script="Hans" typeface="等线 Light"/>
+        <a:font script="Hant" typeface="新細明體"/>
+        <a:font script="Arab" typeface="Times New Roman"/>
+        <a:font script="Hebr" typeface="Times New Roman"/>
+        <a:font script="Thai" typeface="Angsana New"/>
+        <a:font script="Ethi" typeface="Nyala"/>
+        <a:font script="Beng" typeface="Vrinda"/>
+        <a:font script="Gujr" typeface="Shruti"/>
+        <a:font script="Khmr" typeface="MoolBoran"/>
+        <a:font script="Knda" typeface="Tunga"/>
+        <a:font script="Guru" typeface="Raavi"/>
+        <a:font script="Cans" typeface="Euphemia"/>
+        <a:font script="Cher" typeface="Plantagenet Cherokee"/>
+        <a:font script="Yiii" typeface="Microsoft Yi Baiti"/>
+        <a:font script="Tibt" typeface="Microsoft Himalaya"/>
+        <a:font script="Thaa" typeface="MV Boli"/>
+        <a:font script="Deva" typeface="Mangal"/>
+        <a:font script="Telu" typeface="Gautami"/>
+        <a:font script="Taml" typeface="Latha"/>
+        <a:font script="Syrc" typeface="Estrangelo Edessa"/>
+        <a:font script="Orya" typeface="Kalinga"/>
+        <a:font script="Mlym" typeface="Kartika"/>
+        <a:font script="Laoo" typeface="DokChampa"/>
+        <a:font script="Sinh" typeface="Iskoola Pota"/>
+        <a:font script="Mong" typeface="Mongolian Baiti"/>
+        <a:font script="Viet" typeface="Times New Roman"/>
+        <a:font script="Uigh" typeface="Microsoft Uighur"/>
+        <a:font script="Geor" typeface="Sylfaen"/>
+      </a:majorFont>
+      <a:minorFont>
+        <a:latin typeface="Calibri" panose="020F0502020204030204"/>
+        <a:ea typeface=""/>
+        <a:cs typeface=""/>
+        <a:font script="Jpan" typeface="游ゴシック"/>
+        <a:font script="Hang" typeface="맑은 고딕"/>
+        <a:font script="Hans" typeface="等线"/>
+        <a:font script="Hant" typeface="新細明體"/>
+        <a:font script="Arab" typeface="Arial"/>
+        <a:font script="Hebr" typeface="Arial"/>
+        <a:font script="Thai" typeface="Cordia New"/>
+        <a:font script="Ethi" typeface="Nyala"/>
+        <a:font script="Beng" typeface="Vrinda"/>
+        <a:font script="Gujr" typeface="Shruti"/>
+        <a:font script="Khmr" typeface="DaunPenh"/>
+        <a:font script="Knda" typeface="Tunga"/>
+        <a:font script="Guru" typeface="Raavi"/>
+        <a:font script="Cans" typeface="Euphemia"/>
+        <a:font script="Cher" typeface="Plantagenet Cherokee"/>
+        <a:font script="Yiii" typeface="Microsoft Yi Baiti"/>
+        <a:font script="Tibt" typeface="Microsoft Himalaya"/>
+        <a:font script="Thaa" typeface="MV Boli"/>
+        <a:font script="Deva" typeface="Mangal"/>
+        <a:font script="Telu" typeface="Gautami"/>
+        <a:font script="Taml" typeface="Latha"/>
+        <a:font script="Syrc" typeface="Estrangelo Edessa"/>
+        <a:font script="Orya" typeface="Kalinga"/>
+        <a:font script="Mlym" typeface="Kartika"/>
+        <a:font script="Laoo" typeface="DokChampa"/>
+        <a:font script="Sinh" typeface="Iskoola Pota"/>
+        <a:font script="Mong" typeface="Mongolian Baiti"/>
+        <a:font script="Viet" typeface="Arial"/>
+        <a:font script="Uigh" typeface="Microsoft Uighur"/>
+        <a:font script="Geor" typeface="Sylfaen"/>
+      </a:minorFont>
+    </a:fontScheme>
+    <a:fmtScheme name="Office">
+      <a:fillStyleLst>
+        <a:solidFill>
+          <a:schemeClr val="phClr"/>
+        </a:solidFill>
+        <a:gradFill rotWithShape="1">
+          <a:gsLst>
+            <a:gs pos="0">
+              <a:schemeClr val="phClr">
+                <a:lumMod val="110000"/>
+                <a:satMod val="105000"/>
+                <a:tint val="67000"/>
+              </a:schemeClr>
+            </a:gs>
+            <a:gs pos="50000">
+              <a:schemeClr val="phClr">
+                <a:lumMod val="105000"/>
+                <a:satMod val="103000"/>
+                <a:tint val="73000"/>
+              </a:schemeClr>
+            </a:gs>
+            <a:gs pos="100000">
+              <a:schemeClr val="phClr">
+                <a:lumMod val="105000"/>
+                <a:satMod val="109000"/>
+                <a:tint val="81000"/>
+              </a:schemeClr>
+            </a:gs>
+          </a:gsLst>
+          <a:lin ang="5400000" scaled="0"/>
+        </a:gradFill>
+        <a:gradFill rotWithShape="1">
+          <a:gsLst>
+            <a:gs pos="0">
+              <a:schemeClr val="phClr">
+                <a:satMod val="103000"/>
+                <a:lumMod val="102000"/>
+                <a:tint val="94000"/>
+              </a:schemeClr>
+            </a:gs>
+            <a:gs pos="50000">
+              <a:schemeClr val="phClr">
+                <a:satMod val="110000"/>
+                <a:lumMod val="100000"/>
+                <a:shade val="100000"/>
+              </a:schemeClr>
+            </a:gs>
+            <a:gs pos="100000">
+              <a:schemeClr val="phClr">
+                <a:lumMod val="99000"/>
+                <a:satMod val="120000"/>
+                <a:shade val="78000"/>
+              </a:schemeClr>
+            </a:gs>
+          </a:gsLst>
+          <a:lin ang="5400000" scaled="0"/>
+        </a:gradFill>
+      </a:fillStyleLst>
+      <a:lnStyleLst>
+        <a:ln w="6350" cap="flat" cmpd="sng" algn="ctr">
+          <a:solidFill>
+            <a:schemeClr val="phClr"/>
+          </a:solidFill>
+          <a:prstDash val="solid"/>
+          <a:miter lim="800000"/>
+        </a:ln>
+        <a:ln w="12700" cap="flat" cmpd="sng" algn="ctr">
+          <a:solidFill>
+            <a:schemeClr val="phClr"/>
+          </a:solidFill>
+          <a:prstDash val="solid"/>
+          <a:miter lim="800000"/>
+        </a:ln>
+        <a:ln w="19050" cap="flat" cmpd="sng" algn="ctr">
+          <a:solidFill>
+            <a:schemeClr val="phClr"/>
+          </a:solidFill>
+          <a:prstDash val="solid"/>
+          <a:miter lim="800000"/>
+        </a:ln>
+      </a:lnStyleLst>
+      <a:effectStyleLst>
+        <a:effectStyle>
+          <a:effectLst/>
+        </a:effectStyle>
+        <a:effectStyle>
+          <a:effectLst/>
+        </a:effectStyle>
+        <a:effectStyle>
+          <a:effectLst>
+            <a:outerShdw blurRad="57150" dist="19050" dir="5400000" algn="ctr" rotWithShape="0">
+              <a:srgbClr val="000000">
+                <a:alpha val="63000"/>
+              </a:srgbClr>
+            </a:outerShdw>
+          </a:effectLst>
+        </a:effectStyle>
+      </a:effectStyleLst>
+      <a:bgFillStyleLst>
+        <a:solidFill>
+          <a:schemeClr val="phClr"/>
+        </a:solidFill>
+        <a:solidFill>
+          <a:schemeClr val="phClr">
+            <a:tint val="95000"/>
+            <a:satMod val="170000"/>
+          </a:schemeClr>
+        </a:solidFill>
+        <a:gradFill rotWithShape="1">
+          <a:gsLst>
+            <a:gs pos="0">
+              <a:schemeClr val="phClr">
+                <a:tint val="93000"/>
+                <a:satMod val="150000"/>
+                <a:shade val="98000"/>
+                <a:lumMod val="102000"/>
+              </a:schemeClr>
+            </a:gs>
+            <a:gs pos="50000">
+              <a:schemeClr val="phClr">
+                <a:tint val="98000"/>
+                <a:satMod val="130000"/>
+                <a:shade val="90000"/>
+                <a:lumMod val="103000"/>
+              </a:schemeClr>
+            </a:gs>
+            <a:gs pos="100000">
+              <a:schemeClr val="phClr">
+                <a:shade val="63000"/>
+                <a:satMod val="120000"/>
+              </a:schemeClr>
+            </a:gs>
+          </a:gsLst>
+          <a:lin ang="5400000" scaled="0"/>
+        </a:gradFill>
+      </a:bgFillStyleLst>
+    </a:fmtScheme>
+  </a:themeElements>
+  <a:objectDefaults/>
+  <a:extraClrSchemeLst/>
+  <a:extLst>
+    <a:ext uri="{05A4C25C-085E-4340-85A3-A5531E510DB2}">
+      <thm15:themeFamily xmlns:thm15="http://schemas.microsoft.com/office/thememl/2012/main" name="Office Theme" id="{62F939B6-93AF-4DB8-9C6B-D6C7DFDC589F}" vid="{4A3C46E8-61CC-4603-A589-7422A47A8E4A}"/>
+    </a:ext>
+  </a:extLst>
+</a:theme>
 </file>
--- a/doc/image/img-usProbeSettings.pptx
+++ b/doc/image/img-usProbeSettings.pptx
@@ -749,7 +749,7 @@
           <a:p>
             <a:fld id="{49D103BC-6271-874A-98DE-6B966EAA6738}" type="datetimeFigureOut">
               <a:rPr lang="fr-FR" smtClean="0"/>
-              <a:t>05/02/2018</a:t>
+              <a:t>06/02/2018</a:t>
             </a:fld>
             <a:endParaRPr lang="fr-FR"/>
           </a:p>
@@ -919,7 +919,7 @@
           <a:p>
             <a:fld id="{49D103BC-6271-874A-98DE-6B966EAA6738}" type="datetimeFigureOut">
               <a:rPr lang="fr-FR" smtClean="0"/>
-              <a:t>05/02/2018</a:t>
+              <a:t>06/02/2018</a:t>
             </a:fld>
             <a:endParaRPr lang="fr-FR"/>
           </a:p>
@@ -1099,7 +1099,7 @@
           <a:p>
             <a:fld id="{49D103BC-6271-874A-98DE-6B966EAA6738}" type="datetimeFigureOut">
               <a:rPr lang="fr-FR" smtClean="0"/>
-              <a:t>05/02/2018</a:t>
+              <a:t>06/02/2018</a:t>
             </a:fld>
             <a:endParaRPr lang="fr-FR"/>
           </a:p>
@@ -1269,7 +1269,7 @@
           <a:p>
             <a:fld id="{49D103BC-6271-874A-98DE-6B966EAA6738}" type="datetimeFigureOut">
               <a:rPr lang="fr-FR" smtClean="0"/>
-              <a:t>05/02/2018</a:t>
+              <a:t>06/02/2018</a:t>
             </a:fld>
             <a:endParaRPr lang="fr-FR"/>
           </a:p>
@@ -1515,7 +1515,7 @@
           <a:p>
             <a:fld id="{49D103BC-6271-874A-98DE-6B966EAA6738}" type="datetimeFigureOut">
               <a:rPr lang="fr-FR" smtClean="0"/>
-              <a:t>05/02/2018</a:t>
+              <a:t>06/02/2018</a:t>
             </a:fld>
             <a:endParaRPr lang="fr-FR"/>
           </a:p>
@@ -1803,7 +1803,7 @@
           <a:p>
             <a:fld id="{49D103BC-6271-874A-98DE-6B966EAA6738}" type="datetimeFigureOut">
               <a:rPr lang="fr-FR" smtClean="0"/>
-              <a:t>05/02/2018</a:t>
+              <a:t>06/02/2018</a:t>
             </a:fld>
             <a:endParaRPr lang="fr-FR"/>
           </a:p>
@@ -2225,7 +2225,7 @@
           <a:p>
             <a:fld id="{49D103BC-6271-874A-98DE-6B966EAA6738}" type="datetimeFigureOut">
               <a:rPr lang="fr-FR" smtClean="0"/>
-              <a:t>05/02/2018</a:t>
+              <a:t>06/02/2018</a:t>
             </a:fld>
             <a:endParaRPr lang="fr-FR"/>
           </a:p>
@@ -2343,7 +2343,7 @@
           <a:p>
             <a:fld id="{49D103BC-6271-874A-98DE-6B966EAA6738}" type="datetimeFigureOut">
               <a:rPr lang="fr-FR" smtClean="0"/>
-              <a:t>05/02/2018</a:t>
+              <a:t>06/02/2018</a:t>
             </a:fld>
             <a:endParaRPr lang="fr-FR"/>
           </a:p>
@@ -2438,7 +2438,7 @@
           <a:p>
             <a:fld id="{49D103BC-6271-874A-98DE-6B966EAA6738}" type="datetimeFigureOut">
               <a:rPr lang="fr-FR" smtClean="0"/>
-              <a:t>05/02/2018</a:t>
+              <a:t>06/02/2018</a:t>
             </a:fld>
             <a:endParaRPr lang="fr-FR"/>
           </a:p>
@@ -2715,7 +2715,7 @@
           <a:p>
             <a:fld id="{49D103BC-6271-874A-98DE-6B966EAA6738}" type="datetimeFigureOut">
               <a:rPr lang="fr-FR" smtClean="0"/>
-              <a:t>05/02/2018</a:t>
+              <a:t>06/02/2018</a:t>
             </a:fld>
             <a:endParaRPr lang="fr-FR"/>
           </a:p>
@@ -2968,7 +2968,7 @@
           <a:p>
             <a:fld id="{49D103BC-6271-874A-98DE-6B966EAA6738}" type="datetimeFigureOut">
               <a:rPr lang="fr-FR" smtClean="0"/>
-              <a:t>05/02/2018</a:t>
+              <a:t>06/02/2018</a:t>
             </a:fld>
             <a:endParaRPr lang="fr-FR"/>
           </a:p>
@@ -3181,7 +3181,7 @@
           <a:p>
             <a:fld id="{49D103BC-6271-874A-98DE-6B966EAA6738}" type="datetimeFigureOut">
               <a:rPr lang="fr-FR" smtClean="0"/>
-              <a:t>05/02/2018</a:t>
+              <a:t>06/02/2018</a:t>
             </a:fld>
             <a:endParaRPr lang="fr-FR"/>
           </a:p>
@@ -13279,11 +13279,7 @@
                 <a:p>
                   <a:r>
                     <a:rPr lang="en-GB" sz="1400" dirty="0" smtClean="0"/>
-                    <a:t>B-Mode </a:t>
-                  </a:r>
-                  <a:r>
-                    <a:rPr lang="en-GB" sz="1400" dirty="0" smtClean="0"/>
-                    <a:t>sample</a:t>
+                    <a:t>B-Mode sample</a:t>
                   </a:r>
                   <a:endParaRPr lang="en-GB" sz="1400" dirty="0"/>
                 </a:p>
@@ -18604,8 +18600,8 @@
         </p:nvSpPr>
         <p:spPr>
           <a:xfrm>
-            <a:off x="578868" y="2179565"/>
-            <a:ext cx="121688" cy="215444"/>
+            <a:off x="542925" y="2207111"/>
+            <a:ext cx="305830" cy="215444"/>
           </a:xfrm>
           <a:prstGeom prst="rect">
             <a:avLst/>
@@ -18621,7 +18617,7 @@
             <a:pPr algn="ctr"/>
             <a:r>
               <a:rPr lang="fr-FR" sz="800" dirty="0" smtClean="0"/>
-              <a:t>j</a:t>
+              <a:t>= j</a:t>
             </a:r>
             <a:endParaRPr lang="fr-FR" sz="800" dirty="0"/>
           </a:p>
@@ -18635,8 +18631,8 @@
         </p:nvSpPr>
         <p:spPr>
           <a:xfrm>
-            <a:off x="369169" y="2518425"/>
-            <a:ext cx="121688" cy="215444"/>
+            <a:off x="267168" y="2518425"/>
+            <a:ext cx="294807" cy="215444"/>
           </a:xfrm>
           <a:prstGeom prst="rect">
             <a:avLst/>
@@ -18652,22 +18648,82 @@
             <a:pPr algn="ctr"/>
             <a:r>
               <a:rPr lang="fr-FR" sz="800" dirty="0" smtClean="0"/>
-              <a:t>i</a:t>
+              <a:t>= i</a:t>
             </a:r>
             <a:endParaRPr lang="fr-FR" sz="800" dirty="0"/>
           </a:p>
         </p:txBody>
       </p:sp>
+      <p:pic>
+        <p:nvPicPr>
+          <p:cNvPr id="72" name="Image 71" descr="latex-image-1.pdf"/>
+          <p:cNvPicPr>
+            <a:picLocks noChangeAspect="1"/>
+          </p:cNvPicPr>
+          <p:nvPr/>
+        </p:nvPicPr>
+        <p:blipFill>
+          <a:blip r:embed="rId10">
+            <a:extLst>
+              <a:ext uri="{28A0092B-C50C-407E-A947-70E740481C1C}">
+                <a14:useLocalDpi xmlns:a14="http://schemas.microsoft.com/office/drawing/2010/main" val="0"/>
+              </a:ext>
+            </a:extLst>
+          </a:blip>
+          <a:stretch>
+            <a:fillRect/>
+          </a:stretch>
+        </p:blipFill>
+        <p:spPr>
+          <a:xfrm>
+            <a:off x="495300" y="2264261"/>
+            <a:ext cx="114300" cy="101600"/>
+          </a:xfrm>
+          <a:prstGeom prst="rect">
+            <a:avLst/>
+          </a:prstGeom>
+        </p:spPr>
+      </p:pic>
+      <p:pic>
+        <p:nvPicPr>
+          <p:cNvPr id="73" name="Image 72" descr="latex-image-1.pdf"/>
+          <p:cNvPicPr>
+            <a:picLocks noChangeAspect="1"/>
+          </p:cNvPicPr>
+          <p:nvPr/>
+        </p:nvPicPr>
+        <p:blipFill>
+          <a:blip r:embed="rId11">
+            <a:extLst>
+              <a:ext uri="{28A0092B-C50C-407E-A947-70E740481C1C}">
+                <a14:useLocalDpi xmlns:a14="http://schemas.microsoft.com/office/drawing/2010/main" val="0"/>
+              </a:ext>
+            </a:extLst>
+          </a:blip>
+          <a:stretch>
+            <a:fillRect/>
+          </a:stretch>
+        </p:blipFill>
+        <p:spPr>
+          <a:xfrm>
+            <a:off x="237005" y="2569188"/>
+            <a:ext cx="101600" cy="101600"/>
+          </a:xfrm>
+          <a:prstGeom prst="rect">
+            <a:avLst/>
+          </a:prstGeom>
+        </p:spPr>
+      </p:pic>
       <p:sp>
         <p:nvSpPr>
-          <p:cNvPr id="74" name="ZoneTexte 73"/>
+          <p:cNvPr id="76" name="ZoneTexte 75"/>
           <p:cNvSpPr txBox="1"/>
           <p:nvPr/>
         </p:nvSpPr>
         <p:spPr>
           <a:xfrm>
-            <a:off x="3988818" y="2236715"/>
-            <a:ext cx="121688" cy="215444"/>
+            <a:off x="4027018" y="2245069"/>
+            <a:ext cx="305830" cy="215444"/>
           </a:xfrm>
           <a:prstGeom prst="rect">
             <a:avLst/>
@@ -18683,7 +18739,7 @@
             <a:pPr algn="ctr"/>
             <a:r>
               <a:rPr lang="fr-FR" sz="800" dirty="0" smtClean="0"/>
-              <a:t>j</a:t>
+              <a:t>= j</a:t>
             </a:r>
             <a:endParaRPr lang="fr-FR" sz="800" dirty="0"/>
           </a:p>
@@ -18691,14 +18747,14 @@
       </p:sp>
       <p:sp>
         <p:nvSpPr>
-          <p:cNvPr id="75" name="ZoneTexte 74"/>
+          <p:cNvPr id="77" name="ZoneTexte 76"/>
           <p:cNvSpPr txBox="1"/>
           <p:nvPr/>
         </p:nvSpPr>
         <p:spPr>
           <a:xfrm>
-            <a:off x="3779119" y="2575575"/>
-            <a:ext cx="121688" cy="215444"/>
+            <a:off x="3751261" y="2556383"/>
+            <a:ext cx="294807" cy="215444"/>
           </a:xfrm>
           <a:prstGeom prst="rect">
             <a:avLst/>
@@ -18714,12 +18770,72 @@
             <a:pPr algn="ctr"/>
             <a:r>
               <a:rPr lang="fr-FR" sz="800" dirty="0" smtClean="0"/>
-              <a:t>i</a:t>
+              <a:t>= i</a:t>
             </a:r>
             <a:endParaRPr lang="fr-FR" sz="800" dirty="0"/>
           </a:p>
         </p:txBody>
       </p:sp>
+      <p:pic>
+        <p:nvPicPr>
+          <p:cNvPr id="78" name="Image 77" descr="latex-image-1.pdf"/>
+          <p:cNvPicPr>
+            <a:picLocks noChangeAspect="1"/>
+          </p:cNvPicPr>
+          <p:nvPr/>
+        </p:nvPicPr>
+        <p:blipFill>
+          <a:blip r:embed="rId10">
+            <a:extLst>
+              <a:ext uri="{28A0092B-C50C-407E-A947-70E740481C1C}">
+                <a14:useLocalDpi xmlns:a14="http://schemas.microsoft.com/office/drawing/2010/main" val="0"/>
+              </a:ext>
+            </a:extLst>
+          </a:blip>
+          <a:stretch>
+            <a:fillRect/>
+          </a:stretch>
+        </p:blipFill>
+        <p:spPr>
+          <a:xfrm>
+            <a:off x="3979393" y="2302219"/>
+            <a:ext cx="114300" cy="101600"/>
+          </a:xfrm>
+          <a:prstGeom prst="rect">
+            <a:avLst/>
+          </a:prstGeom>
+        </p:spPr>
+      </p:pic>
+      <p:pic>
+        <p:nvPicPr>
+          <p:cNvPr id="79" name="Image 78" descr="latex-image-1.pdf"/>
+          <p:cNvPicPr>
+            <a:picLocks noChangeAspect="1"/>
+          </p:cNvPicPr>
+          <p:nvPr/>
+        </p:nvPicPr>
+        <p:blipFill>
+          <a:blip r:embed="rId11">
+            <a:extLst>
+              <a:ext uri="{28A0092B-C50C-407E-A947-70E740481C1C}">
+                <a14:useLocalDpi xmlns:a14="http://schemas.microsoft.com/office/drawing/2010/main" val="0"/>
+              </a:ext>
+            </a:extLst>
+          </a:blip>
+          <a:stretch>
+            <a:fillRect/>
+          </a:stretch>
+        </p:blipFill>
+        <p:spPr>
+          <a:xfrm>
+            <a:off x="3721098" y="2607146"/>
+            <a:ext cx="101600" cy="101600"/>
+          </a:xfrm>
+          <a:prstGeom prst="rect">
+            <a:avLst/>
+          </a:prstGeom>
+        </p:spPr>
+      </p:pic>
     </p:spTree>
     <p:extLst>
       <p:ext uri="{BB962C8B-B14F-4D97-AF65-F5344CB8AC3E}">
@@ -22571,13 +22687,8 @@
                 <a:pPr algn="ctr"/>
                 <a:r>
                   <a:rPr lang="en-GB" sz="1400" dirty="0" smtClean="0"/>
-                  <a:t>Frame </a:t>
+                  <a:t>Frame number</a:t>
                 </a:r>
-                <a:r>
-                  <a:rPr lang="en-GB" sz="1400" dirty="0" smtClean="0"/>
-                  <a:t>number</a:t>
-                </a:r>
-                <a:endParaRPr lang="en-GB" sz="1400" dirty="0" smtClean="0"/>
               </a:p>
             </p:txBody>
           </p:sp>
@@ -24727,7 +24838,6 @@
                 <a:rPr lang="en-GB" sz="1400" dirty="0" smtClean="0"/>
                 <a:t>width</a:t>
               </a:r>
-              <a:endParaRPr lang="en-GB" sz="1400" dirty="0" smtClean="0"/>
             </a:p>
           </p:txBody>
         </p:sp>
@@ -27931,13 +28041,8 @@
                 <a:pPr algn="ctr"/>
                 <a:r>
                   <a:rPr lang="en-GB" sz="1400" dirty="0" smtClean="0"/>
-                  <a:t>Frame </a:t>
+                  <a:t>Frame number</a:t>
                 </a:r>
-                <a:r>
-                  <a:rPr lang="en-GB" sz="1400" dirty="0" smtClean="0"/>
-                  <a:t>number</a:t>
-                </a:r>
-                <a:endParaRPr lang="en-GB" sz="1400" dirty="0" smtClean="0"/>
               </a:p>
             </p:txBody>
           </p:sp>
@@ -29605,7 +29710,6 @@
                 <a:rPr lang="en-GB" sz="1400" dirty="0" smtClean="0"/>
                 <a:t>width</a:t>
               </a:r>
-              <a:endParaRPr lang="en-GB" sz="1400" dirty="0" smtClean="0"/>
             </a:p>
           </p:txBody>
         </p:sp>
@@ -32490,10 +32594,10 @@
         </p:nvGrpSpPr>
         <p:grpSpPr>
           <a:xfrm>
-            <a:off x="4610747" y="2254527"/>
-            <a:ext cx="4451229" cy="4169057"/>
-            <a:chOff x="4610747" y="2254527"/>
-            <a:chExt cx="4451229" cy="4169057"/>
+            <a:off x="4574712" y="2254527"/>
+            <a:ext cx="4487264" cy="4169057"/>
+            <a:chOff x="4574712" y="2254527"/>
+            <a:chExt cx="4487264" cy="4169057"/>
           </a:xfrm>
         </p:grpSpPr>
         <p:grpSp>
@@ -32504,10 +32608,10 @@
           </p:nvGrpSpPr>
           <p:grpSpPr>
             <a:xfrm>
-              <a:off x="4610747" y="2254527"/>
-              <a:ext cx="4451229" cy="4169057"/>
-              <a:chOff x="4418312" y="2254527"/>
-              <a:chExt cx="4451229" cy="4169057"/>
+              <a:off x="4574712" y="2254527"/>
+              <a:ext cx="4487264" cy="4169057"/>
+              <a:chOff x="4382277" y="2254527"/>
+              <a:chExt cx="4487264" cy="4169057"/>
             </a:xfrm>
           </p:grpSpPr>
           <p:cxnSp>
@@ -32557,10 +32661,10 @@
             </p:nvGrpSpPr>
             <p:grpSpPr>
               <a:xfrm>
-                <a:off x="5329381" y="2254527"/>
-                <a:ext cx="3462290" cy="3274475"/>
-                <a:chOff x="1046043" y="2358687"/>
-                <a:chExt cx="3462290" cy="3274475"/>
+                <a:off x="5024421" y="2254527"/>
+                <a:ext cx="3767250" cy="3274475"/>
+                <a:chOff x="741083" y="2358687"/>
+                <a:chExt cx="3767250" cy="3274475"/>
               </a:xfrm>
             </p:grpSpPr>
             <p:grpSp>
@@ -32571,10 +32675,10 @@
               </p:nvGrpSpPr>
               <p:grpSpPr>
                 <a:xfrm>
-                  <a:off x="1051517" y="4327667"/>
-                  <a:ext cx="2662967" cy="1305495"/>
-                  <a:chOff x="1941970" y="2455312"/>
-                  <a:chExt cx="2662967" cy="1305495"/>
+                  <a:off x="741083" y="4327667"/>
+                  <a:ext cx="2973401" cy="1305495"/>
+                  <a:chOff x="1631536" y="2455312"/>
+                  <a:chExt cx="2973401" cy="1305495"/>
                 </a:xfrm>
               </p:grpSpPr>
               <p:sp>
@@ -32972,7 +33076,7 @@
                 </p:blipFill>
                 <p:spPr>
                   <a:xfrm>
-                    <a:off x="1993126" y="2731805"/>
+                    <a:off x="1631536" y="2561446"/>
                     <a:ext cx="101600" cy="101600"/>
                   </a:xfrm>
                   <a:prstGeom prst="rect">
@@ -33620,7 +33724,7 @@
               </p:blipFill>
               <p:spPr>
                 <a:xfrm>
-                  <a:off x="1167538" y="4095664"/>
+                  <a:off x="991002" y="4122838"/>
                   <a:ext cx="139700" cy="101600"/>
                 </a:xfrm>
                 <a:prstGeom prst="rect">
@@ -33924,8 +34028,8 @@
             </p:nvSpPr>
             <p:spPr>
               <a:xfrm>
-                <a:off x="4418312" y="4723013"/>
-                <a:ext cx="595035" cy="307777"/>
+                <a:off x="4382277" y="4723013"/>
+                <a:ext cx="667106" cy="307777"/>
               </a:xfrm>
               <a:prstGeom prst="rect">
                 <a:avLst/>
@@ -33941,11 +34045,7 @@
                 <a:pPr algn="ctr"/>
                 <a:r>
                   <a:rPr lang="en-GB" sz="1400" dirty="0"/>
-                  <a:t>d</a:t>
-                </a:r>
-                <a:r>
-                  <a:rPr lang="en-GB" sz="1400" dirty="0" smtClean="0"/>
-                  <a:t>im Y</a:t>
+                  <a:t>Height</a:t>
                 </a:r>
                 <a:endParaRPr lang="en-GB" sz="1400" dirty="0"/>
               </a:p>
@@ -33989,41 +34089,6 @@
               </a:fontRef>
             </p:style>
           </p:cxnSp>
-          <p:sp>
-            <p:nvSpPr>
-              <p:cNvPr id="216" name="ZoneTexte 215"/>
-              <p:cNvSpPr txBox="1"/>
-              <p:nvPr/>
-            </p:nvSpPr>
-            <p:spPr>
-              <a:xfrm>
-                <a:off x="4830876" y="3744452"/>
-                <a:ext cx="595035" cy="307777"/>
-              </a:xfrm>
-              <a:prstGeom prst="rect">
-                <a:avLst/>
-              </a:prstGeom>
-              <a:noFill/>
-            </p:spPr>
-            <p:txBody>
-              <a:bodyPr wrap="none" rtlCol="0">
-                <a:spAutoFit/>
-              </a:bodyPr>
-              <a:lstStyle/>
-              <a:p>
-                <a:pPr algn="ctr"/>
-                <a:r>
-                  <a:rPr lang="en-GB" sz="1400" dirty="0"/>
-                  <a:t>d</a:t>
-                </a:r>
-                <a:r>
-                  <a:rPr lang="en-GB" sz="1400" dirty="0" smtClean="0"/>
-                  <a:t>im Z</a:t>
-                </a:r>
-                <a:endParaRPr lang="en-GB" sz="1400" dirty="0"/>
-              </a:p>
-            </p:txBody>
-          </p:sp>
           <p:cxnSp>
             <p:nvCxnSpPr>
               <p:cNvPr id="218" name="Connecteur droit 217"/>
@@ -34070,8 +34135,8 @@
             </p:nvSpPr>
             <p:spPr>
               <a:xfrm>
-                <a:off x="6364945" y="5569049"/>
-                <a:ext cx="597389" cy="307777"/>
+                <a:off x="6345283" y="5569049"/>
+                <a:ext cx="636713" cy="307777"/>
               </a:xfrm>
               <a:prstGeom prst="rect">
                 <a:avLst/>
@@ -34087,11 +34152,7 @@
                 <a:pPr algn="ctr"/>
                 <a:r>
                   <a:rPr lang="en-GB" sz="1400" dirty="0"/>
-                  <a:t>d</a:t>
-                </a:r>
-                <a:r>
-                  <a:rPr lang="en-GB" sz="1400" dirty="0" smtClean="0"/>
-                  <a:t>im X</a:t>
+                  <a:t>Width</a:t>
                 </a:r>
               </a:p>
             </p:txBody>
@@ -34212,10 +34273,10 @@
         </p:nvGrpSpPr>
         <p:grpSpPr>
           <a:xfrm>
-            <a:off x="-36181" y="1320439"/>
-            <a:ext cx="4940363" cy="5105137"/>
-            <a:chOff x="-36181" y="1320439"/>
-            <a:chExt cx="4940363" cy="5105137"/>
+            <a:off x="-72215" y="1320439"/>
+            <a:ext cx="4976397" cy="5105137"/>
+            <a:chOff x="-72215" y="1320439"/>
+            <a:chExt cx="4976397" cy="5105137"/>
           </a:xfrm>
         </p:grpSpPr>
         <p:grpSp>
@@ -34895,7 +34956,7 @@
               </p:blipFill>
               <p:spPr>
                 <a:xfrm>
-                  <a:off x="2011264" y="2728583"/>
+                  <a:off x="1612941" y="2591924"/>
                   <a:ext cx="101600" cy="101600"/>
                 </a:xfrm>
                 <a:prstGeom prst="rect">
@@ -36534,7 +36595,7 @@
             </p:blipFill>
             <p:spPr>
               <a:xfrm>
-                <a:off x="1155808" y="4090342"/>
+                <a:off x="984127" y="4093302"/>
                 <a:ext cx="139700" cy="101600"/>
               </a:xfrm>
               <a:prstGeom prst="rect">
@@ -36912,10 +36973,10 @@
           </p:nvGrpSpPr>
           <p:grpSpPr>
             <a:xfrm>
-              <a:off x="-36181" y="3740884"/>
-              <a:ext cx="4471497" cy="2684692"/>
-              <a:chOff x="-36181" y="3740884"/>
-              <a:chExt cx="4471497" cy="2684692"/>
+              <a:off x="-72215" y="3502149"/>
+              <a:ext cx="4507531" cy="2923427"/>
+              <a:chOff x="-72215" y="3502149"/>
+              <a:chExt cx="4507531" cy="2923427"/>
             </a:xfrm>
           </p:grpSpPr>
           <p:cxnSp>
@@ -36964,8 +37025,8 @@
             </p:nvSpPr>
             <p:spPr>
               <a:xfrm>
-                <a:off x="-36181" y="4721477"/>
-                <a:ext cx="595035" cy="307777"/>
+                <a:off x="-72215" y="4721477"/>
+                <a:ext cx="667106" cy="307777"/>
               </a:xfrm>
               <a:prstGeom prst="rect">
                 <a:avLst/>
@@ -36980,12 +37041,8 @@
               <a:p>
                 <a:pPr algn="ctr"/>
                 <a:r>
-                  <a:rPr lang="en-GB" sz="1400" dirty="0"/>
-                  <a:t>d</a:t>
-                </a:r>
-                <a:r>
                   <a:rPr lang="en-GB" sz="1400" dirty="0" smtClean="0"/>
-                  <a:t>im Y</a:t>
+                  <a:t>Height</a:t>
                 </a:r>
                 <a:endParaRPr lang="en-GB" sz="1400" dirty="0"/>
               </a:p>
@@ -37037,8 +37094,8 @@
             </p:nvSpPr>
             <p:spPr>
               <a:xfrm>
-                <a:off x="376383" y="3742916"/>
-                <a:ext cx="595035" cy="307777"/>
+                <a:off x="30254" y="3502149"/>
+                <a:ext cx="973343" cy="523220"/>
               </a:xfrm>
               <a:prstGeom prst="rect">
                 <a:avLst/>
@@ -37053,12 +37110,15 @@
               <a:p>
                 <a:pPr algn="ctr"/>
                 <a:r>
-                  <a:rPr lang="en-GB" sz="1400" dirty="0"/>
-                  <a:t>d</a:t>
+                  <a:rPr lang="en-GB" sz="1400" dirty="0" smtClean="0"/>
+                  <a:t>Number of</a:t>
                 </a:r>
+              </a:p>
+              <a:p>
+                <a:pPr algn="ctr"/>
                 <a:r>
                   <a:rPr lang="en-GB" sz="1400" dirty="0" smtClean="0"/>
-                  <a:t>im Z</a:t>
+                  <a:t> frames</a:t>
                 </a:r>
                 <a:endParaRPr lang="en-GB" sz="1400" dirty="0"/>
               </a:p>
@@ -37110,8 +37170,8 @@
             </p:nvSpPr>
             <p:spPr>
               <a:xfrm>
-                <a:off x="1930720" y="5571041"/>
-                <a:ext cx="597389" cy="307777"/>
+                <a:off x="1911057" y="5571041"/>
+                <a:ext cx="636714" cy="307777"/>
               </a:xfrm>
               <a:prstGeom prst="rect">
                 <a:avLst/>
@@ -37127,12 +37187,13 @@
                 <a:pPr algn="ctr"/>
                 <a:r>
                   <a:rPr lang="en-GB" sz="1400" dirty="0"/>
-                  <a:t>d</a:t>
+                  <a:t>W</a:t>
                 </a:r>
                 <a:r>
                   <a:rPr lang="en-GB" sz="1400" dirty="0" smtClean="0"/>
-                  <a:t>im X</a:t>
+                  <a:t>idth</a:t>
                 </a:r>
+                <a:endParaRPr lang="en-GB" sz="1400" dirty="0" smtClean="0"/>
               </a:p>
             </p:txBody>
           </p:sp>
@@ -37244,6 +37305,230 @@
           </p:sp>
         </p:grpSp>
       </p:grpSp>
+      <p:sp>
+        <p:nvSpPr>
+          <p:cNvPr id="141" name="ZoneTexte 140"/>
+          <p:cNvSpPr txBox="1"/>
+          <p:nvPr/>
+        </p:nvSpPr>
+        <p:spPr>
+          <a:xfrm>
+            <a:off x="1099883" y="4242187"/>
+            <a:ext cx="305830" cy="215444"/>
+          </a:xfrm>
+          <a:prstGeom prst="rect">
+            <a:avLst/>
+          </a:prstGeom>
+          <a:noFill/>
+        </p:spPr>
+        <p:txBody>
+          <a:bodyPr wrap="square" rtlCol="0">
+            <a:spAutoFit/>
+          </a:bodyPr>
+          <a:lstStyle/>
+          <a:p>
+            <a:pPr algn="ctr"/>
+            <a:r>
+              <a:rPr lang="fr-FR" sz="800" dirty="0" smtClean="0"/>
+              <a:t>= j</a:t>
+            </a:r>
+            <a:endParaRPr lang="fr-FR" sz="800" dirty="0"/>
+          </a:p>
+        </p:txBody>
+      </p:sp>
+      <p:sp>
+        <p:nvSpPr>
+          <p:cNvPr id="142" name="ZoneTexte 141"/>
+          <p:cNvSpPr txBox="1"/>
+          <p:nvPr/>
+        </p:nvSpPr>
+        <p:spPr>
+          <a:xfrm>
+            <a:off x="618051" y="4305637"/>
+            <a:ext cx="294807" cy="215444"/>
+          </a:xfrm>
+          <a:prstGeom prst="rect">
+            <a:avLst/>
+          </a:prstGeom>
+          <a:noFill/>
+        </p:spPr>
+        <p:txBody>
+          <a:bodyPr wrap="square" rtlCol="0">
+            <a:spAutoFit/>
+          </a:bodyPr>
+          <a:lstStyle/>
+          <a:p>
+            <a:pPr algn="ctr"/>
+            <a:r>
+              <a:rPr lang="fr-FR" sz="800" dirty="0" smtClean="0"/>
+              <a:t>= i</a:t>
+            </a:r>
+            <a:endParaRPr lang="fr-FR" sz="800" dirty="0"/>
+          </a:p>
+        </p:txBody>
+      </p:sp>
+      <p:sp>
+        <p:nvSpPr>
+          <p:cNvPr id="144" name="ZoneTexte 143"/>
+          <p:cNvSpPr txBox="1"/>
+          <p:nvPr/>
+        </p:nvSpPr>
+        <p:spPr>
+          <a:xfrm>
+            <a:off x="922400" y="3916093"/>
+            <a:ext cx="305830" cy="215444"/>
+          </a:xfrm>
+          <a:prstGeom prst="rect">
+            <a:avLst/>
+          </a:prstGeom>
+          <a:noFill/>
+        </p:spPr>
+        <p:txBody>
+          <a:bodyPr wrap="square" rtlCol="0">
+            <a:spAutoFit/>
+          </a:bodyPr>
+          <a:lstStyle/>
+          <a:p>
+            <a:pPr algn="ctr"/>
+            <a:r>
+              <a:rPr lang="fr-FR" sz="800" dirty="0" smtClean="0"/>
+              <a:t>= k</a:t>
+            </a:r>
+            <a:endParaRPr lang="fr-FR" sz="800" dirty="0"/>
+          </a:p>
+        </p:txBody>
+      </p:sp>
+      <p:sp>
+        <p:nvSpPr>
+          <p:cNvPr id="154" name="ZoneTexte 153"/>
+          <p:cNvSpPr txBox="1"/>
+          <p:nvPr/>
+        </p:nvSpPr>
+        <p:spPr>
+          <a:xfrm>
+            <a:off x="4758295" y="3582145"/>
+            <a:ext cx="973343" cy="523220"/>
+          </a:xfrm>
+          <a:prstGeom prst="rect">
+            <a:avLst/>
+          </a:prstGeom>
+          <a:noFill/>
+        </p:spPr>
+        <p:txBody>
+          <a:bodyPr wrap="none" rtlCol="0">
+            <a:spAutoFit/>
+          </a:bodyPr>
+          <a:lstStyle/>
+          <a:p>
+            <a:pPr algn="ctr"/>
+            <a:r>
+              <a:rPr lang="en-GB" sz="1400" dirty="0" smtClean="0"/>
+              <a:t>Number of</a:t>
+            </a:r>
+          </a:p>
+          <a:p>
+            <a:pPr algn="ctr"/>
+            <a:r>
+              <a:rPr lang="en-GB" sz="1400" dirty="0" smtClean="0"/>
+              <a:t> frames</a:t>
+            </a:r>
+            <a:endParaRPr lang="en-GB" sz="1400" dirty="0"/>
+          </a:p>
+        </p:txBody>
+      </p:sp>
+      <p:sp>
+        <p:nvSpPr>
+          <p:cNvPr id="186" name="ZoneTexte 185"/>
+          <p:cNvSpPr txBox="1"/>
+          <p:nvPr/>
+        </p:nvSpPr>
+        <p:spPr>
+          <a:xfrm>
+            <a:off x="5708841" y="4237523"/>
+            <a:ext cx="305830" cy="215444"/>
+          </a:xfrm>
+          <a:prstGeom prst="rect">
+            <a:avLst/>
+          </a:prstGeom>
+          <a:noFill/>
+        </p:spPr>
+        <p:txBody>
+          <a:bodyPr wrap="square" rtlCol="0">
+            <a:spAutoFit/>
+          </a:bodyPr>
+          <a:lstStyle/>
+          <a:p>
+            <a:pPr algn="ctr"/>
+            <a:r>
+              <a:rPr lang="fr-FR" sz="800" dirty="0" smtClean="0"/>
+              <a:t>= j</a:t>
+            </a:r>
+            <a:endParaRPr lang="fr-FR" sz="800" dirty="0"/>
+          </a:p>
+        </p:txBody>
+      </p:sp>
+      <p:sp>
+        <p:nvSpPr>
+          <p:cNvPr id="187" name="ZoneTexte 186"/>
+          <p:cNvSpPr txBox="1"/>
+          <p:nvPr/>
+        </p:nvSpPr>
+        <p:spPr>
+          <a:xfrm>
+            <a:off x="5241818" y="4278790"/>
+            <a:ext cx="294807" cy="215444"/>
+          </a:xfrm>
+          <a:prstGeom prst="rect">
+            <a:avLst/>
+          </a:prstGeom>
+          <a:noFill/>
+        </p:spPr>
+        <p:txBody>
+          <a:bodyPr wrap="square" rtlCol="0">
+            <a:spAutoFit/>
+          </a:bodyPr>
+          <a:lstStyle/>
+          <a:p>
+            <a:pPr algn="ctr"/>
+            <a:r>
+              <a:rPr lang="fr-FR" sz="800" dirty="0" smtClean="0"/>
+              <a:t>= i</a:t>
+            </a:r>
+            <a:endParaRPr lang="fr-FR" sz="800" dirty="0"/>
+          </a:p>
+        </p:txBody>
+      </p:sp>
+      <p:sp>
+        <p:nvSpPr>
+          <p:cNvPr id="188" name="ZoneTexte 187"/>
+          <p:cNvSpPr txBox="1"/>
+          <p:nvPr/>
+        </p:nvSpPr>
+        <p:spPr>
+          <a:xfrm>
+            <a:off x="5539292" y="3952311"/>
+            <a:ext cx="305830" cy="215444"/>
+          </a:xfrm>
+          <a:prstGeom prst="rect">
+            <a:avLst/>
+          </a:prstGeom>
+          <a:noFill/>
+        </p:spPr>
+        <p:txBody>
+          <a:bodyPr wrap="square" rtlCol="0">
+            <a:spAutoFit/>
+          </a:bodyPr>
+          <a:lstStyle/>
+          <a:p>
+            <a:pPr algn="ctr"/>
+            <a:r>
+              <a:rPr lang="fr-FR" sz="800" dirty="0" smtClean="0"/>
+              <a:t>= k</a:t>
+            </a:r>
+            <a:endParaRPr lang="fr-FR" sz="800" dirty="0"/>
+          </a:p>
+        </p:txBody>
+      </p:sp>
     </p:spTree>
     <p:extLst>
       <p:ext uri="{BB962C8B-B14F-4D97-AF65-F5344CB8AC3E}">
@@ -37289,10 +37574,10 @@
         </p:nvGrpSpPr>
         <p:grpSpPr>
           <a:xfrm>
-            <a:off x="776703" y="1368000"/>
-            <a:ext cx="3938071" cy="4096704"/>
-            <a:chOff x="2885681" y="1388732"/>
-            <a:chExt cx="3938071" cy="4096704"/>
+            <a:off x="749484" y="1368000"/>
+            <a:ext cx="3965290" cy="4096704"/>
+            <a:chOff x="2858462" y="1388732"/>
+            <a:chExt cx="3965290" cy="4096704"/>
           </a:xfrm>
         </p:grpSpPr>
         <p:sp>
@@ -39288,8 +39573,8 @@
           </p:nvSpPr>
           <p:spPr>
             <a:xfrm rot="2149157">
-              <a:off x="3946590" y="4771123"/>
-              <a:ext cx="597389" cy="307777"/>
+              <a:off x="3942958" y="4771123"/>
+              <a:ext cx="604653" cy="307777"/>
             </a:xfrm>
             <a:prstGeom prst="rect">
               <a:avLst/>
@@ -39304,12 +39589,8 @@
             <a:p>
               <a:pPr algn="ctr"/>
               <a:r>
-                <a:rPr lang="en-GB" sz="1400" dirty="0"/>
-                <a:t>d</a:t>
-              </a:r>
-              <a:r>
                 <a:rPr lang="en-GB" sz="1400" dirty="0" smtClean="0"/>
-                <a:t>im X</a:t>
+                <a:t>width</a:t>
               </a:r>
               <a:endParaRPr lang="en-GB" sz="1400" dirty="0"/>
             </a:p>
@@ -39323,8 +39604,8 @@
           </p:nvSpPr>
           <p:spPr>
             <a:xfrm rot="19879785">
-              <a:off x="5035799" y="4789078"/>
-              <a:ext cx="595035" cy="307777"/>
+              <a:off x="4649168" y="4805455"/>
+              <a:ext cx="1426288" cy="523220"/>
             </a:xfrm>
             <a:prstGeom prst="rect">
               <a:avLst/>
@@ -39339,12 +39620,19 @@
             <a:p>
               <a:pPr algn="ctr"/>
               <a:r>
-                <a:rPr lang="en-GB" sz="1400" dirty="0"/>
-                <a:t>d</a:t>
+                <a:rPr lang="en-GB" sz="1400" dirty="0" smtClean="0"/>
+                <a:t>number </a:t>
               </a:r>
               <a:r>
-                <a:rPr lang="en-GB" sz="1400" dirty="0" smtClean="0"/>
-                <a:t>im Z</a:t>
+                <a:rPr lang="en-GB" sz="1400" dirty="0"/>
+                <a:t>of </a:t>
+              </a:r>
+            </a:p>
+            <a:p>
+              <a:pPr algn="ctr"/>
+              <a:r>
+                <a:rPr lang="en-GB" sz="1400" dirty="0"/>
+                <a:t>post-scan frames</a:t>
               </a:r>
               <a:endParaRPr lang="en-GB" sz="1400" dirty="0"/>
             </a:p>
@@ -39471,8 +39759,8 @@
           </p:nvSpPr>
           <p:spPr>
             <a:xfrm>
-              <a:off x="2885681" y="3434972"/>
-              <a:ext cx="595035" cy="307777"/>
+              <a:off x="2858462" y="3434972"/>
+              <a:ext cx="649473" cy="307777"/>
             </a:xfrm>
             <a:prstGeom prst="rect">
               <a:avLst/>
@@ -39487,12 +39775,8 @@
             <a:p>
               <a:pPr algn="ctr"/>
               <a:r>
-                <a:rPr lang="en-GB" sz="1400" dirty="0"/>
-                <a:t>d</a:t>
-              </a:r>
-              <a:r>
                 <a:rPr lang="en-GB" sz="1400" dirty="0" smtClean="0"/>
-                <a:t>im Y</a:t>
+                <a:t>height</a:t>
               </a:r>
               <a:endParaRPr lang="en-GB" sz="1400" dirty="0"/>
             </a:p>
@@ -39623,10 +39907,10 @@
         </p:nvGrpSpPr>
         <p:grpSpPr>
           <a:xfrm>
-            <a:off x="4823151" y="1368000"/>
-            <a:ext cx="3380730" cy="4096704"/>
-            <a:chOff x="2885681" y="1388732"/>
-            <a:chExt cx="3380730" cy="4096704"/>
+            <a:off x="4795932" y="1368000"/>
+            <a:ext cx="3407949" cy="4096704"/>
+            <a:chOff x="2858462" y="1388732"/>
+            <a:chExt cx="3407949" cy="4096704"/>
           </a:xfrm>
         </p:grpSpPr>
         <p:sp>
@@ -41314,8 +41598,39 @@
           </p:nvSpPr>
           <p:spPr>
             <a:xfrm rot="2149157">
-              <a:off x="3946590" y="4771123"/>
-              <a:ext cx="597389" cy="307777"/>
+              <a:off x="3942958" y="4771123"/>
+              <a:ext cx="604653" cy="307777"/>
+            </a:xfrm>
+            <a:prstGeom prst="rect">
+              <a:avLst/>
+            </a:prstGeom>
+            <a:noFill/>
+          </p:spPr>
+          <p:txBody>
+            <a:bodyPr wrap="none" rtlCol="0">
+              <a:spAutoFit/>
+            </a:bodyPr>
+            <a:lstStyle/>
+            <a:p>
+              <a:pPr algn="ctr"/>
+              <a:r>
+                <a:rPr lang="en-GB" sz="1400" dirty="0" smtClean="0"/>
+                <a:t>width</a:t>
+              </a:r>
+              <a:endParaRPr lang="en-GB" sz="1400" dirty="0"/>
+            </a:p>
+          </p:txBody>
+        </p:sp>
+        <p:sp>
+          <p:nvSpPr>
+            <p:cNvPr id="241" name="ZoneTexte 240"/>
+            <p:cNvSpPr txBox="1"/>
+            <p:nvPr/>
+          </p:nvSpPr>
+          <p:spPr>
+            <a:xfrm rot="19879785">
+              <a:off x="4649170" y="4817242"/>
+              <a:ext cx="1426288" cy="523220"/>
             </a:xfrm>
             <a:prstGeom prst="rect">
               <a:avLst/>
@@ -41331,46 +41646,22 @@
               <a:pPr algn="ctr"/>
               <a:r>
                 <a:rPr lang="en-GB" sz="1400" dirty="0"/>
-                <a:t>d</a:t>
+                <a:t>n</a:t>
               </a:r>
               <a:r>
                 <a:rPr lang="en-GB" sz="1400" dirty="0" smtClean="0"/>
-                <a:t>im X</a:t>
+                <a:t>umber of </a:t>
               </a:r>
-              <a:endParaRPr lang="en-GB" sz="1400" dirty="0"/>
             </a:p>
-          </p:txBody>
-        </p:sp>
-        <p:sp>
-          <p:nvSpPr>
-            <p:cNvPr id="241" name="ZoneTexte 240"/>
-            <p:cNvSpPr txBox="1"/>
-            <p:nvPr/>
-          </p:nvSpPr>
-          <p:spPr>
-            <a:xfrm rot="19879785">
-              <a:off x="5035799" y="4789078"/>
-              <a:ext cx="595035" cy="307777"/>
-            </a:xfrm>
-            <a:prstGeom prst="rect">
-              <a:avLst/>
-            </a:prstGeom>
-            <a:noFill/>
-          </p:spPr>
-          <p:txBody>
-            <a:bodyPr wrap="none" rtlCol="0">
-              <a:spAutoFit/>
-            </a:bodyPr>
-            <a:lstStyle/>
             <a:p>
               <a:pPr algn="ctr"/>
               <a:r>
-                <a:rPr lang="en-GB" sz="1400" dirty="0"/>
-                <a:t>d</a:t>
+                <a:rPr lang="en-GB" sz="1400" dirty="0" smtClean="0"/>
+                <a:t>pos</a:t>
               </a:r>
               <a:r>
                 <a:rPr lang="en-GB" sz="1400" dirty="0" smtClean="0"/>
-                <a:t>im Z</a:t>
+                <a:t>t-scan frames</a:t>
               </a:r>
               <a:endParaRPr lang="en-GB" sz="1400" dirty="0"/>
             </a:p>
@@ -41497,8 +41788,8 @@
           </p:nvSpPr>
           <p:spPr>
             <a:xfrm>
-              <a:off x="2885681" y="3434972"/>
-              <a:ext cx="595035" cy="307777"/>
+              <a:off x="2858462" y="3434972"/>
+              <a:ext cx="649473" cy="307777"/>
             </a:xfrm>
             <a:prstGeom prst="rect">
               <a:avLst/>
@@ -41513,12 +41804,8 @@
             <a:p>
               <a:pPr algn="ctr"/>
               <a:r>
-                <a:rPr lang="en-GB" sz="1400"/>
-                <a:t>d</a:t>
-              </a:r>
-              <a:r>
-                <a:rPr lang="en-GB" sz="1400" smtClean="0"/>
-                <a:t>im Y</a:t>
+                <a:rPr lang="en-GB" sz="1400" dirty="0" smtClean="0"/>
+                <a:t>height</a:t>
               </a:r>
               <a:endParaRPr lang="en-GB" sz="1400" dirty="0"/>
             </a:p>
@@ -41641,6 +41928,594 @@
           </p:txBody>
         </p:sp>
       </p:grpSp>
+      <p:cxnSp>
+        <p:nvCxnSpPr>
+          <p:cNvPr id="109" name="Connecteur droit avec flèche 108"/>
+          <p:cNvCxnSpPr/>
+          <p:nvPr/>
+        </p:nvCxnSpPr>
+        <p:spPr>
+          <a:xfrm>
+            <a:off x="5604859" y="2854394"/>
+            <a:ext cx="202080" cy="166705"/>
+          </a:xfrm>
+          <a:prstGeom prst="straightConnector1">
+            <a:avLst/>
+          </a:prstGeom>
+          <a:ln w="22225">
+            <a:solidFill>
+              <a:schemeClr val="tx1"/>
+            </a:solidFill>
+            <a:tailEnd type="triangle"/>
+          </a:ln>
+          <a:effectLst/>
+        </p:spPr>
+        <p:style>
+          <a:lnRef idx="2">
+            <a:schemeClr val="accent1"/>
+          </a:lnRef>
+          <a:fillRef idx="0">
+            <a:schemeClr val="accent1"/>
+          </a:fillRef>
+          <a:effectRef idx="1">
+            <a:schemeClr val="accent1"/>
+          </a:effectRef>
+          <a:fontRef idx="minor">
+            <a:schemeClr val="tx1"/>
+          </a:fontRef>
+        </p:style>
+      </p:cxnSp>
+      <p:cxnSp>
+        <p:nvCxnSpPr>
+          <p:cNvPr id="111" name="Connecteur droit avec flèche 110"/>
+          <p:cNvCxnSpPr/>
+          <p:nvPr/>
+        </p:nvCxnSpPr>
+        <p:spPr>
+          <a:xfrm>
+            <a:off x="5612197" y="2868422"/>
+            <a:ext cx="0" cy="288000"/>
+          </a:xfrm>
+          <a:prstGeom prst="straightConnector1">
+            <a:avLst/>
+          </a:prstGeom>
+          <a:ln w="22225">
+            <a:solidFill>
+              <a:schemeClr val="tx1"/>
+            </a:solidFill>
+            <a:tailEnd type="triangle"/>
+          </a:ln>
+          <a:effectLst/>
+        </p:spPr>
+        <p:style>
+          <a:lnRef idx="2">
+            <a:schemeClr val="accent1"/>
+          </a:lnRef>
+          <a:fillRef idx="0">
+            <a:schemeClr val="accent1"/>
+          </a:fillRef>
+          <a:effectRef idx="1">
+            <a:schemeClr val="accent1"/>
+          </a:effectRef>
+          <a:fontRef idx="minor">
+            <a:schemeClr val="tx1"/>
+          </a:fontRef>
+        </p:style>
+      </p:cxnSp>
+      <p:cxnSp>
+        <p:nvCxnSpPr>
+          <p:cNvPr id="112" name="Connecteur droit avec flèche 111"/>
+          <p:cNvCxnSpPr/>
+          <p:nvPr/>
+        </p:nvCxnSpPr>
+        <p:spPr>
+          <a:xfrm flipV="1">
+            <a:off x="5612197" y="2757403"/>
+            <a:ext cx="234345" cy="101064"/>
+          </a:xfrm>
+          <a:prstGeom prst="straightConnector1">
+            <a:avLst/>
+          </a:prstGeom>
+          <a:ln w="22225">
+            <a:solidFill>
+              <a:schemeClr val="tx1"/>
+            </a:solidFill>
+            <a:tailEnd type="triangle"/>
+          </a:ln>
+          <a:effectLst/>
+        </p:spPr>
+        <p:style>
+          <a:lnRef idx="2">
+            <a:schemeClr val="accent1"/>
+          </a:lnRef>
+          <a:fillRef idx="0">
+            <a:schemeClr val="accent1"/>
+          </a:fillRef>
+          <a:effectRef idx="1">
+            <a:schemeClr val="accent1"/>
+          </a:effectRef>
+          <a:fontRef idx="minor">
+            <a:schemeClr val="tx1"/>
+          </a:fontRef>
+        </p:style>
+      </p:cxnSp>
+      <p:cxnSp>
+        <p:nvCxnSpPr>
+          <p:cNvPr id="119" name="Connecteur droit avec flèche 118"/>
+          <p:cNvCxnSpPr/>
+          <p:nvPr/>
+        </p:nvCxnSpPr>
+        <p:spPr>
+          <a:xfrm>
+            <a:off x="1560116" y="2859592"/>
+            <a:ext cx="202080" cy="166705"/>
+          </a:xfrm>
+          <a:prstGeom prst="straightConnector1">
+            <a:avLst/>
+          </a:prstGeom>
+          <a:ln w="22225">
+            <a:solidFill>
+              <a:schemeClr val="tx1"/>
+            </a:solidFill>
+            <a:tailEnd type="triangle"/>
+          </a:ln>
+          <a:effectLst/>
+        </p:spPr>
+        <p:style>
+          <a:lnRef idx="2">
+            <a:schemeClr val="accent1"/>
+          </a:lnRef>
+          <a:fillRef idx="0">
+            <a:schemeClr val="accent1"/>
+          </a:fillRef>
+          <a:effectRef idx="1">
+            <a:schemeClr val="accent1"/>
+          </a:effectRef>
+          <a:fontRef idx="minor">
+            <a:schemeClr val="tx1"/>
+          </a:fontRef>
+        </p:style>
+      </p:cxnSp>
+      <p:cxnSp>
+        <p:nvCxnSpPr>
+          <p:cNvPr id="121" name="Connecteur droit avec flèche 120"/>
+          <p:cNvCxnSpPr/>
+          <p:nvPr/>
+        </p:nvCxnSpPr>
+        <p:spPr>
+          <a:xfrm>
+            <a:off x="1562576" y="2859592"/>
+            <a:ext cx="0" cy="288000"/>
+          </a:xfrm>
+          <a:prstGeom prst="straightConnector1">
+            <a:avLst/>
+          </a:prstGeom>
+          <a:ln w="22225">
+            <a:solidFill>
+              <a:schemeClr val="tx1"/>
+            </a:solidFill>
+            <a:tailEnd type="triangle"/>
+          </a:ln>
+          <a:effectLst/>
+        </p:spPr>
+        <p:style>
+          <a:lnRef idx="2">
+            <a:schemeClr val="accent1"/>
+          </a:lnRef>
+          <a:fillRef idx="0">
+            <a:schemeClr val="accent1"/>
+          </a:fillRef>
+          <a:effectRef idx="1">
+            <a:schemeClr val="accent1"/>
+          </a:effectRef>
+          <a:fontRef idx="minor">
+            <a:schemeClr val="tx1"/>
+          </a:fontRef>
+        </p:style>
+      </p:cxnSp>
+      <p:cxnSp>
+        <p:nvCxnSpPr>
+          <p:cNvPr id="128" name="Connecteur droit avec flèche 127"/>
+          <p:cNvCxnSpPr/>
+          <p:nvPr/>
+        </p:nvCxnSpPr>
+        <p:spPr>
+          <a:xfrm flipV="1">
+            <a:off x="1554642" y="2772833"/>
+            <a:ext cx="207554" cy="92234"/>
+          </a:xfrm>
+          <a:prstGeom prst="straightConnector1">
+            <a:avLst/>
+          </a:prstGeom>
+          <a:ln w="22225">
+            <a:solidFill>
+              <a:schemeClr val="tx1"/>
+            </a:solidFill>
+            <a:tailEnd type="triangle"/>
+          </a:ln>
+          <a:effectLst/>
+        </p:spPr>
+        <p:style>
+          <a:lnRef idx="2">
+            <a:schemeClr val="accent1"/>
+          </a:lnRef>
+          <a:fillRef idx="0">
+            <a:schemeClr val="accent1"/>
+          </a:fillRef>
+          <a:effectRef idx="1">
+            <a:schemeClr val="accent1"/>
+          </a:effectRef>
+          <a:fontRef idx="minor">
+            <a:schemeClr val="tx1"/>
+          </a:fontRef>
+        </p:style>
+      </p:cxnSp>
+      <p:sp>
+        <p:nvSpPr>
+          <p:cNvPr id="129" name="ZoneTexte 128"/>
+          <p:cNvSpPr txBox="1"/>
+          <p:nvPr/>
+        </p:nvSpPr>
+        <p:spPr>
+          <a:xfrm>
+            <a:off x="5864868" y="2871377"/>
+            <a:ext cx="305830" cy="215444"/>
+          </a:xfrm>
+          <a:prstGeom prst="rect">
+            <a:avLst/>
+          </a:prstGeom>
+          <a:noFill/>
+        </p:spPr>
+        <p:txBody>
+          <a:bodyPr wrap="square" rtlCol="0">
+            <a:spAutoFit/>
+          </a:bodyPr>
+          <a:lstStyle/>
+          <a:p>
+            <a:pPr algn="ctr"/>
+            <a:r>
+              <a:rPr lang="fr-FR" sz="800" dirty="0" smtClean="0"/>
+              <a:t>= j</a:t>
+            </a:r>
+            <a:endParaRPr lang="fr-FR" sz="800" dirty="0"/>
+          </a:p>
+        </p:txBody>
+      </p:sp>
+      <p:sp>
+        <p:nvSpPr>
+          <p:cNvPr id="130" name="ZoneTexte 129"/>
+          <p:cNvSpPr txBox="1"/>
+          <p:nvPr/>
+        </p:nvSpPr>
+        <p:spPr>
+          <a:xfrm>
+            <a:off x="5541657" y="3077745"/>
+            <a:ext cx="294807" cy="215444"/>
+          </a:xfrm>
+          <a:prstGeom prst="rect">
+            <a:avLst/>
+          </a:prstGeom>
+          <a:noFill/>
+        </p:spPr>
+        <p:txBody>
+          <a:bodyPr wrap="square" rtlCol="0">
+            <a:spAutoFit/>
+          </a:bodyPr>
+          <a:lstStyle/>
+          <a:p>
+            <a:pPr algn="ctr"/>
+            <a:r>
+              <a:rPr lang="fr-FR" sz="800" dirty="0" smtClean="0"/>
+              <a:t>= i</a:t>
+            </a:r>
+            <a:endParaRPr lang="fr-FR" sz="800" dirty="0"/>
+          </a:p>
+        </p:txBody>
+      </p:sp>
+      <p:sp>
+        <p:nvSpPr>
+          <p:cNvPr id="131" name="ZoneTexte 130"/>
+          <p:cNvSpPr txBox="1"/>
+          <p:nvPr/>
+        </p:nvSpPr>
+        <p:spPr>
+          <a:xfrm>
+            <a:off x="5576455" y="2541959"/>
+            <a:ext cx="305830" cy="215444"/>
+          </a:xfrm>
+          <a:prstGeom prst="rect">
+            <a:avLst/>
+          </a:prstGeom>
+          <a:noFill/>
+        </p:spPr>
+        <p:txBody>
+          <a:bodyPr wrap="square" rtlCol="0">
+            <a:spAutoFit/>
+          </a:bodyPr>
+          <a:lstStyle/>
+          <a:p>
+            <a:pPr algn="ctr"/>
+            <a:r>
+              <a:rPr lang="fr-FR" sz="800" dirty="0" smtClean="0"/>
+              <a:t>= k</a:t>
+            </a:r>
+            <a:endParaRPr lang="fr-FR" sz="800" dirty="0"/>
+          </a:p>
+        </p:txBody>
+      </p:sp>
+      <p:sp>
+        <p:nvSpPr>
+          <p:cNvPr id="132" name="ZoneTexte 131"/>
+          <p:cNvSpPr txBox="1"/>
+          <p:nvPr/>
+        </p:nvSpPr>
+        <p:spPr>
+          <a:xfrm>
+            <a:off x="1818420" y="2854394"/>
+            <a:ext cx="305830" cy="215444"/>
+          </a:xfrm>
+          <a:prstGeom prst="rect">
+            <a:avLst/>
+          </a:prstGeom>
+          <a:noFill/>
+        </p:spPr>
+        <p:txBody>
+          <a:bodyPr wrap="square" rtlCol="0">
+            <a:spAutoFit/>
+          </a:bodyPr>
+          <a:lstStyle/>
+          <a:p>
+            <a:pPr algn="ctr"/>
+            <a:r>
+              <a:rPr lang="fr-FR" sz="800" dirty="0" smtClean="0"/>
+              <a:t>= j</a:t>
+            </a:r>
+            <a:endParaRPr lang="fr-FR" sz="800" dirty="0"/>
+          </a:p>
+        </p:txBody>
+      </p:sp>
+      <p:sp>
+        <p:nvSpPr>
+          <p:cNvPr id="133" name="ZoneTexte 132"/>
+          <p:cNvSpPr txBox="1"/>
+          <p:nvPr/>
+        </p:nvSpPr>
+        <p:spPr>
+          <a:xfrm>
+            <a:off x="1495209" y="3060762"/>
+            <a:ext cx="294807" cy="215444"/>
+          </a:xfrm>
+          <a:prstGeom prst="rect">
+            <a:avLst/>
+          </a:prstGeom>
+          <a:noFill/>
+        </p:spPr>
+        <p:txBody>
+          <a:bodyPr wrap="square" rtlCol="0">
+            <a:spAutoFit/>
+          </a:bodyPr>
+          <a:lstStyle/>
+          <a:p>
+            <a:pPr algn="ctr"/>
+            <a:r>
+              <a:rPr lang="fr-FR" sz="800" dirty="0" smtClean="0"/>
+              <a:t>= i</a:t>
+            </a:r>
+            <a:endParaRPr lang="fr-FR" sz="800" dirty="0"/>
+          </a:p>
+        </p:txBody>
+      </p:sp>
+      <p:sp>
+        <p:nvSpPr>
+          <p:cNvPr id="134" name="ZoneTexte 133"/>
+          <p:cNvSpPr txBox="1"/>
+          <p:nvPr/>
+        </p:nvSpPr>
+        <p:spPr>
+          <a:xfrm>
+            <a:off x="1530007" y="2524976"/>
+            <a:ext cx="305830" cy="215444"/>
+          </a:xfrm>
+          <a:prstGeom prst="rect">
+            <a:avLst/>
+          </a:prstGeom>
+          <a:noFill/>
+        </p:spPr>
+        <p:txBody>
+          <a:bodyPr wrap="square" rtlCol="0">
+            <a:spAutoFit/>
+          </a:bodyPr>
+          <a:lstStyle/>
+          <a:p>
+            <a:pPr algn="ctr"/>
+            <a:r>
+              <a:rPr lang="fr-FR" sz="800" dirty="0" smtClean="0"/>
+              <a:t>= k</a:t>
+            </a:r>
+            <a:endParaRPr lang="fr-FR" sz="800" dirty="0"/>
+          </a:p>
+        </p:txBody>
+      </p:sp>
+      <p:pic>
+        <p:nvPicPr>
+          <p:cNvPr id="135" name="Image 134" descr="latex-image-1.pdf"/>
+          <p:cNvPicPr>
+            <a:picLocks noChangeAspect="1"/>
+          </p:cNvPicPr>
+          <p:nvPr/>
+        </p:nvPicPr>
+        <p:blipFill>
+          <a:blip r:embed="rId5">
+            <a:extLst>
+              <a:ext uri="{28A0092B-C50C-407E-A947-70E740481C1C}">
+                <a14:useLocalDpi xmlns:a14="http://schemas.microsoft.com/office/drawing/2010/main" val="0"/>
+              </a:ext>
+            </a:extLst>
+          </a:blip>
+          <a:stretch>
+            <a:fillRect/>
+          </a:stretch>
+        </p:blipFill>
+        <p:spPr>
+          <a:xfrm>
+            <a:off x="1778687" y="2909341"/>
+            <a:ext cx="114300" cy="101600"/>
+          </a:xfrm>
+          <a:prstGeom prst="rect">
+            <a:avLst/>
+          </a:prstGeom>
+        </p:spPr>
+      </p:pic>
+      <p:pic>
+        <p:nvPicPr>
+          <p:cNvPr id="136" name="Image 135" descr="latex-image-1.pdf"/>
+          <p:cNvPicPr>
+            <a:picLocks noChangeAspect="1"/>
+          </p:cNvPicPr>
+          <p:nvPr/>
+        </p:nvPicPr>
+        <p:blipFill>
+          <a:blip r:embed="rId6">
+            <a:extLst>
+              <a:ext uri="{28A0092B-C50C-407E-A947-70E740481C1C}">
+                <a14:useLocalDpi xmlns:a14="http://schemas.microsoft.com/office/drawing/2010/main" val="0"/>
+              </a:ext>
+            </a:extLst>
+          </a:blip>
+          <a:stretch>
+            <a:fillRect/>
+          </a:stretch>
+        </p:blipFill>
+        <p:spPr>
+          <a:xfrm>
+            <a:off x="1444409" y="3120977"/>
+            <a:ext cx="101600" cy="101600"/>
+          </a:xfrm>
+          <a:prstGeom prst="rect">
+            <a:avLst/>
+          </a:prstGeom>
+        </p:spPr>
+      </p:pic>
+      <p:pic>
+        <p:nvPicPr>
+          <p:cNvPr id="137" name="Image 136" descr="latex-image-1.pdf"/>
+          <p:cNvPicPr>
+            <a:picLocks noChangeAspect="1"/>
+          </p:cNvPicPr>
+          <p:nvPr/>
+        </p:nvPicPr>
+        <p:blipFill>
+          <a:blip r:embed="rId7">
+            <a:extLst>
+              <a:ext uri="{28A0092B-C50C-407E-A947-70E740481C1C}">
+                <a14:useLocalDpi xmlns:a14="http://schemas.microsoft.com/office/drawing/2010/main" val="0"/>
+              </a:ext>
+            </a:extLst>
+          </a:blip>
+          <a:stretch>
+            <a:fillRect/>
+          </a:stretch>
+        </p:blipFill>
+        <p:spPr>
+          <a:xfrm>
+            <a:off x="1471813" y="2577841"/>
+            <a:ext cx="139700" cy="101600"/>
+          </a:xfrm>
+          <a:prstGeom prst="rect">
+            <a:avLst/>
+          </a:prstGeom>
+        </p:spPr>
+      </p:pic>
+      <p:pic>
+        <p:nvPicPr>
+          <p:cNvPr id="138" name="Image 137" descr="latex-image-1.pdf"/>
+          <p:cNvPicPr>
+            <a:picLocks noChangeAspect="1"/>
+          </p:cNvPicPr>
+          <p:nvPr/>
+        </p:nvPicPr>
+        <p:blipFill>
+          <a:blip r:embed="rId5">
+            <a:extLst>
+              <a:ext uri="{28A0092B-C50C-407E-A947-70E740481C1C}">
+                <a14:useLocalDpi xmlns:a14="http://schemas.microsoft.com/office/drawing/2010/main" val="0"/>
+              </a:ext>
+            </a:extLst>
+          </a:blip>
+          <a:stretch>
+            <a:fillRect/>
+          </a:stretch>
+        </p:blipFill>
+        <p:spPr>
+          <a:xfrm>
+            <a:off x="5825135" y="2919499"/>
+            <a:ext cx="114300" cy="101600"/>
+          </a:xfrm>
+          <a:prstGeom prst="rect">
+            <a:avLst/>
+          </a:prstGeom>
+        </p:spPr>
+      </p:pic>
+      <p:pic>
+        <p:nvPicPr>
+          <p:cNvPr id="139" name="Image 138" descr="latex-image-1.pdf"/>
+          <p:cNvPicPr>
+            <a:picLocks noChangeAspect="1"/>
+          </p:cNvPicPr>
+          <p:nvPr/>
+        </p:nvPicPr>
+        <p:blipFill>
+          <a:blip r:embed="rId6">
+            <a:extLst>
+              <a:ext uri="{28A0092B-C50C-407E-A947-70E740481C1C}">
+                <a14:useLocalDpi xmlns:a14="http://schemas.microsoft.com/office/drawing/2010/main" val="0"/>
+              </a:ext>
+            </a:extLst>
+          </a:blip>
+          <a:stretch>
+            <a:fillRect/>
+          </a:stretch>
+        </p:blipFill>
+        <p:spPr>
+          <a:xfrm>
+            <a:off x="5490857" y="3131135"/>
+            <a:ext cx="101600" cy="101600"/>
+          </a:xfrm>
+          <a:prstGeom prst="rect">
+            <a:avLst/>
+          </a:prstGeom>
+        </p:spPr>
+      </p:pic>
+      <p:pic>
+        <p:nvPicPr>
+          <p:cNvPr id="140" name="Image 139" descr="latex-image-1.pdf"/>
+          <p:cNvPicPr>
+            <a:picLocks noChangeAspect="1"/>
+          </p:cNvPicPr>
+          <p:nvPr/>
+        </p:nvPicPr>
+        <p:blipFill>
+          <a:blip r:embed="rId7">
+            <a:extLst>
+              <a:ext uri="{28A0092B-C50C-407E-A947-70E740481C1C}">
+                <a14:useLocalDpi xmlns:a14="http://schemas.microsoft.com/office/drawing/2010/main" val="0"/>
+              </a:ext>
+            </a:extLst>
+          </a:blip>
+          <a:stretch>
+            <a:fillRect/>
+          </a:stretch>
+        </p:blipFill>
+        <p:spPr>
+          <a:xfrm>
+            <a:off x="5518261" y="2587999"/>
+            <a:ext cx="139700" cy="101600"/>
+          </a:xfrm>
+          <a:prstGeom prst="rect">
+            <a:avLst/>
+          </a:prstGeom>
+        </p:spPr>
+      </p:pic>
     </p:spTree>
     <p:extLst>
       <p:ext uri="{BB962C8B-B14F-4D97-AF65-F5344CB8AC3E}">
